--- a/Matching.pptx
+++ b/Matching.pptx
@@ -5,17 +5,22 @@
     <p:sldMasterId id="2147483650" r:id="rId1"/>
   </p:sldMasterIdLst>
   <p:notesMasterIdLst>
-    <p:notesMasterId r:id="rId7"/>
+    <p:notesMasterId r:id="rId12"/>
   </p:notesMasterIdLst>
   <p:handoutMasterIdLst>
-    <p:handoutMasterId r:id="rId8"/>
+    <p:handoutMasterId r:id="rId13"/>
   </p:handoutMasterIdLst>
   <p:sldIdLst>
-    <p:sldId id="1324" r:id="rId2"/>
-    <p:sldId id="1326" r:id="rId3"/>
-    <p:sldId id="1327" r:id="rId4"/>
-    <p:sldId id="1325" r:id="rId5"/>
-    <p:sldId id="1328" r:id="rId6"/>
+    <p:sldId id="1330" r:id="rId2"/>
+    <p:sldId id="1331" r:id="rId3"/>
+    <p:sldId id="1332" r:id="rId4"/>
+    <p:sldId id="1333" r:id="rId5"/>
+    <p:sldId id="1324" r:id="rId6"/>
+    <p:sldId id="1329" r:id="rId7"/>
+    <p:sldId id="1326" r:id="rId8"/>
+    <p:sldId id="1327" r:id="rId9"/>
+    <p:sldId id="1325" r:id="rId10"/>
+    <p:sldId id="1328" r:id="rId11"/>
   </p:sldIdLst>
   <p:sldSz cx="9906000" cy="6858000" type="A4"/>
   <p:notesSz cx="7031038" cy="9875838"/>
@@ -383,7 +388,7 @@
           </a:ln>
           <a:extLst>
             <a:ext uri="{909E8E84-426E-40dd-AFC4-6F175D3DCCD1}">
-              <a14:hiddenFill xmlns="" xmlns:a14="http://schemas.microsoft.com/office/drawing/2010/main">
+              <a14:hiddenFill xmlns:a14="http://schemas.microsoft.com/office/drawing/2010/main" xmlns="">
                 <a:solidFill>
                   <a:srgbClr val="FFFFFF"/>
                 </a:solidFill>
@@ -698,6 +703,108 @@
 </p:notesMaster>
 </file>
 
+<file path=ppt/notesSlides/notesSlide1.xml><?xml version="1.0" encoding="utf-8"?>
+<p:notes xmlns:a="http://schemas.openxmlformats.org/drawingml/2006/main" xmlns:r="http://schemas.openxmlformats.org/officeDocument/2006/relationships" xmlns:p="http://schemas.openxmlformats.org/presentationml/2006/main">
+  <p:cSld>
+    <p:spTree>
+      <p:nvGrpSpPr>
+        <p:cNvPr id="1" name=""/>
+        <p:cNvGrpSpPr/>
+        <p:nvPr/>
+      </p:nvGrpSpPr>
+      <p:grpSpPr>
+        <a:xfrm>
+          <a:off x="0" y="0"/>
+          <a:ext cx="0" cy="0"/>
+          <a:chOff x="0" y="0"/>
+          <a:chExt cx="0" cy="0"/>
+        </a:xfrm>
+      </p:grpSpPr>
+      <p:sp>
+        <p:nvSpPr>
+          <p:cNvPr id="2" name="スライド イメージ プレースホルダー 1"/>
+          <p:cNvSpPr>
+            <a:spLocks noGrp="1" noRot="1" noChangeAspect="1"/>
+          </p:cNvSpPr>
+          <p:nvPr>
+            <p:ph type="sldImg"/>
+          </p:nvPr>
+        </p:nvSpPr>
+        <p:spPr/>
+      </p:sp>
+      <p:sp>
+        <p:nvSpPr>
+          <p:cNvPr id="3" name="ノート プレースホルダー 2"/>
+          <p:cNvSpPr>
+            <a:spLocks noGrp="1"/>
+          </p:cNvSpPr>
+          <p:nvPr>
+            <p:ph type="body" idx="1"/>
+          </p:nvPr>
+        </p:nvSpPr>
+        <p:spPr/>
+        <p:txBody>
+          <a:bodyPr/>
+          <a:lstStyle/>
+          <a:p>
+            <a:r>
+              <a:rPr kumimoji="1" lang="en" altLang="ja-JP" dirty="0"/>
+              <a:t>https://</a:t>
+            </a:r>
+            <a:r>
+              <a:rPr kumimoji="1" lang="en" altLang="ja-JP" dirty="0" err="1"/>
+              <a:t>qiita.com</a:t>
+            </a:r>
+            <a:r>
+              <a:rPr kumimoji="1" lang="en" altLang="ja-JP" dirty="0"/>
+              <a:t>/SLEAZOIDS/items/d6fb9c2d131c3fdd1387</a:t>
+            </a:r>
+            <a:endParaRPr kumimoji="1" lang="ja-JP" altLang="en-US"/>
+          </a:p>
+        </p:txBody>
+      </p:sp>
+      <p:sp>
+        <p:nvSpPr>
+          <p:cNvPr id="4" name="スライド番号プレースホルダー 3"/>
+          <p:cNvSpPr>
+            <a:spLocks noGrp="1"/>
+          </p:cNvSpPr>
+          <p:nvPr>
+            <p:ph type="sldNum" sz="quarter" idx="5"/>
+          </p:nvPr>
+        </p:nvSpPr>
+        <p:spPr/>
+        <p:txBody>
+          <a:bodyPr/>
+          <a:lstStyle/>
+          <a:p>
+            <a:pPr>
+              <a:defRPr/>
+            </a:pPr>
+            <a:fld id="{83A5123E-EA03-42B0-B23C-7455D6BF1623}" type="slidenum">
+              <a:rPr lang="ja-JP" altLang="en-US" smtClean="0"/>
+              <a:pPr>
+                <a:defRPr/>
+              </a:pPr>
+              <a:t>5</a:t>
+            </a:fld>
+            <a:endParaRPr lang="en-US" altLang="ja-JP"/>
+          </a:p>
+        </p:txBody>
+      </p:sp>
+    </p:spTree>
+    <p:extLst>
+      <p:ext uri="{BB962C8B-B14F-4D97-AF65-F5344CB8AC3E}">
+        <p14:creationId xmlns:p14="http://schemas.microsoft.com/office/powerpoint/2010/main" val="2810226818"/>
+      </p:ext>
+    </p:extLst>
+  </p:cSld>
+  <p:clrMapOvr>
+    <a:masterClrMapping/>
+  </p:clrMapOvr>
+</p:notes>
+</file>
+
 <file path=ppt/slideLayouts/slideLayout1.xml><?xml version="1.0" encoding="utf-8"?>
 <p:sldLayout xmlns:a="http://schemas.openxmlformats.org/drawingml/2006/main" xmlns:r="http://schemas.openxmlformats.org/officeDocument/2006/relationships" xmlns:p="http://schemas.openxmlformats.org/presentationml/2006/main" showMasterSp="0" preserve="1" userDrawn="1">
   <p:cSld name="Title Slide">
@@ -1480,14 +1587,14 @@
           </a:ln>
           <a:extLst>
             <a:ext uri="{909E8E84-426E-40dd-AFC4-6F175D3DCCD1}">
-              <a14:hiddenFill xmlns="" xmlns:a14="http://schemas.microsoft.com/office/drawing/2010/main">
+              <a14:hiddenFill xmlns:a14="http://schemas.microsoft.com/office/drawing/2010/main" xmlns="">
                 <a:solidFill>
                   <a:srgbClr val="FFFFFF"/>
                 </a:solidFill>
               </a14:hiddenFill>
             </a:ext>
             <a:ext uri="{91240B29-F687-4f45-9708-019B960494DF}">
-              <a14:hiddenLine xmlns="" xmlns:a14="http://schemas.microsoft.com/office/drawing/2010/main" w="9525">
+              <a14:hiddenLine xmlns:a14="http://schemas.microsoft.com/office/drawing/2010/main" xmlns="" w="9525">
                 <a:solidFill>
                   <a:srgbClr val="000000"/>
                 </a:solidFill>
@@ -1537,14 +1644,14 @@
           </a:ln>
           <a:extLst>
             <a:ext uri="{909E8E84-426E-40dd-AFC4-6F175D3DCCD1}">
-              <a14:hiddenFill xmlns="" xmlns:a14="http://schemas.microsoft.com/office/drawing/2010/main">
+              <a14:hiddenFill xmlns:a14="http://schemas.microsoft.com/office/drawing/2010/main" xmlns="">
                 <a:solidFill>
                   <a:srgbClr val="FFFFFF"/>
                 </a:solidFill>
               </a14:hiddenFill>
             </a:ext>
             <a:ext uri="{91240B29-F687-4f45-9708-019B960494DF}">
-              <a14:hiddenLine xmlns="" xmlns:a14="http://schemas.microsoft.com/office/drawing/2010/main" w="9525">
+              <a14:hiddenLine xmlns:a14="http://schemas.microsoft.com/office/drawing/2010/main" xmlns="" w="9525">
                 <a:solidFill>
                   <a:srgbClr val="000000"/>
                 </a:solidFill>
@@ -1593,14 +1700,14 @@
           </a:ln>
           <a:extLst>
             <a:ext uri="{909E8E84-426E-40dd-AFC4-6F175D3DCCD1}">
-              <a14:hiddenFill xmlns="" xmlns:a14="http://schemas.microsoft.com/office/drawing/2010/main">
+              <a14:hiddenFill xmlns:a14="http://schemas.microsoft.com/office/drawing/2010/main" xmlns="">
                 <a:solidFill>
                   <a:srgbClr val="FFFFFF"/>
                 </a:solidFill>
               </a14:hiddenFill>
             </a:ext>
             <a:ext uri="{91240B29-F687-4f45-9708-019B960494DF}">
-              <a14:hiddenLine xmlns="" xmlns:a14="http://schemas.microsoft.com/office/drawing/2010/main" w="9525">
+              <a14:hiddenLine xmlns:a14="http://schemas.microsoft.com/office/drawing/2010/main" xmlns="" w="9525">
                 <a:solidFill>
                   <a:srgbClr val="000000"/>
                 </a:solidFill>
@@ -2064,6 +2171,7752 @@
       </p:grpSpPr>
       <p:sp>
         <p:nvSpPr>
+          <p:cNvPr id="9" name="テキスト ボックス 8">
+            <a:extLst>
+              <a:ext uri="{FF2B5EF4-FFF2-40B4-BE49-F238E27FC236}">
+                <a16:creationId xmlns:a16="http://schemas.microsoft.com/office/drawing/2014/main" id="{DED96F5B-1D56-0D41-ABC9-459C67FC5598}"/>
+              </a:ext>
+            </a:extLst>
+          </p:cNvPr>
+          <p:cNvSpPr txBox="1"/>
+          <p:nvPr/>
+        </p:nvSpPr>
+        <p:spPr>
+          <a:xfrm>
+            <a:off x="272480" y="8620"/>
+            <a:ext cx="9037004" cy="523220"/>
+          </a:xfrm>
+          <a:prstGeom prst="rect">
+            <a:avLst/>
+          </a:prstGeom>
+          <a:noFill/>
+        </p:spPr>
+        <p:txBody>
+          <a:bodyPr wrap="square" rtlCol="0">
+            <a:spAutoFit/>
+          </a:bodyPr>
+          <a:lstStyle/>
+          <a:p>
+            <a:r>
+              <a:rPr kumimoji="1" lang="en-US" altLang="ja-JP" sz="2800" dirty="0"/>
+              <a:t>RDB</a:t>
+            </a:r>
+            <a:r>
+              <a:rPr kumimoji="1" lang="ja-JP" altLang="en-US" sz="2800"/>
+              <a:t>と</a:t>
+            </a:r>
+            <a:r>
+              <a:rPr kumimoji="1" lang="en-US" altLang="ja-JP" sz="2800" dirty="0"/>
+              <a:t>NoSQL</a:t>
+            </a:r>
+            <a:r>
+              <a:rPr kumimoji="1" lang="ja-JP" altLang="en-US" sz="2800"/>
+              <a:t>の比較</a:t>
+            </a:r>
+          </a:p>
+        </p:txBody>
+      </p:sp>
+      <p:graphicFrame>
+        <p:nvGraphicFramePr>
+          <p:cNvPr id="10" name="表 9">
+            <a:extLst>
+              <a:ext uri="{FF2B5EF4-FFF2-40B4-BE49-F238E27FC236}">
+                <a16:creationId xmlns:a16="http://schemas.microsoft.com/office/drawing/2014/main" id="{11200AE2-2938-4C48-B9D2-947C0134B6D9}"/>
+              </a:ext>
+            </a:extLst>
+          </p:cNvPr>
+          <p:cNvGraphicFramePr>
+            <a:graphicFrameLocks noGrp="1"/>
+          </p:cNvGraphicFramePr>
+          <p:nvPr>
+            <p:extLst>
+              <p:ext uri="{D42A27DB-BD31-4B8C-83A1-F6EECF244321}">
+                <p14:modId xmlns:p14="http://schemas.microsoft.com/office/powerpoint/2010/main" val="1926240883"/>
+              </p:ext>
+            </p:extLst>
+          </p:nvPr>
+        </p:nvGraphicFramePr>
+        <p:xfrm>
+          <a:off x="308484" y="512676"/>
+          <a:ext cx="9289032" cy="6266316"/>
+        </p:xfrm>
+        <a:graphic>
+          <a:graphicData uri="http://schemas.openxmlformats.org/drawingml/2006/table">
+            <a:tbl>
+              <a:tblPr firstRow="1" bandRow="1">
+                <a:tableStyleId>{5C22544A-7EE6-4342-B048-85BDC9FD1C3A}</a:tableStyleId>
+              </a:tblPr>
+              <a:tblGrid>
+                <a:gridCol w="1332148">
+                  <a:extLst>
+                    <a:ext uri="{9D8B030D-6E8A-4147-A177-3AD203B41FA5}">
+                      <a16:colId xmlns:a16="http://schemas.microsoft.com/office/drawing/2014/main" val="1775382760"/>
+                    </a:ext>
+                  </a:extLst>
+                </a:gridCol>
+                <a:gridCol w="3888432">
+                  <a:extLst>
+                    <a:ext uri="{9D8B030D-6E8A-4147-A177-3AD203B41FA5}">
+                      <a16:colId xmlns:a16="http://schemas.microsoft.com/office/drawing/2014/main" val="3168741833"/>
+                    </a:ext>
+                  </a:extLst>
+                </a:gridCol>
+                <a:gridCol w="4068452">
+                  <a:extLst>
+                    <a:ext uri="{9D8B030D-6E8A-4147-A177-3AD203B41FA5}">
+                      <a16:colId xmlns:a16="http://schemas.microsoft.com/office/drawing/2014/main" val="2093912373"/>
+                    </a:ext>
+                  </a:extLst>
+                </a:gridCol>
+              </a:tblGrid>
+              <a:tr h="216024">
+                <a:tc>
+                  <a:txBody>
+                    <a:bodyPr/>
+                    <a:lstStyle/>
+                    <a:p>
+                      <a:pPr algn="ctr"/>
+                      <a:r>
+                        <a:rPr kumimoji="1" lang="ja-JP" altLang="en-US" sz="1600" b="1">
+                          <a:solidFill>
+                            <a:schemeClr val="tx1"/>
+                          </a:solidFill>
+                        </a:rPr>
+                        <a:t>比較項目</a:t>
+                      </a:r>
+                    </a:p>
+                  </a:txBody>
+                  <a:tcPr>
+                    <a:lnL w="12700" cap="flat" cmpd="sng" algn="ctr">
+                      <a:solidFill>
+                        <a:schemeClr val="tx1"/>
+                      </a:solidFill>
+                      <a:prstDash val="solid"/>
+                      <a:round/>
+                      <a:headEnd type="none" w="med" len="med"/>
+                      <a:tailEnd type="none" w="med" len="med"/>
+                    </a:lnL>
+                    <a:lnR w="12700" cap="flat" cmpd="sng" algn="ctr">
+                      <a:solidFill>
+                        <a:schemeClr val="tx1"/>
+                      </a:solidFill>
+                      <a:prstDash val="solid"/>
+                      <a:round/>
+                      <a:headEnd type="none" w="med" len="med"/>
+                      <a:tailEnd type="none" w="med" len="med"/>
+                    </a:lnR>
+                    <a:lnT w="12700" cap="flat" cmpd="sng" algn="ctr">
+                      <a:solidFill>
+                        <a:schemeClr val="tx1"/>
+                      </a:solidFill>
+                      <a:prstDash val="solid"/>
+                      <a:round/>
+                      <a:headEnd type="none" w="med" len="med"/>
+                      <a:tailEnd type="none" w="med" len="med"/>
+                    </a:lnT>
+                    <a:lnB w="12700" cap="flat" cmpd="sng" algn="ctr">
+                      <a:solidFill>
+                        <a:schemeClr val="tx1"/>
+                      </a:solidFill>
+                      <a:prstDash val="solid"/>
+                      <a:round/>
+                      <a:headEnd type="none" w="med" len="med"/>
+                      <a:tailEnd type="none" w="med" len="med"/>
+                    </a:lnB>
+                    <a:lnTlToBr w="12700" cmpd="sng">
+                      <a:noFill/>
+                      <a:prstDash val="solid"/>
+                    </a:lnTlToBr>
+                    <a:lnBlToTr w="12700" cmpd="sng">
+                      <a:noFill/>
+                      <a:prstDash val="solid"/>
+                    </a:lnBlToTr>
+                    <a:solidFill>
+                      <a:schemeClr val="accent2">
+                        <a:lumMod val="20000"/>
+                        <a:lumOff val="80000"/>
+                      </a:schemeClr>
+                    </a:solidFill>
+                  </a:tcPr>
+                </a:tc>
+                <a:tc>
+                  <a:txBody>
+                    <a:bodyPr/>
+                    <a:lstStyle/>
+                    <a:p>
+                      <a:pPr algn="ctr"/>
+                      <a:r>
+                        <a:rPr kumimoji="1" lang="ja-JP" altLang="en-US" sz="1600" b="1">
+                          <a:solidFill>
+                            <a:schemeClr val="tx1"/>
+                          </a:solidFill>
+                        </a:rPr>
+                        <a:t>リレーショナルデータベース</a:t>
+                      </a:r>
+                    </a:p>
+                  </a:txBody>
+                  <a:tcPr>
+                    <a:lnL w="12700" cap="flat" cmpd="sng" algn="ctr">
+                      <a:solidFill>
+                        <a:schemeClr val="tx1"/>
+                      </a:solidFill>
+                      <a:prstDash val="solid"/>
+                      <a:round/>
+                      <a:headEnd type="none" w="med" len="med"/>
+                      <a:tailEnd type="none" w="med" len="med"/>
+                    </a:lnL>
+                    <a:lnR w="12700" cap="flat" cmpd="sng" algn="ctr">
+                      <a:solidFill>
+                        <a:schemeClr val="tx1"/>
+                      </a:solidFill>
+                      <a:prstDash val="solid"/>
+                      <a:round/>
+                      <a:headEnd type="none" w="med" len="med"/>
+                      <a:tailEnd type="none" w="med" len="med"/>
+                    </a:lnR>
+                    <a:lnT w="12700" cap="flat" cmpd="sng" algn="ctr">
+                      <a:solidFill>
+                        <a:schemeClr val="tx1"/>
+                      </a:solidFill>
+                      <a:prstDash val="solid"/>
+                      <a:round/>
+                      <a:headEnd type="none" w="med" len="med"/>
+                      <a:tailEnd type="none" w="med" len="med"/>
+                    </a:lnT>
+                    <a:lnB w="12700" cap="flat" cmpd="sng" algn="ctr">
+                      <a:solidFill>
+                        <a:schemeClr val="tx1"/>
+                      </a:solidFill>
+                      <a:prstDash val="solid"/>
+                      <a:round/>
+                      <a:headEnd type="none" w="med" len="med"/>
+                      <a:tailEnd type="none" w="med" len="med"/>
+                    </a:lnB>
+                    <a:lnTlToBr w="12700" cmpd="sng">
+                      <a:noFill/>
+                      <a:prstDash val="solid"/>
+                    </a:lnTlToBr>
+                    <a:lnBlToTr w="12700" cmpd="sng">
+                      <a:noFill/>
+                      <a:prstDash val="solid"/>
+                    </a:lnBlToTr>
+                    <a:solidFill>
+                      <a:schemeClr val="accent2">
+                        <a:lumMod val="20000"/>
+                        <a:lumOff val="80000"/>
+                      </a:schemeClr>
+                    </a:solidFill>
+                  </a:tcPr>
+                </a:tc>
+                <a:tc>
+                  <a:txBody>
+                    <a:bodyPr/>
+                    <a:lstStyle/>
+                    <a:p>
+                      <a:pPr algn="ctr"/>
+                      <a:r>
+                        <a:rPr kumimoji="1" lang="ja-JP" altLang="en-US" sz="1600" b="1">
+                          <a:solidFill>
+                            <a:schemeClr val="tx1"/>
+                          </a:solidFill>
+                        </a:rPr>
+                        <a:t>ドキュメントデータベース</a:t>
+                      </a:r>
+                    </a:p>
+                  </a:txBody>
+                  <a:tcPr>
+                    <a:lnL w="12700" cap="flat" cmpd="sng" algn="ctr">
+                      <a:solidFill>
+                        <a:schemeClr val="tx1"/>
+                      </a:solidFill>
+                      <a:prstDash val="solid"/>
+                      <a:round/>
+                      <a:headEnd type="none" w="med" len="med"/>
+                      <a:tailEnd type="none" w="med" len="med"/>
+                    </a:lnL>
+                    <a:lnR w="12700" cap="flat" cmpd="sng" algn="ctr">
+                      <a:solidFill>
+                        <a:schemeClr val="tx1"/>
+                      </a:solidFill>
+                      <a:prstDash val="solid"/>
+                      <a:round/>
+                      <a:headEnd type="none" w="med" len="med"/>
+                      <a:tailEnd type="none" w="med" len="med"/>
+                    </a:lnR>
+                    <a:lnT w="12700" cap="flat" cmpd="sng" algn="ctr">
+                      <a:solidFill>
+                        <a:schemeClr val="tx1"/>
+                      </a:solidFill>
+                      <a:prstDash val="solid"/>
+                      <a:round/>
+                      <a:headEnd type="none" w="med" len="med"/>
+                      <a:tailEnd type="none" w="med" len="med"/>
+                    </a:lnT>
+                    <a:lnB w="12700" cap="flat" cmpd="sng" algn="ctr">
+                      <a:solidFill>
+                        <a:schemeClr val="tx1"/>
+                      </a:solidFill>
+                      <a:prstDash val="solid"/>
+                      <a:round/>
+                      <a:headEnd type="none" w="med" len="med"/>
+                      <a:tailEnd type="none" w="med" len="med"/>
+                    </a:lnB>
+                    <a:lnTlToBr w="12700" cmpd="sng">
+                      <a:noFill/>
+                      <a:prstDash val="solid"/>
+                    </a:lnTlToBr>
+                    <a:lnBlToTr w="12700" cmpd="sng">
+                      <a:noFill/>
+                      <a:prstDash val="solid"/>
+                    </a:lnBlToTr>
+                    <a:solidFill>
+                      <a:schemeClr val="accent2">
+                        <a:lumMod val="20000"/>
+                        <a:lumOff val="80000"/>
+                      </a:schemeClr>
+                    </a:solidFill>
+                  </a:tcPr>
+                </a:tc>
+                <a:extLst>
+                  <a:ext uri="{0D108BD9-81ED-4DB2-BD59-A6C34878D82A}">
+                    <a16:rowId xmlns:a16="http://schemas.microsoft.com/office/drawing/2014/main" val="2026585013"/>
+                  </a:ext>
+                </a:extLst>
+              </a:tr>
+              <a:tr h="288032">
+                <a:tc>
+                  <a:txBody>
+                    <a:bodyPr/>
+                    <a:lstStyle/>
+                    <a:p>
+                      <a:r>
+                        <a:rPr kumimoji="1" lang="ja-JP" altLang="en-US" sz="1600">
+                          <a:solidFill>
+                            <a:schemeClr val="tx1"/>
+                          </a:solidFill>
+                        </a:rPr>
+                        <a:t>インフラ候補</a:t>
+                      </a:r>
+                    </a:p>
+                  </a:txBody>
+                  <a:tcPr>
+                    <a:lnL w="12700" cap="flat" cmpd="sng" algn="ctr">
+                      <a:solidFill>
+                        <a:schemeClr val="tx1"/>
+                      </a:solidFill>
+                      <a:prstDash val="solid"/>
+                      <a:round/>
+                      <a:headEnd type="none" w="med" len="med"/>
+                      <a:tailEnd type="none" w="med" len="med"/>
+                    </a:lnL>
+                    <a:lnR w="12700" cap="flat" cmpd="sng" algn="ctr">
+                      <a:solidFill>
+                        <a:schemeClr val="tx1"/>
+                      </a:solidFill>
+                      <a:prstDash val="solid"/>
+                      <a:round/>
+                      <a:headEnd type="none" w="med" len="med"/>
+                      <a:tailEnd type="none" w="med" len="med"/>
+                    </a:lnR>
+                    <a:lnT w="12700" cap="flat" cmpd="sng" algn="ctr">
+                      <a:solidFill>
+                        <a:schemeClr val="tx1"/>
+                      </a:solidFill>
+                      <a:prstDash val="solid"/>
+                      <a:round/>
+                      <a:headEnd type="none" w="med" len="med"/>
+                      <a:tailEnd type="none" w="med" len="med"/>
+                    </a:lnT>
+                    <a:lnB w="12700" cap="flat" cmpd="sng" algn="ctr">
+                      <a:solidFill>
+                        <a:schemeClr val="tx1"/>
+                      </a:solidFill>
+                      <a:prstDash val="solid"/>
+                      <a:round/>
+                      <a:headEnd type="none" w="med" len="med"/>
+                      <a:tailEnd type="none" w="med" len="med"/>
+                    </a:lnB>
+                    <a:lnTlToBr w="12700" cmpd="sng">
+                      <a:noFill/>
+                      <a:prstDash val="solid"/>
+                    </a:lnTlToBr>
+                    <a:lnBlToTr w="12700" cmpd="sng">
+                      <a:noFill/>
+                      <a:prstDash val="solid"/>
+                    </a:lnBlToTr>
+                  </a:tcPr>
+                </a:tc>
+                <a:tc>
+                  <a:txBody>
+                    <a:bodyPr/>
+                    <a:lstStyle/>
+                    <a:p>
+                      <a:r>
+                        <a:rPr kumimoji="1" lang="en-US" altLang="ja-JP" sz="1600" dirty="0">
+                          <a:solidFill>
+                            <a:schemeClr val="tx1"/>
+                          </a:solidFill>
+                        </a:rPr>
+                        <a:t>Cloud SQL + GCP</a:t>
+                      </a:r>
+                      <a:r>
+                        <a:rPr kumimoji="1" lang="ja-JP" altLang="en-US" sz="1600">
+                          <a:solidFill>
+                            <a:schemeClr val="tx1"/>
+                          </a:solidFill>
+                        </a:rPr>
+                        <a:t>上に実装した</a:t>
+                      </a:r>
+                      <a:r>
+                        <a:rPr kumimoji="1" lang="en-US" altLang="ja-JP" sz="1600" dirty="0">
+                          <a:solidFill>
+                            <a:schemeClr val="tx1"/>
+                          </a:solidFill>
+                        </a:rPr>
+                        <a:t>API</a:t>
+                      </a:r>
+                      <a:endParaRPr kumimoji="1" lang="ja-JP" altLang="en-US" sz="1600">
+                        <a:solidFill>
+                          <a:schemeClr val="tx1"/>
+                        </a:solidFill>
+                      </a:endParaRPr>
+                    </a:p>
+                  </a:txBody>
+                  <a:tcPr>
+                    <a:lnL w="12700" cap="flat" cmpd="sng" algn="ctr">
+                      <a:solidFill>
+                        <a:schemeClr val="tx1"/>
+                      </a:solidFill>
+                      <a:prstDash val="solid"/>
+                      <a:round/>
+                      <a:headEnd type="none" w="med" len="med"/>
+                      <a:tailEnd type="none" w="med" len="med"/>
+                    </a:lnL>
+                    <a:lnR w="12700" cap="flat" cmpd="sng" algn="ctr">
+                      <a:solidFill>
+                        <a:schemeClr val="tx1"/>
+                      </a:solidFill>
+                      <a:prstDash val="solid"/>
+                      <a:round/>
+                      <a:headEnd type="none" w="med" len="med"/>
+                      <a:tailEnd type="none" w="med" len="med"/>
+                    </a:lnR>
+                    <a:lnT w="12700" cap="flat" cmpd="sng" algn="ctr">
+                      <a:solidFill>
+                        <a:schemeClr val="tx1"/>
+                      </a:solidFill>
+                      <a:prstDash val="solid"/>
+                      <a:round/>
+                      <a:headEnd type="none" w="med" len="med"/>
+                      <a:tailEnd type="none" w="med" len="med"/>
+                    </a:lnT>
+                    <a:lnB w="12700" cap="flat" cmpd="sng" algn="ctr">
+                      <a:solidFill>
+                        <a:schemeClr val="tx1"/>
+                      </a:solidFill>
+                      <a:prstDash val="solid"/>
+                      <a:round/>
+                      <a:headEnd type="none" w="med" len="med"/>
+                      <a:tailEnd type="none" w="med" len="med"/>
+                    </a:lnB>
+                    <a:lnTlToBr w="12700" cmpd="sng">
+                      <a:noFill/>
+                      <a:prstDash val="solid"/>
+                    </a:lnTlToBr>
+                    <a:lnBlToTr w="12700" cmpd="sng">
+                      <a:noFill/>
+                      <a:prstDash val="solid"/>
+                    </a:lnBlToTr>
+                  </a:tcPr>
+                </a:tc>
+                <a:tc>
+                  <a:txBody>
+                    <a:bodyPr/>
+                    <a:lstStyle/>
+                    <a:p>
+                      <a:r>
+                        <a:rPr kumimoji="1" lang="en-US" altLang="ja-JP" sz="1600" b="0" dirty="0">
+                          <a:solidFill>
+                            <a:schemeClr val="tx1"/>
+                          </a:solidFill>
+                        </a:rPr>
+                        <a:t>Firebase firestore</a:t>
+                      </a:r>
+                      <a:endParaRPr kumimoji="1" lang="ja-JP" altLang="en-US" sz="1600" b="0">
+                        <a:solidFill>
+                          <a:schemeClr val="tx1"/>
+                        </a:solidFill>
+                      </a:endParaRPr>
+                    </a:p>
+                  </a:txBody>
+                  <a:tcPr>
+                    <a:lnL w="12700" cap="flat" cmpd="sng" algn="ctr">
+                      <a:solidFill>
+                        <a:schemeClr val="tx1"/>
+                      </a:solidFill>
+                      <a:prstDash val="solid"/>
+                      <a:round/>
+                      <a:headEnd type="none" w="med" len="med"/>
+                      <a:tailEnd type="none" w="med" len="med"/>
+                    </a:lnL>
+                    <a:lnR w="12700" cap="flat" cmpd="sng" algn="ctr">
+                      <a:solidFill>
+                        <a:schemeClr val="tx1"/>
+                      </a:solidFill>
+                      <a:prstDash val="solid"/>
+                      <a:round/>
+                      <a:headEnd type="none" w="med" len="med"/>
+                      <a:tailEnd type="none" w="med" len="med"/>
+                    </a:lnR>
+                    <a:lnT w="12700" cap="flat" cmpd="sng" algn="ctr">
+                      <a:solidFill>
+                        <a:schemeClr val="tx1"/>
+                      </a:solidFill>
+                      <a:prstDash val="solid"/>
+                      <a:round/>
+                      <a:headEnd type="none" w="med" len="med"/>
+                      <a:tailEnd type="none" w="med" len="med"/>
+                    </a:lnT>
+                    <a:lnB w="12700" cap="flat" cmpd="sng" algn="ctr">
+                      <a:solidFill>
+                        <a:schemeClr val="tx1"/>
+                      </a:solidFill>
+                      <a:prstDash val="solid"/>
+                      <a:round/>
+                      <a:headEnd type="none" w="med" len="med"/>
+                      <a:tailEnd type="none" w="med" len="med"/>
+                    </a:lnB>
+                    <a:lnTlToBr w="12700" cmpd="sng">
+                      <a:noFill/>
+                      <a:prstDash val="solid"/>
+                    </a:lnTlToBr>
+                    <a:lnBlToTr w="12700" cmpd="sng">
+                      <a:noFill/>
+                      <a:prstDash val="solid"/>
+                    </a:lnBlToTr>
+                  </a:tcPr>
+                </a:tc>
+                <a:extLst>
+                  <a:ext uri="{0D108BD9-81ED-4DB2-BD59-A6C34878D82A}">
+                    <a16:rowId xmlns:a16="http://schemas.microsoft.com/office/drawing/2014/main" val="3785356585"/>
+                  </a:ext>
+                </a:extLst>
+              </a:tr>
+              <a:tr h="132772">
+                <a:tc>
+                  <a:txBody>
+                    <a:bodyPr/>
+                    <a:lstStyle/>
+                    <a:p>
+                      <a:r>
+                        <a:rPr kumimoji="1" lang="ja-JP" altLang="en-US" sz="1600">
+                          <a:solidFill>
+                            <a:schemeClr val="tx1"/>
+                          </a:solidFill>
+                        </a:rPr>
+                        <a:t>認証認可</a:t>
+                      </a:r>
+                    </a:p>
+                  </a:txBody>
+                  <a:tcPr>
+                    <a:lnL w="12700" cap="flat" cmpd="sng" algn="ctr">
+                      <a:solidFill>
+                        <a:schemeClr val="tx1"/>
+                      </a:solidFill>
+                      <a:prstDash val="solid"/>
+                      <a:round/>
+                      <a:headEnd type="none" w="med" len="med"/>
+                      <a:tailEnd type="none" w="med" len="med"/>
+                    </a:lnL>
+                    <a:lnR w="12700" cap="flat" cmpd="sng" algn="ctr">
+                      <a:solidFill>
+                        <a:schemeClr val="tx1"/>
+                      </a:solidFill>
+                      <a:prstDash val="solid"/>
+                      <a:round/>
+                      <a:headEnd type="none" w="med" len="med"/>
+                      <a:tailEnd type="none" w="med" len="med"/>
+                    </a:lnR>
+                    <a:lnT w="12700" cap="flat" cmpd="sng" algn="ctr">
+                      <a:solidFill>
+                        <a:schemeClr val="tx1"/>
+                      </a:solidFill>
+                      <a:prstDash val="solid"/>
+                      <a:round/>
+                      <a:headEnd type="none" w="med" len="med"/>
+                      <a:tailEnd type="none" w="med" len="med"/>
+                    </a:lnT>
+                    <a:lnB w="12700" cap="flat" cmpd="sng" algn="ctr">
+                      <a:solidFill>
+                        <a:schemeClr val="tx1"/>
+                      </a:solidFill>
+                      <a:prstDash val="solid"/>
+                      <a:round/>
+                      <a:headEnd type="none" w="med" len="med"/>
+                      <a:tailEnd type="none" w="med" len="med"/>
+                    </a:lnB>
+                    <a:lnTlToBr w="12700" cmpd="sng">
+                      <a:noFill/>
+                      <a:prstDash val="solid"/>
+                    </a:lnTlToBr>
+                    <a:lnBlToTr w="12700" cmpd="sng">
+                      <a:noFill/>
+                      <a:prstDash val="solid"/>
+                    </a:lnBlToTr>
+                  </a:tcPr>
+                </a:tc>
+                <a:tc>
+                  <a:txBody>
+                    <a:bodyPr/>
+                    <a:lstStyle/>
+                    <a:p>
+                      <a:r>
+                        <a:rPr kumimoji="1" lang="en-US" altLang="ja-JP" sz="1600" dirty="0">
+                          <a:solidFill>
+                            <a:schemeClr val="tx1"/>
+                          </a:solidFill>
+                        </a:rPr>
+                        <a:t>Firebase Auth</a:t>
+                      </a:r>
+                      <a:endParaRPr kumimoji="1" lang="ja-JP" altLang="en-US" sz="1600">
+                        <a:solidFill>
+                          <a:schemeClr val="tx1"/>
+                        </a:solidFill>
+                      </a:endParaRPr>
+                    </a:p>
+                  </a:txBody>
+                  <a:tcPr>
+                    <a:lnL w="12700" cap="flat" cmpd="sng" algn="ctr">
+                      <a:solidFill>
+                        <a:schemeClr val="tx1"/>
+                      </a:solidFill>
+                      <a:prstDash val="solid"/>
+                      <a:round/>
+                      <a:headEnd type="none" w="med" len="med"/>
+                      <a:tailEnd type="none" w="med" len="med"/>
+                    </a:lnL>
+                    <a:lnR w="12700" cap="flat" cmpd="sng" algn="ctr">
+                      <a:solidFill>
+                        <a:schemeClr val="tx1"/>
+                      </a:solidFill>
+                      <a:prstDash val="solid"/>
+                      <a:round/>
+                      <a:headEnd type="none" w="med" len="med"/>
+                      <a:tailEnd type="none" w="med" len="med"/>
+                    </a:lnR>
+                    <a:lnT w="12700" cap="flat" cmpd="sng" algn="ctr">
+                      <a:solidFill>
+                        <a:schemeClr val="tx1"/>
+                      </a:solidFill>
+                      <a:prstDash val="solid"/>
+                      <a:round/>
+                      <a:headEnd type="none" w="med" len="med"/>
+                      <a:tailEnd type="none" w="med" len="med"/>
+                    </a:lnT>
+                    <a:lnB w="12700" cap="flat" cmpd="sng" algn="ctr">
+                      <a:solidFill>
+                        <a:schemeClr val="tx1"/>
+                      </a:solidFill>
+                      <a:prstDash val="solid"/>
+                      <a:round/>
+                      <a:headEnd type="none" w="med" len="med"/>
+                      <a:tailEnd type="none" w="med" len="med"/>
+                    </a:lnB>
+                    <a:lnTlToBr w="12700" cmpd="sng">
+                      <a:noFill/>
+                      <a:prstDash val="solid"/>
+                    </a:lnTlToBr>
+                    <a:lnBlToTr w="12700" cmpd="sng">
+                      <a:noFill/>
+                      <a:prstDash val="solid"/>
+                    </a:lnBlToTr>
+                  </a:tcPr>
+                </a:tc>
+                <a:tc>
+                  <a:txBody>
+                    <a:bodyPr/>
+                    <a:lstStyle/>
+                    <a:p>
+                      <a:r>
+                        <a:rPr kumimoji="1" lang="en-US" altLang="ja-JP" sz="1600" dirty="0">
+                          <a:solidFill>
+                            <a:schemeClr val="tx1"/>
+                          </a:solidFill>
+                        </a:rPr>
+                        <a:t>Firebase Auth</a:t>
+                      </a:r>
+                      <a:endParaRPr kumimoji="1" lang="ja-JP" altLang="en-US" sz="1600">
+                        <a:solidFill>
+                          <a:schemeClr val="tx1"/>
+                        </a:solidFill>
+                      </a:endParaRPr>
+                    </a:p>
+                  </a:txBody>
+                  <a:tcPr>
+                    <a:lnL w="12700" cap="flat" cmpd="sng" algn="ctr">
+                      <a:solidFill>
+                        <a:schemeClr val="tx1"/>
+                      </a:solidFill>
+                      <a:prstDash val="solid"/>
+                      <a:round/>
+                      <a:headEnd type="none" w="med" len="med"/>
+                      <a:tailEnd type="none" w="med" len="med"/>
+                    </a:lnL>
+                    <a:lnR w="12700" cap="flat" cmpd="sng" algn="ctr">
+                      <a:solidFill>
+                        <a:schemeClr val="tx1"/>
+                      </a:solidFill>
+                      <a:prstDash val="solid"/>
+                      <a:round/>
+                      <a:headEnd type="none" w="med" len="med"/>
+                      <a:tailEnd type="none" w="med" len="med"/>
+                    </a:lnR>
+                    <a:lnT w="12700" cap="flat" cmpd="sng" algn="ctr">
+                      <a:solidFill>
+                        <a:schemeClr val="tx1"/>
+                      </a:solidFill>
+                      <a:prstDash val="solid"/>
+                      <a:round/>
+                      <a:headEnd type="none" w="med" len="med"/>
+                      <a:tailEnd type="none" w="med" len="med"/>
+                    </a:lnT>
+                    <a:lnB w="12700" cap="flat" cmpd="sng" algn="ctr">
+                      <a:solidFill>
+                        <a:schemeClr val="tx1"/>
+                      </a:solidFill>
+                      <a:prstDash val="solid"/>
+                      <a:round/>
+                      <a:headEnd type="none" w="med" len="med"/>
+                      <a:tailEnd type="none" w="med" len="med"/>
+                    </a:lnB>
+                    <a:lnTlToBr w="12700" cmpd="sng">
+                      <a:noFill/>
+                      <a:prstDash val="solid"/>
+                    </a:lnTlToBr>
+                    <a:lnBlToTr w="12700" cmpd="sng">
+                      <a:noFill/>
+                      <a:prstDash val="solid"/>
+                    </a:lnBlToTr>
+                  </a:tcPr>
+                </a:tc>
+                <a:extLst>
+                  <a:ext uri="{0D108BD9-81ED-4DB2-BD59-A6C34878D82A}">
+                    <a16:rowId xmlns:a16="http://schemas.microsoft.com/office/drawing/2014/main" val="1524188885"/>
+                  </a:ext>
+                </a:extLst>
+              </a:tr>
+              <a:tr h="647732">
+                <a:tc>
+                  <a:txBody>
+                    <a:bodyPr/>
+                    <a:lstStyle/>
+                    <a:p>
+                      <a:r>
+                        <a:rPr kumimoji="1" lang="ja-JP" altLang="en-US" sz="1600">
+                          <a:solidFill>
+                            <a:schemeClr val="tx1"/>
+                          </a:solidFill>
+                        </a:rPr>
+                        <a:t>アクセス方法</a:t>
+                      </a:r>
+                    </a:p>
+                  </a:txBody>
+                  <a:tcPr>
+                    <a:lnL w="12700" cap="flat" cmpd="sng" algn="ctr">
+                      <a:solidFill>
+                        <a:schemeClr val="tx1"/>
+                      </a:solidFill>
+                      <a:prstDash val="solid"/>
+                      <a:round/>
+                      <a:headEnd type="none" w="med" len="med"/>
+                      <a:tailEnd type="none" w="med" len="med"/>
+                    </a:lnL>
+                    <a:lnR w="12700" cap="flat" cmpd="sng" algn="ctr">
+                      <a:solidFill>
+                        <a:schemeClr val="tx1"/>
+                      </a:solidFill>
+                      <a:prstDash val="solid"/>
+                      <a:round/>
+                      <a:headEnd type="none" w="med" len="med"/>
+                      <a:tailEnd type="none" w="med" len="med"/>
+                    </a:lnR>
+                    <a:lnT w="12700" cap="flat" cmpd="sng" algn="ctr">
+                      <a:solidFill>
+                        <a:schemeClr val="tx1"/>
+                      </a:solidFill>
+                      <a:prstDash val="solid"/>
+                      <a:round/>
+                      <a:headEnd type="none" w="med" len="med"/>
+                      <a:tailEnd type="none" w="med" len="med"/>
+                    </a:lnT>
+                    <a:lnB w="12700" cap="flat" cmpd="sng" algn="ctr">
+                      <a:solidFill>
+                        <a:schemeClr val="tx1"/>
+                      </a:solidFill>
+                      <a:prstDash val="solid"/>
+                      <a:round/>
+                      <a:headEnd type="none" w="med" len="med"/>
+                      <a:tailEnd type="none" w="med" len="med"/>
+                    </a:lnB>
+                    <a:lnTlToBr w="12700" cmpd="sng">
+                      <a:noFill/>
+                      <a:prstDash val="solid"/>
+                    </a:lnTlToBr>
+                    <a:lnBlToTr w="12700" cmpd="sng">
+                      <a:noFill/>
+                      <a:prstDash val="solid"/>
+                    </a:lnBlToTr>
+                  </a:tcPr>
+                </a:tc>
+                <a:tc>
+                  <a:txBody>
+                    <a:bodyPr/>
+                    <a:lstStyle/>
+                    <a:p>
+                      <a:r>
+                        <a:rPr kumimoji="1" lang="ja-JP" altLang="en-US" sz="1600">
+                          <a:solidFill>
+                            <a:schemeClr val="tx1"/>
+                          </a:solidFill>
+                        </a:rPr>
+                        <a:t>クライアントからの</a:t>
+                      </a:r>
+                      <a:r>
+                        <a:rPr kumimoji="1" lang="en-US" altLang="ja-JP" sz="1600" dirty="0">
+                          <a:solidFill>
+                            <a:schemeClr val="tx1"/>
+                          </a:solidFill>
+                        </a:rPr>
+                        <a:t>Request</a:t>
+                      </a:r>
+                      <a:r>
+                        <a:rPr kumimoji="1" lang="ja-JP" altLang="en-US" sz="1600">
+                          <a:solidFill>
+                            <a:schemeClr val="tx1"/>
+                          </a:solidFill>
+                        </a:rPr>
+                        <a:t>を契機に認証認可を実装した</a:t>
+                      </a:r>
+                      <a:r>
+                        <a:rPr kumimoji="1" lang="en-US" altLang="ja-JP" sz="1600" dirty="0">
+                          <a:solidFill>
+                            <a:schemeClr val="tx1"/>
+                          </a:solidFill>
+                        </a:rPr>
+                        <a:t>API</a:t>
+                      </a:r>
+                      <a:r>
+                        <a:rPr kumimoji="1" lang="ja-JP" altLang="en-US" sz="1600">
+                          <a:solidFill>
+                            <a:schemeClr val="tx1"/>
+                          </a:solidFill>
+                        </a:rPr>
+                        <a:t>経由で</a:t>
+                      </a:r>
+                      <a:r>
+                        <a:rPr kumimoji="1" lang="en-US" altLang="ja-JP" sz="1600" dirty="0">
+                          <a:solidFill>
+                            <a:schemeClr val="tx1"/>
+                          </a:solidFill>
+                        </a:rPr>
+                        <a:t>Response</a:t>
+                      </a:r>
+                      <a:r>
+                        <a:rPr kumimoji="1" lang="ja-JP" altLang="en-US" sz="1600">
+                          <a:solidFill>
+                            <a:schemeClr val="tx1"/>
+                          </a:solidFill>
+                        </a:rPr>
+                        <a:t>を返す</a:t>
+                      </a:r>
+                    </a:p>
+                  </a:txBody>
+                  <a:tcPr>
+                    <a:lnL w="12700" cap="flat" cmpd="sng" algn="ctr">
+                      <a:solidFill>
+                        <a:schemeClr val="tx1"/>
+                      </a:solidFill>
+                      <a:prstDash val="solid"/>
+                      <a:round/>
+                      <a:headEnd type="none" w="med" len="med"/>
+                      <a:tailEnd type="none" w="med" len="med"/>
+                    </a:lnL>
+                    <a:lnR w="12700" cap="flat" cmpd="sng" algn="ctr">
+                      <a:solidFill>
+                        <a:schemeClr val="tx1"/>
+                      </a:solidFill>
+                      <a:prstDash val="solid"/>
+                      <a:round/>
+                      <a:headEnd type="none" w="med" len="med"/>
+                      <a:tailEnd type="none" w="med" len="med"/>
+                    </a:lnR>
+                    <a:lnT w="12700" cap="flat" cmpd="sng" algn="ctr">
+                      <a:solidFill>
+                        <a:schemeClr val="tx1"/>
+                      </a:solidFill>
+                      <a:prstDash val="solid"/>
+                      <a:round/>
+                      <a:headEnd type="none" w="med" len="med"/>
+                      <a:tailEnd type="none" w="med" len="med"/>
+                    </a:lnT>
+                    <a:lnB w="12700" cap="flat" cmpd="sng" algn="ctr">
+                      <a:solidFill>
+                        <a:schemeClr val="tx1"/>
+                      </a:solidFill>
+                      <a:prstDash val="solid"/>
+                      <a:round/>
+                      <a:headEnd type="none" w="med" len="med"/>
+                      <a:tailEnd type="none" w="med" len="med"/>
+                    </a:lnB>
+                    <a:lnTlToBr w="12700" cmpd="sng">
+                      <a:noFill/>
+                      <a:prstDash val="solid"/>
+                    </a:lnTlToBr>
+                    <a:lnBlToTr w="12700" cmpd="sng">
+                      <a:noFill/>
+                      <a:prstDash val="solid"/>
+                    </a:lnBlToTr>
+                  </a:tcPr>
+                </a:tc>
+                <a:tc>
+                  <a:txBody>
+                    <a:bodyPr/>
+                    <a:lstStyle/>
+                    <a:p>
+                      <a:r>
+                        <a:rPr kumimoji="1" lang="en-US" altLang="ja-JP" sz="1600" dirty="0">
+                          <a:solidFill>
+                            <a:schemeClr val="tx1"/>
+                          </a:solidFill>
+                        </a:rPr>
+                        <a:t>firestore</a:t>
+                      </a:r>
+                      <a:r>
+                        <a:rPr kumimoji="1" lang="ja-JP" altLang="en-US" sz="1600">
+                          <a:solidFill>
+                            <a:schemeClr val="tx1"/>
+                          </a:solidFill>
+                        </a:rPr>
+                        <a:t>の状態変化を契機にクライアントの表示を変更できる（チャットシステムに対応）</a:t>
+                      </a:r>
+                    </a:p>
+                  </a:txBody>
+                  <a:tcPr>
+                    <a:lnL w="12700" cap="flat" cmpd="sng" algn="ctr">
+                      <a:solidFill>
+                        <a:schemeClr val="tx1"/>
+                      </a:solidFill>
+                      <a:prstDash val="solid"/>
+                      <a:round/>
+                      <a:headEnd type="none" w="med" len="med"/>
+                      <a:tailEnd type="none" w="med" len="med"/>
+                    </a:lnL>
+                    <a:lnR w="12700" cap="flat" cmpd="sng" algn="ctr">
+                      <a:solidFill>
+                        <a:schemeClr val="tx1"/>
+                      </a:solidFill>
+                      <a:prstDash val="solid"/>
+                      <a:round/>
+                      <a:headEnd type="none" w="med" len="med"/>
+                      <a:tailEnd type="none" w="med" len="med"/>
+                    </a:lnR>
+                    <a:lnT w="12700" cap="flat" cmpd="sng" algn="ctr">
+                      <a:solidFill>
+                        <a:schemeClr val="tx1"/>
+                      </a:solidFill>
+                      <a:prstDash val="solid"/>
+                      <a:round/>
+                      <a:headEnd type="none" w="med" len="med"/>
+                      <a:tailEnd type="none" w="med" len="med"/>
+                    </a:lnT>
+                    <a:lnB w="12700" cap="flat" cmpd="sng" algn="ctr">
+                      <a:solidFill>
+                        <a:schemeClr val="tx1"/>
+                      </a:solidFill>
+                      <a:prstDash val="solid"/>
+                      <a:round/>
+                      <a:headEnd type="none" w="med" len="med"/>
+                      <a:tailEnd type="none" w="med" len="med"/>
+                    </a:lnB>
+                    <a:lnTlToBr w="12700" cmpd="sng">
+                      <a:noFill/>
+                      <a:prstDash val="solid"/>
+                    </a:lnTlToBr>
+                    <a:lnBlToTr w="12700" cmpd="sng">
+                      <a:noFill/>
+                      <a:prstDash val="solid"/>
+                    </a:lnBlToTr>
+                  </a:tcPr>
+                </a:tc>
+                <a:extLst>
+                  <a:ext uri="{0D108BD9-81ED-4DB2-BD59-A6C34878D82A}">
+                    <a16:rowId xmlns:a16="http://schemas.microsoft.com/office/drawing/2014/main" val="3212411959"/>
+                  </a:ext>
+                </a:extLst>
+              </a:tr>
+              <a:tr h="864096">
+                <a:tc>
+                  <a:txBody>
+                    <a:bodyPr/>
+                    <a:lstStyle/>
+                    <a:p>
+                      <a:r>
+                        <a:rPr kumimoji="1" lang="ja-JP" altLang="en-US" sz="1600">
+                          <a:solidFill>
+                            <a:schemeClr val="tx1"/>
+                          </a:solidFill>
+                        </a:rPr>
+                        <a:t>インフラ運用</a:t>
+                      </a:r>
+                    </a:p>
+                  </a:txBody>
+                  <a:tcPr>
+                    <a:lnL w="12700" cap="flat" cmpd="sng" algn="ctr">
+                      <a:solidFill>
+                        <a:schemeClr val="tx1"/>
+                      </a:solidFill>
+                      <a:prstDash val="solid"/>
+                      <a:round/>
+                      <a:headEnd type="none" w="med" len="med"/>
+                      <a:tailEnd type="none" w="med" len="med"/>
+                    </a:lnL>
+                    <a:lnR w="12700" cap="flat" cmpd="sng" algn="ctr">
+                      <a:solidFill>
+                        <a:schemeClr val="tx1"/>
+                      </a:solidFill>
+                      <a:prstDash val="solid"/>
+                      <a:round/>
+                      <a:headEnd type="none" w="med" len="med"/>
+                      <a:tailEnd type="none" w="med" len="med"/>
+                    </a:lnR>
+                    <a:lnT w="12700" cap="flat" cmpd="sng" algn="ctr">
+                      <a:solidFill>
+                        <a:schemeClr val="tx1"/>
+                      </a:solidFill>
+                      <a:prstDash val="solid"/>
+                      <a:round/>
+                      <a:headEnd type="none" w="med" len="med"/>
+                      <a:tailEnd type="none" w="med" len="med"/>
+                    </a:lnT>
+                    <a:lnB w="12700" cap="flat" cmpd="sng" algn="ctr">
+                      <a:solidFill>
+                        <a:schemeClr val="tx1"/>
+                      </a:solidFill>
+                      <a:prstDash val="solid"/>
+                      <a:round/>
+                      <a:headEnd type="none" w="med" len="med"/>
+                      <a:tailEnd type="none" w="med" len="med"/>
+                    </a:lnB>
+                    <a:lnTlToBr w="12700" cmpd="sng">
+                      <a:noFill/>
+                      <a:prstDash val="solid"/>
+                    </a:lnTlToBr>
+                    <a:lnBlToTr w="12700" cmpd="sng">
+                      <a:noFill/>
+                      <a:prstDash val="solid"/>
+                    </a:lnBlToTr>
+                  </a:tcPr>
+                </a:tc>
+                <a:tc>
+                  <a:txBody>
+                    <a:bodyPr/>
+                    <a:lstStyle/>
+                    <a:p>
+                      <a:r>
+                        <a:rPr kumimoji="1" lang="en-US" altLang="ja-JP" sz="1600" dirty="0">
+                          <a:solidFill>
+                            <a:schemeClr val="tx1"/>
+                          </a:solidFill>
+                        </a:rPr>
+                        <a:t>Cloud SQL</a:t>
+                      </a:r>
+                      <a:r>
+                        <a:rPr kumimoji="1" lang="ja-JP" altLang="en-US" sz="1600">
+                          <a:solidFill>
+                            <a:schemeClr val="tx1"/>
+                          </a:solidFill>
+                        </a:rPr>
+                        <a:t>はマネージドサービス</a:t>
+                      </a:r>
+                      <a:r>
+                        <a:rPr kumimoji="1" lang="ja-JP" altLang="en-US" sz="1600" b="0" i="0" kern="1200">
+                          <a:solidFill>
+                            <a:schemeClr val="tx1"/>
+                          </a:solidFill>
+                          <a:effectLst/>
+                          <a:latin typeface="+mn-lt"/>
+                          <a:ea typeface="+mn-ea"/>
+                          <a:cs typeface="+mn-cs"/>
+                        </a:rPr>
+                        <a:t>で</a:t>
+                      </a:r>
+                      <a:r>
+                        <a:rPr lang="ja-JP" altLang="en-US" sz="1600" b="0" i="0" kern="1200">
+                          <a:solidFill>
+                            <a:schemeClr val="dk1"/>
+                          </a:solidFill>
+                          <a:effectLst/>
+                          <a:latin typeface="+mn-lt"/>
+                          <a:ea typeface="+mn-ea"/>
+                          <a:cs typeface="+mn-cs"/>
+                        </a:rPr>
+                        <a:t>信頼性、安全性、スケーラビリティ自動確保</a:t>
+                      </a:r>
+                      <a:r>
+                        <a:rPr lang="en-US" altLang="ja-JP" sz="1600" b="0" i="0" kern="1200" dirty="0">
+                          <a:solidFill>
+                            <a:schemeClr val="dk1"/>
+                          </a:solidFill>
+                          <a:effectLst/>
+                          <a:latin typeface="+mn-lt"/>
+                          <a:ea typeface="+mn-ea"/>
+                          <a:cs typeface="+mn-cs"/>
+                        </a:rPr>
+                        <a:t>99.95% </a:t>
+                      </a:r>
+                      <a:r>
+                        <a:rPr lang="ja-JP" altLang="en-US" sz="1600" b="0" i="0" kern="1200">
+                          <a:solidFill>
+                            <a:schemeClr val="dk1"/>
+                          </a:solidFill>
+                          <a:effectLst/>
+                          <a:latin typeface="+mn-lt"/>
+                          <a:ea typeface="+mn-ea"/>
+                          <a:cs typeface="+mn-cs"/>
+                        </a:rPr>
+                        <a:t>を超える可用性確保。</a:t>
+                      </a:r>
+                      <a:r>
+                        <a:rPr lang="en-US" altLang="ja-JP" sz="1600" b="0" i="0" kern="1200" dirty="0">
+                          <a:solidFill>
+                            <a:schemeClr val="dk1"/>
+                          </a:solidFill>
+                          <a:effectLst/>
+                          <a:latin typeface="+mn-lt"/>
+                          <a:ea typeface="+mn-ea"/>
+                          <a:cs typeface="+mn-cs"/>
+                        </a:rPr>
+                        <a:t>GCP</a:t>
+                      </a:r>
+                      <a:r>
+                        <a:rPr lang="ja-JP" altLang="en-US" sz="1600" b="0" i="0" kern="1200">
+                          <a:solidFill>
+                            <a:schemeClr val="dk1"/>
+                          </a:solidFill>
+                          <a:effectLst/>
+                          <a:latin typeface="+mn-lt"/>
+                          <a:ea typeface="+mn-ea"/>
+                          <a:cs typeface="+mn-cs"/>
+                        </a:rPr>
+                        <a:t>上に実装した</a:t>
+                      </a:r>
+                      <a:r>
+                        <a:rPr lang="en-US" altLang="ja-JP" sz="1600" b="0" i="0" kern="1200" dirty="0">
+                          <a:solidFill>
+                            <a:schemeClr val="dk1"/>
+                          </a:solidFill>
+                          <a:effectLst/>
+                          <a:latin typeface="+mn-lt"/>
+                          <a:ea typeface="+mn-ea"/>
+                          <a:cs typeface="+mn-cs"/>
+                        </a:rPr>
+                        <a:t>API</a:t>
+                      </a:r>
+                      <a:r>
+                        <a:rPr lang="ja-JP" altLang="en-US" sz="1600" b="0" i="0" kern="1200">
+                          <a:solidFill>
+                            <a:schemeClr val="dk1"/>
+                          </a:solidFill>
+                          <a:effectLst/>
+                          <a:latin typeface="+mn-lt"/>
+                          <a:ea typeface="+mn-ea"/>
+                          <a:cs typeface="+mn-cs"/>
+                        </a:rPr>
+                        <a:t>は可用性実装と運用実装が必要。</a:t>
+                      </a:r>
+                      <a:endParaRPr kumimoji="1" lang="ja-JP" altLang="en-US" sz="1600">
+                        <a:solidFill>
+                          <a:schemeClr val="tx1"/>
+                        </a:solidFill>
+                      </a:endParaRPr>
+                    </a:p>
+                  </a:txBody>
+                  <a:tcPr>
+                    <a:lnL w="12700" cap="flat" cmpd="sng" algn="ctr">
+                      <a:solidFill>
+                        <a:schemeClr val="tx1"/>
+                      </a:solidFill>
+                      <a:prstDash val="solid"/>
+                      <a:round/>
+                      <a:headEnd type="none" w="med" len="med"/>
+                      <a:tailEnd type="none" w="med" len="med"/>
+                    </a:lnL>
+                    <a:lnR w="12700" cap="flat" cmpd="sng" algn="ctr">
+                      <a:solidFill>
+                        <a:schemeClr val="tx1"/>
+                      </a:solidFill>
+                      <a:prstDash val="solid"/>
+                      <a:round/>
+                      <a:headEnd type="none" w="med" len="med"/>
+                      <a:tailEnd type="none" w="med" len="med"/>
+                    </a:lnR>
+                    <a:lnT w="12700" cap="flat" cmpd="sng" algn="ctr">
+                      <a:solidFill>
+                        <a:schemeClr val="tx1"/>
+                      </a:solidFill>
+                      <a:prstDash val="solid"/>
+                      <a:round/>
+                      <a:headEnd type="none" w="med" len="med"/>
+                      <a:tailEnd type="none" w="med" len="med"/>
+                    </a:lnT>
+                    <a:lnB w="12700" cap="flat" cmpd="sng" algn="ctr">
+                      <a:solidFill>
+                        <a:schemeClr val="tx1"/>
+                      </a:solidFill>
+                      <a:prstDash val="solid"/>
+                      <a:round/>
+                      <a:headEnd type="none" w="med" len="med"/>
+                      <a:tailEnd type="none" w="med" len="med"/>
+                    </a:lnB>
+                    <a:lnTlToBr w="12700" cmpd="sng">
+                      <a:noFill/>
+                      <a:prstDash val="solid"/>
+                    </a:lnTlToBr>
+                    <a:lnBlToTr w="12700" cmpd="sng">
+                      <a:noFill/>
+                      <a:prstDash val="solid"/>
+                    </a:lnBlToTr>
+                  </a:tcPr>
+                </a:tc>
+                <a:tc>
+                  <a:txBody>
+                    <a:bodyPr/>
+                    <a:lstStyle/>
+                    <a:p>
+                      <a:r>
+                        <a:rPr kumimoji="1" lang="ja-JP" altLang="en-US" sz="1600">
+                          <a:solidFill>
+                            <a:schemeClr val="tx1"/>
+                          </a:solidFill>
+                        </a:rPr>
+                        <a:t>マネージドサービス</a:t>
+                      </a:r>
+                      <a:r>
+                        <a:rPr kumimoji="1" lang="ja-JP" altLang="en-US" sz="1600" b="0" i="0" kern="1200">
+                          <a:solidFill>
+                            <a:schemeClr val="tx1"/>
+                          </a:solidFill>
+                          <a:effectLst/>
+                          <a:latin typeface="+mn-lt"/>
+                          <a:ea typeface="+mn-ea"/>
+                          <a:cs typeface="+mn-cs"/>
+                        </a:rPr>
+                        <a:t>で</a:t>
+                      </a:r>
+                      <a:r>
+                        <a:rPr lang="ja-JP" altLang="en-US" sz="1600" b="0" i="0" kern="1200">
+                          <a:solidFill>
+                            <a:schemeClr val="dk1"/>
+                          </a:solidFill>
+                          <a:effectLst/>
+                          <a:latin typeface="+mn-lt"/>
+                          <a:ea typeface="+mn-ea"/>
+                          <a:cs typeface="+mn-cs"/>
+                        </a:rPr>
+                        <a:t>信頼性、安全性、</a:t>
+                      </a:r>
+                      <a:br>
+                        <a:rPr lang="en-US" altLang="ja-JP" sz="1600" b="0" i="0" kern="1200" dirty="0">
+                          <a:solidFill>
+                            <a:schemeClr val="dk1"/>
+                          </a:solidFill>
+                          <a:effectLst/>
+                          <a:latin typeface="+mn-lt"/>
+                          <a:ea typeface="+mn-ea"/>
+                          <a:cs typeface="+mn-cs"/>
+                        </a:rPr>
+                      </a:br>
+                      <a:r>
+                        <a:rPr lang="ja-JP" altLang="en-US" sz="1600" b="0" i="0" kern="1200">
+                          <a:solidFill>
+                            <a:schemeClr val="dk1"/>
+                          </a:solidFill>
+                          <a:effectLst/>
+                          <a:latin typeface="+mn-lt"/>
+                          <a:ea typeface="+mn-ea"/>
+                          <a:cs typeface="+mn-cs"/>
+                        </a:rPr>
+                        <a:t>スケーラビリティ自動確保</a:t>
+                      </a:r>
+                      <a:endParaRPr kumimoji="1" lang="ja-JP" altLang="en-US" sz="1600">
+                        <a:solidFill>
+                          <a:schemeClr val="tx1"/>
+                        </a:solidFill>
+                      </a:endParaRPr>
+                    </a:p>
+                  </a:txBody>
+                  <a:tcPr>
+                    <a:lnL w="12700" cap="flat" cmpd="sng" algn="ctr">
+                      <a:solidFill>
+                        <a:schemeClr val="tx1"/>
+                      </a:solidFill>
+                      <a:prstDash val="solid"/>
+                      <a:round/>
+                      <a:headEnd type="none" w="med" len="med"/>
+                      <a:tailEnd type="none" w="med" len="med"/>
+                    </a:lnL>
+                    <a:lnR w="12700" cap="flat" cmpd="sng" algn="ctr">
+                      <a:solidFill>
+                        <a:schemeClr val="tx1"/>
+                      </a:solidFill>
+                      <a:prstDash val="solid"/>
+                      <a:round/>
+                      <a:headEnd type="none" w="med" len="med"/>
+                      <a:tailEnd type="none" w="med" len="med"/>
+                    </a:lnR>
+                    <a:lnT w="12700" cap="flat" cmpd="sng" algn="ctr">
+                      <a:solidFill>
+                        <a:schemeClr val="tx1"/>
+                      </a:solidFill>
+                      <a:prstDash val="solid"/>
+                      <a:round/>
+                      <a:headEnd type="none" w="med" len="med"/>
+                      <a:tailEnd type="none" w="med" len="med"/>
+                    </a:lnT>
+                    <a:lnB w="12700" cap="flat" cmpd="sng" algn="ctr">
+                      <a:solidFill>
+                        <a:schemeClr val="tx1"/>
+                      </a:solidFill>
+                      <a:prstDash val="solid"/>
+                      <a:round/>
+                      <a:headEnd type="none" w="med" len="med"/>
+                      <a:tailEnd type="none" w="med" len="med"/>
+                    </a:lnB>
+                    <a:lnTlToBr w="12700" cmpd="sng">
+                      <a:noFill/>
+                      <a:prstDash val="solid"/>
+                    </a:lnTlToBr>
+                    <a:lnBlToTr w="12700" cmpd="sng">
+                      <a:noFill/>
+                      <a:prstDash val="solid"/>
+                    </a:lnBlToTr>
+                  </a:tcPr>
+                </a:tc>
+                <a:extLst>
+                  <a:ext uri="{0D108BD9-81ED-4DB2-BD59-A6C34878D82A}">
+                    <a16:rowId xmlns:a16="http://schemas.microsoft.com/office/drawing/2014/main" val="2692704103"/>
+                  </a:ext>
+                </a:extLst>
+              </a:tr>
+              <a:tr h="827522">
+                <a:tc>
+                  <a:txBody>
+                    <a:bodyPr/>
+                    <a:lstStyle/>
+                    <a:p>
+                      <a:r>
+                        <a:rPr kumimoji="1" lang="ja-JP" altLang="en-US" sz="1600">
+                          <a:solidFill>
+                            <a:schemeClr val="tx1"/>
+                          </a:solidFill>
+                        </a:rPr>
+                        <a:t>開発物</a:t>
+                      </a:r>
+                    </a:p>
+                  </a:txBody>
+                  <a:tcPr>
+                    <a:lnL w="12700" cap="flat" cmpd="sng" algn="ctr">
+                      <a:solidFill>
+                        <a:schemeClr val="tx1"/>
+                      </a:solidFill>
+                      <a:prstDash val="solid"/>
+                      <a:round/>
+                      <a:headEnd type="none" w="med" len="med"/>
+                      <a:tailEnd type="none" w="med" len="med"/>
+                    </a:lnL>
+                    <a:lnR w="12700" cap="flat" cmpd="sng" algn="ctr">
+                      <a:solidFill>
+                        <a:schemeClr val="tx1"/>
+                      </a:solidFill>
+                      <a:prstDash val="solid"/>
+                      <a:round/>
+                      <a:headEnd type="none" w="med" len="med"/>
+                      <a:tailEnd type="none" w="med" len="med"/>
+                    </a:lnR>
+                    <a:lnT w="12700" cap="flat" cmpd="sng" algn="ctr">
+                      <a:solidFill>
+                        <a:schemeClr val="tx1"/>
+                      </a:solidFill>
+                      <a:prstDash val="solid"/>
+                      <a:round/>
+                      <a:headEnd type="none" w="med" len="med"/>
+                      <a:tailEnd type="none" w="med" len="med"/>
+                    </a:lnT>
+                    <a:lnB w="12700" cap="flat" cmpd="sng" algn="ctr">
+                      <a:solidFill>
+                        <a:schemeClr val="tx1"/>
+                      </a:solidFill>
+                      <a:prstDash val="solid"/>
+                      <a:round/>
+                      <a:headEnd type="none" w="med" len="med"/>
+                      <a:tailEnd type="none" w="med" len="med"/>
+                    </a:lnB>
+                    <a:lnTlToBr w="12700" cmpd="sng">
+                      <a:noFill/>
+                      <a:prstDash val="solid"/>
+                    </a:lnTlToBr>
+                    <a:lnBlToTr w="12700" cmpd="sng">
+                      <a:noFill/>
+                      <a:prstDash val="solid"/>
+                    </a:lnBlToTr>
+                  </a:tcPr>
+                </a:tc>
+                <a:tc>
+                  <a:txBody>
+                    <a:bodyPr/>
+                    <a:lstStyle/>
+                    <a:p>
+                      <a:r>
+                        <a:rPr kumimoji="1" lang="ja-JP" altLang="en-US" sz="1600">
+                          <a:solidFill>
+                            <a:srgbClr val="FF0000"/>
+                          </a:solidFill>
+                        </a:rPr>
+                        <a:t>テーブル定義</a:t>
+                      </a:r>
+                      <a:endParaRPr kumimoji="1" lang="en-US" altLang="ja-JP" sz="1600" dirty="0">
+                        <a:solidFill>
+                          <a:srgbClr val="FF0000"/>
+                        </a:solidFill>
+                      </a:endParaRPr>
+                    </a:p>
+                    <a:p>
+                      <a:r>
+                        <a:rPr kumimoji="1" lang="en-US" altLang="ja-JP" sz="1600" dirty="0">
+                          <a:solidFill>
+                            <a:srgbClr val="FF0000"/>
+                          </a:solidFill>
+                        </a:rPr>
+                        <a:t>OR</a:t>
+                      </a:r>
+                      <a:r>
+                        <a:rPr kumimoji="1" lang="ja-JP" altLang="en-US" sz="1600">
+                          <a:solidFill>
+                            <a:srgbClr val="FF0000"/>
+                          </a:solidFill>
+                        </a:rPr>
+                        <a:t>マッピング設計</a:t>
+                      </a:r>
+                      <a:endParaRPr kumimoji="1" lang="en-US" altLang="ja-JP" sz="1600" dirty="0">
+                        <a:solidFill>
+                          <a:srgbClr val="FF0000"/>
+                        </a:solidFill>
+                      </a:endParaRPr>
+                    </a:p>
+                    <a:p>
+                      <a:r>
+                        <a:rPr kumimoji="1" lang="en-US" altLang="ja-JP" sz="1600" dirty="0">
+                          <a:solidFill>
+                            <a:srgbClr val="FF0000"/>
+                          </a:solidFill>
+                        </a:rPr>
+                        <a:t>API</a:t>
+                      </a:r>
+                      <a:r>
+                        <a:rPr kumimoji="1" lang="ja-JP" altLang="en-US" sz="1600">
+                          <a:solidFill>
+                            <a:srgbClr val="FF0000"/>
+                          </a:solidFill>
+                        </a:rPr>
+                        <a:t>の作成</a:t>
+                      </a:r>
+                      <a:endParaRPr kumimoji="1" lang="en-US" altLang="ja-JP" sz="1600" dirty="0">
+                        <a:solidFill>
+                          <a:srgbClr val="FF0000"/>
+                        </a:solidFill>
+                      </a:endParaRPr>
+                    </a:p>
+                    <a:p>
+                      <a:r>
+                        <a:rPr kumimoji="1" lang="en-US" altLang="ja-JP" sz="1600" dirty="0">
+                          <a:solidFill>
+                            <a:srgbClr val="FF0000"/>
+                          </a:solidFill>
+                        </a:rPr>
+                        <a:t>API</a:t>
+                      </a:r>
+                      <a:r>
+                        <a:rPr kumimoji="1" lang="ja-JP" altLang="en-US" sz="1600">
+                          <a:solidFill>
+                            <a:srgbClr val="FF0000"/>
+                          </a:solidFill>
+                        </a:rPr>
+                        <a:t>の認証認可の作成</a:t>
+                      </a:r>
+                      <a:endParaRPr kumimoji="1" lang="en-US" altLang="ja-JP" sz="1600" dirty="0">
+                        <a:solidFill>
+                          <a:srgbClr val="FF0000"/>
+                        </a:solidFill>
+                      </a:endParaRPr>
+                    </a:p>
+                    <a:p>
+                      <a:r>
+                        <a:rPr kumimoji="1" lang="en-US" altLang="ja-JP" sz="1600" dirty="0">
+                          <a:solidFill>
+                            <a:srgbClr val="FF0000"/>
+                          </a:solidFill>
+                        </a:rPr>
+                        <a:t>API</a:t>
+                      </a:r>
+                      <a:r>
+                        <a:rPr kumimoji="1" lang="ja-JP" altLang="en-US" sz="1600">
+                          <a:solidFill>
+                            <a:srgbClr val="FF0000"/>
+                          </a:solidFill>
+                        </a:rPr>
+                        <a:t>を呼び出すクライアント実装</a:t>
+                      </a:r>
+                      <a:endParaRPr kumimoji="1" lang="en-US" altLang="ja-JP" sz="1600" dirty="0">
+                        <a:solidFill>
+                          <a:srgbClr val="FF0000"/>
+                        </a:solidFill>
+                      </a:endParaRPr>
+                    </a:p>
+                  </a:txBody>
+                  <a:tcPr>
+                    <a:lnL w="12700" cap="flat" cmpd="sng" algn="ctr">
+                      <a:solidFill>
+                        <a:schemeClr val="tx1"/>
+                      </a:solidFill>
+                      <a:prstDash val="solid"/>
+                      <a:round/>
+                      <a:headEnd type="none" w="med" len="med"/>
+                      <a:tailEnd type="none" w="med" len="med"/>
+                    </a:lnL>
+                    <a:lnR w="12700" cap="flat" cmpd="sng" algn="ctr">
+                      <a:solidFill>
+                        <a:schemeClr val="tx1"/>
+                      </a:solidFill>
+                      <a:prstDash val="solid"/>
+                      <a:round/>
+                      <a:headEnd type="none" w="med" len="med"/>
+                      <a:tailEnd type="none" w="med" len="med"/>
+                    </a:lnR>
+                    <a:lnT w="12700" cap="flat" cmpd="sng" algn="ctr">
+                      <a:solidFill>
+                        <a:schemeClr val="tx1"/>
+                      </a:solidFill>
+                      <a:prstDash val="solid"/>
+                      <a:round/>
+                      <a:headEnd type="none" w="med" len="med"/>
+                      <a:tailEnd type="none" w="med" len="med"/>
+                    </a:lnT>
+                    <a:lnB w="12700" cap="flat" cmpd="sng" algn="ctr">
+                      <a:solidFill>
+                        <a:schemeClr val="tx1"/>
+                      </a:solidFill>
+                      <a:prstDash val="solid"/>
+                      <a:round/>
+                      <a:headEnd type="none" w="med" len="med"/>
+                      <a:tailEnd type="none" w="med" len="med"/>
+                    </a:lnB>
+                    <a:lnTlToBr w="12700" cmpd="sng">
+                      <a:noFill/>
+                      <a:prstDash val="solid"/>
+                    </a:lnTlToBr>
+                    <a:lnBlToTr w="12700" cmpd="sng">
+                      <a:noFill/>
+                      <a:prstDash val="solid"/>
+                    </a:lnBlToTr>
+                  </a:tcPr>
+                </a:tc>
+                <a:tc>
+                  <a:txBody>
+                    <a:bodyPr/>
+                    <a:lstStyle/>
+                    <a:p>
+                      <a:r>
+                        <a:rPr kumimoji="1" lang="ja-JP" altLang="en-US" sz="1600">
+                          <a:solidFill>
+                            <a:srgbClr val="3333CC"/>
+                          </a:solidFill>
+                        </a:rPr>
+                        <a:t>コレクションとドキュメント定義</a:t>
+                      </a:r>
+                      <a:endParaRPr kumimoji="1" lang="en-US" altLang="ja-JP" sz="1600" dirty="0">
+                        <a:solidFill>
+                          <a:srgbClr val="3333CC"/>
+                        </a:solidFill>
+                      </a:endParaRPr>
+                    </a:p>
+                    <a:p>
+                      <a:r>
+                        <a:rPr kumimoji="1" lang="en-US" altLang="ja-JP" sz="1600" dirty="0">
+                          <a:solidFill>
+                            <a:srgbClr val="3333CC"/>
+                          </a:solidFill>
+                        </a:rPr>
+                        <a:t>firestore</a:t>
+                      </a:r>
+                      <a:r>
+                        <a:rPr kumimoji="1" lang="ja-JP" altLang="en-US" sz="1600">
+                          <a:solidFill>
+                            <a:srgbClr val="3333CC"/>
+                          </a:solidFill>
+                        </a:rPr>
+                        <a:t>を呼び出すクライアント実装</a:t>
+                      </a:r>
+                      <a:endParaRPr kumimoji="1" lang="en-US" altLang="ja-JP" sz="1600" dirty="0">
+                        <a:solidFill>
+                          <a:srgbClr val="3333CC"/>
+                        </a:solidFill>
+                      </a:endParaRPr>
+                    </a:p>
+                    <a:p>
+                      <a:r>
+                        <a:rPr kumimoji="1" lang="ja-JP" altLang="en-US" sz="1600">
+                          <a:solidFill>
+                            <a:srgbClr val="3333CC"/>
+                          </a:solidFill>
+                        </a:rPr>
+                        <a:t>インデックスとセキュリティルール作成</a:t>
+                      </a:r>
+                      <a:endParaRPr kumimoji="1" lang="en-US" altLang="ja-JP" sz="1600" dirty="0">
+                        <a:solidFill>
+                          <a:srgbClr val="3333CC"/>
+                        </a:solidFill>
+                      </a:endParaRPr>
+                    </a:p>
+                  </a:txBody>
+                  <a:tcPr>
+                    <a:lnL w="12700" cap="flat" cmpd="sng" algn="ctr">
+                      <a:solidFill>
+                        <a:schemeClr val="tx1"/>
+                      </a:solidFill>
+                      <a:prstDash val="solid"/>
+                      <a:round/>
+                      <a:headEnd type="none" w="med" len="med"/>
+                      <a:tailEnd type="none" w="med" len="med"/>
+                    </a:lnL>
+                    <a:lnR w="12700" cap="flat" cmpd="sng" algn="ctr">
+                      <a:solidFill>
+                        <a:schemeClr val="tx1"/>
+                      </a:solidFill>
+                      <a:prstDash val="solid"/>
+                      <a:round/>
+                      <a:headEnd type="none" w="med" len="med"/>
+                      <a:tailEnd type="none" w="med" len="med"/>
+                    </a:lnR>
+                    <a:lnT w="12700" cap="flat" cmpd="sng" algn="ctr">
+                      <a:solidFill>
+                        <a:schemeClr val="tx1"/>
+                      </a:solidFill>
+                      <a:prstDash val="solid"/>
+                      <a:round/>
+                      <a:headEnd type="none" w="med" len="med"/>
+                      <a:tailEnd type="none" w="med" len="med"/>
+                    </a:lnT>
+                    <a:lnB w="12700" cap="flat" cmpd="sng" algn="ctr">
+                      <a:solidFill>
+                        <a:schemeClr val="tx1"/>
+                      </a:solidFill>
+                      <a:prstDash val="solid"/>
+                      <a:round/>
+                      <a:headEnd type="none" w="med" len="med"/>
+                      <a:tailEnd type="none" w="med" len="med"/>
+                    </a:lnB>
+                    <a:lnTlToBr w="12700" cmpd="sng">
+                      <a:noFill/>
+                      <a:prstDash val="solid"/>
+                    </a:lnTlToBr>
+                    <a:lnBlToTr w="12700" cmpd="sng">
+                      <a:noFill/>
+                      <a:prstDash val="solid"/>
+                    </a:lnBlToTr>
+                  </a:tcPr>
+                </a:tc>
+                <a:extLst>
+                  <a:ext uri="{0D108BD9-81ED-4DB2-BD59-A6C34878D82A}">
+                    <a16:rowId xmlns:a16="http://schemas.microsoft.com/office/drawing/2014/main" val="1503557792"/>
+                  </a:ext>
+                </a:extLst>
+              </a:tr>
+              <a:tr h="589384">
+                <a:tc>
+                  <a:txBody>
+                    <a:bodyPr/>
+                    <a:lstStyle/>
+                    <a:p>
+                      <a:pPr marL="0" marR="0" lvl="0" indent="0" algn="l" defTabSz="914400" rtl="0" eaLnBrk="1" fontAlgn="auto" latinLnBrk="0" hangingPunct="1">
+                        <a:lnSpc>
+                          <a:spcPct val="100000"/>
+                        </a:lnSpc>
+                        <a:spcBef>
+                          <a:spcPts val="0"/>
+                        </a:spcBef>
+                        <a:spcAft>
+                          <a:spcPts val="0"/>
+                        </a:spcAft>
+                        <a:buClrTx/>
+                        <a:buSzTx/>
+                        <a:buFontTx/>
+                        <a:buNone/>
+                        <a:tabLst/>
+                        <a:defRPr/>
+                      </a:pPr>
+                      <a:r>
+                        <a:rPr kumimoji="1" lang="ja-JP" altLang="en-US" sz="1600">
+                          <a:solidFill>
+                            <a:schemeClr val="tx1"/>
+                          </a:solidFill>
+                        </a:rPr>
+                        <a:t>拡張性</a:t>
+                      </a:r>
+                    </a:p>
+                  </a:txBody>
+                  <a:tcPr>
+                    <a:lnL w="12700" cap="flat" cmpd="sng" algn="ctr">
+                      <a:solidFill>
+                        <a:schemeClr val="tx1"/>
+                      </a:solidFill>
+                      <a:prstDash val="solid"/>
+                      <a:round/>
+                      <a:headEnd type="none" w="med" len="med"/>
+                      <a:tailEnd type="none" w="med" len="med"/>
+                    </a:lnL>
+                    <a:lnR w="12700" cap="flat" cmpd="sng" algn="ctr">
+                      <a:solidFill>
+                        <a:schemeClr val="tx1"/>
+                      </a:solidFill>
+                      <a:prstDash val="solid"/>
+                      <a:round/>
+                      <a:headEnd type="none" w="med" len="med"/>
+                      <a:tailEnd type="none" w="med" len="med"/>
+                    </a:lnR>
+                    <a:lnT w="12700" cap="flat" cmpd="sng" algn="ctr">
+                      <a:solidFill>
+                        <a:schemeClr val="tx1"/>
+                      </a:solidFill>
+                      <a:prstDash val="solid"/>
+                      <a:round/>
+                      <a:headEnd type="none" w="med" len="med"/>
+                      <a:tailEnd type="none" w="med" len="med"/>
+                    </a:lnT>
+                    <a:lnB w="12700" cap="flat" cmpd="sng" algn="ctr">
+                      <a:solidFill>
+                        <a:schemeClr val="tx1"/>
+                      </a:solidFill>
+                      <a:prstDash val="solid"/>
+                      <a:round/>
+                      <a:headEnd type="none" w="med" len="med"/>
+                      <a:tailEnd type="none" w="med" len="med"/>
+                    </a:lnB>
+                    <a:lnTlToBr w="12700" cmpd="sng">
+                      <a:noFill/>
+                      <a:prstDash val="solid"/>
+                    </a:lnTlToBr>
+                    <a:lnBlToTr w="12700" cmpd="sng">
+                      <a:noFill/>
+                      <a:prstDash val="solid"/>
+                    </a:lnBlToTr>
+                  </a:tcPr>
+                </a:tc>
+                <a:tc>
+                  <a:txBody>
+                    <a:bodyPr/>
+                    <a:lstStyle/>
+                    <a:p>
+                      <a:pPr marL="0" marR="0" lvl="0" indent="0" algn="l" defTabSz="914400" rtl="0" eaLnBrk="1" fontAlgn="auto" latinLnBrk="0" hangingPunct="1">
+                        <a:lnSpc>
+                          <a:spcPct val="100000"/>
+                        </a:lnSpc>
+                        <a:spcBef>
+                          <a:spcPts val="0"/>
+                        </a:spcBef>
+                        <a:spcAft>
+                          <a:spcPts val="0"/>
+                        </a:spcAft>
+                        <a:buClrTx/>
+                        <a:buSzTx/>
+                        <a:buFontTx/>
+                        <a:buNone/>
+                        <a:tabLst/>
+                        <a:defRPr/>
+                      </a:pPr>
+                      <a:r>
+                        <a:rPr lang="en-US" altLang="ja-JP" sz="1600" b="0" i="0" kern="1200" dirty="0">
+                          <a:solidFill>
+                            <a:schemeClr val="dk1"/>
+                          </a:solidFill>
+                          <a:effectLst/>
+                          <a:latin typeface="+mn-lt"/>
+                          <a:ea typeface="+mn-ea"/>
+                          <a:cs typeface="+mn-cs"/>
+                        </a:rPr>
+                        <a:t>Cloud SQL</a:t>
+                      </a:r>
+                      <a:r>
+                        <a:rPr lang="ja-JP" altLang="en-US" sz="1600" b="0" i="0" kern="1200">
+                          <a:solidFill>
+                            <a:schemeClr val="dk1"/>
+                          </a:solidFill>
+                          <a:effectLst/>
+                          <a:latin typeface="+mn-lt"/>
+                          <a:ea typeface="+mn-ea"/>
+                          <a:cs typeface="+mn-cs"/>
+                        </a:rPr>
+                        <a:t>は容量増加自動確保</a:t>
+                      </a:r>
+                      <a:endParaRPr lang="en-US" altLang="ja-JP" sz="1600" b="0" i="0" kern="1200" dirty="0">
+                        <a:solidFill>
+                          <a:schemeClr val="dk1"/>
+                        </a:solidFill>
+                        <a:effectLst/>
+                        <a:latin typeface="+mn-lt"/>
+                        <a:ea typeface="+mn-ea"/>
+                        <a:cs typeface="+mn-cs"/>
+                      </a:endParaRPr>
+                    </a:p>
+                    <a:p>
+                      <a:pPr marL="0" marR="0" lvl="0" indent="0" algn="l" defTabSz="914400" rtl="0" eaLnBrk="1" fontAlgn="auto" latinLnBrk="0" hangingPunct="1">
+                        <a:lnSpc>
+                          <a:spcPct val="100000"/>
+                        </a:lnSpc>
+                        <a:spcBef>
+                          <a:spcPts val="0"/>
+                        </a:spcBef>
+                        <a:spcAft>
+                          <a:spcPts val="0"/>
+                        </a:spcAft>
+                        <a:buClrTx/>
+                        <a:buSzTx/>
+                        <a:buFontTx/>
+                        <a:buNone/>
+                        <a:tabLst/>
+                        <a:defRPr/>
+                      </a:pPr>
+                      <a:endParaRPr kumimoji="1" lang="ja-JP" altLang="en-US" sz="1600">
+                        <a:solidFill>
+                          <a:schemeClr val="tx1"/>
+                        </a:solidFill>
+                      </a:endParaRPr>
+                    </a:p>
+                  </a:txBody>
+                  <a:tcPr>
+                    <a:lnL w="12700" cap="flat" cmpd="sng" algn="ctr">
+                      <a:solidFill>
+                        <a:schemeClr val="tx1"/>
+                      </a:solidFill>
+                      <a:prstDash val="solid"/>
+                      <a:round/>
+                      <a:headEnd type="none" w="med" len="med"/>
+                      <a:tailEnd type="none" w="med" len="med"/>
+                    </a:lnL>
+                    <a:lnR w="12700" cap="flat" cmpd="sng" algn="ctr">
+                      <a:solidFill>
+                        <a:schemeClr val="tx1"/>
+                      </a:solidFill>
+                      <a:prstDash val="solid"/>
+                      <a:round/>
+                      <a:headEnd type="none" w="med" len="med"/>
+                      <a:tailEnd type="none" w="med" len="med"/>
+                    </a:lnR>
+                    <a:lnT w="12700" cap="flat" cmpd="sng" algn="ctr">
+                      <a:solidFill>
+                        <a:schemeClr val="tx1"/>
+                      </a:solidFill>
+                      <a:prstDash val="solid"/>
+                      <a:round/>
+                      <a:headEnd type="none" w="med" len="med"/>
+                      <a:tailEnd type="none" w="med" len="med"/>
+                    </a:lnT>
+                    <a:lnB w="12700" cap="flat" cmpd="sng" algn="ctr">
+                      <a:solidFill>
+                        <a:schemeClr val="tx1"/>
+                      </a:solidFill>
+                      <a:prstDash val="solid"/>
+                      <a:round/>
+                      <a:headEnd type="none" w="med" len="med"/>
+                      <a:tailEnd type="none" w="med" len="med"/>
+                    </a:lnB>
+                    <a:lnTlToBr w="12700" cmpd="sng">
+                      <a:noFill/>
+                      <a:prstDash val="solid"/>
+                    </a:lnTlToBr>
+                    <a:lnBlToTr w="12700" cmpd="sng">
+                      <a:noFill/>
+                      <a:prstDash val="solid"/>
+                    </a:lnBlToTr>
+                  </a:tcPr>
+                </a:tc>
+                <a:tc>
+                  <a:txBody>
+                    <a:bodyPr/>
+                    <a:lstStyle/>
+                    <a:p>
+                      <a:r>
+                        <a:rPr lang="en-US" altLang="ja-JP" sz="1600" b="0" i="0" kern="1200" dirty="0">
+                          <a:solidFill>
+                            <a:schemeClr val="dk1"/>
+                          </a:solidFill>
+                          <a:effectLst/>
+                          <a:latin typeface="+mn-lt"/>
+                          <a:ea typeface="+mn-ea"/>
+                          <a:cs typeface="+mn-cs"/>
+                        </a:rPr>
+                        <a:t>firestore</a:t>
+                      </a:r>
+                      <a:r>
+                        <a:rPr lang="ja-JP" altLang="en-US" sz="1600" b="0" i="0" kern="1200">
+                          <a:solidFill>
+                            <a:schemeClr val="dk1"/>
+                          </a:solidFill>
+                          <a:effectLst/>
+                          <a:latin typeface="+mn-lt"/>
+                          <a:ea typeface="+mn-ea"/>
+                          <a:cs typeface="+mn-cs"/>
+                        </a:rPr>
+                        <a:t>は容量増加自動確保</a:t>
+                      </a:r>
+                      <a:endParaRPr lang="en-US" altLang="ja-JP" sz="1600" b="0" i="0" kern="1200" dirty="0">
+                        <a:solidFill>
+                          <a:schemeClr val="dk1"/>
+                        </a:solidFill>
+                        <a:effectLst/>
+                        <a:latin typeface="+mn-lt"/>
+                        <a:ea typeface="+mn-ea"/>
+                        <a:cs typeface="+mn-cs"/>
+                      </a:endParaRPr>
+                    </a:p>
+                    <a:p>
+                      <a:r>
+                        <a:rPr kumimoji="1" lang="ja-JP" altLang="en-US" sz="1600" b="0" i="0" kern="1200">
+                          <a:solidFill>
+                            <a:srgbClr val="3333CC"/>
+                          </a:solidFill>
+                          <a:effectLst/>
+                          <a:latin typeface="+mn-lt"/>
+                          <a:ea typeface="+mn-ea"/>
+                          <a:cs typeface="+mn-cs"/>
+                        </a:rPr>
+                        <a:t>スキーマレスのためアプリの拡張がしやすい</a:t>
+                      </a:r>
+                      <a:endParaRPr kumimoji="1" lang="ja-JP" altLang="en-US" sz="1600">
+                        <a:solidFill>
+                          <a:srgbClr val="3333CC"/>
+                        </a:solidFill>
+                      </a:endParaRPr>
+                    </a:p>
+                  </a:txBody>
+                  <a:tcPr>
+                    <a:lnL w="12700" cap="flat" cmpd="sng" algn="ctr">
+                      <a:solidFill>
+                        <a:schemeClr val="tx1"/>
+                      </a:solidFill>
+                      <a:prstDash val="solid"/>
+                      <a:round/>
+                      <a:headEnd type="none" w="med" len="med"/>
+                      <a:tailEnd type="none" w="med" len="med"/>
+                    </a:lnL>
+                    <a:lnR w="12700" cap="flat" cmpd="sng" algn="ctr">
+                      <a:solidFill>
+                        <a:schemeClr val="tx1"/>
+                      </a:solidFill>
+                      <a:prstDash val="solid"/>
+                      <a:round/>
+                      <a:headEnd type="none" w="med" len="med"/>
+                      <a:tailEnd type="none" w="med" len="med"/>
+                    </a:lnR>
+                    <a:lnT w="12700" cap="flat" cmpd="sng" algn="ctr">
+                      <a:solidFill>
+                        <a:schemeClr val="tx1"/>
+                      </a:solidFill>
+                      <a:prstDash val="solid"/>
+                      <a:round/>
+                      <a:headEnd type="none" w="med" len="med"/>
+                      <a:tailEnd type="none" w="med" len="med"/>
+                    </a:lnT>
+                    <a:lnB w="12700" cap="flat" cmpd="sng" algn="ctr">
+                      <a:solidFill>
+                        <a:schemeClr val="tx1"/>
+                      </a:solidFill>
+                      <a:prstDash val="solid"/>
+                      <a:round/>
+                      <a:headEnd type="none" w="med" len="med"/>
+                      <a:tailEnd type="none" w="med" len="med"/>
+                    </a:lnB>
+                    <a:lnTlToBr w="12700" cmpd="sng">
+                      <a:noFill/>
+                      <a:prstDash val="solid"/>
+                    </a:lnTlToBr>
+                    <a:lnBlToTr w="12700" cmpd="sng">
+                      <a:noFill/>
+                      <a:prstDash val="solid"/>
+                    </a:lnBlToTr>
+                  </a:tcPr>
+                </a:tc>
+                <a:extLst>
+                  <a:ext uri="{0D108BD9-81ED-4DB2-BD59-A6C34878D82A}">
+                    <a16:rowId xmlns:a16="http://schemas.microsoft.com/office/drawing/2014/main" val="2534487959"/>
+                  </a:ext>
+                </a:extLst>
+              </a:tr>
+              <a:tr h="288032">
+                <a:tc>
+                  <a:txBody>
+                    <a:bodyPr/>
+                    <a:lstStyle/>
+                    <a:p>
+                      <a:r>
+                        <a:rPr kumimoji="1" lang="ja-JP" altLang="en-US" sz="1600">
+                          <a:solidFill>
+                            <a:schemeClr val="tx1"/>
+                          </a:solidFill>
+                        </a:rPr>
+                        <a:t>開発環境</a:t>
+                      </a:r>
+                    </a:p>
+                  </a:txBody>
+                  <a:tcPr>
+                    <a:lnL w="12700" cap="flat" cmpd="sng" algn="ctr">
+                      <a:solidFill>
+                        <a:schemeClr val="tx1"/>
+                      </a:solidFill>
+                      <a:prstDash val="solid"/>
+                      <a:round/>
+                      <a:headEnd type="none" w="med" len="med"/>
+                      <a:tailEnd type="none" w="med" len="med"/>
+                    </a:lnL>
+                    <a:lnR w="12700" cap="flat" cmpd="sng" algn="ctr">
+                      <a:solidFill>
+                        <a:schemeClr val="tx1"/>
+                      </a:solidFill>
+                      <a:prstDash val="solid"/>
+                      <a:round/>
+                      <a:headEnd type="none" w="med" len="med"/>
+                      <a:tailEnd type="none" w="med" len="med"/>
+                    </a:lnR>
+                    <a:lnT w="12700" cap="flat" cmpd="sng" algn="ctr">
+                      <a:solidFill>
+                        <a:schemeClr val="tx1"/>
+                      </a:solidFill>
+                      <a:prstDash val="solid"/>
+                      <a:round/>
+                      <a:headEnd type="none" w="med" len="med"/>
+                      <a:tailEnd type="none" w="med" len="med"/>
+                    </a:lnT>
+                    <a:lnB w="12700" cap="flat" cmpd="sng" algn="ctr">
+                      <a:solidFill>
+                        <a:schemeClr val="tx1"/>
+                      </a:solidFill>
+                      <a:prstDash val="solid"/>
+                      <a:round/>
+                      <a:headEnd type="none" w="med" len="med"/>
+                      <a:tailEnd type="none" w="med" len="med"/>
+                    </a:lnB>
+                    <a:lnTlToBr w="12700" cmpd="sng">
+                      <a:noFill/>
+                      <a:prstDash val="solid"/>
+                    </a:lnTlToBr>
+                    <a:lnBlToTr w="12700" cmpd="sng">
+                      <a:noFill/>
+                      <a:prstDash val="solid"/>
+                    </a:lnBlToTr>
+                  </a:tcPr>
+                </a:tc>
+                <a:tc>
+                  <a:txBody>
+                    <a:bodyPr/>
+                    <a:lstStyle/>
+                    <a:p>
+                      <a:r>
+                        <a:rPr kumimoji="1" lang="ja-JP" altLang="en-US" sz="1600">
+                          <a:solidFill>
+                            <a:schemeClr val="tx1"/>
+                          </a:solidFill>
+                        </a:rPr>
+                        <a:t>ローカルに</a:t>
+                      </a:r>
+                      <a:r>
+                        <a:rPr kumimoji="1" lang="en-US" altLang="ja-JP" sz="1600" dirty="0">
+                          <a:solidFill>
+                            <a:schemeClr val="tx1"/>
+                          </a:solidFill>
+                        </a:rPr>
+                        <a:t>PostgreSQL</a:t>
+                      </a:r>
+                      <a:r>
+                        <a:rPr kumimoji="1" lang="ja-JP" altLang="en-US" sz="1600">
+                          <a:solidFill>
+                            <a:schemeClr val="tx1"/>
+                          </a:solidFill>
+                        </a:rPr>
+                        <a:t>を設置</a:t>
+                      </a:r>
+                    </a:p>
+                  </a:txBody>
+                  <a:tcPr>
+                    <a:lnL w="12700" cap="flat" cmpd="sng" algn="ctr">
+                      <a:solidFill>
+                        <a:schemeClr val="tx1"/>
+                      </a:solidFill>
+                      <a:prstDash val="solid"/>
+                      <a:round/>
+                      <a:headEnd type="none" w="med" len="med"/>
+                      <a:tailEnd type="none" w="med" len="med"/>
+                    </a:lnL>
+                    <a:lnR w="12700" cap="flat" cmpd="sng" algn="ctr">
+                      <a:solidFill>
+                        <a:schemeClr val="tx1"/>
+                      </a:solidFill>
+                      <a:prstDash val="solid"/>
+                      <a:round/>
+                      <a:headEnd type="none" w="med" len="med"/>
+                      <a:tailEnd type="none" w="med" len="med"/>
+                    </a:lnR>
+                    <a:lnT w="12700" cap="flat" cmpd="sng" algn="ctr">
+                      <a:solidFill>
+                        <a:schemeClr val="tx1"/>
+                      </a:solidFill>
+                      <a:prstDash val="solid"/>
+                      <a:round/>
+                      <a:headEnd type="none" w="med" len="med"/>
+                      <a:tailEnd type="none" w="med" len="med"/>
+                    </a:lnT>
+                    <a:lnB w="12700" cap="flat" cmpd="sng" algn="ctr">
+                      <a:solidFill>
+                        <a:schemeClr val="tx1"/>
+                      </a:solidFill>
+                      <a:prstDash val="solid"/>
+                      <a:round/>
+                      <a:headEnd type="none" w="med" len="med"/>
+                      <a:tailEnd type="none" w="med" len="med"/>
+                    </a:lnB>
+                    <a:lnTlToBr w="12700" cmpd="sng">
+                      <a:noFill/>
+                      <a:prstDash val="solid"/>
+                    </a:lnTlToBr>
+                    <a:lnBlToTr w="12700" cmpd="sng">
+                      <a:noFill/>
+                      <a:prstDash val="solid"/>
+                    </a:lnBlToTr>
+                  </a:tcPr>
+                </a:tc>
+                <a:tc>
+                  <a:txBody>
+                    <a:bodyPr/>
+                    <a:lstStyle/>
+                    <a:p>
+                      <a:r>
+                        <a:rPr kumimoji="1" lang="ja-JP" altLang="en-US" sz="1600">
+                          <a:solidFill>
+                            <a:schemeClr val="tx1"/>
+                          </a:solidFill>
+                        </a:rPr>
+                        <a:t>ローカルエミュレータ</a:t>
+                      </a:r>
+                    </a:p>
+                  </a:txBody>
+                  <a:tcPr>
+                    <a:lnL w="12700" cap="flat" cmpd="sng" algn="ctr">
+                      <a:solidFill>
+                        <a:schemeClr val="tx1"/>
+                      </a:solidFill>
+                      <a:prstDash val="solid"/>
+                      <a:round/>
+                      <a:headEnd type="none" w="med" len="med"/>
+                      <a:tailEnd type="none" w="med" len="med"/>
+                    </a:lnL>
+                    <a:lnR w="12700" cap="flat" cmpd="sng" algn="ctr">
+                      <a:solidFill>
+                        <a:schemeClr val="tx1"/>
+                      </a:solidFill>
+                      <a:prstDash val="solid"/>
+                      <a:round/>
+                      <a:headEnd type="none" w="med" len="med"/>
+                      <a:tailEnd type="none" w="med" len="med"/>
+                    </a:lnR>
+                    <a:lnT w="12700" cap="flat" cmpd="sng" algn="ctr">
+                      <a:solidFill>
+                        <a:schemeClr val="tx1"/>
+                      </a:solidFill>
+                      <a:prstDash val="solid"/>
+                      <a:round/>
+                      <a:headEnd type="none" w="med" len="med"/>
+                      <a:tailEnd type="none" w="med" len="med"/>
+                    </a:lnT>
+                    <a:lnB w="12700" cap="flat" cmpd="sng" algn="ctr">
+                      <a:solidFill>
+                        <a:schemeClr val="tx1"/>
+                      </a:solidFill>
+                      <a:prstDash val="solid"/>
+                      <a:round/>
+                      <a:headEnd type="none" w="med" len="med"/>
+                      <a:tailEnd type="none" w="med" len="med"/>
+                    </a:lnB>
+                    <a:lnTlToBr w="12700" cmpd="sng">
+                      <a:noFill/>
+                      <a:prstDash val="solid"/>
+                    </a:lnTlToBr>
+                    <a:lnBlToTr w="12700" cmpd="sng">
+                      <a:noFill/>
+                      <a:prstDash val="solid"/>
+                    </a:lnBlToTr>
+                  </a:tcPr>
+                </a:tc>
+                <a:extLst>
+                  <a:ext uri="{0D108BD9-81ED-4DB2-BD59-A6C34878D82A}">
+                    <a16:rowId xmlns:a16="http://schemas.microsoft.com/office/drawing/2014/main" val="275812231"/>
+                  </a:ext>
+                </a:extLst>
+              </a:tr>
+              <a:tr h="1140884">
+                <a:tc>
+                  <a:txBody>
+                    <a:bodyPr/>
+                    <a:lstStyle/>
+                    <a:p>
+                      <a:r>
+                        <a:rPr kumimoji="1" lang="ja-JP" altLang="en-US" sz="1600">
+                          <a:solidFill>
+                            <a:schemeClr val="tx1"/>
+                          </a:solidFill>
+                        </a:rPr>
+                        <a:t>特徴・留意点</a:t>
+                      </a:r>
+                    </a:p>
+                  </a:txBody>
+                  <a:tcPr>
+                    <a:lnL w="12700" cap="flat" cmpd="sng" algn="ctr">
+                      <a:solidFill>
+                        <a:schemeClr val="tx1"/>
+                      </a:solidFill>
+                      <a:prstDash val="solid"/>
+                      <a:round/>
+                      <a:headEnd type="none" w="med" len="med"/>
+                      <a:tailEnd type="none" w="med" len="med"/>
+                    </a:lnL>
+                    <a:lnR w="12700" cap="flat" cmpd="sng" algn="ctr">
+                      <a:solidFill>
+                        <a:schemeClr val="tx1"/>
+                      </a:solidFill>
+                      <a:prstDash val="solid"/>
+                      <a:round/>
+                      <a:headEnd type="none" w="med" len="med"/>
+                      <a:tailEnd type="none" w="med" len="med"/>
+                    </a:lnR>
+                    <a:lnT w="12700" cap="flat" cmpd="sng" algn="ctr">
+                      <a:solidFill>
+                        <a:schemeClr val="tx1"/>
+                      </a:solidFill>
+                      <a:prstDash val="solid"/>
+                      <a:round/>
+                      <a:headEnd type="none" w="med" len="med"/>
+                      <a:tailEnd type="none" w="med" len="med"/>
+                    </a:lnT>
+                    <a:lnB w="12700" cap="flat" cmpd="sng" algn="ctr">
+                      <a:solidFill>
+                        <a:schemeClr val="tx1"/>
+                      </a:solidFill>
+                      <a:prstDash val="solid"/>
+                      <a:round/>
+                      <a:headEnd type="none" w="med" len="med"/>
+                      <a:tailEnd type="none" w="med" len="med"/>
+                    </a:lnB>
+                    <a:lnTlToBr w="12700" cmpd="sng">
+                      <a:noFill/>
+                      <a:prstDash val="solid"/>
+                    </a:lnTlToBr>
+                    <a:lnBlToTr w="12700" cmpd="sng">
+                      <a:noFill/>
+                      <a:prstDash val="solid"/>
+                    </a:lnBlToTr>
+                  </a:tcPr>
+                </a:tc>
+                <a:tc>
+                  <a:txBody>
+                    <a:bodyPr/>
+                    <a:lstStyle/>
+                    <a:p>
+                      <a:r>
+                        <a:rPr kumimoji="1" lang="ja-JP" altLang="en-US" sz="1600">
+                          <a:solidFill>
+                            <a:schemeClr val="tx1"/>
+                          </a:solidFill>
+                        </a:rPr>
+                        <a:t>開発と運用保守に追加コストがかかる</a:t>
+                      </a:r>
+                    </a:p>
+                  </a:txBody>
+                  <a:tcPr>
+                    <a:lnL w="12700" cap="flat" cmpd="sng" algn="ctr">
+                      <a:solidFill>
+                        <a:schemeClr val="tx1"/>
+                      </a:solidFill>
+                      <a:prstDash val="solid"/>
+                      <a:round/>
+                      <a:headEnd type="none" w="med" len="med"/>
+                      <a:tailEnd type="none" w="med" len="med"/>
+                    </a:lnL>
+                    <a:lnR w="12700" cap="flat" cmpd="sng" algn="ctr">
+                      <a:solidFill>
+                        <a:schemeClr val="tx1"/>
+                      </a:solidFill>
+                      <a:prstDash val="solid"/>
+                      <a:round/>
+                      <a:headEnd type="none" w="med" len="med"/>
+                      <a:tailEnd type="none" w="med" len="med"/>
+                    </a:lnR>
+                    <a:lnT w="12700" cap="flat" cmpd="sng" algn="ctr">
+                      <a:solidFill>
+                        <a:schemeClr val="tx1"/>
+                      </a:solidFill>
+                      <a:prstDash val="solid"/>
+                      <a:round/>
+                      <a:headEnd type="none" w="med" len="med"/>
+                      <a:tailEnd type="none" w="med" len="med"/>
+                    </a:lnT>
+                    <a:lnB w="12700" cap="flat" cmpd="sng" algn="ctr">
+                      <a:solidFill>
+                        <a:schemeClr val="tx1"/>
+                      </a:solidFill>
+                      <a:prstDash val="solid"/>
+                      <a:round/>
+                      <a:headEnd type="none" w="med" len="med"/>
+                      <a:tailEnd type="none" w="med" len="med"/>
+                    </a:lnB>
+                    <a:lnTlToBr w="12700" cmpd="sng">
+                      <a:noFill/>
+                      <a:prstDash val="solid"/>
+                    </a:lnTlToBr>
+                    <a:lnBlToTr w="12700" cmpd="sng">
+                      <a:noFill/>
+                      <a:prstDash val="solid"/>
+                    </a:lnBlToTr>
+                  </a:tcPr>
+                </a:tc>
+                <a:tc>
+                  <a:txBody>
+                    <a:bodyPr/>
+                    <a:lstStyle/>
+                    <a:p>
+                      <a:r>
+                        <a:rPr kumimoji="1" lang="ja-JP" altLang="en-US" sz="1600">
+                          <a:solidFill>
+                            <a:schemeClr val="accent4"/>
+                          </a:solidFill>
+                        </a:rPr>
+                        <a:t>ドキュメントの更新は</a:t>
+                      </a:r>
+                      <a:r>
+                        <a:rPr kumimoji="1" lang="en-US" altLang="ja-JP" sz="1600" dirty="0">
+                          <a:solidFill>
+                            <a:schemeClr val="accent4"/>
+                          </a:solidFill>
+                        </a:rPr>
+                        <a:t>1</a:t>
+                      </a:r>
+                      <a:r>
+                        <a:rPr kumimoji="1" lang="ja-JP" altLang="en-US" sz="1600">
+                          <a:solidFill>
+                            <a:schemeClr val="accent4"/>
+                          </a:solidFill>
+                        </a:rPr>
+                        <a:t>秒に</a:t>
+                      </a:r>
+                      <a:r>
+                        <a:rPr kumimoji="1" lang="en-US" altLang="ja-JP" sz="1600" dirty="0">
+                          <a:solidFill>
+                            <a:schemeClr val="accent4"/>
+                          </a:solidFill>
+                        </a:rPr>
+                        <a:t>1</a:t>
+                      </a:r>
+                      <a:r>
+                        <a:rPr kumimoji="1" lang="ja-JP" altLang="en-US" sz="1600">
+                          <a:solidFill>
+                            <a:schemeClr val="accent4"/>
+                          </a:solidFill>
+                        </a:rPr>
+                        <a:t>回</a:t>
+                      </a:r>
+                      <a:endParaRPr kumimoji="1" lang="en-US" altLang="ja-JP" sz="1600" dirty="0">
+                        <a:solidFill>
+                          <a:schemeClr val="accent4"/>
+                        </a:solidFill>
+                      </a:endParaRPr>
+                    </a:p>
+                    <a:p>
+                      <a:r>
+                        <a:rPr kumimoji="1" lang="ja-JP" altLang="en-US" sz="1600">
+                          <a:solidFill>
+                            <a:schemeClr val="accent4"/>
+                          </a:solidFill>
+                        </a:rPr>
+                        <a:t>ドキュメントの最大サイズは</a:t>
+                      </a:r>
+                      <a:r>
+                        <a:rPr kumimoji="1" lang="en-US" altLang="ja-JP" sz="1600" dirty="0">
+                          <a:solidFill>
+                            <a:schemeClr val="accent4"/>
+                          </a:solidFill>
+                        </a:rPr>
+                        <a:t>1MB</a:t>
+                      </a:r>
+                    </a:p>
+                    <a:p>
+                      <a:r>
+                        <a:rPr kumimoji="1" lang="ja-JP" altLang="en-US" sz="1600">
+                          <a:solidFill>
+                            <a:schemeClr val="accent4"/>
+                          </a:solidFill>
+                        </a:rPr>
+                        <a:t>ドキュメントの最大フィールド数は</a:t>
+                      </a:r>
+                      <a:r>
+                        <a:rPr kumimoji="1" lang="en-US" altLang="ja-JP" sz="1600" dirty="0">
+                          <a:solidFill>
+                            <a:schemeClr val="accent4"/>
+                          </a:solidFill>
+                        </a:rPr>
+                        <a:t>40,000</a:t>
+                      </a:r>
+                      <a:r>
+                        <a:rPr kumimoji="1" lang="ja-JP" altLang="en-US" sz="1600">
+                          <a:solidFill>
+                            <a:schemeClr val="accent4"/>
+                          </a:solidFill>
+                        </a:rPr>
+                        <a:t>個</a:t>
+                      </a:r>
+                      <a:endParaRPr kumimoji="1" lang="en-US" altLang="ja-JP" sz="1600" dirty="0">
+                        <a:solidFill>
+                          <a:schemeClr val="accent4"/>
+                        </a:solidFill>
+                      </a:endParaRPr>
+                    </a:p>
+                    <a:p>
+                      <a:r>
+                        <a:rPr kumimoji="1" lang="ja-JP" altLang="en-US" sz="1600">
+                          <a:solidFill>
+                            <a:schemeClr val="accent4"/>
+                          </a:solidFill>
+                        </a:rPr>
+                        <a:t>中間テーブルを使った機能拡張（オブジェクト間の関係を使った検索など）は不可</a:t>
+                      </a:r>
+                    </a:p>
+                  </a:txBody>
+                  <a:tcPr>
+                    <a:lnL w="12700" cap="flat" cmpd="sng" algn="ctr">
+                      <a:solidFill>
+                        <a:schemeClr val="tx1"/>
+                      </a:solidFill>
+                      <a:prstDash val="solid"/>
+                      <a:round/>
+                      <a:headEnd type="none" w="med" len="med"/>
+                      <a:tailEnd type="none" w="med" len="med"/>
+                    </a:lnL>
+                    <a:lnR w="12700" cap="flat" cmpd="sng" algn="ctr">
+                      <a:solidFill>
+                        <a:schemeClr val="tx1"/>
+                      </a:solidFill>
+                      <a:prstDash val="solid"/>
+                      <a:round/>
+                      <a:headEnd type="none" w="med" len="med"/>
+                      <a:tailEnd type="none" w="med" len="med"/>
+                    </a:lnR>
+                    <a:lnT w="12700" cap="flat" cmpd="sng" algn="ctr">
+                      <a:solidFill>
+                        <a:schemeClr val="tx1"/>
+                      </a:solidFill>
+                      <a:prstDash val="solid"/>
+                      <a:round/>
+                      <a:headEnd type="none" w="med" len="med"/>
+                      <a:tailEnd type="none" w="med" len="med"/>
+                    </a:lnT>
+                    <a:lnB w="12700" cap="flat" cmpd="sng" algn="ctr">
+                      <a:solidFill>
+                        <a:schemeClr val="tx1"/>
+                      </a:solidFill>
+                      <a:prstDash val="solid"/>
+                      <a:round/>
+                      <a:headEnd type="none" w="med" len="med"/>
+                      <a:tailEnd type="none" w="med" len="med"/>
+                    </a:lnB>
+                    <a:lnTlToBr w="12700" cmpd="sng">
+                      <a:noFill/>
+                      <a:prstDash val="solid"/>
+                    </a:lnTlToBr>
+                    <a:lnBlToTr w="12700" cmpd="sng">
+                      <a:noFill/>
+                      <a:prstDash val="solid"/>
+                    </a:lnBlToTr>
+                  </a:tcPr>
+                </a:tc>
+                <a:extLst>
+                  <a:ext uri="{0D108BD9-81ED-4DB2-BD59-A6C34878D82A}">
+                    <a16:rowId xmlns:a16="http://schemas.microsoft.com/office/drawing/2014/main" val="2329429997"/>
+                  </a:ext>
+                </a:extLst>
+              </a:tr>
+            </a:tbl>
+          </a:graphicData>
+        </a:graphic>
+      </p:graphicFrame>
+    </p:spTree>
+    <p:extLst>
+      <p:ext uri="{BB962C8B-B14F-4D97-AF65-F5344CB8AC3E}">
+        <p14:creationId xmlns:p14="http://schemas.microsoft.com/office/powerpoint/2010/main" val="127339526"/>
+      </p:ext>
+    </p:extLst>
+  </p:cSld>
+  <p:clrMapOvr>
+    <a:masterClrMapping/>
+  </p:clrMapOvr>
+  <p:transition/>
+</p:sld>
+</file>
+
+<file path=ppt/slides/slide10.xml><?xml version="1.0" encoding="utf-8"?>
+<p:sld xmlns:a="http://schemas.openxmlformats.org/drawingml/2006/main" xmlns:r="http://schemas.openxmlformats.org/officeDocument/2006/relationships" xmlns:p="http://schemas.openxmlformats.org/presentationml/2006/main">
+  <p:cSld>
+    <p:spTree>
+      <p:nvGrpSpPr>
+        <p:cNvPr id="1" name=""/>
+        <p:cNvGrpSpPr/>
+        <p:nvPr/>
+      </p:nvGrpSpPr>
+      <p:grpSpPr>
+        <a:xfrm>
+          <a:off x="0" y="0"/>
+          <a:ext cx="0" cy="0"/>
+          <a:chOff x="0" y="0"/>
+          <a:chExt cx="0" cy="0"/>
+        </a:xfrm>
+      </p:grpSpPr>
+      <p:sp>
+        <p:nvSpPr>
+          <p:cNvPr id="9" name="テキスト ボックス 8">
+            <a:extLst>
+              <a:ext uri="{FF2B5EF4-FFF2-40B4-BE49-F238E27FC236}">
+                <a16:creationId xmlns:a16="http://schemas.microsoft.com/office/drawing/2014/main" id="{DED96F5B-1D56-0D41-ABC9-459C67FC5598}"/>
+              </a:ext>
+            </a:extLst>
+          </p:cNvPr>
+          <p:cNvSpPr txBox="1"/>
+          <p:nvPr/>
+        </p:nvSpPr>
+        <p:spPr>
+          <a:xfrm>
+            <a:off x="128464" y="25460"/>
+            <a:ext cx="8820980" cy="523220"/>
+          </a:xfrm>
+          <a:prstGeom prst="rect">
+            <a:avLst/>
+          </a:prstGeom>
+          <a:noFill/>
+        </p:spPr>
+        <p:txBody>
+          <a:bodyPr wrap="square" rtlCol="0">
+            <a:spAutoFit/>
+          </a:bodyPr>
+          <a:lstStyle/>
+          <a:p>
+            <a:r>
+              <a:rPr kumimoji="1" lang="ja-JP" altLang="en-US" sz="2800"/>
+              <a:t>マッチングを実現する検索プログラム</a:t>
+            </a:r>
+            <a:r>
+              <a:rPr kumimoji="1" lang="en-US" altLang="ja-JP" sz="2800" dirty="0"/>
+              <a:t> </a:t>
+            </a:r>
+            <a:r>
+              <a:rPr kumimoji="1" lang="en-US" altLang="ja-JP" sz="2000" b="0" dirty="0"/>
+              <a:t>※ Firestore</a:t>
+            </a:r>
+            <a:r>
+              <a:rPr kumimoji="1" lang="ja-JP" altLang="en-US" sz="2000" b="0"/>
+              <a:t>での例</a:t>
+            </a:r>
+            <a:endParaRPr kumimoji="1" lang="en-US" altLang="ja-JP" sz="2000" b="0" dirty="0"/>
+          </a:p>
+        </p:txBody>
+      </p:sp>
+      <p:sp>
+        <p:nvSpPr>
+          <p:cNvPr id="2" name="テキスト ボックス 1">
+            <a:extLst>
+              <a:ext uri="{FF2B5EF4-FFF2-40B4-BE49-F238E27FC236}">
+                <a16:creationId xmlns:a16="http://schemas.microsoft.com/office/drawing/2014/main" id="{D1CB1058-C54D-874C-85D5-B9DC17CC87EA}"/>
+              </a:ext>
+            </a:extLst>
+          </p:cNvPr>
+          <p:cNvSpPr txBox="1"/>
+          <p:nvPr/>
+        </p:nvSpPr>
+        <p:spPr>
+          <a:xfrm>
+            <a:off x="128464" y="646819"/>
+            <a:ext cx="9668932" cy="3631763"/>
+          </a:xfrm>
+          <a:prstGeom prst="rect">
+            <a:avLst/>
+          </a:prstGeom>
+          <a:noFill/>
+        </p:spPr>
+        <p:txBody>
+          <a:bodyPr wrap="square" rtlCol="0">
+            <a:spAutoFit/>
+          </a:bodyPr>
+          <a:lstStyle/>
+          <a:p>
+            <a:r>
+              <a:rPr kumimoji="1" lang="en-US" altLang="ja-JP" sz="1800" b="0" dirty="0"/>
+              <a:t>① </a:t>
+            </a:r>
+            <a:r>
+              <a:rPr kumimoji="1" lang="ja-JP" altLang="en-US" sz="1800" b="0"/>
+              <a:t>要員希望にあった要員名を相性値の降順で検索する</a:t>
+            </a:r>
+            <a:r>
+              <a:rPr kumimoji="1" lang="en-US" altLang="ja-JP" sz="1800" b="0" dirty="0"/>
+              <a:t>Dart</a:t>
+            </a:r>
+            <a:r>
+              <a:rPr kumimoji="1" lang="ja-JP" altLang="en-US" sz="1800" b="0"/>
+              <a:t>プログラム</a:t>
+            </a:r>
+            <a:endParaRPr kumimoji="1" lang="en-US" altLang="ja-JP" sz="1800" b="0" dirty="0"/>
+          </a:p>
+          <a:p>
+            <a:pPr lvl="1"/>
+            <a:endParaRPr kumimoji="1" lang="en-US" altLang="ja-JP" sz="1800" b="0" dirty="0"/>
+          </a:p>
+          <a:p>
+            <a:pPr lvl="1"/>
+            <a:r>
+              <a:rPr kumimoji="1" lang="en-US" altLang="ja-JP" sz="1600" b="0" dirty="0"/>
+              <a:t>// "engineer"</a:t>
+            </a:r>
+            <a:r>
+              <a:rPr kumimoji="1" lang="ja-JP" altLang="en-US" sz="1600" b="0"/>
+              <a:t>コレクションのクエリを取得</a:t>
+            </a:r>
+          </a:p>
+          <a:p>
+            <a:pPr lvl="1"/>
+            <a:r>
+              <a:rPr kumimoji="1" lang="en-US" altLang="ja-JP" sz="1600" b="0" dirty="0"/>
+              <a:t>Query engineerColRef = </a:t>
+            </a:r>
+            <a:r>
+              <a:rPr kumimoji="1" lang="en-US" altLang="ja-JP" sz="1600" b="0" dirty="0" err="1"/>
+              <a:t>FirebaseFirestore.instance.collectionGroup</a:t>
+            </a:r>
+            <a:r>
+              <a:rPr kumimoji="1" lang="en-US" altLang="ja-JP" sz="1600" b="0" dirty="0"/>
+              <a:t>("engineer");</a:t>
+            </a:r>
+          </a:p>
+          <a:p>
+            <a:pPr lvl="1"/>
+            <a:endParaRPr kumimoji="1" lang="en-US" altLang="ja-JP" sz="1600" b="0" dirty="0"/>
+          </a:p>
+          <a:p>
+            <a:pPr lvl="1"/>
+            <a:r>
+              <a:rPr kumimoji="1" lang="en-US" altLang="ja-JP" sz="1600" b="0" dirty="0"/>
+              <a:t>// "project"</a:t>
+            </a:r>
+            <a:r>
+              <a:rPr kumimoji="1" lang="ja-JP" altLang="en-US" sz="1600" b="0"/>
+              <a:t>ドキュメントの</a:t>
+            </a:r>
+            <a:r>
+              <a:rPr kumimoji="1" lang="en-US" altLang="ja-JP" sz="1600" b="0" dirty="0"/>
+              <a:t>ID(projectId)</a:t>
+            </a:r>
+            <a:r>
+              <a:rPr kumimoji="1" lang="ja-JP" altLang="en-US" sz="1600" b="0"/>
+              <a:t>と</a:t>
+            </a:r>
+            <a:r>
+              <a:rPr kumimoji="1" lang="en-US" altLang="ja-JP" sz="1600" b="0" dirty="0"/>
+              <a:t>"request"</a:t>
+            </a:r>
+            <a:r>
+              <a:rPr kumimoji="1" lang="ja-JP" altLang="en-US" sz="1600" b="0"/>
+              <a:t>配列の</a:t>
+            </a:r>
+            <a:r>
+              <a:rPr kumimoji="1" lang="en-US" altLang="ja-JP" sz="1600" b="0" dirty="0"/>
+              <a:t>ID(requestId)</a:t>
+            </a:r>
+            <a:r>
+              <a:rPr kumimoji="1" lang="ja-JP" altLang="en-US" sz="1600" b="0"/>
+              <a:t>を条件に</a:t>
+            </a:r>
+          </a:p>
+          <a:p>
+            <a:pPr lvl="1"/>
+            <a:r>
+              <a:rPr kumimoji="1" lang="en-US" altLang="ja-JP" sz="1600" b="0" dirty="0"/>
+              <a:t>// </a:t>
+            </a:r>
+            <a:r>
+              <a:rPr kumimoji="1" lang="ja-JP" altLang="en-US" sz="1600" b="0"/>
+              <a:t>要員</a:t>
+            </a:r>
+            <a:r>
+              <a:rPr kumimoji="1" lang="en-US" altLang="ja-JP" sz="1600" b="0" dirty="0"/>
+              <a:t>(engineer)</a:t>
+            </a:r>
+            <a:r>
+              <a:rPr kumimoji="1" lang="ja-JP" altLang="en-US" sz="1600" b="0"/>
+              <a:t>のリストを相性</a:t>
+            </a:r>
+            <a:r>
+              <a:rPr kumimoji="1" lang="en-US" altLang="ja-JP" sz="1600" b="0" dirty="0"/>
+              <a:t>(</a:t>
+            </a:r>
+            <a:r>
+              <a:rPr kumimoji="1" lang="en-US" altLang="ja-JP" sz="1600" b="0" dirty="0" err="1"/>
+              <a:t>compat</a:t>
+            </a:r>
+            <a:r>
+              <a:rPr kumimoji="1" lang="en-US" altLang="ja-JP" sz="1600" b="0" dirty="0"/>
+              <a:t>)</a:t>
+            </a:r>
+            <a:r>
+              <a:rPr kumimoji="1" lang="ja-JP" altLang="en-US" sz="1600" b="0"/>
+              <a:t>の降順に並べます。</a:t>
+            </a:r>
+          </a:p>
+          <a:p>
+            <a:pPr lvl="1"/>
+            <a:r>
+              <a:rPr kumimoji="1" lang="en-US" altLang="ja-JP" sz="1600" b="0" dirty="0" err="1"/>
+              <a:t>engineerColRef.where</a:t>
+            </a:r>
+            <a:r>
+              <a:rPr kumimoji="1" lang="en-US" altLang="ja-JP" sz="1600" b="0" dirty="0"/>
+              <a:t>("project_id",</a:t>
+            </a:r>
+            <a:r>
+              <a:rPr kumimoji="1" lang="en-US" altLang="ja-JP" sz="1600" b="0" dirty="0" err="1"/>
+              <a:t>isEqualTo:projectId</a:t>
+            </a:r>
+            <a:r>
+              <a:rPr kumimoji="1" lang="en-US" altLang="ja-JP" sz="1600" b="0" dirty="0"/>
+              <a:t>)</a:t>
+            </a:r>
+          </a:p>
+          <a:p>
+            <a:pPr lvl="1"/>
+            <a:r>
+              <a:rPr kumimoji="1" lang="en-US" altLang="ja-JP" sz="1600" b="0" dirty="0"/>
+              <a:t>	.where("request_id",</a:t>
+            </a:r>
+            <a:r>
+              <a:rPr kumimoji="1" lang="en-US" altLang="ja-JP" sz="1600" b="0" dirty="0" err="1"/>
+              <a:t>isEqualTo:requestId</a:t>
+            </a:r>
+            <a:r>
+              <a:rPr kumimoji="1" lang="en-US" altLang="ja-JP" sz="1600" b="0" dirty="0"/>
+              <a:t>)</a:t>
+            </a:r>
+          </a:p>
+          <a:p>
+            <a:pPr lvl="1"/>
+            <a:r>
+              <a:rPr kumimoji="1" lang="en-US" altLang="ja-JP" sz="1600" b="0" dirty="0"/>
+              <a:t>	.</a:t>
+            </a:r>
+            <a:r>
+              <a:rPr kumimoji="1" lang="en-US" altLang="ja-JP" sz="1600" b="0" dirty="0" err="1"/>
+              <a:t>orderBy</a:t>
+            </a:r>
+            <a:r>
+              <a:rPr kumimoji="1" lang="en-US" altLang="ja-JP" sz="1600" b="0" dirty="0"/>
+              <a:t>("</a:t>
+            </a:r>
+            <a:r>
+              <a:rPr kumimoji="1" lang="en-US" altLang="ja-JP" sz="1600" b="0" dirty="0" err="1"/>
+              <a:t>compat</a:t>
+            </a:r>
+            <a:r>
+              <a:rPr kumimoji="1" lang="en-US" altLang="ja-JP" sz="1600" b="0" dirty="0"/>
+              <a:t>","desc");</a:t>
+            </a:r>
+          </a:p>
+          <a:p>
+            <a:pPr lvl="1"/>
+            <a:endParaRPr kumimoji="1" lang="en-US" altLang="ja-JP" sz="1600" b="0" dirty="0"/>
+          </a:p>
+          <a:p>
+            <a:r>
+              <a:rPr kumimoji="1" lang="en-US" altLang="ja-JP" sz="1800" b="0" dirty="0"/>
+              <a:t>② </a:t>
+            </a:r>
+            <a:r>
+              <a:rPr kumimoji="1" lang="ja-JP" altLang="en-US" sz="1800" b="0"/>
+              <a:t>要員希望にあった案件名と要員希望</a:t>
+            </a:r>
+            <a:r>
+              <a:rPr kumimoji="1" lang="en-US" altLang="ja-JP" sz="1800" b="0" dirty="0"/>
+              <a:t>ID</a:t>
+            </a:r>
+            <a:r>
+              <a:rPr kumimoji="1" lang="ja-JP" altLang="en-US" sz="1800" b="0"/>
+              <a:t>を相性値の降順で検索する</a:t>
+            </a:r>
+            <a:r>
+              <a:rPr kumimoji="1" lang="en-US" altLang="ja-JP" sz="1800" b="0" dirty="0"/>
+              <a:t>Dart</a:t>
+            </a:r>
+            <a:r>
+              <a:rPr kumimoji="1" lang="ja-JP" altLang="en-US" sz="1800" b="0"/>
+              <a:t>プログラム</a:t>
+            </a:r>
+            <a:endParaRPr kumimoji="1" lang="en-US" altLang="ja-JP" sz="1800" b="0" dirty="0"/>
+          </a:p>
+          <a:p>
+            <a:pPr lvl="1"/>
+            <a:endParaRPr kumimoji="1" lang="en-US" altLang="ja-JP" sz="1600" b="0" dirty="0"/>
+          </a:p>
+          <a:p>
+            <a:pPr lvl="1"/>
+            <a:r>
+              <a:rPr kumimoji="1" lang="ja-JP" altLang="en-US" sz="1600" b="0"/>
+              <a:t>案件（</a:t>
+            </a:r>
+            <a:r>
+              <a:rPr kumimoji="1" lang="en-US" altLang="ja-JP" sz="1600" b="0" dirty="0"/>
+              <a:t>PROJECT</a:t>
+            </a:r>
+            <a:r>
+              <a:rPr kumimoji="1" lang="ja-JP" altLang="en-US" sz="1600" b="0"/>
+              <a:t>）に相性値フィールドを設けていないので未対応</a:t>
+            </a:r>
+            <a:endParaRPr kumimoji="1" lang="en-US" altLang="ja-JP" sz="1600" b="0" dirty="0"/>
+          </a:p>
+        </p:txBody>
+      </p:sp>
+    </p:spTree>
+    <p:extLst>
+      <p:ext uri="{BB962C8B-B14F-4D97-AF65-F5344CB8AC3E}">
+        <p14:creationId xmlns:p14="http://schemas.microsoft.com/office/powerpoint/2010/main" val="2071341854"/>
+      </p:ext>
+    </p:extLst>
+  </p:cSld>
+  <p:clrMapOvr>
+    <a:masterClrMapping/>
+  </p:clrMapOvr>
+  <p:transition/>
+</p:sld>
+</file>
+
+<file path=ppt/slides/slide2.xml><?xml version="1.0" encoding="utf-8"?>
+<p:sld xmlns:a="http://schemas.openxmlformats.org/drawingml/2006/main" xmlns:r="http://schemas.openxmlformats.org/officeDocument/2006/relationships" xmlns:p="http://schemas.openxmlformats.org/presentationml/2006/main">
+  <p:cSld>
+    <p:spTree>
+      <p:nvGrpSpPr>
+        <p:cNvPr id="1" name=""/>
+        <p:cNvGrpSpPr/>
+        <p:nvPr/>
+      </p:nvGrpSpPr>
+      <p:grpSpPr>
+        <a:xfrm>
+          <a:off x="0" y="0"/>
+          <a:ext cx="0" cy="0"/>
+          <a:chOff x="0" y="0"/>
+          <a:chExt cx="0" cy="0"/>
+        </a:xfrm>
+      </p:grpSpPr>
+      <p:sp>
+        <p:nvSpPr>
+          <p:cNvPr id="9" name="テキスト ボックス 8">
+            <a:extLst>
+              <a:ext uri="{FF2B5EF4-FFF2-40B4-BE49-F238E27FC236}">
+                <a16:creationId xmlns:a16="http://schemas.microsoft.com/office/drawing/2014/main" id="{DED96F5B-1D56-0D41-ABC9-459C67FC5598}"/>
+              </a:ext>
+            </a:extLst>
+          </p:cNvPr>
+          <p:cNvSpPr txBox="1"/>
+          <p:nvPr/>
+        </p:nvSpPr>
+        <p:spPr>
+          <a:xfrm>
+            <a:off x="72280" y="44624"/>
+            <a:ext cx="9237204" cy="523220"/>
+          </a:xfrm>
+          <a:prstGeom prst="rect">
+            <a:avLst/>
+          </a:prstGeom>
+          <a:noFill/>
+        </p:spPr>
+        <p:txBody>
+          <a:bodyPr wrap="square" rtlCol="0">
+            <a:spAutoFit/>
+          </a:bodyPr>
+          <a:lstStyle/>
+          <a:p>
+            <a:r>
+              <a:rPr kumimoji="1" lang="ja-JP" altLang="en-US" sz="2800"/>
+              <a:t>インフラ機能と実装方法</a:t>
+            </a:r>
+          </a:p>
+        </p:txBody>
+      </p:sp>
+      <p:graphicFrame>
+        <p:nvGraphicFramePr>
+          <p:cNvPr id="10" name="表 9">
+            <a:extLst>
+              <a:ext uri="{FF2B5EF4-FFF2-40B4-BE49-F238E27FC236}">
+                <a16:creationId xmlns:a16="http://schemas.microsoft.com/office/drawing/2014/main" id="{11200AE2-2938-4C48-B9D2-947C0134B6D9}"/>
+              </a:ext>
+            </a:extLst>
+          </p:cNvPr>
+          <p:cNvGraphicFramePr>
+            <a:graphicFrameLocks noGrp="1"/>
+          </p:cNvGraphicFramePr>
+          <p:nvPr>
+            <p:extLst>
+              <p:ext uri="{D42A27DB-BD31-4B8C-83A1-F6EECF244321}">
+                <p14:modId xmlns:p14="http://schemas.microsoft.com/office/powerpoint/2010/main" val="909631863"/>
+              </p:ext>
+            </p:extLst>
+          </p:nvPr>
+        </p:nvGraphicFramePr>
+        <p:xfrm>
+          <a:off x="64232" y="2109321"/>
+          <a:ext cx="9777536" cy="4344015"/>
+        </p:xfrm>
+        <a:graphic>
+          <a:graphicData uri="http://schemas.openxmlformats.org/drawingml/2006/table">
+            <a:tbl>
+              <a:tblPr firstRow="1" bandRow="1">
+                <a:tableStyleId>{5C22544A-7EE6-4342-B048-85BDC9FD1C3A}</a:tableStyleId>
+              </a:tblPr>
+              <a:tblGrid>
+                <a:gridCol w="1064568">
+                  <a:extLst>
+                    <a:ext uri="{9D8B030D-6E8A-4147-A177-3AD203B41FA5}">
+                      <a16:colId xmlns:a16="http://schemas.microsoft.com/office/drawing/2014/main" val="1775382760"/>
+                    </a:ext>
+                  </a:extLst>
+                </a:gridCol>
+                <a:gridCol w="2124236">
+                  <a:extLst>
+                    <a:ext uri="{9D8B030D-6E8A-4147-A177-3AD203B41FA5}">
+                      <a16:colId xmlns:a16="http://schemas.microsoft.com/office/drawing/2014/main" val="3168741833"/>
+                    </a:ext>
+                  </a:extLst>
+                </a:gridCol>
+                <a:gridCol w="2377434">
+                  <a:extLst>
+                    <a:ext uri="{9D8B030D-6E8A-4147-A177-3AD203B41FA5}">
+                      <a16:colId xmlns:a16="http://schemas.microsoft.com/office/drawing/2014/main" val="2345402768"/>
+                    </a:ext>
+                  </a:extLst>
+                </a:gridCol>
+                <a:gridCol w="2233819">
+                  <a:extLst>
+                    <a:ext uri="{9D8B030D-6E8A-4147-A177-3AD203B41FA5}">
+                      <a16:colId xmlns:a16="http://schemas.microsoft.com/office/drawing/2014/main" val="2093912373"/>
+                    </a:ext>
+                  </a:extLst>
+                </a:gridCol>
+                <a:gridCol w="1977479">
+                  <a:extLst>
+                    <a:ext uri="{9D8B030D-6E8A-4147-A177-3AD203B41FA5}">
+                      <a16:colId xmlns:a16="http://schemas.microsoft.com/office/drawing/2014/main" val="4278683958"/>
+                    </a:ext>
+                  </a:extLst>
+                </a:gridCol>
+              </a:tblGrid>
+              <a:tr h="360040">
+                <a:tc rowSpan="2">
+                  <a:txBody>
+                    <a:bodyPr/>
+                    <a:lstStyle/>
+                    <a:p>
+                      <a:pPr algn="ctr"/>
+                      <a:r>
+                        <a:rPr kumimoji="1" lang="ja-JP" altLang="en-US" sz="1600" b="1">
+                          <a:solidFill>
+                            <a:schemeClr val="tx1"/>
+                          </a:solidFill>
+                        </a:rPr>
+                        <a:t>機能</a:t>
+                      </a:r>
+                    </a:p>
+                  </a:txBody>
+                  <a:tcPr anchor="ctr">
+                    <a:lnL w="12700" cap="flat" cmpd="sng" algn="ctr">
+                      <a:solidFill>
+                        <a:schemeClr val="tx1"/>
+                      </a:solidFill>
+                      <a:prstDash val="solid"/>
+                      <a:round/>
+                      <a:headEnd type="none" w="med" len="med"/>
+                      <a:tailEnd type="none" w="med" len="med"/>
+                    </a:lnL>
+                    <a:lnR w="12700" cap="flat" cmpd="sng" algn="ctr">
+                      <a:solidFill>
+                        <a:schemeClr val="tx1"/>
+                      </a:solidFill>
+                      <a:prstDash val="solid"/>
+                      <a:round/>
+                      <a:headEnd type="none" w="med" len="med"/>
+                      <a:tailEnd type="none" w="med" len="med"/>
+                    </a:lnR>
+                    <a:lnT w="12700" cap="flat" cmpd="sng" algn="ctr">
+                      <a:solidFill>
+                        <a:schemeClr val="tx1"/>
+                      </a:solidFill>
+                      <a:prstDash val="solid"/>
+                      <a:round/>
+                      <a:headEnd type="none" w="med" len="med"/>
+                      <a:tailEnd type="none" w="med" len="med"/>
+                    </a:lnT>
+                    <a:lnB w="12700" cap="flat" cmpd="sng" algn="ctr">
+                      <a:solidFill>
+                        <a:schemeClr val="tx1"/>
+                      </a:solidFill>
+                      <a:prstDash val="solid"/>
+                      <a:round/>
+                      <a:headEnd type="none" w="med" len="med"/>
+                      <a:tailEnd type="none" w="med" len="med"/>
+                    </a:lnB>
+                    <a:lnTlToBr w="12700" cmpd="sng">
+                      <a:noFill/>
+                      <a:prstDash val="solid"/>
+                    </a:lnTlToBr>
+                    <a:lnBlToTr w="12700" cmpd="sng">
+                      <a:noFill/>
+                      <a:prstDash val="solid"/>
+                    </a:lnBlToTr>
+                    <a:solidFill>
+                      <a:schemeClr val="accent2">
+                        <a:lumMod val="20000"/>
+                        <a:lumOff val="80000"/>
+                      </a:schemeClr>
+                    </a:solidFill>
+                  </a:tcPr>
+                </a:tc>
+                <a:tc gridSpan="3">
+                  <a:txBody>
+                    <a:bodyPr/>
+                    <a:lstStyle/>
+                    <a:p>
+                      <a:pPr algn="ctr"/>
+                      <a:r>
+                        <a:rPr kumimoji="1" lang="ja-JP" altLang="en-US" sz="1600" b="1">
+                          <a:solidFill>
+                            <a:schemeClr val="tx1"/>
+                          </a:solidFill>
+                        </a:rPr>
+                        <a:t>クラウド</a:t>
+                      </a:r>
+                    </a:p>
+                  </a:txBody>
+                  <a:tcPr anchor="ctr">
+                    <a:lnL w="12700" cap="flat" cmpd="sng" algn="ctr">
+                      <a:solidFill>
+                        <a:schemeClr val="tx1"/>
+                      </a:solidFill>
+                      <a:prstDash val="solid"/>
+                      <a:round/>
+                      <a:headEnd type="none" w="med" len="med"/>
+                      <a:tailEnd type="none" w="med" len="med"/>
+                    </a:lnL>
+                    <a:lnR w="12700" cap="flat" cmpd="sng" algn="ctr">
+                      <a:solidFill>
+                        <a:schemeClr val="tx1"/>
+                      </a:solidFill>
+                      <a:prstDash val="solid"/>
+                      <a:round/>
+                      <a:headEnd type="none" w="med" len="med"/>
+                      <a:tailEnd type="none" w="med" len="med"/>
+                    </a:lnR>
+                    <a:lnT w="12700" cap="flat" cmpd="sng" algn="ctr">
+                      <a:solidFill>
+                        <a:schemeClr val="tx1"/>
+                      </a:solidFill>
+                      <a:prstDash val="solid"/>
+                      <a:round/>
+                      <a:headEnd type="none" w="med" len="med"/>
+                      <a:tailEnd type="none" w="med" len="med"/>
+                    </a:lnT>
+                    <a:lnB w="12700" cap="flat" cmpd="sng" algn="ctr">
+                      <a:solidFill>
+                        <a:schemeClr val="tx1"/>
+                      </a:solidFill>
+                      <a:prstDash val="solid"/>
+                      <a:round/>
+                      <a:headEnd type="none" w="med" len="med"/>
+                      <a:tailEnd type="none" w="med" len="med"/>
+                    </a:lnB>
+                    <a:lnTlToBr w="12700" cmpd="sng">
+                      <a:noFill/>
+                      <a:prstDash val="solid"/>
+                    </a:lnTlToBr>
+                    <a:lnBlToTr w="12700" cmpd="sng">
+                      <a:noFill/>
+                      <a:prstDash val="solid"/>
+                    </a:lnBlToTr>
+                    <a:solidFill>
+                      <a:schemeClr val="accent2">
+                        <a:lumMod val="20000"/>
+                        <a:lumOff val="80000"/>
+                      </a:schemeClr>
+                    </a:solidFill>
+                  </a:tcPr>
+                </a:tc>
+                <a:tc hMerge="1">
+                  <a:txBody>
+                    <a:bodyPr/>
+                    <a:lstStyle/>
+                    <a:p>
+                      <a:pPr algn="ctr"/>
+                      <a:endParaRPr kumimoji="1" lang="ja-JP" altLang="en-US" sz="1600" b="1">
+                        <a:solidFill>
+                          <a:schemeClr val="tx1"/>
+                        </a:solidFill>
+                      </a:endParaRPr>
+                    </a:p>
+                  </a:txBody>
+                  <a:tcPr>
+                    <a:lnL w="12700" cap="flat" cmpd="sng" algn="ctr">
+                      <a:solidFill>
+                        <a:schemeClr val="tx1"/>
+                      </a:solidFill>
+                      <a:prstDash val="solid"/>
+                      <a:round/>
+                      <a:headEnd type="none" w="med" len="med"/>
+                      <a:tailEnd type="none" w="med" len="med"/>
+                    </a:lnL>
+                    <a:lnR w="12700" cap="flat" cmpd="sng" algn="ctr">
+                      <a:solidFill>
+                        <a:schemeClr val="tx1"/>
+                      </a:solidFill>
+                      <a:prstDash val="solid"/>
+                      <a:round/>
+                      <a:headEnd type="none" w="med" len="med"/>
+                      <a:tailEnd type="none" w="med" len="med"/>
+                    </a:lnR>
+                    <a:lnT w="12700" cap="flat" cmpd="sng" algn="ctr">
+                      <a:solidFill>
+                        <a:schemeClr val="tx1"/>
+                      </a:solidFill>
+                      <a:prstDash val="solid"/>
+                      <a:round/>
+                      <a:headEnd type="none" w="med" len="med"/>
+                      <a:tailEnd type="none" w="med" len="med"/>
+                    </a:lnT>
+                    <a:lnB w="12700" cap="flat" cmpd="sng" algn="ctr">
+                      <a:solidFill>
+                        <a:schemeClr val="tx1"/>
+                      </a:solidFill>
+                      <a:prstDash val="solid"/>
+                      <a:round/>
+                      <a:headEnd type="none" w="med" len="med"/>
+                      <a:tailEnd type="none" w="med" len="med"/>
+                    </a:lnB>
+                    <a:lnTlToBr w="12700" cmpd="sng">
+                      <a:noFill/>
+                      <a:prstDash val="solid"/>
+                    </a:lnTlToBr>
+                    <a:lnBlToTr w="12700" cmpd="sng">
+                      <a:noFill/>
+                      <a:prstDash val="solid"/>
+                    </a:lnBlToTr>
+                    <a:solidFill>
+                      <a:schemeClr val="accent2">
+                        <a:lumMod val="20000"/>
+                        <a:lumOff val="80000"/>
+                      </a:schemeClr>
+                    </a:solidFill>
+                  </a:tcPr>
+                </a:tc>
+                <a:tc hMerge="1">
+                  <a:txBody>
+                    <a:bodyPr/>
+                    <a:lstStyle/>
+                    <a:p>
+                      <a:pPr algn="ctr"/>
+                      <a:endParaRPr kumimoji="1" lang="ja-JP" altLang="en-US" sz="1600" b="1">
+                        <a:solidFill>
+                          <a:schemeClr val="tx1"/>
+                        </a:solidFill>
+                      </a:endParaRPr>
+                    </a:p>
+                  </a:txBody>
+                  <a:tcPr>
+                    <a:lnL w="12700" cap="flat" cmpd="sng" algn="ctr">
+                      <a:solidFill>
+                        <a:schemeClr val="tx1"/>
+                      </a:solidFill>
+                      <a:prstDash val="solid"/>
+                      <a:round/>
+                      <a:headEnd type="none" w="med" len="med"/>
+                      <a:tailEnd type="none" w="med" len="med"/>
+                    </a:lnL>
+                    <a:lnR w="12700" cap="flat" cmpd="sng" algn="ctr">
+                      <a:solidFill>
+                        <a:schemeClr val="tx1"/>
+                      </a:solidFill>
+                      <a:prstDash val="solid"/>
+                      <a:round/>
+                      <a:headEnd type="none" w="med" len="med"/>
+                      <a:tailEnd type="none" w="med" len="med"/>
+                    </a:lnR>
+                    <a:lnT w="12700" cap="flat" cmpd="sng" algn="ctr">
+                      <a:solidFill>
+                        <a:schemeClr val="tx1"/>
+                      </a:solidFill>
+                      <a:prstDash val="solid"/>
+                      <a:round/>
+                      <a:headEnd type="none" w="med" len="med"/>
+                      <a:tailEnd type="none" w="med" len="med"/>
+                    </a:lnT>
+                    <a:lnB w="12700" cap="flat" cmpd="sng" algn="ctr">
+                      <a:solidFill>
+                        <a:schemeClr val="tx1"/>
+                      </a:solidFill>
+                      <a:prstDash val="solid"/>
+                      <a:round/>
+                      <a:headEnd type="none" w="med" len="med"/>
+                      <a:tailEnd type="none" w="med" len="med"/>
+                    </a:lnB>
+                    <a:lnTlToBr w="12700" cmpd="sng">
+                      <a:noFill/>
+                      <a:prstDash val="solid"/>
+                    </a:lnTlToBr>
+                    <a:lnBlToTr w="12700" cmpd="sng">
+                      <a:noFill/>
+                      <a:prstDash val="solid"/>
+                    </a:lnBlToTr>
+                    <a:solidFill>
+                      <a:schemeClr val="accent2">
+                        <a:lumMod val="20000"/>
+                        <a:lumOff val="80000"/>
+                      </a:schemeClr>
+                    </a:solidFill>
+                  </a:tcPr>
+                </a:tc>
+                <a:tc rowSpan="2">
+                  <a:txBody>
+                    <a:bodyPr/>
+                    <a:lstStyle/>
+                    <a:p>
+                      <a:pPr algn="ctr"/>
+                      <a:r>
+                        <a:rPr kumimoji="1" lang="ja-JP" altLang="en-US" sz="1600" b="1">
+                          <a:solidFill>
+                            <a:schemeClr val="tx1"/>
+                          </a:solidFill>
+                        </a:rPr>
+                        <a:t>オンプレミス</a:t>
+                      </a:r>
+                    </a:p>
+                  </a:txBody>
+                  <a:tcPr anchor="ctr">
+                    <a:lnL w="12700" cap="flat" cmpd="sng" algn="ctr">
+                      <a:solidFill>
+                        <a:schemeClr val="tx1"/>
+                      </a:solidFill>
+                      <a:prstDash val="solid"/>
+                      <a:round/>
+                      <a:headEnd type="none" w="med" len="med"/>
+                      <a:tailEnd type="none" w="med" len="med"/>
+                    </a:lnL>
+                    <a:lnR w="12700" cap="flat" cmpd="sng" algn="ctr">
+                      <a:solidFill>
+                        <a:schemeClr val="tx1"/>
+                      </a:solidFill>
+                      <a:prstDash val="solid"/>
+                      <a:round/>
+                      <a:headEnd type="none" w="med" len="med"/>
+                      <a:tailEnd type="none" w="med" len="med"/>
+                    </a:lnR>
+                    <a:lnT w="12700" cap="flat" cmpd="sng" algn="ctr">
+                      <a:solidFill>
+                        <a:schemeClr val="tx1"/>
+                      </a:solidFill>
+                      <a:prstDash val="solid"/>
+                      <a:round/>
+                      <a:headEnd type="none" w="med" len="med"/>
+                      <a:tailEnd type="none" w="med" len="med"/>
+                    </a:lnT>
+                    <a:lnB w="12700" cap="flat" cmpd="sng" algn="ctr">
+                      <a:solidFill>
+                        <a:schemeClr val="tx1"/>
+                      </a:solidFill>
+                      <a:prstDash val="solid"/>
+                      <a:round/>
+                      <a:headEnd type="none" w="med" len="med"/>
+                      <a:tailEnd type="none" w="med" len="med"/>
+                    </a:lnB>
+                    <a:lnTlToBr w="12700" cmpd="sng">
+                      <a:noFill/>
+                      <a:prstDash val="solid"/>
+                    </a:lnTlToBr>
+                    <a:lnBlToTr w="12700" cmpd="sng">
+                      <a:noFill/>
+                      <a:prstDash val="solid"/>
+                    </a:lnBlToTr>
+                    <a:solidFill>
+                      <a:schemeClr val="accent2">
+                        <a:lumMod val="20000"/>
+                        <a:lumOff val="80000"/>
+                      </a:schemeClr>
+                    </a:solidFill>
+                  </a:tcPr>
+                </a:tc>
+                <a:extLst>
+                  <a:ext uri="{0D108BD9-81ED-4DB2-BD59-A6C34878D82A}">
+                    <a16:rowId xmlns:a16="http://schemas.microsoft.com/office/drawing/2014/main" val="1988861567"/>
+                  </a:ext>
+                </a:extLst>
+              </a:tr>
+              <a:tr h="360040">
+                <a:tc vMerge="1">
+                  <a:txBody>
+                    <a:bodyPr/>
+                    <a:lstStyle/>
+                    <a:p>
+                      <a:pPr algn="ctr"/>
+                      <a:endParaRPr kumimoji="1" lang="ja-JP" altLang="en-US" sz="1600" b="1">
+                        <a:solidFill>
+                          <a:schemeClr val="tx1"/>
+                        </a:solidFill>
+                      </a:endParaRPr>
+                    </a:p>
+                  </a:txBody>
+                  <a:tcPr>
+                    <a:lnL w="12700" cap="flat" cmpd="sng" algn="ctr">
+                      <a:solidFill>
+                        <a:schemeClr val="tx1"/>
+                      </a:solidFill>
+                      <a:prstDash val="solid"/>
+                      <a:round/>
+                      <a:headEnd type="none" w="med" len="med"/>
+                      <a:tailEnd type="none" w="med" len="med"/>
+                    </a:lnL>
+                    <a:lnR w="12700" cap="flat" cmpd="sng" algn="ctr">
+                      <a:solidFill>
+                        <a:schemeClr val="tx1"/>
+                      </a:solidFill>
+                      <a:prstDash val="solid"/>
+                      <a:round/>
+                      <a:headEnd type="none" w="med" len="med"/>
+                      <a:tailEnd type="none" w="med" len="med"/>
+                    </a:lnR>
+                    <a:lnT w="12700" cap="flat" cmpd="sng" algn="ctr">
+                      <a:solidFill>
+                        <a:schemeClr val="tx1"/>
+                      </a:solidFill>
+                      <a:prstDash val="solid"/>
+                      <a:round/>
+                      <a:headEnd type="none" w="med" len="med"/>
+                      <a:tailEnd type="none" w="med" len="med"/>
+                    </a:lnT>
+                    <a:lnB w="12700" cap="flat" cmpd="sng" algn="ctr">
+                      <a:solidFill>
+                        <a:schemeClr val="tx1"/>
+                      </a:solidFill>
+                      <a:prstDash val="solid"/>
+                      <a:round/>
+                      <a:headEnd type="none" w="med" len="med"/>
+                      <a:tailEnd type="none" w="med" len="med"/>
+                    </a:lnB>
+                    <a:lnTlToBr w="12700" cmpd="sng">
+                      <a:noFill/>
+                      <a:prstDash val="solid"/>
+                    </a:lnTlToBr>
+                    <a:lnBlToTr w="12700" cmpd="sng">
+                      <a:noFill/>
+                      <a:prstDash val="solid"/>
+                    </a:lnBlToTr>
+                    <a:solidFill>
+                      <a:schemeClr val="accent2">
+                        <a:lumMod val="20000"/>
+                        <a:lumOff val="80000"/>
+                      </a:schemeClr>
+                    </a:solidFill>
+                  </a:tcPr>
+                </a:tc>
+                <a:tc>
+                  <a:txBody>
+                    <a:bodyPr/>
+                    <a:lstStyle/>
+                    <a:p>
+                      <a:pPr algn="ctr"/>
+                      <a:r>
+                        <a:rPr kumimoji="1" lang="en-US" altLang="ja-JP" sz="1600" b="1" dirty="0">
+                          <a:solidFill>
+                            <a:schemeClr val="tx1"/>
+                          </a:solidFill>
+                        </a:rPr>
+                        <a:t>Firebase</a:t>
+                      </a:r>
+                      <a:endParaRPr kumimoji="1" lang="ja-JP" altLang="en-US" sz="1600" b="1">
+                        <a:solidFill>
+                          <a:schemeClr val="tx1"/>
+                        </a:solidFill>
+                      </a:endParaRPr>
+                    </a:p>
+                  </a:txBody>
+                  <a:tcPr anchor="ctr">
+                    <a:lnL w="12700" cap="flat" cmpd="sng" algn="ctr">
+                      <a:solidFill>
+                        <a:schemeClr val="tx1"/>
+                      </a:solidFill>
+                      <a:prstDash val="solid"/>
+                      <a:round/>
+                      <a:headEnd type="none" w="med" len="med"/>
+                      <a:tailEnd type="none" w="med" len="med"/>
+                    </a:lnL>
+                    <a:lnR w="12700" cap="flat" cmpd="sng" algn="ctr">
+                      <a:solidFill>
+                        <a:schemeClr val="tx1"/>
+                      </a:solidFill>
+                      <a:prstDash val="solid"/>
+                      <a:round/>
+                      <a:headEnd type="none" w="med" len="med"/>
+                      <a:tailEnd type="none" w="med" len="med"/>
+                    </a:lnR>
+                    <a:lnT w="12700" cap="flat" cmpd="sng" algn="ctr">
+                      <a:solidFill>
+                        <a:schemeClr val="tx1"/>
+                      </a:solidFill>
+                      <a:prstDash val="solid"/>
+                      <a:round/>
+                      <a:headEnd type="none" w="med" len="med"/>
+                      <a:tailEnd type="none" w="med" len="med"/>
+                    </a:lnT>
+                    <a:lnB w="12700" cap="flat" cmpd="sng" algn="ctr">
+                      <a:solidFill>
+                        <a:schemeClr val="tx1"/>
+                      </a:solidFill>
+                      <a:prstDash val="solid"/>
+                      <a:round/>
+                      <a:headEnd type="none" w="med" len="med"/>
+                      <a:tailEnd type="none" w="med" len="med"/>
+                    </a:lnB>
+                    <a:lnTlToBr w="12700" cmpd="sng">
+                      <a:noFill/>
+                      <a:prstDash val="solid"/>
+                    </a:lnTlToBr>
+                    <a:lnBlToTr w="12700" cmpd="sng">
+                      <a:noFill/>
+                      <a:prstDash val="solid"/>
+                    </a:lnBlToTr>
+                    <a:solidFill>
+                      <a:schemeClr val="accent2">
+                        <a:lumMod val="20000"/>
+                        <a:lumOff val="80000"/>
+                      </a:schemeClr>
+                    </a:solidFill>
+                  </a:tcPr>
+                </a:tc>
+                <a:tc>
+                  <a:txBody>
+                    <a:bodyPr/>
+                    <a:lstStyle/>
+                    <a:p>
+                      <a:pPr algn="ctr"/>
+                      <a:r>
+                        <a:rPr kumimoji="1" lang="en-US" altLang="ja-JP" sz="1600" b="1" dirty="0">
+                          <a:solidFill>
+                            <a:schemeClr val="tx1"/>
+                          </a:solidFill>
+                        </a:rPr>
+                        <a:t>GCP</a:t>
+                      </a:r>
+                      <a:endParaRPr kumimoji="1" lang="ja-JP" altLang="en-US" sz="1600" b="1">
+                        <a:solidFill>
+                          <a:schemeClr val="tx1"/>
+                        </a:solidFill>
+                      </a:endParaRPr>
+                    </a:p>
+                  </a:txBody>
+                  <a:tcPr anchor="ctr">
+                    <a:lnL w="12700" cap="flat" cmpd="sng" algn="ctr">
+                      <a:solidFill>
+                        <a:schemeClr val="tx1"/>
+                      </a:solidFill>
+                      <a:prstDash val="solid"/>
+                      <a:round/>
+                      <a:headEnd type="none" w="med" len="med"/>
+                      <a:tailEnd type="none" w="med" len="med"/>
+                    </a:lnL>
+                    <a:lnR w="12700" cap="flat" cmpd="sng" algn="ctr">
+                      <a:solidFill>
+                        <a:schemeClr val="tx1"/>
+                      </a:solidFill>
+                      <a:prstDash val="solid"/>
+                      <a:round/>
+                      <a:headEnd type="none" w="med" len="med"/>
+                      <a:tailEnd type="none" w="med" len="med"/>
+                    </a:lnR>
+                    <a:lnT w="12700" cap="flat" cmpd="sng" algn="ctr">
+                      <a:solidFill>
+                        <a:schemeClr val="tx1"/>
+                      </a:solidFill>
+                      <a:prstDash val="solid"/>
+                      <a:round/>
+                      <a:headEnd type="none" w="med" len="med"/>
+                      <a:tailEnd type="none" w="med" len="med"/>
+                    </a:lnT>
+                    <a:lnB w="12700" cap="flat" cmpd="sng" algn="ctr">
+                      <a:solidFill>
+                        <a:schemeClr val="tx1"/>
+                      </a:solidFill>
+                      <a:prstDash val="solid"/>
+                      <a:round/>
+                      <a:headEnd type="none" w="med" len="med"/>
+                      <a:tailEnd type="none" w="med" len="med"/>
+                    </a:lnB>
+                    <a:lnTlToBr w="12700" cmpd="sng">
+                      <a:noFill/>
+                      <a:prstDash val="solid"/>
+                    </a:lnTlToBr>
+                    <a:lnBlToTr w="12700" cmpd="sng">
+                      <a:noFill/>
+                      <a:prstDash val="solid"/>
+                    </a:lnBlToTr>
+                    <a:solidFill>
+                      <a:schemeClr val="accent2">
+                        <a:lumMod val="20000"/>
+                        <a:lumOff val="80000"/>
+                      </a:schemeClr>
+                    </a:solidFill>
+                  </a:tcPr>
+                </a:tc>
+                <a:tc>
+                  <a:txBody>
+                    <a:bodyPr/>
+                    <a:lstStyle/>
+                    <a:p>
+                      <a:pPr algn="ctr"/>
+                      <a:r>
+                        <a:rPr kumimoji="1" lang="en-US" altLang="ja-JP" sz="1600" b="1" dirty="0">
+                          <a:solidFill>
+                            <a:schemeClr val="tx1"/>
+                          </a:solidFill>
+                        </a:rPr>
+                        <a:t>AWS</a:t>
+                      </a:r>
+                      <a:endParaRPr kumimoji="1" lang="ja-JP" altLang="en-US" sz="1600" b="1">
+                        <a:solidFill>
+                          <a:schemeClr val="tx1"/>
+                        </a:solidFill>
+                      </a:endParaRPr>
+                    </a:p>
+                  </a:txBody>
+                  <a:tcPr anchor="ctr">
+                    <a:lnL w="12700" cap="flat" cmpd="sng" algn="ctr">
+                      <a:solidFill>
+                        <a:schemeClr val="tx1"/>
+                      </a:solidFill>
+                      <a:prstDash val="solid"/>
+                      <a:round/>
+                      <a:headEnd type="none" w="med" len="med"/>
+                      <a:tailEnd type="none" w="med" len="med"/>
+                    </a:lnL>
+                    <a:lnR w="12700" cap="flat" cmpd="sng" algn="ctr">
+                      <a:solidFill>
+                        <a:schemeClr val="tx1"/>
+                      </a:solidFill>
+                      <a:prstDash val="solid"/>
+                      <a:round/>
+                      <a:headEnd type="none" w="med" len="med"/>
+                      <a:tailEnd type="none" w="med" len="med"/>
+                    </a:lnR>
+                    <a:lnT w="12700" cap="flat" cmpd="sng" algn="ctr">
+                      <a:solidFill>
+                        <a:schemeClr val="tx1"/>
+                      </a:solidFill>
+                      <a:prstDash val="solid"/>
+                      <a:round/>
+                      <a:headEnd type="none" w="med" len="med"/>
+                      <a:tailEnd type="none" w="med" len="med"/>
+                    </a:lnT>
+                    <a:lnB w="12700" cap="flat" cmpd="sng" algn="ctr">
+                      <a:solidFill>
+                        <a:schemeClr val="tx1"/>
+                      </a:solidFill>
+                      <a:prstDash val="solid"/>
+                      <a:round/>
+                      <a:headEnd type="none" w="med" len="med"/>
+                      <a:tailEnd type="none" w="med" len="med"/>
+                    </a:lnB>
+                    <a:lnTlToBr w="12700" cmpd="sng">
+                      <a:noFill/>
+                      <a:prstDash val="solid"/>
+                    </a:lnTlToBr>
+                    <a:lnBlToTr w="12700" cmpd="sng">
+                      <a:noFill/>
+                      <a:prstDash val="solid"/>
+                    </a:lnBlToTr>
+                    <a:solidFill>
+                      <a:schemeClr val="accent2">
+                        <a:lumMod val="20000"/>
+                        <a:lumOff val="80000"/>
+                      </a:schemeClr>
+                    </a:solidFill>
+                  </a:tcPr>
+                </a:tc>
+                <a:tc vMerge="1">
+                  <a:txBody>
+                    <a:bodyPr/>
+                    <a:lstStyle/>
+                    <a:p>
+                      <a:pPr algn="ctr"/>
+                      <a:endParaRPr kumimoji="1" lang="ja-JP" altLang="en-US" sz="1600" b="1">
+                        <a:solidFill>
+                          <a:schemeClr val="tx1"/>
+                        </a:solidFill>
+                      </a:endParaRPr>
+                    </a:p>
+                  </a:txBody>
+                  <a:tcPr anchor="ctr">
+                    <a:lnL w="12700" cap="flat" cmpd="sng" algn="ctr">
+                      <a:solidFill>
+                        <a:schemeClr val="tx1"/>
+                      </a:solidFill>
+                      <a:prstDash val="solid"/>
+                      <a:round/>
+                      <a:headEnd type="none" w="med" len="med"/>
+                      <a:tailEnd type="none" w="med" len="med"/>
+                    </a:lnL>
+                    <a:lnR w="12700" cap="flat" cmpd="sng" algn="ctr">
+                      <a:solidFill>
+                        <a:schemeClr val="tx1"/>
+                      </a:solidFill>
+                      <a:prstDash val="solid"/>
+                      <a:round/>
+                      <a:headEnd type="none" w="med" len="med"/>
+                      <a:tailEnd type="none" w="med" len="med"/>
+                    </a:lnR>
+                    <a:lnT w="12700" cap="flat" cmpd="sng" algn="ctr">
+                      <a:solidFill>
+                        <a:schemeClr val="tx1"/>
+                      </a:solidFill>
+                      <a:prstDash val="solid"/>
+                      <a:round/>
+                      <a:headEnd type="none" w="med" len="med"/>
+                      <a:tailEnd type="none" w="med" len="med"/>
+                    </a:lnT>
+                    <a:lnB w="12700" cap="flat" cmpd="sng" algn="ctr">
+                      <a:solidFill>
+                        <a:schemeClr val="tx1"/>
+                      </a:solidFill>
+                      <a:prstDash val="solid"/>
+                      <a:round/>
+                      <a:headEnd type="none" w="med" len="med"/>
+                      <a:tailEnd type="none" w="med" len="med"/>
+                    </a:lnB>
+                    <a:lnTlToBr w="12700" cmpd="sng">
+                      <a:noFill/>
+                      <a:prstDash val="solid"/>
+                    </a:lnTlToBr>
+                    <a:lnBlToTr w="12700" cmpd="sng">
+                      <a:noFill/>
+                      <a:prstDash val="solid"/>
+                    </a:lnBlToTr>
+                    <a:solidFill>
+                      <a:schemeClr val="accent2">
+                        <a:lumMod val="20000"/>
+                        <a:lumOff val="80000"/>
+                      </a:schemeClr>
+                    </a:solidFill>
+                  </a:tcPr>
+                </a:tc>
+                <a:extLst>
+                  <a:ext uri="{0D108BD9-81ED-4DB2-BD59-A6C34878D82A}">
+                    <a16:rowId xmlns:a16="http://schemas.microsoft.com/office/drawing/2014/main" val="2026585013"/>
+                  </a:ext>
+                </a:extLst>
+              </a:tr>
+              <a:tr h="451745">
+                <a:tc>
+                  <a:txBody>
+                    <a:bodyPr/>
+                    <a:lstStyle/>
+                    <a:p>
+                      <a:r>
+                        <a:rPr kumimoji="1" lang="ja-JP" altLang="en-US" sz="1400">
+                          <a:solidFill>
+                            <a:schemeClr val="tx1"/>
+                          </a:solidFill>
+                        </a:rPr>
+                        <a:t>データ</a:t>
+                      </a:r>
+                      <a:endParaRPr kumimoji="1" lang="en-US" altLang="ja-JP" sz="1400" dirty="0">
+                        <a:solidFill>
+                          <a:schemeClr val="tx1"/>
+                        </a:solidFill>
+                      </a:endParaRPr>
+                    </a:p>
+                    <a:p>
+                      <a:r>
+                        <a:rPr kumimoji="1" lang="ja-JP" altLang="en-US" sz="1400">
+                          <a:solidFill>
+                            <a:schemeClr val="tx1"/>
+                          </a:solidFill>
+                        </a:rPr>
+                        <a:t>センター</a:t>
+                      </a:r>
+                    </a:p>
+                  </a:txBody>
+                  <a:tcPr>
+                    <a:lnL w="12700" cap="flat" cmpd="sng" algn="ctr">
+                      <a:solidFill>
+                        <a:schemeClr val="tx1"/>
+                      </a:solidFill>
+                      <a:prstDash val="solid"/>
+                      <a:round/>
+                      <a:headEnd type="none" w="med" len="med"/>
+                      <a:tailEnd type="none" w="med" len="med"/>
+                    </a:lnL>
+                    <a:lnR w="12700" cap="flat" cmpd="sng" algn="ctr">
+                      <a:solidFill>
+                        <a:schemeClr val="tx1"/>
+                      </a:solidFill>
+                      <a:prstDash val="solid"/>
+                      <a:round/>
+                      <a:headEnd type="none" w="med" len="med"/>
+                      <a:tailEnd type="none" w="med" len="med"/>
+                    </a:lnR>
+                    <a:lnT w="12700" cap="flat" cmpd="sng" algn="ctr">
+                      <a:solidFill>
+                        <a:schemeClr val="tx1"/>
+                      </a:solidFill>
+                      <a:prstDash val="solid"/>
+                      <a:round/>
+                      <a:headEnd type="none" w="med" len="med"/>
+                      <a:tailEnd type="none" w="med" len="med"/>
+                    </a:lnT>
+                    <a:lnB w="12700" cap="flat" cmpd="sng" algn="ctr">
+                      <a:solidFill>
+                        <a:schemeClr val="tx1"/>
+                      </a:solidFill>
+                      <a:prstDash val="solid"/>
+                      <a:round/>
+                      <a:headEnd type="none" w="med" len="med"/>
+                      <a:tailEnd type="none" w="med" len="med"/>
+                    </a:lnB>
+                    <a:lnTlToBr w="12700" cmpd="sng">
+                      <a:noFill/>
+                      <a:prstDash val="solid"/>
+                    </a:lnTlToBr>
+                    <a:lnBlToTr w="12700" cmpd="sng">
+                      <a:noFill/>
+                      <a:prstDash val="solid"/>
+                    </a:lnBlToTr>
+                  </a:tcPr>
+                </a:tc>
+                <a:tc>
+                  <a:txBody>
+                    <a:bodyPr/>
+                    <a:lstStyle/>
+                    <a:p>
+                      <a:r>
+                        <a:rPr kumimoji="1" lang="ja-JP" altLang="en-US" sz="1600">
+                          <a:solidFill>
+                            <a:schemeClr val="tx1"/>
+                          </a:solidFill>
+                        </a:rPr>
+                        <a:t>クラウドが提供</a:t>
+                      </a:r>
+                    </a:p>
+                  </a:txBody>
+                  <a:tcPr>
+                    <a:lnL w="12700" cap="flat" cmpd="sng" algn="ctr">
+                      <a:solidFill>
+                        <a:schemeClr val="tx1"/>
+                      </a:solidFill>
+                      <a:prstDash val="solid"/>
+                      <a:round/>
+                      <a:headEnd type="none" w="med" len="med"/>
+                      <a:tailEnd type="none" w="med" len="med"/>
+                    </a:lnL>
+                    <a:lnR w="12700" cap="flat" cmpd="sng" algn="ctr">
+                      <a:solidFill>
+                        <a:schemeClr val="tx1"/>
+                      </a:solidFill>
+                      <a:prstDash val="solid"/>
+                      <a:round/>
+                      <a:headEnd type="none" w="med" len="med"/>
+                      <a:tailEnd type="none" w="med" len="med"/>
+                    </a:lnR>
+                    <a:lnT w="12700" cap="flat" cmpd="sng" algn="ctr">
+                      <a:solidFill>
+                        <a:schemeClr val="tx1"/>
+                      </a:solidFill>
+                      <a:prstDash val="solid"/>
+                      <a:round/>
+                      <a:headEnd type="none" w="med" len="med"/>
+                      <a:tailEnd type="none" w="med" len="med"/>
+                    </a:lnT>
+                    <a:lnB w="12700" cap="flat" cmpd="sng" algn="ctr">
+                      <a:solidFill>
+                        <a:schemeClr val="tx1"/>
+                      </a:solidFill>
+                      <a:prstDash val="solid"/>
+                      <a:round/>
+                      <a:headEnd type="none" w="med" len="med"/>
+                      <a:tailEnd type="none" w="med" len="med"/>
+                    </a:lnB>
+                    <a:lnTlToBr w="12700" cmpd="sng">
+                      <a:noFill/>
+                      <a:prstDash val="solid"/>
+                    </a:lnTlToBr>
+                    <a:lnBlToTr w="12700" cmpd="sng">
+                      <a:noFill/>
+                      <a:prstDash val="solid"/>
+                    </a:lnBlToTr>
+                  </a:tcPr>
+                </a:tc>
+                <a:tc>
+                  <a:txBody>
+                    <a:bodyPr/>
+                    <a:lstStyle/>
+                    <a:p>
+                      <a:r>
+                        <a:rPr kumimoji="1" lang="ja-JP" altLang="en-US" sz="1600">
+                          <a:solidFill>
+                            <a:schemeClr val="tx1"/>
+                          </a:solidFill>
+                        </a:rPr>
+                        <a:t>クラウドが提供</a:t>
+                      </a:r>
+                    </a:p>
+                  </a:txBody>
+                  <a:tcPr>
+                    <a:lnL w="12700" cap="flat" cmpd="sng" algn="ctr">
+                      <a:solidFill>
+                        <a:schemeClr val="tx1"/>
+                      </a:solidFill>
+                      <a:prstDash val="solid"/>
+                      <a:round/>
+                      <a:headEnd type="none" w="med" len="med"/>
+                      <a:tailEnd type="none" w="med" len="med"/>
+                    </a:lnL>
+                    <a:lnR w="12700" cap="flat" cmpd="sng" algn="ctr">
+                      <a:solidFill>
+                        <a:schemeClr val="tx1"/>
+                      </a:solidFill>
+                      <a:prstDash val="solid"/>
+                      <a:round/>
+                      <a:headEnd type="none" w="med" len="med"/>
+                      <a:tailEnd type="none" w="med" len="med"/>
+                    </a:lnR>
+                    <a:lnT w="12700" cap="flat" cmpd="sng" algn="ctr">
+                      <a:solidFill>
+                        <a:schemeClr val="tx1"/>
+                      </a:solidFill>
+                      <a:prstDash val="solid"/>
+                      <a:round/>
+                      <a:headEnd type="none" w="med" len="med"/>
+                      <a:tailEnd type="none" w="med" len="med"/>
+                    </a:lnT>
+                    <a:lnB w="12700" cap="flat" cmpd="sng" algn="ctr">
+                      <a:solidFill>
+                        <a:schemeClr val="tx1"/>
+                      </a:solidFill>
+                      <a:prstDash val="solid"/>
+                      <a:round/>
+                      <a:headEnd type="none" w="med" len="med"/>
+                      <a:tailEnd type="none" w="med" len="med"/>
+                    </a:lnB>
+                    <a:lnTlToBr w="12700" cmpd="sng">
+                      <a:noFill/>
+                      <a:prstDash val="solid"/>
+                    </a:lnTlToBr>
+                    <a:lnBlToTr w="12700" cmpd="sng">
+                      <a:noFill/>
+                      <a:prstDash val="solid"/>
+                    </a:lnBlToTr>
+                  </a:tcPr>
+                </a:tc>
+                <a:tc>
+                  <a:txBody>
+                    <a:bodyPr/>
+                    <a:lstStyle/>
+                    <a:p>
+                      <a:r>
+                        <a:rPr kumimoji="1" lang="ja-JP" altLang="en-US" sz="1600">
+                          <a:solidFill>
+                            <a:schemeClr val="tx1"/>
+                          </a:solidFill>
+                        </a:rPr>
+                        <a:t>クラウドが提供</a:t>
+                      </a:r>
+                      <a:endParaRPr kumimoji="1" lang="ja-JP" altLang="en-US" sz="1600" b="0">
+                        <a:solidFill>
+                          <a:schemeClr val="tx1"/>
+                        </a:solidFill>
+                      </a:endParaRPr>
+                    </a:p>
+                  </a:txBody>
+                  <a:tcPr>
+                    <a:lnL w="12700" cap="flat" cmpd="sng" algn="ctr">
+                      <a:solidFill>
+                        <a:schemeClr val="tx1"/>
+                      </a:solidFill>
+                      <a:prstDash val="solid"/>
+                      <a:round/>
+                      <a:headEnd type="none" w="med" len="med"/>
+                      <a:tailEnd type="none" w="med" len="med"/>
+                    </a:lnL>
+                    <a:lnR w="12700" cap="flat" cmpd="sng" algn="ctr">
+                      <a:solidFill>
+                        <a:schemeClr val="tx1"/>
+                      </a:solidFill>
+                      <a:prstDash val="solid"/>
+                      <a:round/>
+                      <a:headEnd type="none" w="med" len="med"/>
+                      <a:tailEnd type="none" w="med" len="med"/>
+                    </a:lnR>
+                    <a:lnT w="12700" cap="flat" cmpd="sng" algn="ctr">
+                      <a:solidFill>
+                        <a:schemeClr val="tx1"/>
+                      </a:solidFill>
+                      <a:prstDash val="solid"/>
+                      <a:round/>
+                      <a:headEnd type="none" w="med" len="med"/>
+                      <a:tailEnd type="none" w="med" len="med"/>
+                    </a:lnT>
+                    <a:lnB w="12700" cap="flat" cmpd="sng" algn="ctr">
+                      <a:solidFill>
+                        <a:schemeClr val="tx1"/>
+                      </a:solidFill>
+                      <a:prstDash val="solid"/>
+                      <a:round/>
+                      <a:headEnd type="none" w="med" len="med"/>
+                      <a:tailEnd type="none" w="med" len="med"/>
+                    </a:lnB>
+                    <a:lnTlToBr w="12700" cmpd="sng">
+                      <a:noFill/>
+                      <a:prstDash val="solid"/>
+                    </a:lnTlToBr>
+                    <a:lnBlToTr w="12700" cmpd="sng">
+                      <a:noFill/>
+                      <a:prstDash val="solid"/>
+                    </a:lnBlToTr>
+                  </a:tcPr>
+                </a:tc>
+                <a:tc>
+                  <a:txBody>
+                    <a:bodyPr/>
+                    <a:lstStyle/>
+                    <a:p>
+                      <a:r>
+                        <a:rPr kumimoji="1" lang="ja-JP" altLang="en-US" sz="1600" b="0">
+                          <a:solidFill>
+                            <a:schemeClr val="tx1"/>
+                          </a:solidFill>
+                        </a:rPr>
+                        <a:t>自前で準備</a:t>
+                      </a:r>
+                    </a:p>
+                  </a:txBody>
+                  <a:tcPr>
+                    <a:lnL w="12700" cap="flat" cmpd="sng" algn="ctr">
+                      <a:solidFill>
+                        <a:schemeClr val="tx1"/>
+                      </a:solidFill>
+                      <a:prstDash val="solid"/>
+                      <a:round/>
+                      <a:headEnd type="none" w="med" len="med"/>
+                      <a:tailEnd type="none" w="med" len="med"/>
+                    </a:lnL>
+                    <a:lnR w="12700" cap="flat" cmpd="sng" algn="ctr">
+                      <a:solidFill>
+                        <a:schemeClr val="tx1"/>
+                      </a:solidFill>
+                      <a:prstDash val="solid"/>
+                      <a:round/>
+                      <a:headEnd type="none" w="med" len="med"/>
+                      <a:tailEnd type="none" w="med" len="med"/>
+                    </a:lnR>
+                    <a:lnT w="12700" cap="flat" cmpd="sng" algn="ctr">
+                      <a:solidFill>
+                        <a:schemeClr val="tx1"/>
+                      </a:solidFill>
+                      <a:prstDash val="solid"/>
+                      <a:round/>
+                      <a:headEnd type="none" w="med" len="med"/>
+                      <a:tailEnd type="none" w="med" len="med"/>
+                    </a:lnT>
+                    <a:lnB w="12700" cap="flat" cmpd="sng" algn="ctr">
+                      <a:solidFill>
+                        <a:schemeClr val="tx1"/>
+                      </a:solidFill>
+                      <a:prstDash val="solid"/>
+                      <a:round/>
+                      <a:headEnd type="none" w="med" len="med"/>
+                      <a:tailEnd type="none" w="med" len="med"/>
+                    </a:lnB>
+                    <a:lnTlToBr w="12700" cmpd="sng">
+                      <a:noFill/>
+                      <a:prstDash val="solid"/>
+                    </a:lnTlToBr>
+                    <a:lnBlToTr w="12700" cmpd="sng">
+                      <a:noFill/>
+                      <a:prstDash val="solid"/>
+                    </a:lnBlToTr>
+                  </a:tcPr>
+                </a:tc>
+                <a:extLst>
+                  <a:ext uri="{0D108BD9-81ED-4DB2-BD59-A6C34878D82A}">
+                    <a16:rowId xmlns:a16="http://schemas.microsoft.com/office/drawing/2014/main" val="1302964939"/>
+                  </a:ext>
+                </a:extLst>
+              </a:tr>
+              <a:tr h="562811">
+                <a:tc>
+                  <a:txBody>
+                    <a:bodyPr/>
+                    <a:lstStyle/>
+                    <a:p>
+                      <a:r>
+                        <a:rPr kumimoji="1" lang="ja-JP" altLang="en-US" sz="1600">
+                          <a:solidFill>
+                            <a:schemeClr val="tx1"/>
+                          </a:solidFill>
+                        </a:rPr>
+                        <a:t>業務</a:t>
+                      </a:r>
+                      <a:r>
+                        <a:rPr kumimoji="1" lang="en-US" altLang="ja-JP" sz="1600" dirty="0">
+                          <a:solidFill>
+                            <a:schemeClr val="tx1"/>
+                          </a:solidFill>
+                        </a:rPr>
+                        <a:t>DB</a:t>
+                      </a:r>
+                      <a:endParaRPr kumimoji="1" lang="ja-JP" altLang="en-US" sz="1600">
+                        <a:solidFill>
+                          <a:schemeClr val="tx1"/>
+                        </a:solidFill>
+                      </a:endParaRPr>
+                    </a:p>
+                  </a:txBody>
+                  <a:tcPr>
+                    <a:lnL w="12700" cap="flat" cmpd="sng" algn="ctr">
+                      <a:solidFill>
+                        <a:schemeClr val="tx1"/>
+                      </a:solidFill>
+                      <a:prstDash val="solid"/>
+                      <a:round/>
+                      <a:headEnd type="none" w="med" len="med"/>
+                      <a:tailEnd type="none" w="med" len="med"/>
+                    </a:lnL>
+                    <a:lnR w="12700" cap="flat" cmpd="sng" algn="ctr">
+                      <a:solidFill>
+                        <a:schemeClr val="tx1"/>
+                      </a:solidFill>
+                      <a:prstDash val="solid"/>
+                      <a:round/>
+                      <a:headEnd type="none" w="med" len="med"/>
+                      <a:tailEnd type="none" w="med" len="med"/>
+                    </a:lnR>
+                    <a:lnT w="12700" cap="flat" cmpd="sng" algn="ctr">
+                      <a:solidFill>
+                        <a:schemeClr val="tx1"/>
+                      </a:solidFill>
+                      <a:prstDash val="solid"/>
+                      <a:round/>
+                      <a:headEnd type="none" w="med" len="med"/>
+                      <a:tailEnd type="none" w="med" len="med"/>
+                    </a:lnT>
+                    <a:lnB w="12700" cap="flat" cmpd="sng" algn="ctr">
+                      <a:solidFill>
+                        <a:schemeClr val="tx1"/>
+                      </a:solidFill>
+                      <a:prstDash val="solid"/>
+                      <a:round/>
+                      <a:headEnd type="none" w="med" len="med"/>
+                      <a:tailEnd type="none" w="med" len="med"/>
+                    </a:lnB>
+                    <a:lnTlToBr w="12700" cmpd="sng">
+                      <a:noFill/>
+                      <a:prstDash val="solid"/>
+                    </a:lnTlToBr>
+                    <a:lnBlToTr w="12700" cmpd="sng">
+                      <a:noFill/>
+                      <a:prstDash val="solid"/>
+                    </a:lnBlToTr>
+                  </a:tcPr>
+                </a:tc>
+                <a:tc>
+                  <a:txBody>
+                    <a:bodyPr/>
+                    <a:lstStyle/>
+                    <a:p>
+                      <a:r>
+                        <a:rPr kumimoji="1" lang="en-US" altLang="ja-JP" sz="1600" dirty="0">
+                          <a:solidFill>
+                            <a:schemeClr val="tx1"/>
+                          </a:solidFill>
+                        </a:rPr>
+                        <a:t>firestore</a:t>
+                      </a:r>
+                      <a:endParaRPr kumimoji="1" lang="ja-JP" altLang="en-US" sz="1600">
+                        <a:solidFill>
+                          <a:schemeClr val="tx1"/>
+                        </a:solidFill>
+                      </a:endParaRPr>
+                    </a:p>
+                  </a:txBody>
+                  <a:tcPr>
+                    <a:lnL w="12700" cap="flat" cmpd="sng" algn="ctr">
+                      <a:solidFill>
+                        <a:schemeClr val="tx1"/>
+                      </a:solidFill>
+                      <a:prstDash val="solid"/>
+                      <a:round/>
+                      <a:headEnd type="none" w="med" len="med"/>
+                      <a:tailEnd type="none" w="med" len="med"/>
+                    </a:lnL>
+                    <a:lnR w="12700" cap="flat" cmpd="sng" algn="ctr">
+                      <a:solidFill>
+                        <a:schemeClr val="tx1"/>
+                      </a:solidFill>
+                      <a:prstDash val="solid"/>
+                      <a:round/>
+                      <a:headEnd type="none" w="med" len="med"/>
+                      <a:tailEnd type="none" w="med" len="med"/>
+                    </a:lnR>
+                    <a:lnT w="12700" cap="flat" cmpd="sng" algn="ctr">
+                      <a:solidFill>
+                        <a:schemeClr val="tx1"/>
+                      </a:solidFill>
+                      <a:prstDash val="solid"/>
+                      <a:round/>
+                      <a:headEnd type="none" w="med" len="med"/>
+                      <a:tailEnd type="none" w="med" len="med"/>
+                    </a:lnT>
+                    <a:lnB w="12700" cap="flat" cmpd="sng" algn="ctr">
+                      <a:solidFill>
+                        <a:schemeClr val="tx1"/>
+                      </a:solidFill>
+                      <a:prstDash val="solid"/>
+                      <a:round/>
+                      <a:headEnd type="none" w="med" len="med"/>
+                      <a:tailEnd type="none" w="med" len="med"/>
+                    </a:lnB>
+                    <a:lnTlToBr w="12700" cmpd="sng">
+                      <a:noFill/>
+                      <a:prstDash val="solid"/>
+                    </a:lnTlToBr>
+                    <a:lnBlToTr w="12700" cmpd="sng">
+                      <a:noFill/>
+                      <a:prstDash val="solid"/>
+                    </a:lnBlToTr>
+                  </a:tcPr>
+                </a:tc>
+                <a:tc>
+                  <a:txBody>
+                    <a:bodyPr/>
+                    <a:lstStyle/>
+                    <a:p>
+                      <a:r>
+                        <a:rPr kumimoji="1" lang="en-US" altLang="ja-JP" sz="1600" dirty="0">
+                          <a:solidFill>
+                            <a:schemeClr val="tx1"/>
+                          </a:solidFill>
+                        </a:rPr>
+                        <a:t>Cloud SQL</a:t>
+                      </a:r>
+                      <a:endParaRPr kumimoji="1" lang="ja-JP" altLang="en-US" sz="1600">
+                        <a:solidFill>
+                          <a:schemeClr val="tx1"/>
+                        </a:solidFill>
+                      </a:endParaRPr>
+                    </a:p>
+                  </a:txBody>
+                  <a:tcPr>
+                    <a:lnL w="12700" cap="flat" cmpd="sng" algn="ctr">
+                      <a:solidFill>
+                        <a:schemeClr val="tx1"/>
+                      </a:solidFill>
+                      <a:prstDash val="solid"/>
+                      <a:round/>
+                      <a:headEnd type="none" w="med" len="med"/>
+                      <a:tailEnd type="none" w="med" len="med"/>
+                    </a:lnL>
+                    <a:lnR w="12700" cap="flat" cmpd="sng" algn="ctr">
+                      <a:solidFill>
+                        <a:schemeClr val="tx1"/>
+                      </a:solidFill>
+                      <a:prstDash val="solid"/>
+                      <a:round/>
+                      <a:headEnd type="none" w="med" len="med"/>
+                      <a:tailEnd type="none" w="med" len="med"/>
+                    </a:lnR>
+                    <a:lnT w="12700" cap="flat" cmpd="sng" algn="ctr">
+                      <a:solidFill>
+                        <a:schemeClr val="tx1"/>
+                      </a:solidFill>
+                      <a:prstDash val="solid"/>
+                      <a:round/>
+                      <a:headEnd type="none" w="med" len="med"/>
+                      <a:tailEnd type="none" w="med" len="med"/>
+                    </a:lnT>
+                    <a:lnB w="12700" cap="flat" cmpd="sng" algn="ctr">
+                      <a:solidFill>
+                        <a:schemeClr val="tx1"/>
+                      </a:solidFill>
+                      <a:prstDash val="solid"/>
+                      <a:round/>
+                      <a:headEnd type="none" w="med" len="med"/>
+                      <a:tailEnd type="none" w="med" len="med"/>
+                    </a:lnB>
+                    <a:lnTlToBr w="12700" cmpd="sng">
+                      <a:noFill/>
+                      <a:prstDash val="solid"/>
+                    </a:lnTlToBr>
+                    <a:lnBlToTr w="12700" cmpd="sng">
+                      <a:noFill/>
+                      <a:prstDash val="solid"/>
+                    </a:lnBlToTr>
+                  </a:tcPr>
+                </a:tc>
+                <a:tc>
+                  <a:txBody>
+                    <a:bodyPr/>
+                    <a:lstStyle/>
+                    <a:p>
+                      <a:r>
+                        <a:rPr kumimoji="1" lang="en-US" altLang="ja-JP" sz="1600" b="0" dirty="0">
+                          <a:solidFill>
+                            <a:schemeClr val="tx1"/>
+                          </a:solidFill>
+                        </a:rPr>
+                        <a:t>Amazon RDS</a:t>
+                      </a:r>
+                      <a:endParaRPr kumimoji="1" lang="ja-JP" altLang="en-US" sz="1600" b="0">
+                        <a:solidFill>
+                          <a:schemeClr val="tx1"/>
+                        </a:solidFill>
+                      </a:endParaRPr>
+                    </a:p>
+                  </a:txBody>
+                  <a:tcPr>
+                    <a:lnL w="12700" cap="flat" cmpd="sng" algn="ctr">
+                      <a:solidFill>
+                        <a:schemeClr val="tx1"/>
+                      </a:solidFill>
+                      <a:prstDash val="solid"/>
+                      <a:round/>
+                      <a:headEnd type="none" w="med" len="med"/>
+                      <a:tailEnd type="none" w="med" len="med"/>
+                    </a:lnL>
+                    <a:lnR w="12700" cap="flat" cmpd="sng" algn="ctr">
+                      <a:solidFill>
+                        <a:schemeClr val="tx1"/>
+                      </a:solidFill>
+                      <a:prstDash val="solid"/>
+                      <a:round/>
+                      <a:headEnd type="none" w="med" len="med"/>
+                      <a:tailEnd type="none" w="med" len="med"/>
+                    </a:lnR>
+                    <a:lnT w="12700" cap="flat" cmpd="sng" algn="ctr">
+                      <a:solidFill>
+                        <a:schemeClr val="tx1"/>
+                      </a:solidFill>
+                      <a:prstDash val="solid"/>
+                      <a:round/>
+                      <a:headEnd type="none" w="med" len="med"/>
+                      <a:tailEnd type="none" w="med" len="med"/>
+                    </a:lnT>
+                    <a:lnB w="12700" cap="flat" cmpd="sng" algn="ctr">
+                      <a:solidFill>
+                        <a:schemeClr val="tx1"/>
+                      </a:solidFill>
+                      <a:prstDash val="solid"/>
+                      <a:round/>
+                      <a:headEnd type="none" w="med" len="med"/>
+                      <a:tailEnd type="none" w="med" len="med"/>
+                    </a:lnB>
+                    <a:lnTlToBr w="12700" cmpd="sng">
+                      <a:noFill/>
+                      <a:prstDash val="solid"/>
+                    </a:lnTlToBr>
+                    <a:lnBlToTr w="12700" cmpd="sng">
+                      <a:noFill/>
+                      <a:prstDash val="solid"/>
+                    </a:lnBlToTr>
+                  </a:tcPr>
+                </a:tc>
+                <a:tc>
+                  <a:txBody>
+                    <a:bodyPr/>
+                    <a:lstStyle/>
+                    <a:p>
+                      <a:r>
+                        <a:rPr kumimoji="1" lang="en-US" altLang="ja-JP" sz="1600" b="0" dirty="0">
+                          <a:solidFill>
+                            <a:schemeClr val="accent4"/>
+                          </a:solidFill>
+                        </a:rPr>
+                        <a:t>MySQL</a:t>
+                      </a:r>
+                      <a:r>
+                        <a:rPr kumimoji="1" lang="ja-JP" altLang="en-US" sz="1600" b="0">
+                          <a:solidFill>
+                            <a:schemeClr val="accent4"/>
+                          </a:solidFill>
+                        </a:rPr>
+                        <a:t>などを自前で用意</a:t>
+                      </a:r>
+                    </a:p>
+                  </a:txBody>
+                  <a:tcPr>
+                    <a:lnL w="12700" cap="flat" cmpd="sng" algn="ctr">
+                      <a:solidFill>
+                        <a:schemeClr val="tx1"/>
+                      </a:solidFill>
+                      <a:prstDash val="solid"/>
+                      <a:round/>
+                      <a:headEnd type="none" w="med" len="med"/>
+                      <a:tailEnd type="none" w="med" len="med"/>
+                    </a:lnL>
+                    <a:lnR w="12700" cap="flat" cmpd="sng" algn="ctr">
+                      <a:solidFill>
+                        <a:schemeClr val="tx1"/>
+                      </a:solidFill>
+                      <a:prstDash val="solid"/>
+                      <a:round/>
+                      <a:headEnd type="none" w="med" len="med"/>
+                      <a:tailEnd type="none" w="med" len="med"/>
+                    </a:lnR>
+                    <a:lnT w="12700" cap="flat" cmpd="sng" algn="ctr">
+                      <a:solidFill>
+                        <a:schemeClr val="tx1"/>
+                      </a:solidFill>
+                      <a:prstDash val="solid"/>
+                      <a:round/>
+                      <a:headEnd type="none" w="med" len="med"/>
+                      <a:tailEnd type="none" w="med" len="med"/>
+                    </a:lnT>
+                    <a:lnB w="12700" cap="flat" cmpd="sng" algn="ctr">
+                      <a:solidFill>
+                        <a:schemeClr val="tx1"/>
+                      </a:solidFill>
+                      <a:prstDash val="solid"/>
+                      <a:round/>
+                      <a:headEnd type="none" w="med" len="med"/>
+                      <a:tailEnd type="none" w="med" len="med"/>
+                    </a:lnB>
+                    <a:lnTlToBr w="12700" cmpd="sng">
+                      <a:noFill/>
+                      <a:prstDash val="solid"/>
+                    </a:lnTlToBr>
+                    <a:lnBlToTr w="12700" cmpd="sng">
+                      <a:noFill/>
+                      <a:prstDash val="solid"/>
+                    </a:lnBlToTr>
+                  </a:tcPr>
+                </a:tc>
+                <a:extLst>
+                  <a:ext uri="{0D108BD9-81ED-4DB2-BD59-A6C34878D82A}">
+                    <a16:rowId xmlns:a16="http://schemas.microsoft.com/office/drawing/2014/main" val="3785356585"/>
+                  </a:ext>
+                </a:extLst>
+              </a:tr>
+              <a:tr h="595759">
+                <a:tc>
+                  <a:txBody>
+                    <a:bodyPr/>
+                    <a:lstStyle/>
+                    <a:p>
+                      <a:r>
+                        <a:rPr kumimoji="1" lang="ja-JP" altLang="en-US" sz="1600">
+                          <a:solidFill>
+                            <a:schemeClr val="tx1"/>
+                          </a:solidFill>
+                        </a:rPr>
+                        <a:t>リアルタイム</a:t>
+                      </a:r>
+                      <a:r>
+                        <a:rPr kumimoji="1" lang="en-US" altLang="ja-JP" sz="1600" dirty="0">
+                          <a:solidFill>
+                            <a:schemeClr val="tx1"/>
+                          </a:solidFill>
+                        </a:rPr>
+                        <a:t>DB</a:t>
+                      </a:r>
+                      <a:endParaRPr kumimoji="1" lang="ja-JP" altLang="en-US" sz="1600">
+                        <a:solidFill>
+                          <a:schemeClr val="tx1"/>
+                        </a:solidFill>
+                      </a:endParaRPr>
+                    </a:p>
+                  </a:txBody>
+                  <a:tcPr>
+                    <a:lnL w="12700" cap="flat" cmpd="sng" algn="ctr">
+                      <a:solidFill>
+                        <a:schemeClr val="tx1"/>
+                      </a:solidFill>
+                      <a:prstDash val="solid"/>
+                      <a:round/>
+                      <a:headEnd type="none" w="med" len="med"/>
+                      <a:tailEnd type="none" w="med" len="med"/>
+                    </a:lnL>
+                    <a:lnR w="12700" cap="flat" cmpd="sng" algn="ctr">
+                      <a:solidFill>
+                        <a:schemeClr val="tx1"/>
+                      </a:solidFill>
+                      <a:prstDash val="solid"/>
+                      <a:round/>
+                      <a:headEnd type="none" w="med" len="med"/>
+                      <a:tailEnd type="none" w="med" len="med"/>
+                    </a:lnR>
+                    <a:lnT w="12700" cap="flat" cmpd="sng" algn="ctr">
+                      <a:solidFill>
+                        <a:schemeClr val="tx1"/>
+                      </a:solidFill>
+                      <a:prstDash val="solid"/>
+                      <a:round/>
+                      <a:headEnd type="none" w="med" len="med"/>
+                      <a:tailEnd type="none" w="med" len="med"/>
+                    </a:lnT>
+                    <a:lnB w="12700" cap="flat" cmpd="sng" algn="ctr">
+                      <a:solidFill>
+                        <a:schemeClr val="tx1"/>
+                      </a:solidFill>
+                      <a:prstDash val="solid"/>
+                      <a:round/>
+                      <a:headEnd type="none" w="med" len="med"/>
+                      <a:tailEnd type="none" w="med" len="med"/>
+                    </a:lnB>
+                    <a:lnTlToBr w="12700" cmpd="sng">
+                      <a:noFill/>
+                      <a:prstDash val="solid"/>
+                    </a:lnTlToBr>
+                    <a:lnBlToTr w="12700" cmpd="sng">
+                      <a:noFill/>
+                      <a:prstDash val="solid"/>
+                    </a:lnBlToTr>
+                  </a:tcPr>
+                </a:tc>
+                <a:tc>
+                  <a:txBody>
+                    <a:bodyPr/>
+                    <a:lstStyle/>
+                    <a:p>
+                      <a:r>
+                        <a:rPr kumimoji="1" lang="en-US" altLang="ja-JP" sz="1600" dirty="0">
+                          <a:solidFill>
+                            <a:schemeClr val="tx1"/>
+                          </a:solidFill>
+                        </a:rPr>
+                        <a:t>firestore</a:t>
+                      </a:r>
+                      <a:endParaRPr kumimoji="1" lang="ja-JP" altLang="en-US" sz="1600">
+                        <a:solidFill>
+                          <a:schemeClr val="tx1"/>
+                        </a:solidFill>
+                      </a:endParaRPr>
+                    </a:p>
+                  </a:txBody>
+                  <a:tcPr>
+                    <a:lnL w="12700" cap="flat" cmpd="sng" algn="ctr">
+                      <a:solidFill>
+                        <a:schemeClr val="tx1"/>
+                      </a:solidFill>
+                      <a:prstDash val="solid"/>
+                      <a:round/>
+                      <a:headEnd type="none" w="med" len="med"/>
+                      <a:tailEnd type="none" w="med" len="med"/>
+                    </a:lnL>
+                    <a:lnR w="12700" cap="flat" cmpd="sng" algn="ctr">
+                      <a:solidFill>
+                        <a:schemeClr val="tx1"/>
+                      </a:solidFill>
+                      <a:prstDash val="solid"/>
+                      <a:round/>
+                      <a:headEnd type="none" w="med" len="med"/>
+                      <a:tailEnd type="none" w="med" len="med"/>
+                    </a:lnR>
+                    <a:lnT w="12700" cap="flat" cmpd="sng" algn="ctr">
+                      <a:solidFill>
+                        <a:schemeClr val="tx1"/>
+                      </a:solidFill>
+                      <a:prstDash val="solid"/>
+                      <a:round/>
+                      <a:headEnd type="none" w="med" len="med"/>
+                      <a:tailEnd type="none" w="med" len="med"/>
+                    </a:lnT>
+                    <a:lnB w="12700" cap="flat" cmpd="sng" algn="ctr">
+                      <a:solidFill>
+                        <a:schemeClr val="tx1"/>
+                      </a:solidFill>
+                      <a:prstDash val="solid"/>
+                      <a:round/>
+                      <a:headEnd type="none" w="med" len="med"/>
+                      <a:tailEnd type="none" w="med" len="med"/>
+                    </a:lnB>
+                    <a:lnTlToBr w="12700" cmpd="sng">
+                      <a:noFill/>
+                      <a:prstDash val="solid"/>
+                    </a:lnTlToBr>
+                    <a:lnBlToTr w="12700" cmpd="sng">
+                      <a:noFill/>
+                      <a:prstDash val="solid"/>
+                    </a:lnBlToTr>
+                  </a:tcPr>
+                </a:tc>
+                <a:tc>
+                  <a:txBody>
+                    <a:bodyPr/>
+                    <a:lstStyle/>
+                    <a:p>
+                      <a:r>
+                        <a:rPr kumimoji="1" lang="en-US" altLang="ja-JP" sz="1600" dirty="0">
+                          <a:solidFill>
+                            <a:schemeClr val="tx1"/>
+                          </a:solidFill>
+                        </a:rPr>
+                        <a:t>firestore</a:t>
+                      </a:r>
+                      <a:endParaRPr kumimoji="1" lang="ja-JP" altLang="en-US" sz="1600">
+                        <a:solidFill>
+                          <a:schemeClr val="tx1"/>
+                        </a:solidFill>
+                      </a:endParaRPr>
+                    </a:p>
+                  </a:txBody>
+                  <a:tcPr>
+                    <a:lnL w="12700" cap="flat" cmpd="sng" algn="ctr">
+                      <a:solidFill>
+                        <a:schemeClr val="tx1"/>
+                      </a:solidFill>
+                      <a:prstDash val="solid"/>
+                      <a:round/>
+                      <a:headEnd type="none" w="med" len="med"/>
+                      <a:tailEnd type="none" w="med" len="med"/>
+                    </a:lnL>
+                    <a:lnR w="12700" cap="flat" cmpd="sng" algn="ctr">
+                      <a:solidFill>
+                        <a:schemeClr val="tx1"/>
+                      </a:solidFill>
+                      <a:prstDash val="solid"/>
+                      <a:round/>
+                      <a:headEnd type="none" w="med" len="med"/>
+                      <a:tailEnd type="none" w="med" len="med"/>
+                    </a:lnR>
+                    <a:lnT w="12700" cap="flat" cmpd="sng" algn="ctr">
+                      <a:solidFill>
+                        <a:schemeClr val="tx1"/>
+                      </a:solidFill>
+                      <a:prstDash val="solid"/>
+                      <a:round/>
+                      <a:headEnd type="none" w="med" len="med"/>
+                      <a:tailEnd type="none" w="med" len="med"/>
+                    </a:lnT>
+                    <a:lnB w="12700" cap="flat" cmpd="sng" algn="ctr">
+                      <a:solidFill>
+                        <a:schemeClr val="tx1"/>
+                      </a:solidFill>
+                      <a:prstDash val="solid"/>
+                      <a:round/>
+                      <a:headEnd type="none" w="med" len="med"/>
+                      <a:tailEnd type="none" w="med" len="med"/>
+                    </a:lnB>
+                    <a:lnTlToBr w="12700" cmpd="sng">
+                      <a:noFill/>
+                      <a:prstDash val="solid"/>
+                    </a:lnTlToBr>
+                    <a:lnBlToTr w="12700" cmpd="sng">
+                      <a:noFill/>
+                      <a:prstDash val="solid"/>
+                    </a:lnBlToTr>
+                  </a:tcPr>
+                </a:tc>
+                <a:tc>
+                  <a:txBody>
+                    <a:bodyPr/>
+                    <a:lstStyle/>
+                    <a:p>
+                      <a:r>
+                        <a:rPr kumimoji="1" lang="en-US" altLang="ja-JP" sz="1600" dirty="0">
+                          <a:solidFill>
+                            <a:schemeClr val="tx1"/>
+                          </a:solidFill>
+                        </a:rPr>
+                        <a:t>Amazon DocumentDB</a:t>
+                      </a:r>
+                      <a:endParaRPr kumimoji="1" lang="ja-JP" altLang="en-US" sz="1600">
+                        <a:solidFill>
+                          <a:schemeClr val="tx1"/>
+                        </a:solidFill>
+                      </a:endParaRPr>
+                    </a:p>
+                  </a:txBody>
+                  <a:tcPr>
+                    <a:lnL w="12700" cap="flat" cmpd="sng" algn="ctr">
+                      <a:solidFill>
+                        <a:schemeClr val="tx1"/>
+                      </a:solidFill>
+                      <a:prstDash val="solid"/>
+                      <a:round/>
+                      <a:headEnd type="none" w="med" len="med"/>
+                      <a:tailEnd type="none" w="med" len="med"/>
+                    </a:lnL>
+                    <a:lnR w="12700" cap="flat" cmpd="sng" algn="ctr">
+                      <a:solidFill>
+                        <a:schemeClr val="tx1"/>
+                      </a:solidFill>
+                      <a:prstDash val="solid"/>
+                      <a:round/>
+                      <a:headEnd type="none" w="med" len="med"/>
+                      <a:tailEnd type="none" w="med" len="med"/>
+                    </a:lnR>
+                    <a:lnT w="12700" cap="flat" cmpd="sng" algn="ctr">
+                      <a:solidFill>
+                        <a:schemeClr val="tx1"/>
+                      </a:solidFill>
+                      <a:prstDash val="solid"/>
+                      <a:round/>
+                      <a:headEnd type="none" w="med" len="med"/>
+                      <a:tailEnd type="none" w="med" len="med"/>
+                    </a:lnT>
+                    <a:lnB w="12700" cap="flat" cmpd="sng" algn="ctr">
+                      <a:solidFill>
+                        <a:schemeClr val="tx1"/>
+                      </a:solidFill>
+                      <a:prstDash val="solid"/>
+                      <a:round/>
+                      <a:headEnd type="none" w="med" len="med"/>
+                      <a:tailEnd type="none" w="med" len="med"/>
+                    </a:lnB>
+                    <a:lnTlToBr w="12700" cmpd="sng">
+                      <a:noFill/>
+                      <a:prstDash val="solid"/>
+                    </a:lnTlToBr>
+                    <a:lnBlToTr w="12700" cmpd="sng">
+                      <a:noFill/>
+                      <a:prstDash val="solid"/>
+                    </a:lnBlToTr>
+                  </a:tcPr>
+                </a:tc>
+                <a:tc>
+                  <a:txBody>
+                    <a:bodyPr/>
+                    <a:lstStyle/>
+                    <a:p>
+                      <a:r>
+                        <a:rPr kumimoji="1" lang="en-US" altLang="ja-JP" sz="1600" dirty="0">
+                          <a:solidFill>
+                            <a:schemeClr val="accent4"/>
+                          </a:solidFill>
+                        </a:rPr>
+                        <a:t>MongoDB</a:t>
+                      </a:r>
+                      <a:r>
+                        <a:rPr kumimoji="1" lang="ja-JP" altLang="en-US" sz="1600">
+                          <a:solidFill>
+                            <a:schemeClr val="accent4"/>
+                          </a:solidFill>
+                        </a:rPr>
+                        <a:t>などを自前で用意</a:t>
+                      </a:r>
+                    </a:p>
+                  </a:txBody>
+                  <a:tcPr>
+                    <a:lnL w="12700" cap="flat" cmpd="sng" algn="ctr">
+                      <a:solidFill>
+                        <a:schemeClr val="tx1"/>
+                      </a:solidFill>
+                      <a:prstDash val="solid"/>
+                      <a:round/>
+                      <a:headEnd type="none" w="med" len="med"/>
+                      <a:tailEnd type="none" w="med" len="med"/>
+                    </a:lnL>
+                    <a:lnR w="12700" cap="flat" cmpd="sng" algn="ctr">
+                      <a:solidFill>
+                        <a:schemeClr val="tx1"/>
+                      </a:solidFill>
+                      <a:prstDash val="solid"/>
+                      <a:round/>
+                      <a:headEnd type="none" w="med" len="med"/>
+                      <a:tailEnd type="none" w="med" len="med"/>
+                    </a:lnR>
+                    <a:lnT w="12700" cap="flat" cmpd="sng" algn="ctr">
+                      <a:solidFill>
+                        <a:schemeClr val="tx1"/>
+                      </a:solidFill>
+                      <a:prstDash val="solid"/>
+                      <a:round/>
+                      <a:headEnd type="none" w="med" len="med"/>
+                      <a:tailEnd type="none" w="med" len="med"/>
+                    </a:lnT>
+                    <a:lnB w="12700" cap="flat" cmpd="sng" algn="ctr">
+                      <a:solidFill>
+                        <a:schemeClr val="tx1"/>
+                      </a:solidFill>
+                      <a:prstDash val="solid"/>
+                      <a:round/>
+                      <a:headEnd type="none" w="med" len="med"/>
+                      <a:tailEnd type="none" w="med" len="med"/>
+                    </a:lnB>
+                    <a:lnTlToBr w="12700" cmpd="sng">
+                      <a:noFill/>
+                      <a:prstDash val="solid"/>
+                    </a:lnTlToBr>
+                    <a:lnBlToTr w="12700" cmpd="sng">
+                      <a:noFill/>
+                      <a:prstDash val="solid"/>
+                    </a:lnBlToTr>
+                  </a:tcPr>
+                </a:tc>
+                <a:extLst>
+                  <a:ext uri="{0D108BD9-81ED-4DB2-BD59-A6C34878D82A}">
+                    <a16:rowId xmlns:a16="http://schemas.microsoft.com/office/drawing/2014/main" val="4214570469"/>
+                  </a:ext>
+                </a:extLst>
+              </a:tr>
+              <a:tr h="864096">
+                <a:tc>
+                  <a:txBody>
+                    <a:bodyPr/>
+                    <a:lstStyle/>
+                    <a:p>
+                      <a:r>
+                        <a:rPr kumimoji="1" lang="ja-JP" altLang="en-US" sz="1600">
+                          <a:solidFill>
+                            <a:schemeClr val="tx1"/>
+                          </a:solidFill>
+                        </a:rPr>
+                        <a:t>ｸﾗｲｱﾝﾄと</a:t>
+                      </a:r>
+                      <a:r>
+                        <a:rPr kumimoji="1" lang="en-US" altLang="ja-JP" sz="1600" dirty="0">
+                          <a:solidFill>
+                            <a:schemeClr val="tx1"/>
+                          </a:solidFill>
+                        </a:rPr>
+                        <a:t>DB</a:t>
+                      </a:r>
+                      <a:r>
+                        <a:rPr kumimoji="1" lang="ja-JP" altLang="en-US" sz="1600">
+                          <a:solidFill>
+                            <a:schemeClr val="tx1"/>
+                          </a:solidFill>
+                        </a:rPr>
+                        <a:t>接続</a:t>
+                      </a:r>
+                    </a:p>
+                  </a:txBody>
+                  <a:tcPr>
+                    <a:lnL w="12700" cap="flat" cmpd="sng" algn="ctr">
+                      <a:solidFill>
+                        <a:schemeClr val="tx1"/>
+                      </a:solidFill>
+                      <a:prstDash val="solid"/>
+                      <a:round/>
+                      <a:headEnd type="none" w="med" len="med"/>
+                      <a:tailEnd type="none" w="med" len="med"/>
+                    </a:lnL>
+                    <a:lnR w="12700" cap="flat" cmpd="sng" algn="ctr">
+                      <a:solidFill>
+                        <a:schemeClr val="tx1"/>
+                      </a:solidFill>
+                      <a:prstDash val="solid"/>
+                      <a:round/>
+                      <a:headEnd type="none" w="med" len="med"/>
+                      <a:tailEnd type="none" w="med" len="med"/>
+                    </a:lnR>
+                    <a:lnT w="12700" cap="flat" cmpd="sng" algn="ctr">
+                      <a:solidFill>
+                        <a:schemeClr val="tx1"/>
+                      </a:solidFill>
+                      <a:prstDash val="solid"/>
+                      <a:round/>
+                      <a:headEnd type="none" w="med" len="med"/>
+                      <a:tailEnd type="none" w="med" len="med"/>
+                    </a:lnT>
+                    <a:lnB w="12700" cap="flat" cmpd="sng" algn="ctr">
+                      <a:solidFill>
+                        <a:schemeClr val="tx1"/>
+                      </a:solidFill>
+                      <a:prstDash val="solid"/>
+                      <a:round/>
+                      <a:headEnd type="none" w="med" len="med"/>
+                      <a:tailEnd type="none" w="med" len="med"/>
+                    </a:lnB>
+                    <a:lnTlToBr w="12700" cmpd="sng">
+                      <a:noFill/>
+                      <a:prstDash val="solid"/>
+                    </a:lnTlToBr>
+                    <a:lnBlToTr w="12700" cmpd="sng">
+                      <a:noFill/>
+                      <a:prstDash val="solid"/>
+                    </a:lnBlToTr>
+                  </a:tcPr>
+                </a:tc>
+                <a:tc>
+                  <a:txBody>
+                    <a:bodyPr/>
+                    <a:lstStyle/>
+                    <a:p>
+                      <a:r>
+                        <a:rPr kumimoji="1" lang="ja-JP" altLang="en-US" sz="1600">
+                          <a:solidFill>
+                            <a:schemeClr val="tx1"/>
+                          </a:solidFill>
+                        </a:rPr>
+                        <a:t>サーバ側もクライアント側も</a:t>
+                      </a:r>
+                      <a:r>
+                        <a:rPr kumimoji="1" lang="en-US" altLang="ja-JP" sz="1600" dirty="0">
+                          <a:solidFill>
+                            <a:schemeClr val="tx1"/>
+                          </a:solidFill>
+                        </a:rPr>
+                        <a:t>firestore</a:t>
+                      </a:r>
+                      <a:r>
+                        <a:rPr kumimoji="1" lang="ja-JP" altLang="en-US" sz="1600">
+                          <a:solidFill>
+                            <a:schemeClr val="tx1"/>
+                          </a:solidFill>
+                        </a:rPr>
+                        <a:t>が提供</a:t>
+                      </a:r>
+                    </a:p>
+                  </a:txBody>
+                  <a:tcPr>
+                    <a:lnL w="12700" cap="flat" cmpd="sng" algn="ctr">
+                      <a:solidFill>
+                        <a:schemeClr val="tx1"/>
+                      </a:solidFill>
+                      <a:prstDash val="solid"/>
+                      <a:round/>
+                      <a:headEnd type="none" w="med" len="med"/>
+                      <a:tailEnd type="none" w="med" len="med"/>
+                    </a:lnL>
+                    <a:lnR w="12700" cap="flat" cmpd="sng" algn="ctr">
+                      <a:solidFill>
+                        <a:schemeClr val="tx1"/>
+                      </a:solidFill>
+                      <a:prstDash val="solid"/>
+                      <a:round/>
+                      <a:headEnd type="none" w="med" len="med"/>
+                      <a:tailEnd type="none" w="med" len="med"/>
+                    </a:lnR>
+                    <a:lnT w="12700" cap="flat" cmpd="sng" algn="ctr">
+                      <a:solidFill>
+                        <a:schemeClr val="tx1"/>
+                      </a:solidFill>
+                      <a:prstDash val="solid"/>
+                      <a:round/>
+                      <a:headEnd type="none" w="med" len="med"/>
+                      <a:tailEnd type="none" w="med" len="med"/>
+                    </a:lnT>
+                    <a:lnB w="12700" cap="flat" cmpd="sng" algn="ctr">
+                      <a:solidFill>
+                        <a:schemeClr val="tx1"/>
+                      </a:solidFill>
+                      <a:prstDash val="solid"/>
+                      <a:round/>
+                      <a:headEnd type="none" w="med" len="med"/>
+                      <a:tailEnd type="none" w="med" len="med"/>
+                    </a:lnB>
+                    <a:lnTlToBr w="12700" cmpd="sng">
+                      <a:noFill/>
+                      <a:prstDash val="solid"/>
+                    </a:lnTlToBr>
+                    <a:lnBlToTr w="12700" cmpd="sng">
+                      <a:noFill/>
+                      <a:prstDash val="solid"/>
+                    </a:lnBlToTr>
+                  </a:tcPr>
+                </a:tc>
+                <a:tc>
+                  <a:txBody>
+                    <a:bodyPr/>
+                    <a:lstStyle/>
+                    <a:p>
+                      <a:r>
+                        <a:rPr kumimoji="1" lang="ja-JP" altLang="en-US" sz="1600">
+                          <a:solidFill>
+                            <a:schemeClr val="accent4"/>
+                          </a:solidFill>
+                        </a:rPr>
+                        <a:t>業務</a:t>
+                      </a:r>
+                      <a:r>
+                        <a:rPr kumimoji="1" lang="en-US" altLang="ja-JP" sz="1600" dirty="0">
+                          <a:solidFill>
+                            <a:schemeClr val="accent4"/>
+                          </a:solidFill>
+                        </a:rPr>
+                        <a:t>DB</a:t>
+                      </a:r>
+                      <a:r>
+                        <a:rPr kumimoji="1" lang="ja-JP" altLang="en-US" sz="1600">
+                          <a:solidFill>
+                            <a:schemeClr val="accent4"/>
+                          </a:solidFill>
+                        </a:rPr>
+                        <a:t>とは</a:t>
+                      </a:r>
+                      <a:r>
+                        <a:rPr kumimoji="1" lang="en-US" altLang="ja-JP" sz="1600" dirty="0">
+                          <a:solidFill>
+                            <a:schemeClr val="accent4"/>
+                          </a:solidFill>
+                        </a:rPr>
+                        <a:t>API</a:t>
+                      </a:r>
+                      <a:r>
+                        <a:rPr kumimoji="1" lang="ja-JP" altLang="en-US" sz="1600">
+                          <a:solidFill>
+                            <a:schemeClr val="accent4"/>
+                          </a:solidFill>
+                        </a:rPr>
+                        <a:t>実装</a:t>
+                      </a:r>
+                      <a:endParaRPr kumimoji="1" lang="en-US" altLang="ja-JP" sz="1600" dirty="0">
+                        <a:solidFill>
+                          <a:schemeClr val="accent4"/>
+                        </a:solidFill>
+                      </a:endParaRPr>
+                    </a:p>
+                    <a:p>
+                      <a:r>
+                        <a:rPr kumimoji="1" lang="ja-JP" altLang="en-US" sz="1600">
+                          <a:solidFill>
+                            <a:schemeClr val="tx1"/>
+                          </a:solidFill>
+                        </a:rPr>
+                        <a:t>リアルタイム</a:t>
+                      </a:r>
+                      <a:r>
+                        <a:rPr kumimoji="1" lang="en-US" altLang="ja-JP" sz="1600" dirty="0">
+                          <a:solidFill>
+                            <a:schemeClr val="tx1"/>
+                          </a:solidFill>
+                        </a:rPr>
+                        <a:t>DB</a:t>
+                      </a:r>
+                      <a:r>
+                        <a:rPr kumimoji="1" lang="ja-JP" altLang="en-US" sz="1600">
+                          <a:solidFill>
+                            <a:schemeClr val="tx1"/>
+                          </a:solidFill>
+                        </a:rPr>
+                        <a:t>用は</a:t>
+                      </a:r>
+                      <a:r>
+                        <a:rPr kumimoji="1" lang="en-US" altLang="ja-JP" sz="1600" dirty="0">
+                          <a:solidFill>
+                            <a:schemeClr val="tx1"/>
+                          </a:solidFill>
+                        </a:rPr>
+                        <a:t>firestore</a:t>
+                      </a:r>
+                      <a:r>
+                        <a:rPr kumimoji="1" lang="ja-JP" altLang="en-US" sz="1600">
+                          <a:solidFill>
+                            <a:schemeClr val="tx1"/>
+                          </a:solidFill>
+                        </a:rPr>
+                        <a:t>が提供</a:t>
+                      </a:r>
+                    </a:p>
+                  </a:txBody>
+                  <a:tcPr>
+                    <a:lnL w="12700" cap="flat" cmpd="sng" algn="ctr">
+                      <a:solidFill>
+                        <a:schemeClr val="tx1"/>
+                      </a:solidFill>
+                      <a:prstDash val="solid"/>
+                      <a:round/>
+                      <a:headEnd type="none" w="med" len="med"/>
+                      <a:tailEnd type="none" w="med" len="med"/>
+                    </a:lnL>
+                    <a:lnR w="12700" cap="flat" cmpd="sng" algn="ctr">
+                      <a:solidFill>
+                        <a:schemeClr val="tx1"/>
+                      </a:solidFill>
+                      <a:prstDash val="solid"/>
+                      <a:round/>
+                      <a:headEnd type="none" w="med" len="med"/>
+                      <a:tailEnd type="none" w="med" len="med"/>
+                    </a:lnR>
+                    <a:lnT w="12700" cap="flat" cmpd="sng" algn="ctr">
+                      <a:solidFill>
+                        <a:schemeClr val="tx1"/>
+                      </a:solidFill>
+                      <a:prstDash val="solid"/>
+                      <a:round/>
+                      <a:headEnd type="none" w="med" len="med"/>
+                      <a:tailEnd type="none" w="med" len="med"/>
+                    </a:lnT>
+                    <a:lnB w="12700" cap="flat" cmpd="sng" algn="ctr">
+                      <a:solidFill>
+                        <a:schemeClr val="tx1"/>
+                      </a:solidFill>
+                      <a:prstDash val="solid"/>
+                      <a:round/>
+                      <a:headEnd type="none" w="med" len="med"/>
+                      <a:tailEnd type="none" w="med" len="med"/>
+                    </a:lnB>
+                    <a:lnTlToBr w="12700" cmpd="sng">
+                      <a:noFill/>
+                      <a:prstDash val="solid"/>
+                    </a:lnTlToBr>
+                    <a:lnBlToTr w="12700" cmpd="sng">
+                      <a:noFill/>
+                      <a:prstDash val="solid"/>
+                    </a:lnBlToTr>
+                  </a:tcPr>
+                </a:tc>
+                <a:tc>
+                  <a:txBody>
+                    <a:bodyPr/>
+                    <a:lstStyle/>
+                    <a:p>
+                      <a:pPr marL="0" marR="0" lvl="0" indent="0" algn="l" defTabSz="914400" rtl="0" eaLnBrk="1" fontAlgn="auto" latinLnBrk="0" hangingPunct="1">
+                        <a:lnSpc>
+                          <a:spcPct val="100000"/>
+                        </a:lnSpc>
+                        <a:spcBef>
+                          <a:spcPts val="0"/>
+                        </a:spcBef>
+                        <a:spcAft>
+                          <a:spcPts val="0"/>
+                        </a:spcAft>
+                        <a:buClrTx/>
+                        <a:buSzTx/>
+                        <a:buFontTx/>
+                        <a:buNone/>
+                        <a:tabLst/>
+                        <a:defRPr/>
+                      </a:pPr>
+                      <a:r>
+                        <a:rPr kumimoji="1" lang="ja-JP" altLang="en-US" sz="1600">
+                          <a:solidFill>
+                            <a:schemeClr val="accent4"/>
+                          </a:solidFill>
+                        </a:rPr>
+                        <a:t>業務</a:t>
+                      </a:r>
+                      <a:r>
+                        <a:rPr kumimoji="1" lang="en-US" altLang="ja-JP" sz="1600" dirty="0">
+                          <a:solidFill>
+                            <a:schemeClr val="accent4"/>
+                          </a:solidFill>
+                        </a:rPr>
+                        <a:t>DB</a:t>
+                      </a:r>
+                      <a:r>
+                        <a:rPr kumimoji="1" lang="ja-JP" altLang="en-US" sz="1600">
+                          <a:solidFill>
+                            <a:schemeClr val="accent4"/>
+                          </a:solidFill>
+                        </a:rPr>
+                        <a:t>とは</a:t>
+                      </a:r>
+                      <a:r>
+                        <a:rPr kumimoji="1" lang="en-US" altLang="ja-JP" sz="1600" dirty="0">
+                          <a:solidFill>
+                            <a:schemeClr val="accent4"/>
+                          </a:solidFill>
+                        </a:rPr>
+                        <a:t>API</a:t>
+                      </a:r>
+                      <a:r>
+                        <a:rPr kumimoji="1" lang="ja-JP" altLang="en-US" sz="1600">
+                          <a:solidFill>
+                            <a:schemeClr val="accent4"/>
+                          </a:solidFill>
+                        </a:rPr>
+                        <a:t>実装</a:t>
+                      </a:r>
+                      <a:endParaRPr kumimoji="1" lang="en-US" altLang="ja-JP" sz="1600" dirty="0">
+                        <a:solidFill>
+                          <a:schemeClr val="accent4"/>
+                        </a:solidFill>
+                      </a:endParaRPr>
+                    </a:p>
+                    <a:p>
+                      <a:r>
+                        <a:rPr kumimoji="1" lang="ja-JP" altLang="en-US" sz="1600">
+                          <a:solidFill>
+                            <a:schemeClr val="accent4"/>
+                          </a:solidFill>
+                        </a:rPr>
+                        <a:t>リアルタイム</a:t>
+                      </a:r>
+                      <a:r>
+                        <a:rPr kumimoji="1" lang="en-US" altLang="ja-JP" sz="1600" dirty="0">
+                          <a:solidFill>
+                            <a:schemeClr val="accent4"/>
+                          </a:solidFill>
+                        </a:rPr>
+                        <a:t>DB</a:t>
+                      </a:r>
+                      <a:r>
+                        <a:rPr kumimoji="1" lang="ja-JP" altLang="en-US" sz="1600">
+                          <a:solidFill>
+                            <a:schemeClr val="accent4"/>
+                          </a:solidFill>
+                        </a:rPr>
+                        <a:t>用は</a:t>
+                      </a:r>
+                      <a:br>
+                        <a:rPr kumimoji="1" lang="en-US" altLang="ja-JP" sz="1600" dirty="0">
+                          <a:solidFill>
+                            <a:schemeClr val="accent4"/>
+                          </a:solidFill>
+                        </a:rPr>
+                      </a:br>
+                      <a:r>
+                        <a:rPr kumimoji="1" lang="en-US" altLang="ja-JP" sz="1600" dirty="0">
+                          <a:solidFill>
+                            <a:schemeClr val="accent4"/>
+                          </a:solidFill>
+                        </a:rPr>
+                        <a:t>gRPC</a:t>
+                      </a:r>
+                      <a:r>
+                        <a:rPr kumimoji="1" lang="ja-JP" altLang="en-US" sz="1600">
+                          <a:solidFill>
+                            <a:schemeClr val="accent4"/>
+                          </a:solidFill>
+                        </a:rPr>
+                        <a:t>で実装</a:t>
+                      </a:r>
+                    </a:p>
+                  </a:txBody>
+                  <a:tcPr>
+                    <a:lnL w="12700" cap="flat" cmpd="sng" algn="ctr">
+                      <a:solidFill>
+                        <a:schemeClr val="tx1"/>
+                      </a:solidFill>
+                      <a:prstDash val="solid"/>
+                      <a:round/>
+                      <a:headEnd type="none" w="med" len="med"/>
+                      <a:tailEnd type="none" w="med" len="med"/>
+                    </a:lnL>
+                    <a:lnR w="12700" cap="flat" cmpd="sng" algn="ctr">
+                      <a:solidFill>
+                        <a:schemeClr val="tx1"/>
+                      </a:solidFill>
+                      <a:prstDash val="solid"/>
+                      <a:round/>
+                      <a:headEnd type="none" w="med" len="med"/>
+                      <a:tailEnd type="none" w="med" len="med"/>
+                    </a:lnR>
+                    <a:lnT w="12700" cap="flat" cmpd="sng" algn="ctr">
+                      <a:solidFill>
+                        <a:schemeClr val="tx1"/>
+                      </a:solidFill>
+                      <a:prstDash val="solid"/>
+                      <a:round/>
+                      <a:headEnd type="none" w="med" len="med"/>
+                      <a:tailEnd type="none" w="med" len="med"/>
+                    </a:lnT>
+                    <a:lnB w="12700" cap="flat" cmpd="sng" algn="ctr">
+                      <a:solidFill>
+                        <a:schemeClr val="tx1"/>
+                      </a:solidFill>
+                      <a:prstDash val="solid"/>
+                      <a:round/>
+                      <a:headEnd type="none" w="med" len="med"/>
+                      <a:tailEnd type="none" w="med" len="med"/>
+                    </a:lnB>
+                    <a:lnTlToBr w="12700" cmpd="sng">
+                      <a:noFill/>
+                      <a:prstDash val="solid"/>
+                    </a:lnTlToBr>
+                    <a:lnBlToTr w="12700" cmpd="sng">
+                      <a:noFill/>
+                      <a:prstDash val="solid"/>
+                    </a:lnBlToTr>
+                  </a:tcPr>
+                </a:tc>
+                <a:tc>
+                  <a:txBody>
+                    <a:bodyPr/>
+                    <a:lstStyle/>
+                    <a:p>
+                      <a:pPr marL="0" marR="0" lvl="0" indent="0" algn="l" defTabSz="914400" rtl="0" eaLnBrk="1" fontAlgn="auto" latinLnBrk="0" hangingPunct="1">
+                        <a:lnSpc>
+                          <a:spcPct val="100000"/>
+                        </a:lnSpc>
+                        <a:spcBef>
+                          <a:spcPts val="0"/>
+                        </a:spcBef>
+                        <a:spcAft>
+                          <a:spcPts val="0"/>
+                        </a:spcAft>
+                        <a:buClrTx/>
+                        <a:buSzTx/>
+                        <a:buFontTx/>
+                        <a:buNone/>
+                        <a:tabLst/>
+                        <a:defRPr/>
+                      </a:pPr>
+                      <a:r>
+                        <a:rPr kumimoji="1" lang="ja-JP" altLang="en-US" sz="1600">
+                          <a:solidFill>
+                            <a:schemeClr val="accent4"/>
+                          </a:solidFill>
+                        </a:rPr>
+                        <a:t>業務</a:t>
+                      </a:r>
+                      <a:r>
+                        <a:rPr kumimoji="1" lang="en-US" altLang="ja-JP" sz="1600" dirty="0">
+                          <a:solidFill>
+                            <a:schemeClr val="accent4"/>
+                          </a:solidFill>
+                        </a:rPr>
+                        <a:t>DB</a:t>
+                      </a:r>
+                      <a:r>
+                        <a:rPr kumimoji="1" lang="ja-JP" altLang="en-US" sz="1600">
+                          <a:solidFill>
+                            <a:schemeClr val="accent4"/>
+                          </a:solidFill>
+                        </a:rPr>
+                        <a:t>とは</a:t>
+                      </a:r>
+                      <a:r>
+                        <a:rPr kumimoji="1" lang="en-US" altLang="ja-JP" sz="1600" dirty="0">
+                          <a:solidFill>
+                            <a:schemeClr val="accent4"/>
+                          </a:solidFill>
+                        </a:rPr>
+                        <a:t>API</a:t>
+                      </a:r>
+                      <a:r>
+                        <a:rPr kumimoji="1" lang="ja-JP" altLang="en-US" sz="1600">
+                          <a:solidFill>
+                            <a:schemeClr val="accent4"/>
+                          </a:solidFill>
+                        </a:rPr>
+                        <a:t>実装</a:t>
+                      </a:r>
+                      <a:endParaRPr kumimoji="1" lang="en-US" altLang="ja-JP" sz="1600" dirty="0">
+                        <a:solidFill>
+                          <a:schemeClr val="accent4"/>
+                        </a:solidFill>
+                      </a:endParaRPr>
+                    </a:p>
+                    <a:p>
+                      <a:r>
+                        <a:rPr kumimoji="1" lang="ja-JP" altLang="en-US" sz="1600">
+                          <a:solidFill>
+                            <a:schemeClr val="accent4"/>
+                          </a:solidFill>
+                        </a:rPr>
+                        <a:t>リアルタイム</a:t>
+                      </a:r>
+                      <a:r>
+                        <a:rPr kumimoji="1" lang="en-US" altLang="ja-JP" sz="1600" dirty="0">
+                          <a:solidFill>
+                            <a:schemeClr val="accent4"/>
+                          </a:solidFill>
+                        </a:rPr>
+                        <a:t>DB</a:t>
+                      </a:r>
+                      <a:r>
+                        <a:rPr kumimoji="1" lang="ja-JP" altLang="en-US" sz="1600">
+                          <a:solidFill>
+                            <a:schemeClr val="accent4"/>
+                          </a:solidFill>
+                        </a:rPr>
+                        <a:t>用は</a:t>
+                      </a:r>
+                      <a:br>
+                        <a:rPr kumimoji="1" lang="en-US" altLang="ja-JP" sz="1600" dirty="0">
+                          <a:solidFill>
+                            <a:schemeClr val="accent4"/>
+                          </a:solidFill>
+                        </a:rPr>
+                      </a:br>
+                      <a:r>
+                        <a:rPr kumimoji="1" lang="en-US" altLang="ja-JP" sz="1600" dirty="0">
+                          <a:solidFill>
+                            <a:schemeClr val="accent4"/>
+                          </a:solidFill>
+                        </a:rPr>
+                        <a:t>gRPC</a:t>
+                      </a:r>
+                      <a:r>
+                        <a:rPr kumimoji="1" lang="ja-JP" altLang="en-US" sz="1600">
+                          <a:solidFill>
+                            <a:schemeClr val="accent4"/>
+                          </a:solidFill>
+                        </a:rPr>
+                        <a:t>で実装</a:t>
+                      </a:r>
+                    </a:p>
+                  </a:txBody>
+                  <a:tcPr>
+                    <a:lnL w="12700" cap="flat" cmpd="sng" algn="ctr">
+                      <a:solidFill>
+                        <a:schemeClr val="tx1"/>
+                      </a:solidFill>
+                      <a:prstDash val="solid"/>
+                      <a:round/>
+                      <a:headEnd type="none" w="med" len="med"/>
+                      <a:tailEnd type="none" w="med" len="med"/>
+                    </a:lnL>
+                    <a:lnR w="12700" cap="flat" cmpd="sng" algn="ctr">
+                      <a:solidFill>
+                        <a:schemeClr val="tx1"/>
+                      </a:solidFill>
+                      <a:prstDash val="solid"/>
+                      <a:round/>
+                      <a:headEnd type="none" w="med" len="med"/>
+                      <a:tailEnd type="none" w="med" len="med"/>
+                    </a:lnR>
+                    <a:lnT w="12700" cap="flat" cmpd="sng" algn="ctr">
+                      <a:solidFill>
+                        <a:schemeClr val="tx1"/>
+                      </a:solidFill>
+                      <a:prstDash val="solid"/>
+                      <a:round/>
+                      <a:headEnd type="none" w="med" len="med"/>
+                      <a:tailEnd type="none" w="med" len="med"/>
+                    </a:lnT>
+                    <a:lnB w="12700" cap="flat" cmpd="sng" algn="ctr">
+                      <a:solidFill>
+                        <a:schemeClr val="tx1"/>
+                      </a:solidFill>
+                      <a:prstDash val="solid"/>
+                      <a:round/>
+                      <a:headEnd type="none" w="med" len="med"/>
+                      <a:tailEnd type="none" w="med" len="med"/>
+                    </a:lnB>
+                    <a:lnTlToBr w="12700" cmpd="sng">
+                      <a:noFill/>
+                      <a:prstDash val="solid"/>
+                    </a:lnTlToBr>
+                    <a:lnBlToTr w="12700" cmpd="sng">
+                      <a:noFill/>
+                      <a:prstDash val="solid"/>
+                    </a:lnBlToTr>
+                  </a:tcPr>
+                </a:tc>
+                <a:extLst>
+                  <a:ext uri="{0D108BD9-81ED-4DB2-BD59-A6C34878D82A}">
+                    <a16:rowId xmlns:a16="http://schemas.microsoft.com/office/drawing/2014/main" val="3212411959"/>
+                  </a:ext>
+                </a:extLst>
+              </a:tr>
+              <a:tr h="1043265">
+                <a:tc>
+                  <a:txBody>
+                    <a:bodyPr/>
+                    <a:lstStyle/>
+                    <a:p>
+                      <a:r>
+                        <a:rPr kumimoji="1" lang="ja-JP" altLang="en-US" sz="1600">
+                          <a:solidFill>
+                            <a:schemeClr val="tx1"/>
+                          </a:solidFill>
+                        </a:rPr>
+                        <a:t>認証認可</a:t>
+                      </a:r>
+                    </a:p>
+                  </a:txBody>
+                  <a:tcPr>
+                    <a:lnL w="12700" cap="flat" cmpd="sng" algn="ctr">
+                      <a:solidFill>
+                        <a:schemeClr val="tx1"/>
+                      </a:solidFill>
+                      <a:prstDash val="solid"/>
+                      <a:round/>
+                      <a:headEnd type="none" w="med" len="med"/>
+                      <a:tailEnd type="none" w="med" len="med"/>
+                    </a:lnL>
+                    <a:lnR w="12700" cap="flat" cmpd="sng" algn="ctr">
+                      <a:solidFill>
+                        <a:schemeClr val="tx1"/>
+                      </a:solidFill>
+                      <a:prstDash val="solid"/>
+                      <a:round/>
+                      <a:headEnd type="none" w="med" len="med"/>
+                      <a:tailEnd type="none" w="med" len="med"/>
+                    </a:lnR>
+                    <a:lnT w="12700" cap="flat" cmpd="sng" algn="ctr">
+                      <a:solidFill>
+                        <a:schemeClr val="tx1"/>
+                      </a:solidFill>
+                      <a:prstDash val="solid"/>
+                      <a:round/>
+                      <a:headEnd type="none" w="med" len="med"/>
+                      <a:tailEnd type="none" w="med" len="med"/>
+                    </a:lnT>
+                    <a:lnB w="12700" cap="flat" cmpd="sng" algn="ctr">
+                      <a:solidFill>
+                        <a:schemeClr val="tx1"/>
+                      </a:solidFill>
+                      <a:prstDash val="solid"/>
+                      <a:round/>
+                      <a:headEnd type="none" w="med" len="med"/>
+                      <a:tailEnd type="none" w="med" len="med"/>
+                    </a:lnB>
+                    <a:lnTlToBr w="12700" cmpd="sng">
+                      <a:noFill/>
+                      <a:prstDash val="solid"/>
+                    </a:lnTlToBr>
+                    <a:lnBlToTr w="12700" cmpd="sng">
+                      <a:noFill/>
+                      <a:prstDash val="solid"/>
+                    </a:lnBlToTr>
+                  </a:tcPr>
+                </a:tc>
+                <a:tc>
+                  <a:txBody>
+                    <a:bodyPr/>
+                    <a:lstStyle/>
+                    <a:p>
+                      <a:r>
+                        <a:rPr kumimoji="1" lang="en-US" altLang="ja-JP" sz="1600" dirty="0">
+                          <a:solidFill>
+                            <a:schemeClr val="tx1"/>
+                          </a:solidFill>
+                        </a:rPr>
+                        <a:t>Firebase Auth</a:t>
+                      </a:r>
+                      <a:endParaRPr kumimoji="1" lang="ja-JP" altLang="en-US" sz="1600">
+                        <a:solidFill>
+                          <a:schemeClr val="tx1"/>
+                        </a:solidFill>
+                      </a:endParaRPr>
+                    </a:p>
+                  </a:txBody>
+                  <a:tcPr>
+                    <a:lnL w="12700" cap="flat" cmpd="sng" algn="ctr">
+                      <a:solidFill>
+                        <a:schemeClr val="tx1"/>
+                      </a:solidFill>
+                      <a:prstDash val="solid"/>
+                      <a:round/>
+                      <a:headEnd type="none" w="med" len="med"/>
+                      <a:tailEnd type="none" w="med" len="med"/>
+                    </a:lnL>
+                    <a:lnR w="12700" cap="flat" cmpd="sng" algn="ctr">
+                      <a:solidFill>
+                        <a:schemeClr val="tx1"/>
+                      </a:solidFill>
+                      <a:prstDash val="solid"/>
+                      <a:round/>
+                      <a:headEnd type="none" w="med" len="med"/>
+                      <a:tailEnd type="none" w="med" len="med"/>
+                    </a:lnR>
+                    <a:lnT w="12700" cap="flat" cmpd="sng" algn="ctr">
+                      <a:solidFill>
+                        <a:schemeClr val="tx1"/>
+                      </a:solidFill>
+                      <a:prstDash val="solid"/>
+                      <a:round/>
+                      <a:headEnd type="none" w="med" len="med"/>
+                      <a:tailEnd type="none" w="med" len="med"/>
+                    </a:lnT>
+                    <a:lnB w="12700" cap="flat" cmpd="sng" algn="ctr">
+                      <a:solidFill>
+                        <a:schemeClr val="tx1"/>
+                      </a:solidFill>
+                      <a:prstDash val="solid"/>
+                      <a:round/>
+                      <a:headEnd type="none" w="med" len="med"/>
+                      <a:tailEnd type="none" w="med" len="med"/>
+                    </a:lnB>
+                    <a:lnTlToBr w="12700" cmpd="sng">
+                      <a:noFill/>
+                      <a:prstDash val="solid"/>
+                    </a:lnTlToBr>
+                    <a:lnBlToTr w="12700" cmpd="sng">
+                      <a:noFill/>
+                      <a:prstDash val="solid"/>
+                    </a:lnBlToTr>
+                  </a:tcPr>
+                </a:tc>
+                <a:tc>
+                  <a:txBody>
+                    <a:bodyPr/>
+                    <a:lstStyle/>
+                    <a:p>
+                      <a:r>
+                        <a:rPr kumimoji="1" lang="en-US" altLang="ja-JP" sz="1600" dirty="0">
+                          <a:solidFill>
+                            <a:schemeClr val="tx1"/>
+                          </a:solidFill>
+                        </a:rPr>
+                        <a:t>Firebase Auth</a:t>
+                      </a:r>
+                    </a:p>
+                    <a:p>
+                      <a:r>
+                        <a:rPr kumimoji="1" lang="en-US" altLang="ja-JP" sz="1600" dirty="0">
+                          <a:solidFill>
+                            <a:schemeClr val="tx1"/>
+                          </a:solidFill>
+                        </a:rPr>
+                        <a:t>(</a:t>
+                      </a:r>
+                      <a:r>
+                        <a:rPr kumimoji="1" lang="en-US" altLang="ja-JP" sz="1600" dirty="0">
+                          <a:solidFill>
+                            <a:schemeClr val="accent4"/>
+                          </a:solidFill>
+                        </a:rPr>
+                        <a:t>API</a:t>
+                      </a:r>
+                      <a:r>
+                        <a:rPr kumimoji="1" lang="ja-JP" altLang="en-US" sz="1600">
+                          <a:solidFill>
+                            <a:schemeClr val="accent4"/>
+                          </a:solidFill>
+                        </a:rPr>
+                        <a:t>は連携部分要実装</a:t>
+                      </a:r>
+                      <a:r>
+                        <a:rPr kumimoji="1" lang="en-US" altLang="ja-JP" sz="1600" dirty="0">
+                          <a:solidFill>
+                            <a:schemeClr val="tx1"/>
+                          </a:solidFill>
+                        </a:rPr>
+                        <a:t>)</a:t>
+                      </a:r>
+                      <a:endParaRPr kumimoji="1" lang="ja-JP" altLang="en-US" sz="1600">
+                        <a:solidFill>
+                          <a:schemeClr val="tx1"/>
+                        </a:solidFill>
+                      </a:endParaRPr>
+                    </a:p>
+                  </a:txBody>
+                  <a:tcPr>
+                    <a:lnL w="12700" cap="flat" cmpd="sng" algn="ctr">
+                      <a:solidFill>
+                        <a:schemeClr val="tx1"/>
+                      </a:solidFill>
+                      <a:prstDash val="solid"/>
+                      <a:round/>
+                      <a:headEnd type="none" w="med" len="med"/>
+                      <a:tailEnd type="none" w="med" len="med"/>
+                    </a:lnL>
+                    <a:lnR w="12700" cap="flat" cmpd="sng" algn="ctr">
+                      <a:solidFill>
+                        <a:schemeClr val="tx1"/>
+                      </a:solidFill>
+                      <a:prstDash val="solid"/>
+                      <a:round/>
+                      <a:headEnd type="none" w="med" len="med"/>
+                      <a:tailEnd type="none" w="med" len="med"/>
+                    </a:lnR>
+                    <a:lnT w="12700" cap="flat" cmpd="sng" algn="ctr">
+                      <a:solidFill>
+                        <a:schemeClr val="tx1"/>
+                      </a:solidFill>
+                      <a:prstDash val="solid"/>
+                      <a:round/>
+                      <a:headEnd type="none" w="med" len="med"/>
+                      <a:tailEnd type="none" w="med" len="med"/>
+                    </a:lnT>
+                    <a:lnB w="12700" cap="flat" cmpd="sng" algn="ctr">
+                      <a:solidFill>
+                        <a:schemeClr val="tx1"/>
+                      </a:solidFill>
+                      <a:prstDash val="solid"/>
+                      <a:round/>
+                      <a:headEnd type="none" w="med" len="med"/>
+                      <a:tailEnd type="none" w="med" len="med"/>
+                    </a:lnB>
+                    <a:lnTlToBr w="12700" cmpd="sng">
+                      <a:noFill/>
+                      <a:prstDash val="solid"/>
+                    </a:lnTlToBr>
+                    <a:lnBlToTr w="12700" cmpd="sng">
+                      <a:noFill/>
+                      <a:prstDash val="solid"/>
+                    </a:lnBlToTr>
+                  </a:tcPr>
+                </a:tc>
+                <a:tc>
+                  <a:txBody>
+                    <a:bodyPr/>
+                    <a:lstStyle/>
+                    <a:p>
+                      <a:r>
+                        <a:rPr kumimoji="1" lang="en-US" altLang="ja-JP" sz="1600" dirty="0">
+                          <a:solidFill>
+                            <a:schemeClr val="accent4"/>
+                          </a:solidFill>
+                        </a:rPr>
+                        <a:t>API Gateway</a:t>
+                      </a:r>
+                      <a:r>
+                        <a:rPr kumimoji="1" lang="ja-JP" altLang="en-US" sz="1600">
+                          <a:solidFill>
+                            <a:schemeClr val="accent4"/>
+                          </a:solidFill>
+                        </a:rPr>
+                        <a:t>と</a:t>
+                      </a:r>
+                      <a:r>
+                        <a:rPr kumimoji="1" lang="en-US" altLang="ja-JP" sz="1600" dirty="0">
+                          <a:solidFill>
+                            <a:schemeClr val="accent4"/>
+                          </a:solidFill>
+                        </a:rPr>
+                        <a:t>IAM</a:t>
+                      </a:r>
+                      <a:r>
+                        <a:rPr kumimoji="1" lang="ja-JP" altLang="en-US" sz="1600">
+                          <a:solidFill>
+                            <a:schemeClr val="accent4"/>
+                          </a:solidFill>
+                        </a:rPr>
+                        <a:t>を連携するか</a:t>
+                      </a:r>
+                      <a:r>
+                        <a:rPr kumimoji="1" lang="en-US" altLang="ja-JP" sz="1600" dirty="0">
+                          <a:solidFill>
+                            <a:schemeClr val="accent4"/>
+                          </a:solidFill>
+                        </a:rPr>
+                        <a:t>keycloak</a:t>
+                      </a:r>
+                      <a:r>
+                        <a:rPr kumimoji="1" lang="ja-JP" altLang="en-US" sz="1600">
+                          <a:solidFill>
+                            <a:schemeClr val="accent4"/>
+                          </a:solidFill>
+                        </a:rPr>
+                        <a:t>などを自前で用意して</a:t>
+                      </a:r>
+                      <a:r>
+                        <a:rPr kumimoji="1" lang="en-US" altLang="ja-JP" sz="1600" dirty="0">
+                          <a:solidFill>
+                            <a:schemeClr val="accent4"/>
+                          </a:solidFill>
+                        </a:rPr>
+                        <a:t>API</a:t>
+                      </a:r>
+                      <a:r>
+                        <a:rPr kumimoji="1" lang="ja-JP" altLang="en-US" sz="1600">
+                          <a:solidFill>
+                            <a:schemeClr val="accent4"/>
+                          </a:solidFill>
+                        </a:rPr>
+                        <a:t>との連携部分を実装</a:t>
+                      </a:r>
+                    </a:p>
+                  </a:txBody>
+                  <a:tcPr>
+                    <a:lnL w="12700" cap="flat" cmpd="sng" algn="ctr">
+                      <a:solidFill>
+                        <a:schemeClr val="tx1"/>
+                      </a:solidFill>
+                      <a:prstDash val="solid"/>
+                      <a:round/>
+                      <a:headEnd type="none" w="med" len="med"/>
+                      <a:tailEnd type="none" w="med" len="med"/>
+                    </a:lnL>
+                    <a:lnR w="12700" cap="flat" cmpd="sng" algn="ctr">
+                      <a:solidFill>
+                        <a:schemeClr val="tx1"/>
+                      </a:solidFill>
+                      <a:prstDash val="solid"/>
+                      <a:round/>
+                      <a:headEnd type="none" w="med" len="med"/>
+                      <a:tailEnd type="none" w="med" len="med"/>
+                    </a:lnR>
+                    <a:lnT w="12700" cap="flat" cmpd="sng" algn="ctr">
+                      <a:solidFill>
+                        <a:schemeClr val="tx1"/>
+                      </a:solidFill>
+                      <a:prstDash val="solid"/>
+                      <a:round/>
+                      <a:headEnd type="none" w="med" len="med"/>
+                      <a:tailEnd type="none" w="med" len="med"/>
+                    </a:lnT>
+                    <a:lnB w="12700" cap="flat" cmpd="sng" algn="ctr">
+                      <a:solidFill>
+                        <a:schemeClr val="tx1"/>
+                      </a:solidFill>
+                      <a:prstDash val="solid"/>
+                      <a:round/>
+                      <a:headEnd type="none" w="med" len="med"/>
+                      <a:tailEnd type="none" w="med" len="med"/>
+                    </a:lnB>
+                    <a:lnTlToBr w="12700" cmpd="sng">
+                      <a:noFill/>
+                      <a:prstDash val="solid"/>
+                    </a:lnTlToBr>
+                    <a:lnBlToTr w="12700" cmpd="sng">
+                      <a:noFill/>
+                      <a:prstDash val="solid"/>
+                    </a:lnBlToTr>
+                  </a:tcPr>
+                </a:tc>
+                <a:tc>
+                  <a:txBody>
+                    <a:bodyPr/>
+                    <a:lstStyle/>
+                    <a:p>
+                      <a:r>
+                        <a:rPr kumimoji="1" lang="en-US" altLang="ja-JP" sz="1600" dirty="0">
+                          <a:solidFill>
+                            <a:schemeClr val="accent4"/>
+                          </a:solidFill>
+                        </a:rPr>
+                        <a:t>keycloak</a:t>
+                      </a:r>
+                      <a:r>
+                        <a:rPr kumimoji="1" lang="ja-JP" altLang="en-US" sz="1600">
+                          <a:solidFill>
+                            <a:schemeClr val="accent4"/>
+                          </a:solidFill>
+                        </a:rPr>
+                        <a:t>などを自前で用意して</a:t>
+                      </a:r>
+                      <a:r>
+                        <a:rPr kumimoji="1" lang="en-US" altLang="ja-JP" sz="1600" dirty="0">
+                          <a:solidFill>
+                            <a:schemeClr val="accent4"/>
+                          </a:solidFill>
+                        </a:rPr>
+                        <a:t>API</a:t>
+                      </a:r>
+                      <a:r>
+                        <a:rPr kumimoji="1" lang="ja-JP" altLang="en-US" sz="1600">
+                          <a:solidFill>
+                            <a:schemeClr val="accent4"/>
+                          </a:solidFill>
+                        </a:rPr>
+                        <a:t>との連携部分を実装</a:t>
+                      </a:r>
+                      <a:endParaRPr kumimoji="1" lang="ja-JP" altLang="en-US" sz="1600">
+                        <a:solidFill>
+                          <a:schemeClr val="tx1"/>
+                        </a:solidFill>
+                      </a:endParaRPr>
+                    </a:p>
+                  </a:txBody>
+                  <a:tcPr>
+                    <a:lnL w="12700" cap="flat" cmpd="sng" algn="ctr">
+                      <a:solidFill>
+                        <a:schemeClr val="tx1"/>
+                      </a:solidFill>
+                      <a:prstDash val="solid"/>
+                      <a:round/>
+                      <a:headEnd type="none" w="med" len="med"/>
+                      <a:tailEnd type="none" w="med" len="med"/>
+                    </a:lnL>
+                    <a:lnR w="12700" cap="flat" cmpd="sng" algn="ctr">
+                      <a:solidFill>
+                        <a:schemeClr val="tx1"/>
+                      </a:solidFill>
+                      <a:prstDash val="solid"/>
+                      <a:round/>
+                      <a:headEnd type="none" w="med" len="med"/>
+                      <a:tailEnd type="none" w="med" len="med"/>
+                    </a:lnR>
+                    <a:lnT w="12700" cap="flat" cmpd="sng" algn="ctr">
+                      <a:solidFill>
+                        <a:schemeClr val="tx1"/>
+                      </a:solidFill>
+                      <a:prstDash val="solid"/>
+                      <a:round/>
+                      <a:headEnd type="none" w="med" len="med"/>
+                      <a:tailEnd type="none" w="med" len="med"/>
+                    </a:lnT>
+                    <a:lnB w="12700" cap="flat" cmpd="sng" algn="ctr">
+                      <a:solidFill>
+                        <a:schemeClr val="tx1"/>
+                      </a:solidFill>
+                      <a:prstDash val="solid"/>
+                      <a:round/>
+                      <a:headEnd type="none" w="med" len="med"/>
+                      <a:tailEnd type="none" w="med" len="med"/>
+                    </a:lnB>
+                    <a:lnTlToBr w="12700" cmpd="sng">
+                      <a:noFill/>
+                      <a:prstDash val="solid"/>
+                    </a:lnTlToBr>
+                    <a:lnBlToTr w="12700" cmpd="sng">
+                      <a:noFill/>
+                      <a:prstDash val="solid"/>
+                    </a:lnBlToTr>
+                  </a:tcPr>
+                </a:tc>
+                <a:extLst>
+                  <a:ext uri="{0D108BD9-81ED-4DB2-BD59-A6C34878D82A}">
+                    <a16:rowId xmlns:a16="http://schemas.microsoft.com/office/drawing/2014/main" val="2692704103"/>
+                  </a:ext>
+                </a:extLst>
+              </a:tr>
+            </a:tbl>
+          </a:graphicData>
+        </a:graphic>
+      </p:graphicFrame>
+      <p:sp>
+        <p:nvSpPr>
+          <p:cNvPr id="2" name="テキスト ボックス 1">
+            <a:extLst>
+              <a:ext uri="{FF2B5EF4-FFF2-40B4-BE49-F238E27FC236}">
+                <a16:creationId xmlns:a16="http://schemas.microsoft.com/office/drawing/2014/main" id="{6C673E26-6360-D744-A615-01DAB317CAE0}"/>
+              </a:ext>
+            </a:extLst>
+          </p:cNvPr>
+          <p:cNvSpPr txBox="1"/>
+          <p:nvPr/>
+        </p:nvSpPr>
+        <p:spPr>
+          <a:xfrm>
+            <a:off x="72280" y="620688"/>
+            <a:ext cx="9769488" cy="1323439"/>
+          </a:xfrm>
+          <a:prstGeom prst="rect">
+            <a:avLst/>
+          </a:prstGeom>
+          <a:noFill/>
+        </p:spPr>
+        <p:txBody>
+          <a:bodyPr wrap="square" rtlCol="0">
+            <a:spAutoFit/>
+          </a:bodyPr>
+          <a:lstStyle/>
+          <a:p>
+            <a:r>
+              <a:rPr kumimoji="1" lang="ja-JP" altLang="en-US" sz="1600" b="0"/>
+              <a:t>アプリには中間テーブルをうまく扱う必要のある</a:t>
+            </a:r>
+            <a:r>
+              <a:rPr kumimoji="1" lang="en-US" altLang="ja-JP" sz="1600" b="0" dirty="0"/>
+              <a:t>RDB</a:t>
+            </a:r>
+            <a:r>
+              <a:rPr kumimoji="1" lang="ja-JP" altLang="en-US" sz="1600" b="0"/>
+              <a:t>が必要な機能とチャットのような双方向のリアルタイムデータベースを扱う機能の両方があり、スマホアプリや</a:t>
+            </a:r>
+            <a:r>
+              <a:rPr kumimoji="1" lang="en-US" altLang="ja-JP" sz="1600" b="0" dirty="0"/>
+              <a:t>SPA</a:t>
+            </a:r>
+            <a:r>
+              <a:rPr kumimoji="1" lang="ja-JP" altLang="en-US" sz="1600" b="0"/>
+              <a:t>の</a:t>
+            </a:r>
+            <a:r>
+              <a:rPr kumimoji="1" lang="en-US" altLang="ja-JP" sz="1600" b="0" dirty="0"/>
+              <a:t>Web</a:t>
+            </a:r>
+            <a:r>
+              <a:rPr kumimoji="1" lang="ja-JP" altLang="en-US" sz="1600" b="0"/>
+              <a:t>アプリから要件どおり安全に扱うには用途にあった</a:t>
+            </a:r>
+            <a:r>
+              <a:rPr kumimoji="1" lang="en-US" altLang="ja-JP" sz="1600" b="0" dirty="0"/>
+              <a:t>API</a:t>
+            </a:r>
+            <a:r>
+              <a:rPr kumimoji="1" lang="ja-JP" altLang="en-US" sz="1600" b="0"/>
+              <a:t>を開発する必要がある場合が発生します（赤字部分）。業務</a:t>
+            </a:r>
+            <a:r>
+              <a:rPr kumimoji="1" lang="en-US" altLang="ja-JP" sz="1600" b="0" dirty="0"/>
+              <a:t>DB</a:t>
+            </a:r>
+            <a:r>
+              <a:rPr kumimoji="1" lang="ja-JP" altLang="en-US" sz="1600" b="0"/>
+              <a:t>も</a:t>
+            </a:r>
+            <a:r>
+              <a:rPr kumimoji="1" lang="en-US" altLang="ja-JP" sz="1600" b="0" dirty="0"/>
+              <a:t>firestore</a:t>
+            </a:r>
+            <a:r>
+              <a:rPr kumimoji="1" lang="ja-JP" altLang="en-US" sz="1600" b="0"/>
+              <a:t>であつかいはじめるのは開発工数を劇的に削減するにはよいですが、汎化していくには下表の左から右へマイグレーションできるしくみも作っておくとよいでしょう。</a:t>
+            </a:r>
+          </a:p>
+        </p:txBody>
+      </p:sp>
+    </p:spTree>
+    <p:extLst>
+      <p:ext uri="{BB962C8B-B14F-4D97-AF65-F5344CB8AC3E}">
+        <p14:creationId xmlns:p14="http://schemas.microsoft.com/office/powerpoint/2010/main" val="3593761243"/>
+      </p:ext>
+    </p:extLst>
+  </p:cSld>
+  <p:clrMapOvr>
+    <a:masterClrMapping/>
+  </p:clrMapOvr>
+  <p:transition/>
+</p:sld>
+</file>
+
+<file path=ppt/slides/slide3.xml><?xml version="1.0" encoding="utf-8"?>
+<p:sld xmlns:a="http://schemas.openxmlformats.org/drawingml/2006/main" xmlns:r="http://schemas.openxmlformats.org/officeDocument/2006/relationships" xmlns:p="http://schemas.openxmlformats.org/presentationml/2006/main">
+  <p:cSld>
+    <p:spTree>
+      <p:nvGrpSpPr>
+        <p:cNvPr id="1" name=""/>
+        <p:cNvGrpSpPr/>
+        <p:nvPr/>
+      </p:nvGrpSpPr>
+      <p:grpSpPr>
+        <a:xfrm>
+          <a:off x="0" y="0"/>
+          <a:ext cx="0" cy="0"/>
+          <a:chOff x="0" y="0"/>
+          <a:chExt cx="0" cy="0"/>
+        </a:xfrm>
+      </p:grpSpPr>
+      <p:sp>
+        <p:nvSpPr>
+          <p:cNvPr id="9" name="テキスト ボックス 8">
+            <a:extLst>
+              <a:ext uri="{FF2B5EF4-FFF2-40B4-BE49-F238E27FC236}">
+                <a16:creationId xmlns:a16="http://schemas.microsoft.com/office/drawing/2014/main" id="{DED96F5B-1D56-0D41-ABC9-459C67FC5598}"/>
+              </a:ext>
+            </a:extLst>
+          </p:cNvPr>
+          <p:cNvSpPr txBox="1"/>
+          <p:nvPr/>
+        </p:nvSpPr>
+        <p:spPr>
+          <a:xfrm>
+            <a:off x="104338" y="188640"/>
+            <a:ext cx="9529181" cy="523220"/>
+          </a:xfrm>
+          <a:prstGeom prst="rect">
+            <a:avLst/>
+          </a:prstGeom>
+          <a:noFill/>
+        </p:spPr>
+        <p:txBody>
+          <a:bodyPr wrap="square" rtlCol="0">
+            <a:spAutoFit/>
+          </a:bodyPr>
+          <a:lstStyle/>
+          <a:p>
+            <a:r>
+              <a:rPr kumimoji="1" lang="ja-JP" altLang="en-US" sz="2800"/>
+              <a:t>設計と実装の</a:t>
+            </a:r>
+            <a:r>
+              <a:rPr kumimoji="1" lang="en-US" altLang="ja-JP" sz="2800" dirty="0"/>
+              <a:t>WBS</a:t>
+            </a:r>
+            <a:endParaRPr kumimoji="1" lang="ja-JP" altLang="en-US" sz="2800"/>
+          </a:p>
+        </p:txBody>
+      </p:sp>
+      <p:sp>
+        <p:nvSpPr>
+          <p:cNvPr id="2" name="テキスト ボックス 1">
+            <a:extLst>
+              <a:ext uri="{FF2B5EF4-FFF2-40B4-BE49-F238E27FC236}">
+                <a16:creationId xmlns:a16="http://schemas.microsoft.com/office/drawing/2014/main" id="{41AA36D7-778B-3E4E-A2FB-ACA9B3090984}"/>
+              </a:ext>
+            </a:extLst>
+          </p:cNvPr>
+          <p:cNvSpPr txBox="1"/>
+          <p:nvPr/>
+        </p:nvSpPr>
+        <p:spPr>
+          <a:xfrm>
+            <a:off x="723043" y="2055649"/>
+            <a:ext cx="880369" cy="307777"/>
+          </a:xfrm>
+          <a:prstGeom prst="rect">
+            <a:avLst/>
+          </a:prstGeom>
+          <a:noFill/>
+        </p:spPr>
+        <p:txBody>
+          <a:bodyPr wrap="none" rtlCol="0">
+            <a:spAutoFit/>
+          </a:bodyPr>
+          <a:lstStyle/>
+          <a:p>
+            <a:pPr algn="r"/>
+            <a:r>
+              <a:rPr kumimoji="1" lang="en-US" altLang="ja-JP" b="0" dirty="0"/>
+              <a:t>Firebase</a:t>
+            </a:r>
+            <a:endParaRPr kumimoji="1" lang="ja-JP" altLang="en-US" b="0"/>
+          </a:p>
+        </p:txBody>
+      </p:sp>
+      <p:sp>
+        <p:nvSpPr>
+          <p:cNvPr id="3" name="正方形/長方形 2">
+            <a:extLst>
+              <a:ext uri="{FF2B5EF4-FFF2-40B4-BE49-F238E27FC236}">
+                <a16:creationId xmlns:a16="http://schemas.microsoft.com/office/drawing/2014/main" id="{9E95955C-F605-454B-9ED5-9AE332D3D729}"/>
+              </a:ext>
+            </a:extLst>
+          </p:cNvPr>
+          <p:cNvSpPr/>
+          <p:nvPr/>
+        </p:nvSpPr>
+        <p:spPr bwMode="auto">
+          <a:xfrm>
+            <a:off x="1639926" y="2035651"/>
+            <a:ext cx="2479986" cy="487140"/>
+          </a:xfrm>
+          <a:prstGeom prst="rect">
+            <a:avLst/>
+          </a:prstGeom>
+          <a:solidFill>
+            <a:schemeClr val="bg1"/>
+          </a:solidFill>
+          <a:ln w="9525" cap="flat" cmpd="sng" algn="ctr">
+            <a:solidFill>
+              <a:schemeClr val="tx1"/>
+            </a:solidFill>
+            <a:prstDash val="solid"/>
+            <a:round/>
+            <a:headEnd type="none" w="med" len="med"/>
+            <a:tailEnd type="none" w="med" len="med"/>
+          </a:ln>
+          <a:effectLst/>
+        </p:spPr>
+        <p:txBody>
+          <a:bodyPr vert="horz" wrap="square" lIns="36000" tIns="36000" rIns="36000" bIns="36000" numCol="1" rtlCol="0" anchor="ctr" anchorCtr="0" compatLnSpc="1">
+            <a:prstTxWarp prst="textNoShape">
+              <a:avLst/>
+            </a:prstTxWarp>
+          </a:bodyPr>
+          <a:lstStyle/>
+          <a:p>
+            <a:pPr marL="0" marR="0" indent="0" algn="ctr" defTabSz="914400" rtl="0" eaLnBrk="1" fontAlgn="base" latinLnBrk="0" hangingPunct="1">
+              <a:lnSpc>
+                <a:spcPct val="100000"/>
+              </a:lnSpc>
+              <a:spcBef>
+                <a:spcPct val="0"/>
+              </a:spcBef>
+              <a:spcAft>
+                <a:spcPct val="0"/>
+              </a:spcAft>
+              <a:buClrTx/>
+              <a:buSzTx/>
+              <a:buFontTx/>
+              <a:buNone/>
+              <a:tabLst/>
+            </a:pPr>
+            <a:r>
+              <a:rPr kumimoji="1" lang="ja-JP" altLang="en-US" sz="1200" b="0">
+                <a:latin typeface="+mn-lt"/>
+                <a:ea typeface="+mn-ea"/>
+              </a:rPr>
+              <a:t>ユースケースまとめ、設計</a:t>
+            </a:r>
+            <a:endParaRPr kumimoji="1" lang="ja-JP" altLang="en-US" sz="1200" b="0" dirty="0">
+              <a:latin typeface="+mn-lt"/>
+              <a:ea typeface="+mn-ea"/>
+            </a:endParaRPr>
+          </a:p>
+        </p:txBody>
+      </p:sp>
+      <p:sp>
+        <p:nvSpPr>
+          <p:cNvPr id="7" name="正方形/長方形 6">
+            <a:extLst>
+              <a:ext uri="{FF2B5EF4-FFF2-40B4-BE49-F238E27FC236}">
+                <a16:creationId xmlns:a16="http://schemas.microsoft.com/office/drawing/2014/main" id="{140FB1F3-A778-5F40-A2F1-B65EE967995A}"/>
+              </a:ext>
+            </a:extLst>
+          </p:cNvPr>
+          <p:cNvSpPr/>
+          <p:nvPr/>
+        </p:nvSpPr>
+        <p:spPr bwMode="auto">
+          <a:xfrm>
+            <a:off x="4119087" y="2035763"/>
+            <a:ext cx="1682848" cy="487140"/>
+          </a:xfrm>
+          <a:prstGeom prst="rect">
+            <a:avLst/>
+          </a:prstGeom>
+          <a:solidFill>
+            <a:schemeClr val="bg1"/>
+          </a:solidFill>
+          <a:ln w="9525" cap="flat" cmpd="sng" algn="ctr">
+            <a:solidFill>
+              <a:schemeClr val="tx1"/>
+            </a:solidFill>
+            <a:prstDash val="solid"/>
+            <a:round/>
+            <a:headEnd type="none" w="med" len="med"/>
+            <a:tailEnd type="none" w="med" len="med"/>
+          </a:ln>
+          <a:effectLst/>
+        </p:spPr>
+        <p:txBody>
+          <a:bodyPr vert="horz" wrap="square" lIns="36000" tIns="36000" rIns="36000" bIns="36000" numCol="1" rtlCol="0" anchor="ctr" anchorCtr="0" compatLnSpc="1">
+            <a:prstTxWarp prst="textNoShape">
+              <a:avLst/>
+            </a:prstTxWarp>
+          </a:bodyPr>
+          <a:lstStyle/>
+          <a:p>
+            <a:pPr marL="0" marR="0" indent="0" algn="ctr" defTabSz="914400" rtl="0" eaLnBrk="1" fontAlgn="base" latinLnBrk="0" hangingPunct="1">
+              <a:lnSpc>
+                <a:spcPct val="100000"/>
+              </a:lnSpc>
+              <a:spcBef>
+                <a:spcPct val="0"/>
+              </a:spcBef>
+              <a:spcAft>
+                <a:spcPct val="0"/>
+              </a:spcAft>
+              <a:buClrTx/>
+              <a:buSzTx/>
+              <a:buFontTx/>
+              <a:buNone/>
+              <a:tabLst/>
+            </a:pPr>
+            <a:r>
+              <a:rPr kumimoji="1" lang="ja-JP" altLang="en-US" sz="1200" b="0">
+                <a:latin typeface="+mn-lt"/>
+                <a:ea typeface="+mn-ea"/>
+              </a:rPr>
+              <a:t>フロント開発</a:t>
+            </a:r>
+            <a:endParaRPr kumimoji="1" lang="ja-JP" altLang="en-US" sz="1200" b="0" dirty="0">
+              <a:latin typeface="+mn-lt"/>
+              <a:ea typeface="+mn-ea"/>
+            </a:endParaRPr>
+          </a:p>
+        </p:txBody>
+      </p:sp>
+      <p:sp>
+        <p:nvSpPr>
+          <p:cNvPr id="8" name="正方形/長方形 7">
+            <a:extLst>
+              <a:ext uri="{FF2B5EF4-FFF2-40B4-BE49-F238E27FC236}">
+                <a16:creationId xmlns:a16="http://schemas.microsoft.com/office/drawing/2014/main" id="{20CE3C6E-A444-B848-9FC9-4391A0837261}"/>
+              </a:ext>
+            </a:extLst>
+          </p:cNvPr>
+          <p:cNvSpPr/>
+          <p:nvPr/>
+        </p:nvSpPr>
+        <p:spPr bwMode="auto">
+          <a:xfrm>
+            <a:off x="5801934" y="2035651"/>
+            <a:ext cx="842249" cy="487140"/>
+          </a:xfrm>
+          <a:prstGeom prst="rect">
+            <a:avLst/>
+          </a:prstGeom>
+          <a:solidFill>
+            <a:schemeClr val="bg1"/>
+          </a:solidFill>
+          <a:ln w="9525" cap="flat" cmpd="sng" algn="ctr">
+            <a:solidFill>
+              <a:schemeClr val="tx1"/>
+            </a:solidFill>
+            <a:prstDash val="solid"/>
+            <a:round/>
+            <a:headEnd type="none" w="med" len="med"/>
+            <a:tailEnd type="none" w="med" len="med"/>
+          </a:ln>
+          <a:effectLst/>
+        </p:spPr>
+        <p:txBody>
+          <a:bodyPr vert="horz" wrap="square" lIns="36000" tIns="36000" rIns="36000" bIns="36000" numCol="1" rtlCol="0" anchor="ctr" anchorCtr="0" compatLnSpc="1">
+            <a:prstTxWarp prst="textNoShape">
+              <a:avLst/>
+            </a:prstTxWarp>
+          </a:bodyPr>
+          <a:lstStyle/>
+          <a:p>
+            <a:pPr marL="0" marR="0" indent="0" algn="ctr" defTabSz="914400" rtl="0" eaLnBrk="1" fontAlgn="base" latinLnBrk="0" hangingPunct="1">
+              <a:lnSpc>
+                <a:spcPct val="100000"/>
+              </a:lnSpc>
+              <a:spcBef>
+                <a:spcPct val="0"/>
+              </a:spcBef>
+              <a:spcAft>
+                <a:spcPct val="0"/>
+              </a:spcAft>
+              <a:buClrTx/>
+              <a:buSzTx/>
+              <a:buFontTx/>
+              <a:buNone/>
+              <a:tabLst/>
+            </a:pPr>
+            <a:r>
+              <a:rPr kumimoji="1" lang="ja-JP" altLang="en-US" sz="1200" b="0">
+                <a:latin typeface="+mn-lt"/>
+                <a:ea typeface="+mn-ea"/>
+              </a:rPr>
+              <a:t>ﾊﾞｯｸｴﾝﾄﾞ</a:t>
+            </a:r>
+            <a:endParaRPr kumimoji="1" lang="en-US" altLang="ja-JP" sz="1200" b="0" dirty="0">
+              <a:latin typeface="+mn-lt"/>
+              <a:ea typeface="+mn-ea"/>
+            </a:endParaRPr>
+          </a:p>
+          <a:p>
+            <a:pPr marL="0" marR="0" indent="0" algn="ctr" defTabSz="914400" rtl="0" eaLnBrk="1" fontAlgn="base" latinLnBrk="0" hangingPunct="1">
+              <a:lnSpc>
+                <a:spcPct val="100000"/>
+              </a:lnSpc>
+              <a:spcBef>
+                <a:spcPct val="0"/>
+              </a:spcBef>
+              <a:spcAft>
+                <a:spcPct val="0"/>
+              </a:spcAft>
+              <a:buClrTx/>
+              <a:buSzTx/>
+              <a:buFontTx/>
+              <a:buNone/>
+              <a:tabLst/>
+            </a:pPr>
+            <a:r>
+              <a:rPr kumimoji="1" lang="ja-JP" altLang="en-US" sz="1200" b="0">
+                <a:latin typeface="+mn-lt"/>
+                <a:ea typeface="+mn-ea"/>
+              </a:rPr>
+              <a:t>開発</a:t>
+            </a:r>
+            <a:endParaRPr kumimoji="1" lang="ja-JP" altLang="en-US" sz="1200" b="0" dirty="0">
+              <a:latin typeface="+mn-lt"/>
+              <a:ea typeface="+mn-ea"/>
+            </a:endParaRPr>
+          </a:p>
+        </p:txBody>
+      </p:sp>
+      <p:sp>
+        <p:nvSpPr>
+          <p:cNvPr id="12" name="正方形/長方形 11">
+            <a:extLst>
+              <a:ext uri="{FF2B5EF4-FFF2-40B4-BE49-F238E27FC236}">
+                <a16:creationId xmlns:a16="http://schemas.microsoft.com/office/drawing/2014/main" id="{DDFB0A8E-D161-0E45-A245-CAAA12BA74B6}"/>
+              </a:ext>
+            </a:extLst>
+          </p:cNvPr>
+          <p:cNvSpPr/>
+          <p:nvPr/>
+        </p:nvSpPr>
+        <p:spPr bwMode="auto">
+          <a:xfrm>
+            <a:off x="6644183" y="2035651"/>
+            <a:ext cx="1682848" cy="487140"/>
+          </a:xfrm>
+          <a:prstGeom prst="rect">
+            <a:avLst/>
+          </a:prstGeom>
+          <a:solidFill>
+            <a:schemeClr val="bg1"/>
+          </a:solidFill>
+          <a:ln w="9525" cap="flat" cmpd="sng" algn="ctr">
+            <a:solidFill>
+              <a:schemeClr val="tx1"/>
+            </a:solidFill>
+            <a:prstDash val="solid"/>
+            <a:round/>
+            <a:headEnd type="none" w="med" len="med"/>
+            <a:tailEnd type="none" w="med" len="med"/>
+          </a:ln>
+          <a:effectLst/>
+        </p:spPr>
+        <p:txBody>
+          <a:bodyPr vert="horz" wrap="square" lIns="36000" tIns="36000" rIns="36000" bIns="36000" numCol="1" rtlCol="0" anchor="ctr" anchorCtr="0" compatLnSpc="1">
+            <a:prstTxWarp prst="textNoShape">
+              <a:avLst/>
+            </a:prstTxWarp>
+          </a:bodyPr>
+          <a:lstStyle/>
+          <a:p>
+            <a:pPr marL="0" marR="0" indent="0" algn="ctr" defTabSz="914400" rtl="0" eaLnBrk="1" fontAlgn="base" latinLnBrk="0" hangingPunct="1">
+              <a:lnSpc>
+                <a:spcPct val="100000"/>
+              </a:lnSpc>
+              <a:spcBef>
+                <a:spcPct val="0"/>
+              </a:spcBef>
+              <a:spcAft>
+                <a:spcPct val="0"/>
+              </a:spcAft>
+              <a:buClrTx/>
+              <a:buSzTx/>
+              <a:buFontTx/>
+              <a:buNone/>
+              <a:tabLst/>
+            </a:pPr>
+            <a:r>
+              <a:rPr kumimoji="1" lang="ja-JP" altLang="en-US" sz="1200" b="0">
+                <a:latin typeface="+mn-lt"/>
+                <a:ea typeface="+mn-ea"/>
+              </a:rPr>
+              <a:t>テスト</a:t>
+            </a:r>
+            <a:endParaRPr kumimoji="1" lang="ja-JP" altLang="en-US" sz="1200" b="0" dirty="0">
+              <a:latin typeface="+mn-lt"/>
+              <a:ea typeface="+mn-ea"/>
+            </a:endParaRPr>
+          </a:p>
+        </p:txBody>
+      </p:sp>
+      <p:sp>
+        <p:nvSpPr>
+          <p:cNvPr id="5" name="テキスト ボックス 4">
+            <a:extLst>
+              <a:ext uri="{FF2B5EF4-FFF2-40B4-BE49-F238E27FC236}">
+                <a16:creationId xmlns:a16="http://schemas.microsoft.com/office/drawing/2014/main" id="{368D8687-8D30-AD47-B2FB-4077F6AF1D7E}"/>
+              </a:ext>
+            </a:extLst>
+          </p:cNvPr>
+          <p:cNvSpPr txBox="1"/>
+          <p:nvPr/>
+        </p:nvSpPr>
+        <p:spPr>
+          <a:xfrm>
+            <a:off x="4429910" y="1646274"/>
+            <a:ext cx="820629" cy="378570"/>
+          </a:xfrm>
+          <a:prstGeom prst="rect">
+            <a:avLst/>
+          </a:prstGeom>
+          <a:noFill/>
+        </p:spPr>
+        <p:txBody>
+          <a:bodyPr wrap="none" rtlCol="0">
+            <a:spAutoFit/>
+          </a:bodyPr>
+          <a:lstStyle/>
+          <a:p>
+            <a:r>
+              <a:rPr kumimoji="1" lang="ja-JP" altLang="en-US" b="0"/>
+              <a:t>８週間</a:t>
+            </a:r>
+          </a:p>
+        </p:txBody>
+      </p:sp>
+      <p:sp>
+        <p:nvSpPr>
+          <p:cNvPr id="13" name="テキスト ボックス 12">
+            <a:extLst>
+              <a:ext uri="{FF2B5EF4-FFF2-40B4-BE49-F238E27FC236}">
+                <a16:creationId xmlns:a16="http://schemas.microsoft.com/office/drawing/2014/main" id="{FEC184C8-715A-D246-B0F2-114CFD8FCF85}"/>
+              </a:ext>
+            </a:extLst>
+          </p:cNvPr>
+          <p:cNvSpPr txBox="1"/>
+          <p:nvPr/>
+        </p:nvSpPr>
+        <p:spPr>
+          <a:xfrm>
+            <a:off x="1029216" y="3984211"/>
+            <a:ext cx="574196" cy="307777"/>
+          </a:xfrm>
+          <a:prstGeom prst="rect">
+            <a:avLst/>
+          </a:prstGeom>
+          <a:noFill/>
+        </p:spPr>
+        <p:txBody>
+          <a:bodyPr wrap="none" rtlCol="0">
+            <a:spAutoFit/>
+          </a:bodyPr>
+          <a:lstStyle/>
+          <a:p>
+            <a:pPr algn="r"/>
+            <a:r>
+              <a:rPr kumimoji="1" lang="en-US" altLang="ja-JP" b="0" dirty="0"/>
+              <a:t>GCP</a:t>
+            </a:r>
+            <a:endParaRPr kumimoji="1" lang="ja-JP" altLang="en-US" b="0"/>
+          </a:p>
+        </p:txBody>
+      </p:sp>
+      <p:sp>
+        <p:nvSpPr>
+          <p:cNvPr id="18" name="テキスト ボックス 17">
+            <a:extLst>
+              <a:ext uri="{FF2B5EF4-FFF2-40B4-BE49-F238E27FC236}">
+                <a16:creationId xmlns:a16="http://schemas.microsoft.com/office/drawing/2014/main" id="{6BB3A7CD-5196-A240-8CF5-3BD14DFF6BCC}"/>
+              </a:ext>
+            </a:extLst>
+          </p:cNvPr>
+          <p:cNvSpPr txBox="1"/>
+          <p:nvPr/>
+        </p:nvSpPr>
+        <p:spPr>
+          <a:xfrm>
+            <a:off x="4385625" y="3517070"/>
+            <a:ext cx="919215" cy="378570"/>
+          </a:xfrm>
+          <a:prstGeom prst="rect">
+            <a:avLst/>
+          </a:prstGeom>
+          <a:noFill/>
+        </p:spPr>
+        <p:txBody>
+          <a:bodyPr wrap="none" rtlCol="0">
+            <a:spAutoFit/>
+          </a:bodyPr>
+          <a:lstStyle/>
+          <a:p>
+            <a:r>
+              <a:rPr kumimoji="1" lang="en-US" altLang="ja-JP" b="0" dirty="0"/>
+              <a:t>+7</a:t>
+            </a:r>
+            <a:r>
+              <a:rPr kumimoji="1" lang="ja-JP" altLang="en-US" b="0"/>
+              <a:t>週間</a:t>
+            </a:r>
+          </a:p>
+        </p:txBody>
+      </p:sp>
+      <p:sp>
+        <p:nvSpPr>
+          <p:cNvPr id="19" name="正方形/長方形 18">
+            <a:extLst>
+              <a:ext uri="{FF2B5EF4-FFF2-40B4-BE49-F238E27FC236}">
+                <a16:creationId xmlns:a16="http://schemas.microsoft.com/office/drawing/2014/main" id="{B61A34B1-C8CC-8E42-94EF-26546C84D7C0}"/>
+              </a:ext>
+            </a:extLst>
+          </p:cNvPr>
+          <p:cNvSpPr/>
+          <p:nvPr/>
+        </p:nvSpPr>
+        <p:spPr bwMode="auto">
+          <a:xfrm>
+            <a:off x="1640632" y="3939814"/>
+            <a:ext cx="842249" cy="487140"/>
+          </a:xfrm>
+          <a:prstGeom prst="rect">
+            <a:avLst/>
+          </a:prstGeom>
+          <a:solidFill>
+            <a:schemeClr val="accent4">
+              <a:lumMod val="20000"/>
+              <a:lumOff val="80000"/>
+            </a:schemeClr>
+          </a:solidFill>
+          <a:ln w="9525" cap="flat" cmpd="sng" algn="ctr">
+            <a:solidFill>
+              <a:schemeClr val="tx1"/>
+            </a:solidFill>
+            <a:prstDash val="solid"/>
+            <a:round/>
+            <a:headEnd type="none" w="med" len="med"/>
+            <a:tailEnd type="none" w="med" len="med"/>
+          </a:ln>
+          <a:effectLst/>
+        </p:spPr>
+        <p:txBody>
+          <a:bodyPr vert="horz" wrap="square" lIns="36000" tIns="36000" rIns="36000" bIns="36000" numCol="1" rtlCol="0" anchor="ctr" anchorCtr="0" compatLnSpc="1">
+            <a:prstTxWarp prst="textNoShape">
+              <a:avLst/>
+            </a:prstTxWarp>
+          </a:bodyPr>
+          <a:lstStyle/>
+          <a:p>
+            <a:pPr marL="0" marR="0" indent="0" algn="ctr" defTabSz="914400" rtl="0" eaLnBrk="1" fontAlgn="base" latinLnBrk="0" hangingPunct="1">
+              <a:lnSpc>
+                <a:spcPct val="100000"/>
+              </a:lnSpc>
+              <a:spcBef>
+                <a:spcPct val="0"/>
+              </a:spcBef>
+              <a:spcAft>
+                <a:spcPct val="0"/>
+              </a:spcAft>
+              <a:buClrTx/>
+              <a:buSzTx/>
+              <a:buFontTx/>
+              <a:buNone/>
+              <a:tabLst/>
+            </a:pPr>
+            <a:r>
+              <a:rPr kumimoji="1" lang="en-US" altLang="ja-JP" sz="1200" b="0" dirty="0">
+                <a:latin typeface="+mn-lt"/>
+                <a:ea typeface="+mn-ea"/>
+              </a:rPr>
+              <a:t>DB</a:t>
+            </a:r>
+            <a:r>
+              <a:rPr kumimoji="1" lang="ja-JP" altLang="en-US" sz="1200" b="0">
+                <a:latin typeface="+mn-lt"/>
+                <a:ea typeface="+mn-ea"/>
+              </a:rPr>
+              <a:t>移行</a:t>
+            </a:r>
+            <a:endParaRPr kumimoji="1" lang="ja-JP" altLang="en-US" sz="1200" b="0" dirty="0">
+              <a:latin typeface="+mn-lt"/>
+              <a:ea typeface="+mn-ea"/>
+            </a:endParaRPr>
+          </a:p>
+        </p:txBody>
+      </p:sp>
+      <p:sp>
+        <p:nvSpPr>
+          <p:cNvPr id="20" name="正方形/長方形 19">
+            <a:extLst>
+              <a:ext uri="{FF2B5EF4-FFF2-40B4-BE49-F238E27FC236}">
+                <a16:creationId xmlns:a16="http://schemas.microsoft.com/office/drawing/2014/main" id="{695F4D2F-B5DC-3C41-9184-8C7D2D43CBD4}"/>
+              </a:ext>
+            </a:extLst>
+          </p:cNvPr>
+          <p:cNvSpPr/>
+          <p:nvPr/>
+        </p:nvSpPr>
+        <p:spPr bwMode="auto">
+          <a:xfrm>
+            <a:off x="2488560" y="3939814"/>
+            <a:ext cx="2479986" cy="487140"/>
+          </a:xfrm>
+          <a:prstGeom prst="rect">
+            <a:avLst/>
+          </a:prstGeom>
+          <a:solidFill>
+            <a:schemeClr val="accent4">
+              <a:lumMod val="20000"/>
+              <a:lumOff val="80000"/>
+            </a:schemeClr>
+          </a:solidFill>
+          <a:ln w="9525" cap="flat" cmpd="sng" algn="ctr">
+            <a:solidFill>
+              <a:schemeClr val="tx1"/>
+            </a:solidFill>
+            <a:prstDash val="solid"/>
+            <a:round/>
+            <a:headEnd type="none" w="med" len="med"/>
+            <a:tailEnd type="none" w="med" len="med"/>
+          </a:ln>
+          <a:effectLst/>
+        </p:spPr>
+        <p:txBody>
+          <a:bodyPr vert="horz" wrap="square" lIns="36000" tIns="36000" rIns="36000" bIns="36000" numCol="1" rtlCol="0" anchor="ctr" anchorCtr="0" compatLnSpc="1">
+            <a:prstTxWarp prst="textNoShape">
+              <a:avLst/>
+            </a:prstTxWarp>
+          </a:bodyPr>
+          <a:lstStyle/>
+          <a:p>
+            <a:pPr marL="0" marR="0" indent="0" algn="ctr" defTabSz="914400" rtl="0" eaLnBrk="1" fontAlgn="base" latinLnBrk="0" hangingPunct="1">
+              <a:lnSpc>
+                <a:spcPct val="100000"/>
+              </a:lnSpc>
+              <a:spcBef>
+                <a:spcPct val="0"/>
+              </a:spcBef>
+              <a:spcAft>
+                <a:spcPct val="0"/>
+              </a:spcAft>
+              <a:buClrTx/>
+              <a:buSzTx/>
+              <a:buFontTx/>
+              <a:buNone/>
+              <a:tabLst/>
+            </a:pPr>
+            <a:r>
+              <a:rPr kumimoji="1" lang="en-US" altLang="ja-JP" sz="1200" b="0" dirty="0">
+                <a:latin typeface="+mn-lt"/>
+                <a:ea typeface="+mn-ea"/>
+              </a:rPr>
+              <a:t>API</a:t>
+            </a:r>
+            <a:r>
+              <a:rPr kumimoji="1" lang="ja-JP" altLang="en-US" sz="1200" b="0">
+                <a:latin typeface="+mn-lt"/>
+                <a:ea typeface="+mn-ea"/>
+              </a:rPr>
+              <a:t>設計・開発・認証認可追加</a:t>
+            </a:r>
+            <a:endParaRPr kumimoji="1" lang="ja-JP" altLang="en-US" sz="1200" b="0" dirty="0">
+              <a:latin typeface="+mn-lt"/>
+              <a:ea typeface="+mn-ea"/>
+            </a:endParaRPr>
+          </a:p>
+        </p:txBody>
+      </p:sp>
+      <p:sp>
+        <p:nvSpPr>
+          <p:cNvPr id="22" name="正方形/長方形 21">
+            <a:extLst>
+              <a:ext uri="{FF2B5EF4-FFF2-40B4-BE49-F238E27FC236}">
+                <a16:creationId xmlns:a16="http://schemas.microsoft.com/office/drawing/2014/main" id="{70BF517E-3675-6748-8241-D1FCBE92EDE6}"/>
+              </a:ext>
+            </a:extLst>
+          </p:cNvPr>
+          <p:cNvSpPr/>
+          <p:nvPr/>
+        </p:nvSpPr>
+        <p:spPr bwMode="auto">
+          <a:xfrm>
+            <a:off x="4954951" y="3939926"/>
+            <a:ext cx="2479986" cy="487140"/>
+          </a:xfrm>
+          <a:prstGeom prst="rect">
+            <a:avLst/>
+          </a:prstGeom>
+          <a:solidFill>
+            <a:schemeClr val="accent4">
+              <a:lumMod val="20000"/>
+              <a:lumOff val="80000"/>
+            </a:schemeClr>
+          </a:solidFill>
+          <a:ln w="9525" cap="flat" cmpd="sng" algn="ctr">
+            <a:solidFill>
+              <a:schemeClr val="tx1"/>
+            </a:solidFill>
+            <a:prstDash val="solid"/>
+            <a:round/>
+            <a:headEnd type="none" w="med" len="med"/>
+            <a:tailEnd type="none" w="med" len="med"/>
+          </a:ln>
+          <a:effectLst/>
+        </p:spPr>
+        <p:txBody>
+          <a:bodyPr vert="horz" wrap="square" lIns="36000" tIns="36000" rIns="36000" bIns="36000" numCol="1" rtlCol="0" anchor="ctr" anchorCtr="0" compatLnSpc="1">
+            <a:prstTxWarp prst="textNoShape">
+              <a:avLst/>
+            </a:prstTxWarp>
+          </a:bodyPr>
+          <a:lstStyle/>
+          <a:p>
+            <a:pPr marL="0" marR="0" indent="0" algn="ctr" defTabSz="914400" rtl="0" eaLnBrk="1" fontAlgn="base" latinLnBrk="0" hangingPunct="1">
+              <a:lnSpc>
+                <a:spcPct val="100000"/>
+              </a:lnSpc>
+              <a:spcBef>
+                <a:spcPct val="0"/>
+              </a:spcBef>
+              <a:spcAft>
+                <a:spcPct val="0"/>
+              </a:spcAft>
+              <a:buClrTx/>
+              <a:buSzTx/>
+              <a:buFontTx/>
+              <a:buNone/>
+              <a:tabLst/>
+            </a:pPr>
+            <a:r>
+              <a:rPr kumimoji="1" lang="en-US" altLang="ja-JP" sz="1200" b="0" dirty="0">
+                <a:latin typeface="+mn-lt"/>
+                <a:ea typeface="+mn-ea"/>
+              </a:rPr>
+              <a:t>API</a:t>
+            </a:r>
+            <a:r>
+              <a:rPr kumimoji="1" lang="ja-JP" altLang="en-US" sz="1200" b="0">
+                <a:latin typeface="+mn-lt"/>
+                <a:ea typeface="+mn-ea"/>
+              </a:rPr>
+              <a:t>テスト・結合テスト</a:t>
+            </a:r>
+            <a:endParaRPr kumimoji="1" lang="ja-JP" altLang="en-US" sz="1200" b="0" dirty="0">
+              <a:latin typeface="+mn-lt"/>
+              <a:ea typeface="+mn-ea"/>
+            </a:endParaRPr>
+          </a:p>
+        </p:txBody>
+      </p:sp>
+      <p:sp>
+        <p:nvSpPr>
+          <p:cNvPr id="23" name="テキスト ボックス 22">
+            <a:extLst>
+              <a:ext uri="{FF2B5EF4-FFF2-40B4-BE49-F238E27FC236}">
+                <a16:creationId xmlns:a16="http://schemas.microsoft.com/office/drawing/2014/main" id="{10C1F72F-6D6A-984F-A62F-C9CB56D97DE8}"/>
+              </a:ext>
+            </a:extLst>
+          </p:cNvPr>
+          <p:cNvSpPr txBox="1"/>
+          <p:nvPr/>
+        </p:nvSpPr>
+        <p:spPr>
+          <a:xfrm>
+            <a:off x="1015046" y="5047062"/>
+            <a:ext cx="588366" cy="307777"/>
+          </a:xfrm>
+          <a:prstGeom prst="rect">
+            <a:avLst/>
+          </a:prstGeom>
+          <a:noFill/>
+        </p:spPr>
+        <p:txBody>
+          <a:bodyPr wrap="none" rtlCol="0">
+            <a:spAutoFit/>
+          </a:bodyPr>
+          <a:lstStyle/>
+          <a:p>
+            <a:pPr algn="r"/>
+            <a:r>
+              <a:rPr kumimoji="1" lang="en-US" altLang="ja-JP" b="0" dirty="0"/>
+              <a:t>AWS</a:t>
+            </a:r>
+            <a:endParaRPr kumimoji="1" lang="ja-JP" altLang="en-US" b="0"/>
+          </a:p>
+        </p:txBody>
+      </p:sp>
+      <p:sp>
+        <p:nvSpPr>
+          <p:cNvPr id="25" name="テキスト ボックス 24">
+            <a:extLst>
+              <a:ext uri="{FF2B5EF4-FFF2-40B4-BE49-F238E27FC236}">
+                <a16:creationId xmlns:a16="http://schemas.microsoft.com/office/drawing/2014/main" id="{5BE04FC0-19B1-3F4F-8FF9-53E858B0271A}"/>
+              </a:ext>
+            </a:extLst>
+          </p:cNvPr>
+          <p:cNvSpPr txBox="1"/>
+          <p:nvPr/>
+        </p:nvSpPr>
+        <p:spPr>
+          <a:xfrm>
+            <a:off x="700601" y="2877074"/>
+            <a:ext cx="902811" cy="523220"/>
+          </a:xfrm>
+          <a:prstGeom prst="rect">
+            <a:avLst/>
+          </a:prstGeom>
+          <a:noFill/>
+        </p:spPr>
+        <p:txBody>
+          <a:bodyPr wrap="none" rtlCol="0">
+            <a:spAutoFit/>
+          </a:bodyPr>
+          <a:lstStyle/>
+          <a:p>
+            <a:pPr algn="r"/>
+            <a:r>
+              <a:rPr kumimoji="1" lang="ja-JP" altLang="en-US" b="0"/>
+              <a:t>チャット</a:t>
+            </a:r>
+            <a:endParaRPr kumimoji="1" lang="en-US" altLang="ja-JP" b="0" dirty="0"/>
+          </a:p>
+          <a:p>
+            <a:pPr algn="r"/>
+            <a:r>
+              <a:rPr kumimoji="1" lang="ja-JP" altLang="en-US" b="0"/>
+              <a:t>機能開発</a:t>
+            </a:r>
+          </a:p>
+        </p:txBody>
+      </p:sp>
+      <p:sp>
+        <p:nvSpPr>
+          <p:cNvPr id="30" name="テキスト ボックス 29">
+            <a:extLst>
+              <a:ext uri="{FF2B5EF4-FFF2-40B4-BE49-F238E27FC236}">
+                <a16:creationId xmlns:a16="http://schemas.microsoft.com/office/drawing/2014/main" id="{8445DBC0-8FF4-034A-8A19-325B40B7B8F4}"/>
+              </a:ext>
+            </a:extLst>
+          </p:cNvPr>
+          <p:cNvSpPr txBox="1"/>
+          <p:nvPr/>
+        </p:nvSpPr>
+        <p:spPr>
+          <a:xfrm>
+            <a:off x="4415299" y="2587075"/>
+            <a:ext cx="948791" cy="378570"/>
+          </a:xfrm>
+          <a:prstGeom prst="rect">
+            <a:avLst/>
+          </a:prstGeom>
+          <a:noFill/>
+        </p:spPr>
+        <p:txBody>
+          <a:bodyPr wrap="none" rtlCol="0">
+            <a:spAutoFit/>
+          </a:bodyPr>
+          <a:lstStyle/>
+          <a:p>
+            <a:r>
+              <a:rPr kumimoji="1" lang="en-US" altLang="ja-JP" b="0" dirty="0"/>
+              <a:t>+</a:t>
+            </a:r>
+            <a:r>
+              <a:rPr kumimoji="1" lang="ja-JP" altLang="en-US" b="0"/>
+              <a:t>８週間</a:t>
+            </a:r>
+          </a:p>
+        </p:txBody>
+      </p:sp>
+      <p:sp>
+        <p:nvSpPr>
+          <p:cNvPr id="32" name="正方形/長方形 31">
+            <a:extLst>
+              <a:ext uri="{FF2B5EF4-FFF2-40B4-BE49-F238E27FC236}">
+                <a16:creationId xmlns:a16="http://schemas.microsoft.com/office/drawing/2014/main" id="{A3EFF089-5610-894B-94FD-DF3C9A863C19}"/>
+              </a:ext>
+            </a:extLst>
+          </p:cNvPr>
+          <p:cNvSpPr/>
+          <p:nvPr/>
+        </p:nvSpPr>
+        <p:spPr bwMode="auto">
+          <a:xfrm>
+            <a:off x="1639926" y="2969387"/>
+            <a:ext cx="1682848" cy="487140"/>
+          </a:xfrm>
+          <a:prstGeom prst="rect">
+            <a:avLst/>
+          </a:prstGeom>
+          <a:solidFill>
+            <a:schemeClr val="accent4">
+              <a:lumMod val="20000"/>
+              <a:lumOff val="80000"/>
+            </a:schemeClr>
+          </a:solidFill>
+          <a:ln w="9525" cap="flat" cmpd="sng" algn="ctr">
+            <a:solidFill>
+              <a:schemeClr val="tx1"/>
+            </a:solidFill>
+            <a:prstDash val="solid"/>
+            <a:round/>
+            <a:headEnd type="none" w="med" len="med"/>
+            <a:tailEnd type="none" w="med" len="med"/>
+          </a:ln>
+          <a:effectLst/>
+        </p:spPr>
+        <p:txBody>
+          <a:bodyPr vert="horz" wrap="square" lIns="36000" tIns="36000" rIns="36000" bIns="36000" numCol="1" rtlCol="0" anchor="ctr" anchorCtr="0" compatLnSpc="1">
+            <a:prstTxWarp prst="textNoShape">
+              <a:avLst/>
+            </a:prstTxWarp>
+          </a:bodyPr>
+          <a:lstStyle/>
+          <a:p>
+            <a:pPr marL="0" marR="0" indent="0" algn="ctr" defTabSz="914400" rtl="0" eaLnBrk="1" fontAlgn="base" latinLnBrk="0" hangingPunct="1">
+              <a:lnSpc>
+                <a:spcPct val="100000"/>
+              </a:lnSpc>
+              <a:spcBef>
+                <a:spcPct val="0"/>
+              </a:spcBef>
+              <a:spcAft>
+                <a:spcPct val="0"/>
+              </a:spcAft>
+              <a:buClrTx/>
+              <a:buSzTx/>
+              <a:buFontTx/>
+              <a:buNone/>
+              <a:tabLst/>
+            </a:pPr>
+            <a:r>
+              <a:rPr kumimoji="1" lang="ja-JP" altLang="en-US" sz="1200" b="0">
+                <a:latin typeface="+mn-lt"/>
+                <a:ea typeface="+mn-ea"/>
+              </a:rPr>
+              <a:t>設計</a:t>
+            </a:r>
+            <a:endParaRPr kumimoji="1" lang="ja-JP" altLang="en-US" sz="1200" b="0" dirty="0">
+              <a:latin typeface="+mn-lt"/>
+              <a:ea typeface="+mn-ea"/>
+            </a:endParaRPr>
+          </a:p>
+        </p:txBody>
+      </p:sp>
+      <p:sp>
+        <p:nvSpPr>
+          <p:cNvPr id="33" name="正方形/長方形 32">
+            <a:extLst>
+              <a:ext uri="{FF2B5EF4-FFF2-40B4-BE49-F238E27FC236}">
+                <a16:creationId xmlns:a16="http://schemas.microsoft.com/office/drawing/2014/main" id="{F4BBF23E-234B-5F44-A631-B6552BFED1D8}"/>
+              </a:ext>
+            </a:extLst>
+          </p:cNvPr>
+          <p:cNvSpPr/>
+          <p:nvPr/>
+        </p:nvSpPr>
+        <p:spPr bwMode="auto">
+          <a:xfrm>
+            <a:off x="3322774" y="2965645"/>
+            <a:ext cx="1682848" cy="487140"/>
+          </a:xfrm>
+          <a:prstGeom prst="rect">
+            <a:avLst/>
+          </a:prstGeom>
+          <a:solidFill>
+            <a:schemeClr val="accent4">
+              <a:lumMod val="20000"/>
+              <a:lumOff val="80000"/>
+            </a:schemeClr>
+          </a:solidFill>
+          <a:ln w="9525" cap="flat" cmpd="sng" algn="ctr">
+            <a:solidFill>
+              <a:schemeClr val="tx1"/>
+            </a:solidFill>
+            <a:prstDash val="solid"/>
+            <a:round/>
+            <a:headEnd type="none" w="med" len="med"/>
+            <a:tailEnd type="none" w="med" len="med"/>
+          </a:ln>
+          <a:effectLst/>
+        </p:spPr>
+        <p:txBody>
+          <a:bodyPr vert="horz" wrap="square" lIns="36000" tIns="36000" rIns="36000" bIns="36000" numCol="1" rtlCol="0" anchor="ctr" anchorCtr="0" compatLnSpc="1">
+            <a:prstTxWarp prst="textNoShape">
+              <a:avLst/>
+            </a:prstTxWarp>
+          </a:bodyPr>
+          <a:lstStyle/>
+          <a:p>
+            <a:pPr marL="0" marR="0" indent="0" algn="ctr" defTabSz="914400" rtl="0" eaLnBrk="1" fontAlgn="base" latinLnBrk="0" hangingPunct="1">
+              <a:lnSpc>
+                <a:spcPct val="100000"/>
+              </a:lnSpc>
+              <a:spcBef>
+                <a:spcPct val="0"/>
+              </a:spcBef>
+              <a:spcAft>
+                <a:spcPct val="0"/>
+              </a:spcAft>
+              <a:buClrTx/>
+              <a:buSzTx/>
+              <a:buFontTx/>
+              <a:buNone/>
+              <a:tabLst/>
+            </a:pPr>
+            <a:r>
+              <a:rPr kumimoji="1" lang="ja-JP" altLang="en-US" sz="1200" b="0">
+                <a:latin typeface="+mn-lt"/>
+                <a:ea typeface="+mn-ea"/>
+              </a:rPr>
+              <a:t>フロント開発</a:t>
+            </a:r>
+            <a:endParaRPr kumimoji="1" lang="ja-JP" altLang="en-US" sz="1200" b="0" dirty="0">
+              <a:latin typeface="+mn-lt"/>
+              <a:ea typeface="+mn-ea"/>
+            </a:endParaRPr>
+          </a:p>
+        </p:txBody>
+      </p:sp>
+      <p:sp>
+        <p:nvSpPr>
+          <p:cNvPr id="34" name="正方形/長方形 33">
+            <a:extLst>
+              <a:ext uri="{FF2B5EF4-FFF2-40B4-BE49-F238E27FC236}">
+                <a16:creationId xmlns:a16="http://schemas.microsoft.com/office/drawing/2014/main" id="{CE6120FD-11A0-274A-A1E4-6ACCD34D07DB}"/>
+              </a:ext>
+            </a:extLst>
+          </p:cNvPr>
+          <p:cNvSpPr/>
+          <p:nvPr/>
+        </p:nvSpPr>
+        <p:spPr bwMode="auto">
+          <a:xfrm>
+            <a:off x="5005621" y="2965645"/>
+            <a:ext cx="1682848" cy="487140"/>
+          </a:xfrm>
+          <a:prstGeom prst="rect">
+            <a:avLst/>
+          </a:prstGeom>
+          <a:solidFill>
+            <a:schemeClr val="accent4">
+              <a:lumMod val="20000"/>
+              <a:lumOff val="80000"/>
+            </a:schemeClr>
+          </a:solidFill>
+          <a:ln w="9525" cap="flat" cmpd="sng" algn="ctr">
+            <a:solidFill>
+              <a:schemeClr val="tx1"/>
+            </a:solidFill>
+            <a:prstDash val="solid"/>
+            <a:round/>
+            <a:headEnd type="none" w="med" len="med"/>
+            <a:tailEnd type="none" w="med" len="med"/>
+          </a:ln>
+          <a:effectLst/>
+        </p:spPr>
+        <p:txBody>
+          <a:bodyPr vert="horz" wrap="square" lIns="36000" tIns="36000" rIns="36000" bIns="36000" numCol="1" rtlCol="0" anchor="ctr" anchorCtr="0" compatLnSpc="1">
+            <a:prstTxWarp prst="textNoShape">
+              <a:avLst/>
+            </a:prstTxWarp>
+          </a:bodyPr>
+          <a:lstStyle/>
+          <a:p>
+            <a:pPr marL="0" marR="0" indent="0" algn="ctr" defTabSz="914400" rtl="0" eaLnBrk="1" fontAlgn="base" latinLnBrk="0" hangingPunct="1">
+              <a:lnSpc>
+                <a:spcPct val="100000"/>
+              </a:lnSpc>
+              <a:spcBef>
+                <a:spcPct val="0"/>
+              </a:spcBef>
+              <a:spcAft>
+                <a:spcPct val="0"/>
+              </a:spcAft>
+              <a:buClrTx/>
+              <a:buSzTx/>
+              <a:buFontTx/>
+              <a:buNone/>
+              <a:tabLst/>
+            </a:pPr>
+            <a:r>
+              <a:rPr kumimoji="1" lang="ja-JP" altLang="en-US" sz="1200" b="0">
+                <a:latin typeface="+mn-lt"/>
+                <a:ea typeface="+mn-ea"/>
+              </a:rPr>
+              <a:t>バックエンド開発</a:t>
+            </a:r>
+            <a:endParaRPr kumimoji="1" lang="ja-JP" altLang="en-US" sz="1200" b="0" dirty="0">
+              <a:latin typeface="+mn-lt"/>
+              <a:ea typeface="+mn-ea"/>
+            </a:endParaRPr>
+          </a:p>
+        </p:txBody>
+      </p:sp>
+      <p:sp>
+        <p:nvSpPr>
+          <p:cNvPr id="35" name="正方形/長方形 34">
+            <a:extLst>
+              <a:ext uri="{FF2B5EF4-FFF2-40B4-BE49-F238E27FC236}">
+                <a16:creationId xmlns:a16="http://schemas.microsoft.com/office/drawing/2014/main" id="{75230F6E-0046-854C-BAAC-80F687D9D469}"/>
+              </a:ext>
+            </a:extLst>
+          </p:cNvPr>
+          <p:cNvSpPr/>
+          <p:nvPr/>
+        </p:nvSpPr>
+        <p:spPr bwMode="auto">
+          <a:xfrm>
+            <a:off x="6688469" y="2965645"/>
+            <a:ext cx="1682848" cy="487140"/>
+          </a:xfrm>
+          <a:prstGeom prst="rect">
+            <a:avLst/>
+          </a:prstGeom>
+          <a:solidFill>
+            <a:schemeClr val="accent4">
+              <a:lumMod val="20000"/>
+              <a:lumOff val="80000"/>
+            </a:schemeClr>
+          </a:solidFill>
+          <a:ln w="9525" cap="flat" cmpd="sng" algn="ctr">
+            <a:solidFill>
+              <a:schemeClr val="tx1"/>
+            </a:solidFill>
+            <a:prstDash val="solid"/>
+            <a:round/>
+            <a:headEnd type="none" w="med" len="med"/>
+            <a:tailEnd type="none" w="med" len="med"/>
+          </a:ln>
+          <a:effectLst/>
+        </p:spPr>
+        <p:txBody>
+          <a:bodyPr vert="horz" wrap="square" lIns="36000" tIns="36000" rIns="36000" bIns="36000" numCol="1" rtlCol="0" anchor="ctr" anchorCtr="0" compatLnSpc="1">
+            <a:prstTxWarp prst="textNoShape">
+              <a:avLst/>
+            </a:prstTxWarp>
+          </a:bodyPr>
+          <a:lstStyle/>
+          <a:p>
+            <a:pPr marL="0" marR="0" indent="0" algn="ctr" defTabSz="914400" rtl="0" eaLnBrk="1" fontAlgn="base" latinLnBrk="0" hangingPunct="1">
+              <a:lnSpc>
+                <a:spcPct val="100000"/>
+              </a:lnSpc>
+              <a:spcBef>
+                <a:spcPct val="0"/>
+              </a:spcBef>
+              <a:spcAft>
+                <a:spcPct val="0"/>
+              </a:spcAft>
+              <a:buClrTx/>
+              <a:buSzTx/>
+              <a:buFontTx/>
+              <a:buNone/>
+              <a:tabLst/>
+            </a:pPr>
+            <a:r>
+              <a:rPr kumimoji="1" lang="ja-JP" altLang="en-US" sz="1200" b="0">
+                <a:latin typeface="+mn-lt"/>
+                <a:ea typeface="+mn-ea"/>
+              </a:rPr>
+              <a:t>テスト</a:t>
+            </a:r>
+            <a:endParaRPr kumimoji="1" lang="ja-JP" altLang="en-US" sz="1200" b="0" dirty="0">
+              <a:latin typeface="+mn-lt"/>
+              <a:ea typeface="+mn-ea"/>
+            </a:endParaRPr>
+          </a:p>
+        </p:txBody>
+      </p:sp>
+      <p:sp>
+        <p:nvSpPr>
+          <p:cNvPr id="36" name="正方形/長方形 35">
+            <a:extLst>
+              <a:ext uri="{FF2B5EF4-FFF2-40B4-BE49-F238E27FC236}">
+                <a16:creationId xmlns:a16="http://schemas.microsoft.com/office/drawing/2014/main" id="{E6CE44F3-65D3-7149-8B6A-E828F325DE88}"/>
+              </a:ext>
+            </a:extLst>
+          </p:cNvPr>
+          <p:cNvSpPr/>
+          <p:nvPr/>
+        </p:nvSpPr>
+        <p:spPr bwMode="auto">
+          <a:xfrm>
+            <a:off x="1639926" y="4992777"/>
+            <a:ext cx="1682848" cy="487140"/>
+          </a:xfrm>
+          <a:prstGeom prst="rect">
+            <a:avLst/>
+          </a:prstGeom>
+          <a:solidFill>
+            <a:schemeClr val="accent4">
+              <a:lumMod val="20000"/>
+              <a:lumOff val="80000"/>
+            </a:schemeClr>
+          </a:solidFill>
+          <a:ln w="9525" cap="flat" cmpd="sng" algn="ctr">
+            <a:solidFill>
+              <a:schemeClr val="tx1"/>
+            </a:solidFill>
+            <a:prstDash val="solid"/>
+            <a:round/>
+            <a:headEnd type="none" w="med" len="med"/>
+            <a:tailEnd type="none" w="med" len="med"/>
+          </a:ln>
+          <a:effectLst/>
+        </p:spPr>
+        <p:txBody>
+          <a:bodyPr vert="horz" wrap="square" lIns="36000" tIns="36000" rIns="36000" bIns="36000" numCol="1" rtlCol="0" anchor="ctr" anchorCtr="0" compatLnSpc="1">
+            <a:prstTxWarp prst="textNoShape">
+              <a:avLst/>
+            </a:prstTxWarp>
+          </a:bodyPr>
+          <a:lstStyle/>
+          <a:p>
+            <a:pPr marL="0" marR="0" indent="0" algn="ctr" defTabSz="914400" rtl="0" eaLnBrk="1" fontAlgn="base" latinLnBrk="0" hangingPunct="1">
+              <a:lnSpc>
+                <a:spcPct val="100000"/>
+              </a:lnSpc>
+              <a:spcBef>
+                <a:spcPct val="0"/>
+              </a:spcBef>
+              <a:spcAft>
+                <a:spcPct val="0"/>
+              </a:spcAft>
+              <a:buClrTx/>
+              <a:buSzTx/>
+              <a:buFontTx/>
+              <a:buNone/>
+              <a:tabLst/>
+            </a:pPr>
+            <a:r>
+              <a:rPr kumimoji="1" lang="en-US" altLang="ja-JP" sz="1200" b="0" dirty="0">
+                <a:latin typeface="+mn-lt"/>
+                <a:ea typeface="+mn-ea"/>
+              </a:rPr>
+              <a:t>DB</a:t>
+            </a:r>
+            <a:r>
+              <a:rPr kumimoji="1" lang="ja-JP" altLang="en-US" sz="1200" b="0">
+                <a:latin typeface="+mn-lt"/>
+                <a:ea typeface="+mn-ea"/>
+              </a:rPr>
+              <a:t>移行</a:t>
+            </a:r>
+            <a:endParaRPr kumimoji="1" lang="ja-JP" altLang="en-US" sz="1200" b="0" dirty="0">
+              <a:latin typeface="+mn-lt"/>
+              <a:ea typeface="+mn-ea"/>
+            </a:endParaRPr>
+          </a:p>
+        </p:txBody>
+      </p:sp>
+      <p:sp>
+        <p:nvSpPr>
+          <p:cNvPr id="37" name="正方形/長方形 36">
+            <a:extLst>
+              <a:ext uri="{FF2B5EF4-FFF2-40B4-BE49-F238E27FC236}">
+                <a16:creationId xmlns:a16="http://schemas.microsoft.com/office/drawing/2014/main" id="{6905FEE8-56B1-234F-9A18-AAA52CF25B36}"/>
+              </a:ext>
+            </a:extLst>
+          </p:cNvPr>
+          <p:cNvSpPr/>
+          <p:nvPr/>
+        </p:nvSpPr>
+        <p:spPr bwMode="auto">
+          <a:xfrm>
+            <a:off x="4164197" y="4989035"/>
+            <a:ext cx="2479986" cy="487140"/>
+          </a:xfrm>
+          <a:prstGeom prst="rect">
+            <a:avLst/>
+          </a:prstGeom>
+          <a:solidFill>
+            <a:schemeClr val="accent4">
+              <a:lumMod val="20000"/>
+              <a:lumOff val="80000"/>
+            </a:schemeClr>
+          </a:solidFill>
+          <a:ln w="9525" cap="flat" cmpd="sng" algn="ctr">
+            <a:solidFill>
+              <a:schemeClr val="tx1"/>
+            </a:solidFill>
+            <a:prstDash val="solid"/>
+            <a:round/>
+            <a:headEnd type="none" w="med" len="med"/>
+            <a:tailEnd type="none" w="med" len="med"/>
+          </a:ln>
+          <a:effectLst/>
+        </p:spPr>
+        <p:txBody>
+          <a:bodyPr vert="horz" wrap="square" lIns="36000" tIns="36000" rIns="36000" bIns="36000" numCol="1" rtlCol="0" anchor="ctr" anchorCtr="0" compatLnSpc="1">
+            <a:prstTxWarp prst="textNoShape">
+              <a:avLst/>
+            </a:prstTxWarp>
+          </a:bodyPr>
+          <a:lstStyle/>
+          <a:p>
+            <a:pPr marL="0" marR="0" indent="0" algn="ctr" defTabSz="914400" rtl="0" eaLnBrk="1" fontAlgn="base" latinLnBrk="0" hangingPunct="1">
+              <a:lnSpc>
+                <a:spcPct val="100000"/>
+              </a:lnSpc>
+              <a:spcBef>
+                <a:spcPct val="0"/>
+              </a:spcBef>
+              <a:spcAft>
+                <a:spcPct val="0"/>
+              </a:spcAft>
+              <a:buClrTx/>
+              <a:buSzTx/>
+              <a:buFontTx/>
+              <a:buNone/>
+              <a:tabLst/>
+            </a:pPr>
+            <a:r>
+              <a:rPr kumimoji="1" lang="en-US" altLang="ja-JP" sz="1200" b="0" dirty="0">
+                <a:latin typeface="+mn-lt"/>
+                <a:ea typeface="+mn-ea"/>
+              </a:rPr>
+              <a:t>API</a:t>
+            </a:r>
+            <a:r>
+              <a:rPr kumimoji="1" lang="ja-JP" altLang="en-US" sz="1200" b="0">
+                <a:latin typeface="+mn-lt"/>
+                <a:ea typeface="+mn-ea"/>
+              </a:rPr>
+              <a:t>設計・開発・認証認可追加</a:t>
+            </a:r>
+            <a:endParaRPr kumimoji="1" lang="ja-JP" altLang="en-US" sz="1200" b="0" dirty="0">
+              <a:latin typeface="+mn-lt"/>
+              <a:ea typeface="+mn-ea"/>
+            </a:endParaRPr>
+          </a:p>
+        </p:txBody>
+      </p:sp>
+      <p:sp>
+        <p:nvSpPr>
+          <p:cNvPr id="38" name="正方形/長方形 37">
+            <a:extLst>
+              <a:ext uri="{FF2B5EF4-FFF2-40B4-BE49-F238E27FC236}">
+                <a16:creationId xmlns:a16="http://schemas.microsoft.com/office/drawing/2014/main" id="{B406CBAD-6605-4446-B5A5-7143550D3624}"/>
+              </a:ext>
+            </a:extLst>
+          </p:cNvPr>
+          <p:cNvSpPr/>
+          <p:nvPr/>
+        </p:nvSpPr>
+        <p:spPr bwMode="auto">
+          <a:xfrm>
+            <a:off x="6643358" y="4989035"/>
+            <a:ext cx="2479986" cy="487140"/>
+          </a:xfrm>
+          <a:prstGeom prst="rect">
+            <a:avLst/>
+          </a:prstGeom>
+          <a:solidFill>
+            <a:schemeClr val="accent4">
+              <a:lumMod val="20000"/>
+              <a:lumOff val="80000"/>
+            </a:schemeClr>
+          </a:solidFill>
+          <a:ln w="9525" cap="flat" cmpd="sng" algn="ctr">
+            <a:solidFill>
+              <a:schemeClr val="tx1"/>
+            </a:solidFill>
+            <a:prstDash val="solid"/>
+            <a:round/>
+            <a:headEnd type="none" w="med" len="med"/>
+            <a:tailEnd type="none" w="med" len="med"/>
+          </a:ln>
+          <a:effectLst/>
+        </p:spPr>
+        <p:txBody>
+          <a:bodyPr vert="horz" wrap="square" lIns="36000" tIns="36000" rIns="36000" bIns="36000" numCol="1" rtlCol="0" anchor="ctr" anchorCtr="0" compatLnSpc="1">
+            <a:prstTxWarp prst="textNoShape">
+              <a:avLst/>
+            </a:prstTxWarp>
+          </a:bodyPr>
+          <a:lstStyle/>
+          <a:p>
+            <a:pPr marL="0" marR="0" indent="0" algn="ctr" defTabSz="914400" rtl="0" eaLnBrk="1" fontAlgn="base" latinLnBrk="0" hangingPunct="1">
+              <a:lnSpc>
+                <a:spcPct val="100000"/>
+              </a:lnSpc>
+              <a:spcBef>
+                <a:spcPct val="0"/>
+              </a:spcBef>
+              <a:spcAft>
+                <a:spcPct val="0"/>
+              </a:spcAft>
+              <a:buClrTx/>
+              <a:buSzTx/>
+              <a:buFontTx/>
+              <a:buNone/>
+              <a:tabLst/>
+            </a:pPr>
+            <a:r>
+              <a:rPr kumimoji="1" lang="en-US" altLang="ja-JP" sz="1200" b="0" dirty="0">
+                <a:latin typeface="+mn-lt"/>
+                <a:ea typeface="+mn-ea"/>
+              </a:rPr>
+              <a:t>API</a:t>
+            </a:r>
+            <a:r>
+              <a:rPr kumimoji="1" lang="ja-JP" altLang="en-US" sz="1200" b="0">
+                <a:latin typeface="+mn-lt"/>
+                <a:ea typeface="+mn-ea"/>
+              </a:rPr>
+              <a:t>テスト・結合テスト</a:t>
+            </a:r>
+            <a:endParaRPr kumimoji="1" lang="ja-JP" altLang="en-US" sz="1200" b="0" dirty="0">
+              <a:latin typeface="+mn-lt"/>
+              <a:ea typeface="+mn-ea"/>
+            </a:endParaRPr>
+          </a:p>
+        </p:txBody>
+      </p:sp>
+      <p:sp>
+        <p:nvSpPr>
+          <p:cNvPr id="39" name="テキスト ボックス 38">
+            <a:extLst>
+              <a:ext uri="{FF2B5EF4-FFF2-40B4-BE49-F238E27FC236}">
+                <a16:creationId xmlns:a16="http://schemas.microsoft.com/office/drawing/2014/main" id="{EB639413-A07E-984A-8FB9-729E46279F07}"/>
+              </a:ext>
+            </a:extLst>
+          </p:cNvPr>
+          <p:cNvSpPr txBox="1"/>
+          <p:nvPr/>
+        </p:nvSpPr>
+        <p:spPr>
+          <a:xfrm>
+            <a:off x="4415299" y="4590347"/>
+            <a:ext cx="919215" cy="378570"/>
+          </a:xfrm>
+          <a:prstGeom prst="rect">
+            <a:avLst/>
+          </a:prstGeom>
+          <a:noFill/>
+        </p:spPr>
+        <p:txBody>
+          <a:bodyPr wrap="none" rtlCol="0">
+            <a:spAutoFit/>
+          </a:bodyPr>
+          <a:lstStyle/>
+          <a:p>
+            <a:r>
+              <a:rPr kumimoji="1" lang="en-US" altLang="ja-JP" b="0" dirty="0"/>
+              <a:t>+9</a:t>
+            </a:r>
+            <a:r>
+              <a:rPr kumimoji="1" lang="ja-JP" altLang="en-US" b="0"/>
+              <a:t>週間</a:t>
+            </a:r>
+          </a:p>
+        </p:txBody>
+      </p:sp>
+      <p:sp>
+        <p:nvSpPr>
+          <p:cNvPr id="40" name="正方形/長方形 39">
+            <a:extLst>
+              <a:ext uri="{FF2B5EF4-FFF2-40B4-BE49-F238E27FC236}">
+                <a16:creationId xmlns:a16="http://schemas.microsoft.com/office/drawing/2014/main" id="{45DAAA83-B48E-F045-8A1E-95A20AC182BD}"/>
+              </a:ext>
+            </a:extLst>
+          </p:cNvPr>
+          <p:cNvSpPr/>
+          <p:nvPr/>
+        </p:nvSpPr>
+        <p:spPr bwMode="auto">
+          <a:xfrm>
+            <a:off x="3322774" y="4994088"/>
+            <a:ext cx="842249" cy="487140"/>
+          </a:xfrm>
+          <a:prstGeom prst="rect">
+            <a:avLst/>
+          </a:prstGeom>
+          <a:solidFill>
+            <a:schemeClr val="accent4">
+              <a:lumMod val="20000"/>
+              <a:lumOff val="80000"/>
+            </a:schemeClr>
+          </a:solidFill>
+          <a:ln w="9525" cap="flat" cmpd="sng" algn="ctr">
+            <a:solidFill>
+              <a:schemeClr val="tx1"/>
+            </a:solidFill>
+            <a:prstDash val="solid"/>
+            <a:round/>
+            <a:headEnd type="none" w="med" len="med"/>
+            <a:tailEnd type="none" w="med" len="med"/>
+          </a:ln>
+          <a:effectLst/>
+        </p:spPr>
+        <p:txBody>
+          <a:bodyPr vert="horz" wrap="square" lIns="36000" tIns="36000" rIns="36000" bIns="36000" numCol="1" rtlCol="0" anchor="ctr" anchorCtr="0" compatLnSpc="1">
+            <a:prstTxWarp prst="textNoShape">
+              <a:avLst/>
+            </a:prstTxWarp>
+          </a:bodyPr>
+          <a:lstStyle/>
+          <a:p>
+            <a:pPr marL="0" marR="0" indent="0" algn="ctr" defTabSz="914400" rtl="0" eaLnBrk="1" fontAlgn="base" latinLnBrk="0" hangingPunct="1">
+              <a:lnSpc>
+                <a:spcPct val="100000"/>
+              </a:lnSpc>
+              <a:spcBef>
+                <a:spcPct val="0"/>
+              </a:spcBef>
+              <a:spcAft>
+                <a:spcPct val="0"/>
+              </a:spcAft>
+              <a:buClrTx/>
+              <a:buSzTx/>
+              <a:buFontTx/>
+              <a:buNone/>
+              <a:tabLst/>
+            </a:pPr>
+            <a:r>
+              <a:rPr kumimoji="1" lang="ja-JP" altLang="en-US" sz="1200" b="0">
+                <a:latin typeface="+mn-lt"/>
+                <a:ea typeface="+mn-ea"/>
+              </a:rPr>
+              <a:t>認証認可移行</a:t>
+            </a:r>
+            <a:endParaRPr kumimoji="1" lang="ja-JP" altLang="en-US" sz="1200" b="0" dirty="0">
+              <a:latin typeface="+mn-lt"/>
+              <a:ea typeface="+mn-ea"/>
+            </a:endParaRPr>
+          </a:p>
+        </p:txBody>
+      </p:sp>
+    </p:spTree>
+    <p:extLst>
+      <p:ext uri="{BB962C8B-B14F-4D97-AF65-F5344CB8AC3E}">
+        <p14:creationId xmlns:p14="http://schemas.microsoft.com/office/powerpoint/2010/main" val="2399846490"/>
+      </p:ext>
+    </p:extLst>
+  </p:cSld>
+  <p:clrMapOvr>
+    <a:masterClrMapping/>
+  </p:clrMapOvr>
+  <p:transition/>
+</p:sld>
+</file>
+
+<file path=ppt/slides/slide4.xml><?xml version="1.0" encoding="utf-8"?>
+<p:sld xmlns:a="http://schemas.openxmlformats.org/drawingml/2006/main" xmlns:r="http://schemas.openxmlformats.org/officeDocument/2006/relationships" xmlns:p="http://schemas.openxmlformats.org/presentationml/2006/main">
+  <p:cSld>
+    <p:spTree>
+      <p:nvGrpSpPr>
+        <p:cNvPr id="1" name=""/>
+        <p:cNvGrpSpPr/>
+        <p:nvPr/>
+      </p:nvGrpSpPr>
+      <p:grpSpPr>
+        <a:xfrm>
+          <a:off x="0" y="0"/>
+          <a:ext cx="0" cy="0"/>
+          <a:chOff x="0" y="0"/>
+          <a:chExt cx="0" cy="0"/>
+        </a:xfrm>
+      </p:grpSpPr>
+      <p:sp>
+        <p:nvSpPr>
+          <p:cNvPr id="9" name="テキスト ボックス 8">
+            <a:extLst>
+              <a:ext uri="{FF2B5EF4-FFF2-40B4-BE49-F238E27FC236}">
+                <a16:creationId xmlns:a16="http://schemas.microsoft.com/office/drawing/2014/main" id="{DED96F5B-1D56-0D41-ABC9-459C67FC5598}"/>
+              </a:ext>
+            </a:extLst>
+          </p:cNvPr>
+          <p:cNvSpPr txBox="1"/>
+          <p:nvPr/>
+        </p:nvSpPr>
+        <p:spPr>
+          <a:xfrm>
+            <a:off x="272480" y="224644"/>
+            <a:ext cx="9037004" cy="523220"/>
+          </a:xfrm>
+          <a:prstGeom prst="rect">
+            <a:avLst/>
+          </a:prstGeom>
+          <a:noFill/>
+        </p:spPr>
+        <p:txBody>
+          <a:bodyPr wrap="square" rtlCol="0">
+            <a:spAutoFit/>
+          </a:bodyPr>
+          <a:lstStyle/>
+          <a:p>
+            <a:r>
+              <a:rPr kumimoji="1" lang="ja-JP" altLang="en-US" sz="2800"/>
+              <a:t>参考）インテックでの</a:t>
+            </a:r>
+            <a:r>
+              <a:rPr kumimoji="1" lang="en-US" altLang="ja-JP" sz="2800" dirty="0"/>
+              <a:t>Flutter</a:t>
+            </a:r>
+            <a:r>
+              <a:rPr kumimoji="1" lang="ja-JP" altLang="en-US" sz="2800"/>
+              <a:t>と</a:t>
+            </a:r>
+            <a:r>
+              <a:rPr kumimoji="1" lang="en-US" altLang="ja-JP" sz="2800" dirty="0"/>
+              <a:t>Firestore</a:t>
+            </a:r>
+            <a:r>
+              <a:rPr kumimoji="1" lang="ja-JP" altLang="en-US" sz="2800"/>
+              <a:t>指導実績</a:t>
+            </a:r>
+          </a:p>
+        </p:txBody>
+      </p:sp>
+      <p:sp>
+        <p:nvSpPr>
+          <p:cNvPr id="2" name="テキスト ボックス 1">
+            <a:extLst>
+              <a:ext uri="{FF2B5EF4-FFF2-40B4-BE49-F238E27FC236}">
+                <a16:creationId xmlns:a16="http://schemas.microsoft.com/office/drawing/2014/main" id="{3D241C78-56A6-1C4D-B3A1-39866192B84E}"/>
+              </a:ext>
+            </a:extLst>
+          </p:cNvPr>
+          <p:cNvSpPr txBox="1"/>
+          <p:nvPr/>
+        </p:nvSpPr>
+        <p:spPr>
+          <a:xfrm>
+            <a:off x="848544" y="1304764"/>
+            <a:ext cx="8208912" cy="3416320"/>
+          </a:xfrm>
+          <a:prstGeom prst="rect">
+            <a:avLst/>
+          </a:prstGeom>
+          <a:noFill/>
+        </p:spPr>
+        <p:txBody>
+          <a:bodyPr wrap="square" rtlCol="0">
+            <a:spAutoFit/>
+          </a:bodyPr>
+          <a:lstStyle/>
+          <a:p>
+            <a:r>
+              <a:rPr kumimoji="1" lang="en-US" altLang="ja-JP" sz="1800" b="0" dirty="0"/>
+              <a:t>2019/06		</a:t>
+            </a:r>
+            <a:r>
+              <a:rPr kumimoji="1" lang="ja-JP" altLang="en-US" sz="1800" b="0"/>
+              <a:t>インテックに</a:t>
+            </a:r>
+            <a:r>
+              <a:rPr kumimoji="1" lang="en-US" altLang="ja-JP" sz="1800" b="0" dirty="0"/>
+              <a:t>Flutter</a:t>
+            </a:r>
+            <a:r>
+              <a:rPr kumimoji="1" lang="ja-JP" altLang="en-US" sz="1800" b="0"/>
+              <a:t>紹介、</a:t>
+            </a:r>
+            <a:r>
+              <a:rPr kumimoji="1" lang="en-US" altLang="ja-JP" sz="1800" b="0" dirty="0"/>
+              <a:t>Kubernetes</a:t>
+            </a:r>
+            <a:r>
+              <a:rPr kumimoji="1" lang="ja-JP" altLang="en-US" sz="1800" b="0"/>
+              <a:t>の紹介もこのころ</a:t>
+            </a:r>
+            <a:endParaRPr kumimoji="1" lang="en-US" altLang="ja-JP" sz="1800" b="0" dirty="0"/>
+          </a:p>
+          <a:p>
+            <a:r>
+              <a:rPr kumimoji="1" lang="en-US" altLang="ja-JP" sz="1800" b="0" dirty="0"/>
+              <a:t>2019/10		Kubernetes</a:t>
+            </a:r>
+            <a:r>
+              <a:rPr kumimoji="1" lang="ja-JP" altLang="en-US" sz="1800" b="0"/>
+              <a:t>研修レビュー実施</a:t>
+            </a:r>
+            <a:endParaRPr kumimoji="1" lang="en-US" altLang="ja-JP" sz="1800" b="0" dirty="0"/>
+          </a:p>
+          <a:p>
+            <a:r>
+              <a:rPr kumimoji="1" lang="en-US" altLang="ja-JP" sz="1800" b="0" dirty="0"/>
+              <a:t>2019/12		Flutter</a:t>
+            </a:r>
+            <a:r>
+              <a:rPr kumimoji="1" lang="ja-JP" altLang="en-US" sz="1800" b="0"/>
+              <a:t>内部勉強会</a:t>
+            </a:r>
+            <a:endParaRPr kumimoji="1" lang="en-US" altLang="ja-JP" sz="1800" b="0" dirty="0"/>
+          </a:p>
+          <a:p>
+            <a:r>
+              <a:rPr kumimoji="1" lang="en-US" altLang="ja-JP" sz="1800" b="0" dirty="0"/>
+              <a:t>2020/02		</a:t>
+            </a:r>
+            <a:r>
+              <a:rPr kumimoji="1" lang="ja-JP" altLang="en-US" sz="1800" b="0"/>
+              <a:t>新規事業このころ開始</a:t>
+            </a:r>
+            <a:endParaRPr kumimoji="1" lang="en-US" altLang="ja-JP" sz="1800" b="0" dirty="0"/>
+          </a:p>
+          <a:p>
+            <a:r>
+              <a:rPr kumimoji="1" lang="en-US" altLang="ja-JP" sz="1800" b="0" dirty="0"/>
+              <a:t>2020/05		Flutter</a:t>
+            </a:r>
+            <a:r>
+              <a:rPr kumimoji="1" lang="ja-JP" altLang="en-US" sz="1800" b="0"/>
+              <a:t>研修レビュー実施</a:t>
+            </a:r>
+            <a:endParaRPr kumimoji="1" lang="en-US" altLang="ja-JP" sz="1800" b="0" dirty="0"/>
+          </a:p>
+          <a:p>
+            <a:r>
+              <a:rPr kumimoji="1" lang="en-US" altLang="ja-JP" sz="1800" b="0" dirty="0"/>
+              <a:t>2020/08		</a:t>
+            </a:r>
+            <a:r>
+              <a:rPr kumimoji="1" lang="ja-JP" altLang="en-US" sz="1800" b="0"/>
+              <a:t>営業支援アプリ開発プロジェクト開始</a:t>
+            </a:r>
+            <a:endParaRPr kumimoji="1" lang="en-US" altLang="ja-JP" sz="1800" b="0" dirty="0"/>
+          </a:p>
+          <a:p>
+            <a:endParaRPr kumimoji="1" lang="en-US" altLang="ja-JP" sz="1800" b="0" dirty="0"/>
+          </a:p>
+          <a:p>
+            <a:r>
+              <a:rPr kumimoji="1" lang="ja-JP" altLang="en-US" sz="1800" b="0"/>
+              <a:t>以下、要件定義・設計・開発・学習の実績</a:t>
+            </a:r>
+            <a:endParaRPr kumimoji="1" lang="en-US" altLang="ja-JP" sz="1800" b="0" dirty="0"/>
+          </a:p>
+          <a:p>
+            <a:r>
+              <a:rPr kumimoji="1" lang="ja-JP" altLang="en-US" sz="1800" b="0"/>
+              <a:t>ユースケースまとめ、デザイン</a:t>
+            </a:r>
+            <a:r>
+              <a:rPr kumimoji="1" lang="en-US" altLang="ja-JP" sz="1800" b="0" dirty="0"/>
+              <a:t>	3</a:t>
+            </a:r>
+            <a:r>
+              <a:rPr kumimoji="1" lang="ja-JP" altLang="en-US" sz="1800" b="0"/>
+              <a:t>週間</a:t>
+            </a:r>
+            <a:endParaRPr kumimoji="1" lang="en-US" altLang="ja-JP" sz="1800" b="0" dirty="0"/>
+          </a:p>
+          <a:p>
+            <a:r>
+              <a:rPr kumimoji="1" lang="ja-JP" altLang="en-US" sz="1800" b="0"/>
+              <a:t>フロント開発</a:t>
+            </a:r>
+            <a:r>
+              <a:rPr kumimoji="1" lang="en-US" altLang="ja-JP" sz="1800" b="0" dirty="0"/>
+              <a:t>			2</a:t>
+            </a:r>
+            <a:r>
+              <a:rPr kumimoji="1" lang="ja-JP" altLang="en-US" sz="1800" b="0"/>
+              <a:t>週間</a:t>
+            </a:r>
+            <a:endParaRPr kumimoji="1" lang="en-US" altLang="ja-JP" sz="1800" b="0" dirty="0"/>
+          </a:p>
+          <a:p>
+            <a:r>
+              <a:rPr kumimoji="1" lang="ja-JP" altLang="en-US" sz="1800" b="0"/>
+              <a:t>バックエンド開発</a:t>
+            </a:r>
+            <a:r>
+              <a:rPr kumimoji="1" lang="en-US" altLang="ja-JP" sz="1800" b="0" dirty="0"/>
+              <a:t>			1</a:t>
+            </a:r>
+            <a:r>
+              <a:rPr kumimoji="1" lang="ja-JP" altLang="en-US" sz="1800" b="0"/>
+              <a:t>週間（想定）</a:t>
+            </a:r>
+            <a:endParaRPr kumimoji="1" lang="en-US" altLang="ja-JP" sz="1800" b="0" dirty="0"/>
+          </a:p>
+          <a:p>
+            <a:r>
+              <a:rPr kumimoji="1" lang="ja-JP" altLang="en-US" sz="1800" b="0"/>
+              <a:t>テスト</a:t>
+            </a:r>
+            <a:r>
+              <a:rPr kumimoji="1" lang="en-US" altLang="ja-JP" sz="1800" b="0" dirty="0"/>
+              <a:t>				1</a:t>
+            </a:r>
+            <a:r>
+              <a:rPr kumimoji="1" lang="ja-JP" altLang="en-US" sz="1800" b="0"/>
+              <a:t>から</a:t>
+            </a:r>
+            <a:r>
+              <a:rPr kumimoji="1" lang="en-US" altLang="ja-JP" sz="1800" b="0" dirty="0"/>
+              <a:t>2</a:t>
+            </a:r>
+            <a:r>
+              <a:rPr kumimoji="1" lang="ja-JP" altLang="en-US" sz="1800" b="0"/>
+              <a:t>週間（想定）</a:t>
+            </a:r>
+          </a:p>
+        </p:txBody>
+      </p:sp>
+    </p:spTree>
+    <p:extLst>
+      <p:ext uri="{BB962C8B-B14F-4D97-AF65-F5344CB8AC3E}">
+        <p14:creationId xmlns:p14="http://schemas.microsoft.com/office/powerpoint/2010/main" val="5719787"/>
+      </p:ext>
+    </p:extLst>
+  </p:cSld>
+  <p:clrMapOvr>
+    <a:masterClrMapping/>
+  </p:clrMapOvr>
+  <p:transition/>
+</p:sld>
+</file>
+
+<file path=ppt/slides/slide5.xml><?xml version="1.0" encoding="utf-8"?>
+<p:sld xmlns:a="http://schemas.openxmlformats.org/drawingml/2006/main" xmlns:r="http://schemas.openxmlformats.org/officeDocument/2006/relationships" xmlns:p="http://schemas.openxmlformats.org/presentationml/2006/main">
+  <p:cSld>
+    <p:spTree>
+      <p:nvGrpSpPr>
+        <p:cNvPr id="1" name=""/>
+        <p:cNvGrpSpPr/>
+        <p:nvPr/>
+      </p:nvGrpSpPr>
+      <p:grpSpPr>
+        <a:xfrm>
+          <a:off x="0" y="0"/>
+          <a:ext cx="0" cy="0"/>
+          <a:chOff x="0" y="0"/>
+          <a:chExt cx="0" cy="0"/>
+        </a:xfrm>
+      </p:grpSpPr>
+      <p:sp>
+        <p:nvSpPr>
           <p:cNvPr id="5" name="正方形/長方形 4">
             <a:extLst>
               <a:ext uri="{FF2B5EF4-FFF2-40B4-BE49-F238E27FC236}">
@@ -2121,14 +9974,20 @@
               <a:tabLst/>
             </a:pPr>
             <a:r>
-              <a:rPr kumimoji="1" lang="en-US" altLang="ja-JP" b="0" dirty="0">
+              <a:rPr kumimoji="1" lang="en-US" altLang="ja-JP" dirty="0">
+                <a:solidFill>
+                  <a:srgbClr val="3333CC"/>
+                </a:solidFill>
                 <a:latin typeface="メイリオ"/>
                 <a:ea typeface="メイリオ"/>
                 <a:cs typeface="メイリオ"/>
               </a:rPr>
               <a:t>PROJECT</a:t>
             </a:r>
-            <a:endParaRPr kumimoji="1" lang="ja-JP" altLang="en-US" b="0" dirty="0">
+            <a:endParaRPr kumimoji="1" lang="ja-JP" altLang="en-US" dirty="0">
+              <a:solidFill>
+                <a:srgbClr val="3333CC"/>
+              </a:solidFill>
               <a:latin typeface="メイリオ"/>
               <a:ea typeface="メイリオ"/>
               <a:cs typeface="メイリオ"/>
@@ -2331,14 +10190,20 @@
           <a:p>
             <a:pPr algn="ctr"/>
             <a:r>
-              <a:rPr kumimoji="1" lang="en-US" altLang="ja-JP" b="0" dirty="0">
+              <a:rPr kumimoji="1" lang="en-US" altLang="ja-JP" dirty="0">
+                <a:solidFill>
+                  <a:srgbClr val="7030A0"/>
+                </a:solidFill>
                 <a:latin typeface="メイリオ"/>
                 <a:ea typeface="メイリオ"/>
                 <a:cs typeface="メイリオ"/>
               </a:rPr>
               <a:t>ENGINEER</a:t>
             </a:r>
-            <a:endParaRPr kumimoji="1" lang="ja-JP" altLang="en-US" b="0" dirty="0">
+            <a:endParaRPr kumimoji="1" lang="ja-JP" altLang="en-US" dirty="0">
+              <a:solidFill>
+                <a:srgbClr val="7030A0"/>
+              </a:solidFill>
               <a:latin typeface="メイリオ"/>
               <a:ea typeface="メイリオ"/>
               <a:cs typeface="メイリオ"/>
@@ -2614,14 +10479,14 @@
               <a:tabLst/>
             </a:pPr>
             <a:r>
-              <a:rPr kumimoji="1" lang="en-US" altLang="ja-JP" b="0" dirty="0">
+              <a:rPr kumimoji="1" lang="en-US" altLang="ja-JP" dirty="0">
                 <a:latin typeface="メイリオ"/>
                 <a:ea typeface="メイリオ"/>
                 <a:cs typeface="メイリオ"/>
               </a:rPr>
               <a:t>MATCH</a:t>
             </a:r>
-            <a:endParaRPr kumimoji="1" lang="ja-JP" altLang="en-US" b="0" dirty="0">
+            <a:endParaRPr kumimoji="1" lang="ja-JP" altLang="en-US" dirty="0">
               <a:latin typeface="メイリオ"/>
               <a:ea typeface="メイリオ"/>
               <a:cs typeface="メイリオ"/>
@@ -2824,14 +10689,20 @@
               <a:tabLst/>
             </a:pPr>
             <a:r>
-              <a:rPr kumimoji="1" lang="en-US" altLang="ja-JP" b="0" dirty="0">
+              <a:rPr kumimoji="1" lang="en-US" altLang="ja-JP" dirty="0">
+                <a:solidFill>
+                  <a:schemeClr val="accent4"/>
+                </a:solidFill>
                 <a:latin typeface="メイリオ"/>
                 <a:ea typeface="メイリオ"/>
                 <a:cs typeface="メイリオ"/>
               </a:rPr>
               <a:t>REQUEST</a:t>
             </a:r>
-            <a:endParaRPr kumimoji="1" lang="ja-JP" altLang="en-US" b="0" dirty="0">
+            <a:endParaRPr kumimoji="1" lang="ja-JP" altLang="en-US" dirty="0">
+              <a:solidFill>
+                <a:schemeClr val="accent4"/>
+              </a:solidFill>
               <a:latin typeface="メイリオ"/>
               <a:ea typeface="メイリオ"/>
               <a:cs typeface="メイリオ"/>
@@ -3247,14 +11118,14 @@
               <a:tabLst/>
             </a:pPr>
             <a:r>
-              <a:rPr kumimoji="1" lang="en-US" altLang="ja-JP" b="0" dirty="0">
+              <a:rPr kumimoji="1" lang="en-US" altLang="ja-JP" dirty="0">
                 <a:latin typeface="メイリオ"/>
                 <a:ea typeface="メイリオ"/>
                 <a:cs typeface="メイリオ"/>
               </a:rPr>
               <a:t>REQUEST_SKILL</a:t>
             </a:r>
-            <a:endParaRPr kumimoji="1" lang="ja-JP" altLang="en-US" b="0" dirty="0">
+            <a:endParaRPr kumimoji="1" lang="ja-JP" altLang="en-US" dirty="0">
               <a:latin typeface="メイリオ"/>
               <a:ea typeface="メイリオ"/>
               <a:cs typeface="メイリオ"/>
@@ -3443,14 +11314,12 @@
           <p:nvPr/>
         </p:nvCxnSpPr>
         <p:spPr bwMode="auto">
-          <a:xfrm rot="5400000">
-            <a:off x="2610618" y="4236882"/>
-            <a:ext cx="660831" cy="12700"/>
+          <a:xfrm>
+            <a:off x="2941033" y="3906467"/>
+            <a:ext cx="0" cy="660831"/>
           </a:xfrm>
-          <a:prstGeom prst="bentConnector3">
-            <a:avLst>
-              <a:gd name="adj1" fmla="val 50000"/>
-            </a:avLst>
+          <a:prstGeom prst="straightConnector1">
+            <a:avLst/>
           </a:prstGeom>
           <a:solidFill>
             <a:schemeClr val="accent1"/>
@@ -3565,14 +11434,24 @@
               <a:tabLst/>
             </a:pPr>
             <a:r>
-              <a:rPr kumimoji="1" lang="en-US" altLang="ja-JP" b="0" dirty="0">
+              <a:rPr kumimoji="1" lang="en-US" altLang="ja-JP" dirty="0">
+                <a:solidFill>
+                  <a:schemeClr val="accent2">
+                    <a:lumMod val="75000"/>
+                  </a:schemeClr>
+                </a:solidFill>
                 <a:latin typeface="メイリオ"/>
                 <a:ea typeface="メイリオ"/>
                 <a:cs typeface="メイリオ"/>
               </a:rPr>
               <a:t>SKILL</a:t>
             </a:r>
-            <a:endParaRPr kumimoji="1" lang="ja-JP" altLang="en-US" b="0" dirty="0">
+            <a:endParaRPr kumimoji="1" lang="ja-JP" altLang="en-US" dirty="0">
+              <a:solidFill>
+                <a:schemeClr val="accent2">
+                  <a:lumMod val="75000"/>
+                </a:schemeClr>
+              </a:solidFill>
               <a:latin typeface="メイリオ"/>
               <a:ea typeface="メイリオ"/>
               <a:cs typeface="メイリオ"/>
@@ -3812,6 +11691,9 @@
             </a:pPr>
             <a:r>
               <a:rPr kumimoji="1" lang="en-US" altLang="ja-JP" b="0" dirty="0">
+                <a:solidFill>
+                  <a:srgbClr val="FFC000"/>
+                </a:solidFill>
                 <a:latin typeface="メイリオ"/>
                 <a:ea typeface="メイリオ"/>
                 <a:cs typeface="メイリオ"/>
@@ -3819,6 +11701,9 @@
               <a:t>ENGINEER_SKILL</a:t>
             </a:r>
             <a:endParaRPr kumimoji="1" lang="ja-JP" altLang="en-US" b="0" dirty="0">
+              <a:solidFill>
+                <a:srgbClr val="FFC000"/>
+              </a:solidFill>
               <a:latin typeface="メイリオ"/>
               <a:ea typeface="メイリオ"/>
               <a:cs typeface="メイリオ"/>
@@ -4016,14 +11901,12 @@
           <p:nvPr/>
         </p:nvCxnSpPr>
         <p:spPr bwMode="auto">
-          <a:xfrm rot="5400000">
-            <a:off x="8170652" y="4558419"/>
-            <a:ext cx="333449" cy="12700"/>
+          <a:xfrm>
+            <a:off x="8337376" y="4391695"/>
+            <a:ext cx="0" cy="333449"/>
           </a:xfrm>
-          <a:prstGeom prst="bentConnector3">
-            <a:avLst>
-              <a:gd name="adj1" fmla="val 50000"/>
-            </a:avLst>
+          <a:prstGeom prst="straightConnector1">
+            <a:avLst/>
           </a:prstGeom>
           <a:solidFill>
             <a:schemeClr val="accent1"/>
@@ -4054,7 +11937,7 @@
 </p:sld>
 </file>
 
-<file path=ppt/slides/slide2.xml><?xml version="1.0" encoding="utf-8"?>
+<file path=ppt/slides/slide6.xml><?xml version="1.0" encoding="utf-8"?>
 <p:sld xmlns:a="http://schemas.openxmlformats.org/drawingml/2006/main" xmlns:r="http://schemas.openxmlformats.org/officeDocument/2006/relationships" xmlns:p="http://schemas.openxmlformats.org/presentationml/2006/main">
   <p:cSld>
     <p:spTree>
@@ -4101,6 +11984,281 @@
           <a:p>
             <a:r>
               <a:rPr kumimoji="1" lang="ja-JP" altLang="en-US" sz="2800"/>
+              <a:t>マッチング</a:t>
+            </a:r>
+            <a:r>
+              <a:rPr kumimoji="1" lang="en-US" altLang="ja-JP" sz="2800" dirty="0"/>
+              <a:t>DB</a:t>
+            </a:r>
+            <a:r>
+              <a:rPr kumimoji="1" lang="ja-JP" altLang="en-US" sz="2800"/>
+              <a:t>の作成とデータ登録</a:t>
+            </a:r>
+            <a:r>
+              <a:rPr kumimoji="1" lang="ja-JP" altLang="en-US" sz="2000" b="0"/>
+              <a:t>　</a:t>
+            </a:r>
+            <a:r>
+              <a:rPr kumimoji="1" lang="en-US" altLang="ja-JP" sz="2000" b="0" dirty="0"/>
+              <a:t>※ MySQL</a:t>
+            </a:r>
+            <a:r>
+              <a:rPr kumimoji="1" lang="ja-JP" altLang="en-US" sz="2000" b="0"/>
+              <a:t>での例文</a:t>
+            </a:r>
+            <a:endParaRPr kumimoji="1" lang="en-US" altLang="ja-JP" sz="2000" b="0" dirty="0"/>
+          </a:p>
+        </p:txBody>
+      </p:sp>
+      <p:sp>
+        <p:nvSpPr>
+          <p:cNvPr id="2" name="テキスト ボックス 1">
+            <a:extLst>
+              <a:ext uri="{FF2B5EF4-FFF2-40B4-BE49-F238E27FC236}">
+                <a16:creationId xmlns:a16="http://schemas.microsoft.com/office/drawing/2014/main" id="{D1CB1058-C54D-874C-85D5-B9DC17CC87EA}"/>
+              </a:ext>
+            </a:extLst>
+          </p:cNvPr>
+          <p:cNvSpPr txBox="1"/>
+          <p:nvPr/>
+        </p:nvSpPr>
+        <p:spPr>
+          <a:xfrm>
+            <a:off x="128464" y="646819"/>
+            <a:ext cx="9668932" cy="3046988"/>
+          </a:xfrm>
+          <a:prstGeom prst="rect">
+            <a:avLst/>
+          </a:prstGeom>
+          <a:noFill/>
+        </p:spPr>
+        <p:txBody>
+          <a:bodyPr wrap="square" rtlCol="0">
+            <a:spAutoFit/>
+          </a:bodyPr>
+          <a:lstStyle/>
+          <a:p>
+            <a:r>
+              <a:rPr kumimoji="1" lang="ja-JP" altLang="en-US" sz="1800" b="0"/>
+              <a:t>テーブルの作成</a:t>
+            </a:r>
+            <a:endParaRPr kumimoji="1" lang="en-US" altLang="ja-JP" sz="1800" b="0" dirty="0"/>
+          </a:p>
+          <a:p>
+            <a:pPr lvl="1"/>
+            <a:r>
+              <a:rPr kumimoji="1" lang="en-US" altLang="ja-JP" sz="1200" b="0" dirty="0"/>
+              <a:t>// </a:t>
+            </a:r>
+            <a:r>
+              <a:rPr kumimoji="1" lang="ja-JP" altLang="en-US" sz="1200" b="0"/>
+              <a:t>マッチング</a:t>
+            </a:r>
+            <a:r>
+              <a:rPr kumimoji="1" lang="en-US" altLang="ja-JP" sz="1200" b="0" dirty="0"/>
+              <a:t>DB</a:t>
+            </a:r>
+            <a:r>
+              <a:rPr kumimoji="1" lang="ja-JP" altLang="en-US" sz="1200" b="0"/>
+              <a:t>を作成</a:t>
+            </a:r>
+            <a:endParaRPr kumimoji="1" lang="en-US" altLang="ja-JP" sz="1200" b="0" dirty="0"/>
+          </a:p>
+          <a:p>
+            <a:pPr lvl="1"/>
+            <a:r>
+              <a:rPr kumimoji="1" lang="en-US" altLang="ja-JP" sz="1200" b="0" dirty="0"/>
+              <a:t>CREATE DATABASE MATCHING; USE MATCHING;</a:t>
+            </a:r>
+          </a:p>
+          <a:p>
+            <a:pPr lvl="1"/>
+            <a:r>
+              <a:rPr kumimoji="1" lang="en-US" altLang="ja-JP" sz="1200" b="0" dirty="0"/>
+              <a:t>// </a:t>
+            </a:r>
+            <a:r>
+              <a:rPr kumimoji="1" lang="ja-JP" altLang="en-US" sz="1200" b="0"/>
+              <a:t>案件テーブル。</a:t>
+            </a:r>
+            <a:endParaRPr kumimoji="1" lang="en-US" altLang="ja-JP" sz="1200" b="0" dirty="0"/>
+          </a:p>
+          <a:p>
+            <a:pPr lvl="1"/>
+            <a:r>
+              <a:rPr kumimoji="1" lang="en-US" altLang="ja-JP" sz="1200" b="0" dirty="0"/>
+              <a:t>CREATE TABLE </a:t>
+            </a:r>
+            <a:r>
+              <a:rPr kumimoji="1" lang="en-US" altLang="ja-JP" sz="1200" b="0" dirty="0">
+                <a:solidFill>
+                  <a:srgbClr val="3333CC"/>
+                </a:solidFill>
+              </a:rPr>
+              <a:t>PROJECT</a:t>
+            </a:r>
+            <a:r>
+              <a:rPr kumimoji="1" lang="en-US" altLang="ja-JP" sz="1200" b="0" dirty="0"/>
+              <a:t> (ID INT NOT NULL PRIMARY KEY, NAME VARCHAR(20),</a:t>
+            </a:r>
+            <a:r>
+              <a:rPr lang="en" altLang="ja-JP" sz="1200" b="0" dirty="0"/>
+              <a:t> EXP VARCHAR(1000));</a:t>
+            </a:r>
+          </a:p>
+          <a:p>
+            <a:pPr lvl="1"/>
+            <a:r>
+              <a:rPr kumimoji="1" lang="en" altLang="ja-JP" sz="1200" b="0" dirty="0"/>
+              <a:t>// </a:t>
+            </a:r>
+            <a:r>
+              <a:rPr kumimoji="1" lang="ja-JP" altLang="en-US" sz="1200" b="0"/>
+              <a:t>要員希望テーブル。要員希望の参照先であるプロジェクトを削除する場合エラーになる。</a:t>
+            </a:r>
+            <a:endParaRPr kumimoji="1" lang="en-US" altLang="ja-JP" sz="1200" b="0" dirty="0"/>
+          </a:p>
+          <a:p>
+            <a:pPr lvl="1"/>
+            <a:r>
+              <a:rPr kumimoji="1" lang="en-US" altLang="ja-JP" sz="1200" b="0" dirty="0"/>
+              <a:t>CREATE TABLE </a:t>
+            </a:r>
+            <a:r>
+              <a:rPr kumimoji="1" lang="en-US" altLang="ja-JP" sz="1200" b="0" dirty="0">
+                <a:solidFill>
+                  <a:schemeClr val="accent4"/>
+                </a:solidFill>
+              </a:rPr>
+              <a:t>REQUEST</a:t>
+            </a:r>
+            <a:r>
+              <a:rPr kumimoji="1" lang="en-US" altLang="ja-JP" sz="1200" b="0" dirty="0"/>
+              <a:t> (ID INT NOT NULL PRIMARY KEY, NUM INT UNIT_COST INT, START DATE, PROJECT_ID INT,</a:t>
+            </a:r>
+          </a:p>
+          <a:p>
+            <a:pPr lvl="1"/>
+            <a:r>
+              <a:rPr kumimoji="1" lang="en-US" altLang="ja-JP" sz="1200" b="0" dirty="0"/>
+              <a:t>	CONSTRAINT FK_PROJECT_ID</a:t>
+            </a:r>
+          </a:p>
+          <a:p>
+            <a:pPr lvl="1"/>
+            <a:r>
+              <a:rPr kumimoji="1" lang="en-US" altLang="ja-JP" sz="1200" b="0" dirty="0"/>
+              <a:t>	FOREIGN KEY (PROJCT_ID)</a:t>
+            </a:r>
+          </a:p>
+          <a:p>
+            <a:pPr lvl="1"/>
+            <a:r>
+              <a:rPr kumimoji="1" lang="en-US" altLang="ja-JP" sz="1200" b="0" dirty="0"/>
+              <a:t>	REFERENCES PROJECT (ID)</a:t>
+            </a:r>
+          </a:p>
+          <a:p>
+            <a:pPr lvl="1"/>
+            <a:r>
+              <a:rPr kumimoji="1" lang="en-US" altLang="ja-JP" sz="1200" b="0" dirty="0"/>
+              <a:t>	ON DELETE RESTRICT</a:t>
+            </a:r>
+          </a:p>
+          <a:p>
+            <a:pPr lvl="1"/>
+            <a:r>
+              <a:rPr lang="en" altLang="ja-JP" sz="1200" b="0" dirty="0"/>
+              <a:t>);</a:t>
+            </a:r>
+          </a:p>
+          <a:p>
+            <a:pPr lvl="1"/>
+            <a:endParaRPr lang="en" altLang="ja-JP" sz="1200" b="0" dirty="0"/>
+          </a:p>
+          <a:p>
+            <a:pPr lvl="1"/>
+            <a:r>
+              <a:rPr lang="en" altLang="ja-JP" sz="1800" b="0" dirty="0">
+                <a:solidFill>
+                  <a:schemeClr val="accent4"/>
+                </a:solidFill>
+              </a:rPr>
+              <a:t>TODO</a:t>
+            </a:r>
+            <a:endParaRPr lang="en" altLang="ja-JP" sz="1200" b="0" dirty="0">
+              <a:solidFill>
+                <a:schemeClr val="accent4"/>
+              </a:solidFill>
+            </a:endParaRPr>
+          </a:p>
+          <a:p>
+            <a:pPr lvl="1"/>
+            <a:endParaRPr lang="en" altLang="ja-JP" sz="1200" b="0" dirty="0"/>
+          </a:p>
+        </p:txBody>
+      </p:sp>
+    </p:spTree>
+    <p:extLst>
+      <p:ext uri="{BB962C8B-B14F-4D97-AF65-F5344CB8AC3E}">
+        <p14:creationId xmlns:p14="http://schemas.microsoft.com/office/powerpoint/2010/main" val="3951958537"/>
+      </p:ext>
+    </p:extLst>
+  </p:cSld>
+  <p:clrMapOvr>
+    <a:masterClrMapping/>
+  </p:clrMapOvr>
+  <p:transition/>
+</p:sld>
+</file>
+
+<file path=ppt/slides/slide7.xml><?xml version="1.0" encoding="utf-8"?>
+<p:sld xmlns:a="http://schemas.openxmlformats.org/drawingml/2006/main" xmlns:r="http://schemas.openxmlformats.org/officeDocument/2006/relationships" xmlns:p="http://schemas.openxmlformats.org/presentationml/2006/main">
+  <p:cSld>
+    <p:spTree>
+      <p:nvGrpSpPr>
+        <p:cNvPr id="1" name=""/>
+        <p:cNvGrpSpPr/>
+        <p:nvPr/>
+      </p:nvGrpSpPr>
+      <p:grpSpPr>
+        <a:xfrm>
+          <a:off x="0" y="0"/>
+          <a:ext cx="0" cy="0"/>
+          <a:chOff x="0" y="0"/>
+          <a:chExt cx="0" cy="0"/>
+        </a:xfrm>
+      </p:grpSpPr>
+      <p:sp>
+        <p:nvSpPr>
+          <p:cNvPr id="9" name="テキスト ボックス 8">
+            <a:extLst>
+              <a:ext uri="{FF2B5EF4-FFF2-40B4-BE49-F238E27FC236}">
+                <a16:creationId xmlns:a16="http://schemas.microsoft.com/office/drawing/2014/main" id="{DED96F5B-1D56-0D41-ABC9-459C67FC5598}"/>
+              </a:ext>
+            </a:extLst>
+          </p:cNvPr>
+          <p:cNvSpPr txBox="1"/>
+          <p:nvPr/>
+        </p:nvSpPr>
+        <p:spPr>
+          <a:xfrm>
+            <a:off x="128464" y="25460"/>
+            <a:ext cx="8100900" cy="523220"/>
+          </a:xfrm>
+          <a:prstGeom prst="rect">
+            <a:avLst/>
+          </a:prstGeom>
+          <a:noFill/>
+        </p:spPr>
+        <p:txBody>
+          <a:bodyPr wrap="square" rtlCol="0">
+            <a:spAutoFit/>
+          </a:bodyPr>
+          <a:lstStyle/>
+          <a:p>
+            <a:r>
+              <a:rPr kumimoji="1" lang="ja-JP" altLang="en-US" sz="2800"/>
               <a:t>マッチングを実現する</a:t>
             </a:r>
             <a:r>
@@ -4366,7 +12524,7 @@
 </p:sld>
 </file>
 
-<file path=ppt/slides/slide3.xml><?xml version="1.0" encoding="utf-8"?>
+<file path=ppt/slides/slide8.xml><?xml version="1.0" encoding="utf-8"?>
 <p:sld xmlns:a="http://schemas.openxmlformats.org/drawingml/2006/main" xmlns:r="http://schemas.openxmlformats.org/officeDocument/2006/relationships" xmlns:p="http://schemas.openxmlformats.org/presentationml/2006/main">
   <p:cSld>
     <p:spTree>
@@ -4671,7 +12829,7 @@
 </p:sld>
 </file>
 
-<file path=ppt/slides/slide4.xml><?xml version="1.0" encoding="utf-8"?>
+<file path=ppt/slides/slide9.xml><?xml version="1.0" encoding="utf-8"?>
 <p:sld xmlns:a="http://schemas.openxmlformats.org/drawingml/2006/main" xmlns:r="http://schemas.openxmlformats.org/officeDocument/2006/relationships" xmlns:p="http://schemas.openxmlformats.org/presentationml/2006/main">
   <p:cSld>
     <p:spTree>
@@ -6580,345 +14738,6 @@
     <p:extLst>
       <p:ext uri="{BB962C8B-B14F-4D97-AF65-F5344CB8AC3E}">
         <p14:creationId xmlns:p14="http://schemas.microsoft.com/office/powerpoint/2010/main" val="2712928538"/>
-      </p:ext>
-    </p:extLst>
-  </p:cSld>
-  <p:clrMapOvr>
-    <a:masterClrMapping/>
-  </p:clrMapOvr>
-  <p:transition/>
-</p:sld>
-</file>
-
-<file path=ppt/slides/slide5.xml><?xml version="1.0" encoding="utf-8"?>
-<p:sld xmlns:a="http://schemas.openxmlformats.org/drawingml/2006/main" xmlns:r="http://schemas.openxmlformats.org/officeDocument/2006/relationships" xmlns:p="http://schemas.openxmlformats.org/presentationml/2006/main">
-  <p:cSld>
-    <p:spTree>
-      <p:nvGrpSpPr>
-        <p:cNvPr id="1" name=""/>
-        <p:cNvGrpSpPr/>
-        <p:nvPr/>
-      </p:nvGrpSpPr>
-      <p:grpSpPr>
-        <a:xfrm>
-          <a:off x="0" y="0"/>
-          <a:ext cx="0" cy="0"/>
-          <a:chOff x="0" y="0"/>
-          <a:chExt cx="0" cy="0"/>
-        </a:xfrm>
-      </p:grpSpPr>
-      <p:sp>
-        <p:nvSpPr>
-          <p:cNvPr id="9" name="テキスト ボックス 8">
-            <a:extLst>
-              <a:ext uri="{FF2B5EF4-FFF2-40B4-BE49-F238E27FC236}">
-                <a16:creationId xmlns:a16="http://schemas.microsoft.com/office/drawing/2014/main" id="{DED96F5B-1D56-0D41-ABC9-459C67FC5598}"/>
-              </a:ext>
-            </a:extLst>
-          </p:cNvPr>
-          <p:cNvSpPr txBox="1"/>
-          <p:nvPr/>
-        </p:nvSpPr>
-        <p:spPr>
-          <a:xfrm>
-            <a:off x="128464" y="25460"/>
-            <a:ext cx="8820980" cy="523220"/>
-          </a:xfrm>
-          <a:prstGeom prst="rect">
-            <a:avLst/>
-          </a:prstGeom>
-          <a:noFill/>
-        </p:spPr>
-        <p:txBody>
-          <a:bodyPr wrap="square" rtlCol="0">
-            <a:spAutoFit/>
-          </a:bodyPr>
-          <a:lstStyle/>
-          <a:p>
-            <a:r>
-              <a:rPr kumimoji="1" lang="ja-JP" altLang="en-US" sz="2800"/>
-              <a:t>マッチングを実現する検索プログラム</a:t>
-            </a:r>
-            <a:r>
-              <a:rPr kumimoji="1" lang="en-US" altLang="ja-JP" sz="2800" dirty="0"/>
-              <a:t> </a:t>
-            </a:r>
-            <a:r>
-              <a:rPr kumimoji="1" lang="en-US" altLang="ja-JP" sz="2000" b="0" dirty="0"/>
-              <a:t>※ Firestore</a:t>
-            </a:r>
-            <a:r>
-              <a:rPr kumimoji="1" lang="ja-JP" altLang="en-US" sz="2000" b="0"/>
-              <a:t>での例</a:t>
-            </a:r>
-            <a:endParaRPr kumimoji="1" lang="en-US" altLang="ja-JP" sz="2000" b="0" dirty="0"/>
-          </a:p>
-        </p:txBody>
-      </p:sp>
-      <p:sp>
-        <p:nvSpPr>
-          <p:cNvPr id="2" name="テキスト ボックス 1">
-            <a:extLst>
-              <a:ext uri="{FF2B5EF4-FFF2-40B4-BE49-F238E27FC236}">
-                <a16:creationId xmlns:a16="http://schemas.microsoft.com/office/drawing/2014/main" id="{D1CB1058-C54D-874C-85D5-B9DC17CC87EA}"/>
-              </a:ext>
-            </a:extLst>
-          </p:cNvPr>
-          <p:cNvSpPr txBox="1"/>
-          <p:nvPr/>
-        </p:nvSpPr>
-        <p:spPr>
-          <a:xfrm>
-            <a:off x="128464" y="646819"/>
-            <a:ext cx="9668932" cy="3631763"/>
-          </a:xfrm>
-          <a:prstGeom prst="rect">
-            <a:avLst/>
-          </a:prstGeom>
-          <a:noFill/>
-        </p:spPr>
-        <p:txBody>
-          <a:bodyPr wrap="square" rtlCol="0">
-            <a:spAutoFit/>
-          </a:bodyPr>
-          <a:lstStyle/>
-          <a:p>
-            <a:r>
-              <a:rPr kumimoji="1" lang="en-US" altLang="ja-JP" sz="1800" b="0" dirty="0"/>
-              <a:t>① </a:t>
-            </a:r>
-            <a:r>
-              <a:rPr kumimoji="1" lang="ja-JP" altLang="en-US" sz="1800" b="0"/>
-              <a:t>要員希望にあった要員名を相性値の降順で検索する</a:t>
-            </a:r>
-            <a:r>
-              <a:rPr kumimoji="1" lang="en-US" altLang="ja-JP" sz="1800" b="0" dirty="0"/>
-              <a:t>Dart</a:t>
-            </a:r>
-            <a:r>
-              <a:rPr kumimoji="1" lang="ja-JP" altLang="en-US" sz="1800" b="0"/>
-              <a:t>プログラム</a:t>
-            </a:r>
-            <a:endParaRPr kumimoji="1" lang="en-US" altLang="ja-JP" sz="1800" b="0" dirty="0"/>
-          </a:p>
-          <a:p>
-            <a:pPr lvl="1"/>
-            <a:endParaRPr kumimoji="1" lang="en-US" altLang="ja-JP" sz="1800" b="0" dirty="0"/>
-          </a:p>
-          <a:p>
-            <a:pPr lvl="1"/>
-            <a:r>
-              <a:rPr kumimoji="1" lang="en-US" altLang="ja-JP" sz="1600" b="0" dirty="0"/>
-              <a:t>// "engineer"</a:t>
-            </a:r>
-            <a:r>
-              <a:rPr kumimoji="1" lang="ja-JP" altLang="en-US" sz="1600" b="0"/>
-              <a:t>コレクションのクエリを取得</a:t>
-            </a:r>
-          </a:p>
-          <a:p>
-            <a:pPr lvl="1"/>
-            <a:r>
-              <a:rPr kumimoji="1" lang="en-US" altLang="ja-JP" sz="1600" b="0" dirty="0"/>
-              <a:t>Query engineerColRef = </a:t>
-            </a:r>
-            <a:r>
-              <a:rPr kumimoji="1" lang="en-US" altLang="ja-JP" sz="1600" b="0" dirty="0" err="1"/>
-              <a:t>FirebaseFirestore.instance.collectionGroup</a:t>
-            </a:r>
-            <a:r>
-              <a:rPr kumimoji="1" lang="en-US" altLang="ja-JP" sz="1600" b="0" dirty="0"/>
-              <a:t>("engineer");</a:t>
-            </a:r>
-          </a:p>
-          <a:p>
-            <a:pPr lvl="1"/>
-            <a:endParaRPr kumimoji="1" lang="en-US" altLang="ja-JP" sz="1600" b="0" dirty="0"/>
-          </a:p>
-          <a:p>
-            <a:pPr lvl="1"/>
-            <a:r>
-              <a:rPr kumimoji="1" lang="en-US" altLang="ja-JP" sz="1600" b="0" dirty="0"/>
-              <a:t>// "project"</a:t>
-            </a:r>
-            <a:r>
-              <a:rPr kumimoji="1" lang="ja-JP" altLang="en-US" sz="1600" b="0"/>
-              <a:t>ドキュメントの</a:t>
-            </a:r>
-            <a:r>
-              <a:rPr kumimoji="1" lang="en-US" altLang="ja-JP" sz="1600" b="0" dirty="0"/>
-              <a:t>ID(projectId)</a:t>
-            </a:r>
-            <a:r>
-              <a:rPr kumimoji="1" lang="ja-JP" altLang="en-US" sz="1600" b="0"/>
-              <a:t>と</a:t>
-            </a:r>
-            <a:r>
-              <a:rPr kumimoji="1" lang="en-US" altLang="ja-JP" sz="1600" b="0" dirty="0"/>
-              <a:t>"request"</a:t>
-            </a:r>
-            <a:r>
-              <a:rPr kumimoji="1" lang="ja-JP" altLang="en-US" sz="1600" b="0"/>
-              <a:t>配列の</a:t>
-            </a:r>
-            <a:r>
-              <a:rPr kumimoji="1" lang="en-US" altLang="ja-JP" sz="1600" b="0" dirty="0"/>
-              <a:t>ID(requestId)</a:t>
-            </a:r>
-            <a:r>
-              <a:rPr kumimoji="1" lang="ja-JP" altLang="en-US" sz="1600" b="0"/>
-              <a:t>を条件に</a:t>
-            </a:r>
-          </a:p>
-          <a:p>
-            <a:pPr lvl="1"/>
-            <a:r>
-              <a:rPr kumimoji="1" lang="en-US" altLang="ja-JP" sz="1600" b="0" dirty="0"/>
-              <a:t>// </a:t>
-            </a:r>
-            <a:r>
-              <a:rPr kumimoji="1" lang="ja-JP" altLang="en-US" sz="1600" b="0"/>
-              <a:t>要員</a:t>
-            </a:r>
-            <a:r>
-              <a:rPr kumimoji="1" lang="en-US" altLang="ja-JP" sz="1600" b="0" dirty="0"/>
-              <a:t>(engineer)</a:t>
-            </a:r>
-            <a:r>
-              <a:rPr kumimoji="1" lang="ja-JP" altLang="en-US" sz="1600" b="0"/>
-              <a:t>のリストを相性</a:t>
-            </a:r>
-            <a:r>
-              <a:rPr kumimoji="1" lang="en-US" altLang="ja-JP" sz="1600" b="0" dirty="0"/>
-              <a:t>(</a:t>
-            </a:r>
-            <a:r>
-              <a:rPr kumimoji="1" lang="en-US" altLang="ja-JP" sz="1600" b="0" dirty="0" err="1"/>
-              <a:t>compat</a:t>
-            </a:r>
-            <a:r>
-              <a:rPr kumimoji="1" lang="en-US" altLang="ja-JP" sz="1600" b="0" dirty="0"/>
-              <a:t>)</a:t>
-            </a:r>
-            <a:r>
-              <a:rPr kumimoji="1" lang="ja-JP" altLang="en-US" sz="1600" b="0"/>
-              <a:t>の降順に並べます。</a:t>
-            </a:r>
-          </a:p>
-          <a:p>
-            <a:pPr lvl="1"/>
-            <a:r>
-              <a:rPr kumimoji="1" lang="en-US" altLang="ja-JP" sz="1600" b="0" dirty="0" err="1"/>
-              <a:t>engineerColRef.where</a:t>
-            </a:r>
-            <a:r>
-              <a:rPr kumimoji="1" lang="en-US" altLang="ja-JP" sz="1600" b="0" dirty="0"/>
-              <a:t>("project_id",</a:t>
-            </a:r>
-            <a:r>
-              <a:rPr kumimoji="1" lang="en-US" altLang="ja-JP" sz="1600" b="0" dirty="0" err="1"/>
-              <a:t>isEqualTo:projectId</a:t>
-            </a:r>
-            <a:r>
-              <a:rPr kumimoji="1" lang="en-US" altLang="ja-JP" sz="1600" b="0" dirty="0"/>
-              <a:t>)</a:t>
-            </a:r>
-          </a:p>
-          <a:p>
-            <a:pPr lvl="1"/>
-            <a:r>
-              <a:rPr kumimoji="1" lang="en-US" altLang="ja-JP" sz="1600" b="0" dirty="0"/>
-              <a:t>	.where("request_id",</a:t>
-            </a:r>
-            <a:r>
-              <a:rPr kumimoji="1" lang="en-US" altLang="ja-JP" sz="1600" b="0" dirty="0" err="1"/>
-              <a:t>isEqualTo:requestId</a:t>
-            </a:r>
-            <a:r>
-              <a:rPr kumimoji="1" lang="en-US" altLang="ja-JP" sz="1600" b="0" dirty="0"/>
-              <a:t>)</a:t>
-            </a:r>
-          </a:p>
-          <a:p>
-            <a:pPr lvl="1"/>
-            <a:r>
-              <a:rPr kumimoji="1" lang="en-US" altLang="ja-JP" sz="1600" b="0" dirty="0"/>
-              <a:t>	.</a:t>
-            </a:r>
-            <a:r>
-              <a:rPr kumimoji="1" lang="en-US" altLang="ja-JP" sz="1600" b="0" dirty="0" err="1"/>
-              <a:t>orderBy</a:t>
-            </a:r>
-            <a:r>
-              <a:rPr kumimoji="1" lang="en-US" altLang="ja-JP" sz="1600" b="0" dirty="0"/>
-              <a:t>("</a:t>
-            </a:r>
-            <a:r>
-              <a:rPr kumimoji="1" lang="en-US" altLang="ja-JP" sz="1600" b="0" dirty="0" err="1"/>
-              <a:t>compat</a:t>
-            </a:r>
-            <a:r>
-              <a:rPr kumimoji="1" lang="en-US" altLang="ja-JP" sz="1600" b="0" dirty="0"/>
-              <a:t>","desc");</a:t>
-            </a:r>
-          </a:p>
-          <a:p>
-            <a:pPr lvl="1"/>
-            <a:endParaRPr kumimoji="1" lang="en-US" altLang="ja-JP" sz="1600" b="0" dirty="0"/>
-          </a:p>
-          <a:p>
-            <a:r>
-              <a:rPr kumimoji="1" lang="en-US" altLang="ja-JP" sz="1800" b="0" dirty="0"/>
-              <a:t>② </a:t>
-            </a:r>
-            <a:r>
-              <a:rPr kumimoji="1" lang="ja-JP" altLang="en-US" sz="1800" b="0"/>
-              <a:t>要員希望にあった案件名と要員希望</a:t>
-            </a:r>
-            <a:r>
-              <a:rPr kumimoji="1" lang="en-US" altLang="ja-JP" sz="1800" b="0" dirty="0"/>
-              <a:t>ID</a:t>
-            </a:r>
-            <a:r>
-              <a:rPr kumimoji="1" lang="ja-JP" altLang="en-US" sz="1800" b="0"/>
-              <a:t>を相性値の降順で検索する</a:t>
-            </a:r>
-            <a:r>
-              <a:rPr kumimoji="1" lang="en-US" altLang="ja-JP" sz="1800" b="0" dirty="0"/>
-              <a:t>Dart</a:t>
-            </a:r>
-            <a:r>
-              <a:rPr kumimoji="1" lang="ja-JP" altLang="en-US" sz="1800" b="0"/>
-              <a:t>プログラム</a:t>
-            </a:r>
-            <a:endParaRPr kumimoji="1" lang="en-US" altLang="ja-JP" sz="1800" b="0" dirty="0"/>
-          </a:p>
-          <a:p>
-            <a:pPr lvl="1"/>
-            <a:endParaRPr kumimoji="1" lang="en-US" altLang="ja-JP" sz="1600" b="0" dirty="0"/>
-          </a:p>
-          <a:p>
-            <a:pPr lvl="1"/>
-            <a:r>
-              <a:rPr kumimoji="1" lang="ja-JP" altLang="en-US" sz="1600" b="0"/>
-              <a:t>案件（</a:t>
-            </a:r>
-            <a:r>
-              <a:rPr kumimoji="1" lang="en-US" altLang="ja-JP" sz="1600" b="0" dirty="0"/>
-              <a:t>PROJECT</a:t>
-            </a:r>
-            <a:r>
-              <a:rPr kumimoji="1" lang="ja-JP" altLang="en-US" sz="1600" b="0"/>
-              <a:t>）に相性値フィールドを設けていないので未対応</a:t>
-            </a:r>
-            <a:endParaRPr kumimoji="1" lang="en-US" altLang="ja-JP" sz="1600" b="0" dirty="0"/>
-          </a:p>
-        </p:txBody>
-      </p:sp>
-    </p:spTree>
-    <p:extLst>
-      <p:ext uri="{BB962C8B-B14F-4D97-AF65-F5344CB8AC3E}">
-        <p14:creationId xmlns:p14="http://schemas.microsoft.com/office/powerpoint/2010/main" val="2071341854"/>
       </p:ext>
     </p:extLst>
   </p:cSld>

--- a/Matching.pptx
+++ b/Matching.pptx
@@ -388,7 +388,7 @@
           </a:ln>
           <a:extLst>
             <a:ext uri="{909E8E84-426E-40dd-AFC4-6F175D3DCCD1}">
-              <a14:hiddenFill xmlns:a14="http://schemas.microsoft.com/office/drawing/2010/main" xmlns="">
+              <a14:hiddenFill xmlns="" xmlns:a14="http://schemas.microsoft.com/office/drawing/2010/main">
                 <a:solidFill>
                   <a:srgbClr val="FFFFFF"/>
                 </a:solidFill>
@@ -1587,14 +1587,14 @@
           </a:ln>
           <a:extLst>
             <a:ext uri="{909E8E84-426E-40dd-AFC4-6F175D3DCCD1}">
-              <a14:hiddenFill xmlns:a14="http://schemas.microsoft.com/office/drawing/2010/main" xmlns="">
+              <a14:hiddenFill xmlns="" xmlns:a14="http://schemas.microsoft.com/office/drawing/2010/main">
                 <a:solidFill>
                   <a:srgbClr val="FFFFFF"/>
                 </a:solidFill>
               </a14:hiddenFill>
             </a:ext>
             <a:ext uri="{91240B29-F687-4f45-9708-019B960494DF}">
-              <a14:hiddenLine xmlns:a14="http://schemas.microsoft.com/office/drawing/2010/main" xmlns="" w="9525">
+              <a14:hiddenLine xmlns="" xmlns:a14="http://schemas.microsoft.com/office/drawing/2010/main" w="9525">
                 <a:solidFill>
                   <a:srgbClr val="000000"/>
                 </a:solidFill>
@@ -1644,14 +1644,14 @@
           </a:ln>
           <a:extLst>
             <a:ext uri="{909E8E84-426E-40dd-AFC4-6F175D3DCCD1}">
-              <a14:hiddenFill xmlns:a14="http://schemas.microsoft.com/office/drawing/2010/main" xmlns="">
+              <a14:hiddenFill xmlns="" xmlns:a14="http://schemas.microsoft.com/office/drawing/2010/main">
                 <a:solidFill>
                   <a:srgbClr val="FFFFFF"/>
                 </a:solidFill>
               </a14:hiddenFill>
             </a:ext>
             <a:ext uri="{91240B29-F687-4f45-9708-019B960494DF}">
-              <a14:hiddenLine xmlns:a14="http://schemas.microsoft.com/office/drawing/2010/main" xmlns="" w="9525">
+              <a14:hiddenLine xmlns="" xmlns:a14="http://schemas.microsoft.com/office/drawing/2010/main" w="9525">
                 <a:solidFill>
                   <a:srgbClr val="000000"/>
                 </a:solidFill>
@@ -1700,14 +1700,14 @@
           </a:ln>
           <a:extLst>
             <a:ext uri="{909E8E84-426E-40dd-AFC4-6F175D3DCCD1}">
-              <a14:hiddenFill xmlns:a14="http://schemas.microsoft.com/office/drawing/2010/main" xmlns="">
+              <a14:hiddenFill xmlns="" xmlns:a14="http://schemas.microsoft.com/office/drawing/2010/main">
                 <a:solidFill>
                   <a:srgbClr val="FFFFFF"/>
                 </a:solidFill>
               </a14:hiddenFill>
             </a:ext>
             <a:ext uri="{91240B29-F687-4f45-9708-019B960494DF}">
-              <a14:hiddenLine xmlns:a14="http://schemas.microsoft.com/office/drawing/2010/main" xmlns="" w="9525">
+              <a14:hiddenLine xmlns="" xmlns:a14="http://schemas.microsoft.com/office/drawing/2010/main" w="9525">
                 <a:solidFill>
                   <a:srgbClr val="000000"/>
                 </a:solidFill>
@@ -9268,7 +9268,7 @@
         </p:nvSpPr>
         <p:spPr bwMode="auto">
           <a:xfrm>
-            <a:off x="1639926" y="4992777"/>
+            <a:off x="5010704" y="4984593"/>
             <a:ext cx="1682848" cy="487140"/>
           </a:xfrm>
           <a:prstGeom prst="rect">
@@ -9350,7 +9350,89 @@
         </p:nvSpPr>
         <p:spPr bwMode="auto">
           <a:xfrm>
-            <a:off x="4164197" y="4989035"/>
+            <a:off x="1639101" y="4984593"/>
+            <a:ext cx="2525922" cy="487140"/>
+          </a:xfrm>
+          <a:prstGeom prst="rect">
+            <a:avLst/>
+          </a:prstGeom>
+          <a:solidFill>
+            <a:schemeClr val="accent4">
+              <a:lumMod val="20000"/>
+              <a:lumOff val="80000"/>
+            </a:schemeClr>
+          </a:solidFill>
+          <a:ln w="9525" cap="flat" cmpd="sng" algn="ctr">
+            <a:solidFill>
+              <a:schemeClr val="tx1"/>
+            </a:solidFill>
+            <a:prstDash val="solid"/>
+            <a:round/>
+            <a:headEnd type="none" w="med" len="med"/>
+            <a:tailEnd type="none" w="med" len="med"/>
+          </a:ln>
+          <a:effectLst/>
+        </p:spPr>
+        <p:txBody>
+          <a:bodyPr vert="horz" wrap="square" lIns="36000" tIns="36000" rIns="36000" bIns="36000" numCol="1" rtlCol="0" anchor="ctr" anchorCtr="0" compatLnSpc="1">
+            <a:prstTxWarp prst="textNoShape">
+              <a:avLst/>
+            </a:prstTxWarp>
+          </a:bodyPr>
+          <a:lstStyle/>
+          <a:p>
+            <a:pPr marL="0" marR="0" indent="0" algn="ctr" defTabSz="914400" rtl="0" eaLnBrk="1" fontAlgn="base" latinLnBrk="0" hangingPunct="1">
+              <a:lnSpc>
+                <a:spcPct val="100000"/>
+              </a:lnSpc>
+              <a:spcBef>
+                <a:spcPct val="0"/>
+              </a:spcBef>
+              <a:spcAft>
+                <a:spcPct val="0"/>
+              </a:spcAft>
+              <a:buClrTx/>
+              <a:buSzTx/>
+              <a:buFontTx/>
+              <a:buNone/>
+              <a:tabLst/>
+            </a:pPr>
+            <a:r>
+              <a:rPr kumimoji="1" lang="en-US" altLang="ja-JP" sz="1200" b="0" dirty="0">
+                <a:latin typeface="+mn-lt"/>
+                <a:ea typeface="+mn-ea"/>
+              </a:rPr>
+              <a:t>API</a:t>
+            </a:r>
+            <a:r>
+              <a:rPr kumimoji="1" lang="ja-JP" altLang="en-US" sz="1200" b="0">
+                <a:latin typeface="+mn-lt"/>
+                <a:ea typeface="+mn-ea"/>
+              </a:rPr>
+              <a:t>設計・開発・認証認可追加</a:t>
+            </a:r>
+            <a:endParaRPr kumimoji="1" lang="ja-JP" altLang="en-US" sz="1200" b="0" dirty="0">
+              <a:latin typeface="+mn-lt"/>
+              <a:ea typeface="+mn-ea"/>
+            </a:endParaRPr>
+          </a:p>
+        </p:txBody>
+      </p:sp>
+      <p:sp>
+        <p:nvSpPr>
+          <p:cNvPr id="38" name="正方形/長方形 37">
+            <a:extLst>
+              <a:ext uri="{FF2B5EF4-FFF2-40B4-BE49-F238E27FC236}">
+                <a16:creationId xmlns:a16="http://schemas.microsoft.com/office/drawing/2014/main" id="{B406CBAD-6605-4446-B5A5-7143550D3624}"/>
+              </a:ext>
+            </a:extLst>
+          </p:cNvPr>
+          <p:cNvSpPr/>
+          <p:nvPr/>
+        </p:nvSpPr>
+        <p:spPr bwMode="auto">
+          <a:xfrm>
+            <a:off x="6681192" y="4984593"/>
             <a:ext cx="2479986" cy="487140"/>
           </a:xfrm>
           <a:prstGeom prst="rect">
@@ -9409,88 +9491,6 @@
                 <a:latin typeface="+mn-lt"/>
                 <a:ea typeface="+mn-ea"/>
               </a:rPr>
-              <a:t>設計・開発・認証認可追加</a:t>
-            </a:r>
-            <a:endParaRPr kumimoji="1" lang="ja-JP" altLang="en-US" sz="1200" b="0" dirty="0">
-              <a:latin typeface="+mn-lt"/>
-              <a:ea typeface="+mn-ea"/>
-            </a:endParaRPr>
-          </a:p>
-        </p:txBody>
-      </p:sp>
-      <p:sp>
-        <p:nvSpPr>
-          <p:cNvPr id="38" name="正方形/長方形 37">
-            <a:extLst>
-              <a:ext uri="{FF2B5EF4-FFF2-40B4-BE49-F238E27FC236}">
-                <a16:creationId xmlns:a16="http://schemas.microsoft.com/office/drawing/2014/main" id="{B406CBAD-6605-4446-B5A5-7143550D3624}"/>
-              </a:ext>
-            </a:extLst>
-          </p:cNvPr>
-          <p:cNvSpPr/>
-          <p:nvPr/>
-        </p:nvSpPr>
-        <p:spPr bwMode="auto">
-          <a:xfrm>
-            <a:off x="6643358" y="4989035"/>
-            <a:ext cx="2479986" cy="487140"/>
-          </a:xfrm>
-          <a:prstGeom prst="rect">
-            <a:avLst/>
-          </a:prstGeom>
-          <a:solidFill>
-            <a:schemeClr val="accent4">
-              <a:lumMod val="20000"/>
-              <a:lumOff val="80000"/>
-            </a:schemeClr>
-          </a:solidFill>
-          <a:ln w="9525" cap="flat" cmpd="sng" algn="ctr">
-            <a:solidFill>
-              <a:schemeClr val="tx1"/>
-            </a:solidFill>
-            <a:prstDash val="solid"/>
-            <a:round/>
-            <a:headEnd type="none" w="med" len="med"/>
-            <a:tailEnd type="none" w="med" len="med"/>
-          </a:ln>
-          <a:effectLst/>
-        </p:spPr>
-        <p:txBody>
-          <a:bodyPr vert="horz" wrap="square" lIns="36000" tIns="36000" rIns="36000" bIns="36000" numCol="1" rtlCol="0" anchor="ctr" anchorCtr="0" compatLnSpc="1">
-            <a:prstTxWarp prst="textNoShape">
-              <a:avLst/>
-            </a:prstTxWarp>
-          </a:bodyPr>
-          <a:lstStyle/>
-          <a:p>
-            <a:pPr marL="0" marR="0" indent="0" algn="ctr" defTabSz="914400" rtl="0" eaLnBrk="1" fontAlgn="base" latinLnBrk="0" hangingPunct="1">
-              <a:lnSpc>
-                <a:spcPct val="100000"/>
-              </a:lnSpc>
-              <a:spcBef>
-                <a:spcPct val="0"/>
-              </a:spcBef>
-              <a:spcAft>
-                <a:spcPct val="0"/>
-              </a:spcAft>
-              <a:buClrTx/>
-              <a:buSzTx/>
-              <a:buFontTx/>
-              <a:buNone/>
-              <a:tabLst/>
-            </a:pPr>
-            <a:r>
-              <a:rPr kumimoji="1" lang="en-US" altLang="ja-JP" sz="1200" b="0" dirty="0">
-                <a:latin typeface="+mn-lt"/>
-                <a:ea typeface="+mn-ea"/>
-              </a:rPr>
-              <a:t>API</a:t>
-            </a:r>
-            <a:r>
-              <a:rPr kumimoji="1" lang="ja-JP" altLang="en-US" sz="1200" b="0">
-                <a:latin typeface="+mn-lt"/>
-                <a:ea typeface="+mn-ea"/>
-              </a:rPr>
               <a:t>テスト・結合テスト</a:t>
             </a:r>
             <a:endParaRPr kumimoji="1" lang="ja-JP" altLang="en-US" sz="1200" b="0" dirty="0">
@@ -9553,7 +9553,7 @@
         </p:nvSpPr>
         <p:spPr bwMode="auto">
           <a:xfrm>
-            <a:off x="3322774" y="4994088"/>
+            <a:off x="4164198" y="4984593"/>
             <a:ext cx="842249" cy="487140"/>
           </a:xfrm>
           <a:prstGeom prst="rect">
@@ -9605,7 +9605,36 @@
                 <a:latin typeface="+mn-lt"/>
                 <a:ea typeface="+mn-ea"/>
               </a:rPr>
-              <a:t>認証認可移行</a:t>
+              <a:t>認証認可</a:t>
+            </a:r>
+            <a:endParaRPr kumimoji="1" lang="en-US" altLang="ja-JP" sz="1200" b="0" dirty="0">
+              <a:latin typeface="+mn-lt"/>
+              <a:ea typeface="+mn-ea"/>
+            </a:endParaRPr>
+          </a:p>
+          <a:p>
+            <a:pPr marL="0" marR="0" indent="0" algn="ctr" defTabSz="914400" rtl="0" eaLnBrk="1" fontAlgn="base" latinLnBrk="0" hangingPunct="1">
+              <a:lnSpc>
+                <a:spcPct val="100000"/>
+              </a:lnSpc>
+              <a:spcBef>
+                <a:spcPct val="0"/>
+              </a:spcBef>
+              <a:spcAft>
+                <a:spcPct val="0"/>
+              </a:spcAft>
+              <a:buClrTx/>
+              <a:buSzTx/>
+              <a:buFontTx/>
+              <a:buNone/>
+              <a:tabLst/>
+            </a:pPr>
+            <a:r>
+              <a:rPr kumimoji="1" lang="ja-JP" altLang="en-US" sz="1200" b="0">
+                <a:latin typeface="+mn-lt"/>
+                <a:ea typeface="+mn-ea"/>
+              </a:rPr>
+              <a:t>移行</a:t>
             </a:r>
             <a:endParaRPr kumimoji="1" lang="ja-JP" altLang="en-US" sz="1200" b="0" dirty="0">
               <a:latin typeface="+mn-lt"/>

--- a/Matching.pptx
+++ b/Matching.pptx
@@ -5,10 +5,10 @@
     <p:sldMasterId id="2147483650" r:id="rId1"/>
   </p:sldMasterIdLst>
   <p:notesMasterIdLst>
-    <p:notesMasterId r:id="rId12"/>
+    <p:notesMasterId r:id="rId13"/>
   </p:notesMasterIdLst>
   <p:handoutMasterIdLst>
-    <p:handoutMasterId r:id="rId13"/>
+    <p:handoutMasterId r:id="rId14"/>
   </p:handoutMasterIdLst>
   <p:sldIdLst>
     <p:sldId id="1330" r:id="rId2"/>
@@ -17,10 +17,11 @@
     <p:sldId id="1333" r:id="rId5"/>
     <p:sldId id="1324" r:id="rId6"/>
     <p:sldId id="1329" r:id="rId7"/>
-    <p:sldId id="1326" r:id="rId8"/>
-    <p:sldId id="1327" r:id="rId9"/>
-    <p:sldId id="1325" r:id="rId10"/>
-    <p:sldId id="1328" r:id="rId11"/>
+    <p:sldId id="1334" r:id="rId8"/>
+    <p:sldId id="1326" r:id="rId9"/>
+    <p:sldId id="1327" r:id="rId10"/>
+    <p:sldId id="1325" r:id="rId11"/>
+    <p:sldId id="1328" r:id="rId12"/>
   </p:sldIdLst>
   <p:sldSz cx="9906000" cy="6858000" type="A4"/>
   <p:notesSz cx="7031038" cy="9875838"/>
@@ -388,7 +389,7 @@
           </a:ln>
           <a:extLst>
             <a:ext uri="{909E8E84-426E-40dd-AFC4-6F175D3DCCD1}">
-              <a14:hiddenFill xmlns="" xmlns:a14="http://schemas.microsoft.com/office/drawing/2010/main">
+              <a14:hiddenFill xmlns:a14="http://schemas.microsoft.com/office/drawing/2010/main" xmlns="">
                 <a:solidFill>
                   <a:srgbClr val="FFFFFF"/>
                 </a:solidFill>
@@ -805,6 +806,108 @@
 </p:notes>
 </file>
 
+<file path=ppt/notesSlides/notesSlide2.xml><?xml version="1.0" encoding="utf-8"?>
+<p:notes xmlns:a="http://schemas.openxmlformats.org/drawingml/2006/main" xmlns:r="http://schemas.openxmlformats.org/officeDocument/2006/relationships" xmlns:p="http://schemas.openxmlformats.org/presentationml/2006/main">
+  <p:cSld>
+    <p:spTree>
+      <p:nvGrpSpPr>
+        <p:cNvPr id="1" name=""/>
+        <p:cNvGrpSpPr/>
+        <p:nvPr/>
+      </p:nvGrpSpPr>
+      <p:grpSpPr>
+        <a:xfrm>
+          <a:off x="0" y="0"/>
+          <a:ext cx="0" cy="0"/>
+          <a:chOff x="0" y="0"/>
+          <a:chExt cx="0" cy="0"/>
+        </a:xfrm>
+      </p:grpSpPr>
+      <p:sp>
+        <p:nvSpPr>
+          <p:cNvPr id="2" name="スライド イメージ プレースホルダー 1"/>
+          <p:cNvSpPr>
+            <a:spLocks noGrp="1" noRot="1" noChangeAspect="1"/>
+          </p:cNvSpPr>
+          <p:nvPr>
+            <p:ph type="sldImg"/>
+          </p:nvPr>
+        </p:nvSpPr>
+        <p:spPr/>
+      </p:sp>
+      <p:sp>
+        <p:nvSpPr>
+          <p:cNvPr id="3" name="ノート プレースホルダー 2"/>
+          <p:cNvSpPr>
+            <a:spLocks noGrp="1"/>
+          </p:cNvSpPr>
+          <p:nvPr>
+            <p:ph type="body" idx="1"/>
+          </p:nvPr>
+        </p:nvSpPr>
+        <p:spPr/>
+        <p:txBody>
+          <a:bodyPr/>
+          <a:lstStyle/>
+          <a:p>
+            <a:r>
+              <a:rPr kumimoji="1" lang="en" altLang="ja-JP" dirty="0"/>
+              <a:t>https://</a:t>
+            </a:r>
+            <a:r>
+              <a:rPr kumimoji="1" lang="en" altLang="ja-JP" dirty="0" err="1"/>
+              <a:t>qiita.com</a:t>
+            </a:r>
+            <a:r>
+              <a:rPr kumimoji="1" lang="en" altLang="ja-JP" dirty="0"/>
+              <a:t>/SLEAZOIDS/items/d6fb9c2d131c3fdd1387</a:t>
+            </a:r>
+            <a:endParaRPr kumimoji="1" lang="ja-JP" altLang="en-US"/>
+          </a:p>
+        </p:txBody>
+      </p:sp>
+      <p:sp>
+        <p:nvSpPr>
+          <p:cNvPr id="4" name="スライド番号プレースホルダー 3"/>
+          <p:cNvSpPr>
+            <a:spLocks noGrp="1"/>
+          </p:cNvSpPr>
+          <p:nvPr>
+            <p:ph type="sldNum" sz="quarter" idx="5"/>
+          </p:nvPr>
+        </p:nvSpPr>
+        <p:spPr/>
+        <p:txBody>
+          <a:bodyPr/>
+          <a:lstStyle/>
+          <a:p>
+            <a:pPr>
+              <a:defRPr/>
+            </a:pPr>
+            <a:fld id="{83A5123E-EA03-42B0-B23C-7455D6BF1623}" type="slidenum">
+              <a:rPr lang="ja-JP" altLang="en-US" smtClean="0"/>
+              <a:pPr>
+                <a:defRPr/>
+              </a:pPr>
+              <a:t>6</a:t>
+            </a:fld>
+            <a:endParaRPr lang="en-US" altLang="ja-JP"/>
+          </a:p>
+        </p:txBody>
+      </p:sp>
+    </p:spTree>
+    <p:extLst>
+      <p:ext uri="{BB962C8B-B14F-4D97-AF65-F5344CB8AC3E}">
+        <p14:creationId xmlns:p14="http://schemas.microsoft.com/office/powerpoint/2010/main" val="1811688518"/>
+      </p:ext>
+    </p:extLst>
+  </p:cSld>
+  <p:clrMapOvr>
+    <a:masterClrMapping/>
+  </p:clrMapOvr>
+</p:notes>
+</file>
+
 <file path=ppt/slideLayouts/slideLayout1.xml><?xml version="1.0" encoding="utf-8"?>
 <p:sldLayout xmlns:a="http://schemas.openxmlformats.org/drawingml/2006/main" xmlns:r="http://schemas.openxmlformats.org/officeDocument/2006/relationships" xmlns:p="http://schemas.openxmlformats.org/presentationml/2006/main" showMasterSp="0" preserve="1" userDrawn="1">
   <p:cSld name="Title Slide">
@@ -1587,14 +1690,14 @@
           </a:ln>
           <a:extLst>
             <a:ext uri="{909E8E84-426E-40dd-AFC4-6F175D3DCCD1}">
-              <a14:hiddenFill xmlns="" xmlns:a14="http://schemas.microsoft.com/office/drawing/2010/main">
+              <a14:hiddenFill xmlns:a14="http://schemas.microsoft.com/office/drawing/2010/main" xmlns="">
                 <a:solidFill>
                   <a:srgbClr val="FFFFFF"/>
                 </a:solidFill>
               </a14:hiddenFill>
             </a:ext>
             <a:ext uri="{91240B29-F687-4f45-9708-019B960494DF}">
-              <a14:hiddenLine xmlns="" xmlns:a14="http://schemas.microsoft.com/office/drawing/2010/main" w="9525">
+              <a14:hiddenLine xmlns:a14="http://schemas.microsoft.com/office/drawing/2010/main" xmlns="" w="9525">
                 <a:solidFill>
                   <a:srgbClr val="000000"/>
                 </a:solidFill>
@@ -1644,14 +1747,14 @@
           </a:ln>
           <a:extLst>
             <a:ext uri="{909E8E84-426E-40dd-AFC4-6F175D3DCCD1}">
-              <a14:hiddenFill xmlns="" xmlns:a14="http://schemas.microsoft.com/office/drawing/2010/main">
+              <a14:hiddenFill xmlns:a14="http://schemas.microsoft.com/office/drawing/2010/main" xmlns="">
                 <a:solidFill>
                   <a:srgbClr val="FFFFFF"/>
                 </a:solidFill>
               </a14:hiddenFill>
             </a:ext>
             <a:ext uri="{91240B29-F687-4f45-9708-019B960494DF}">
-              <a14:hiddenLine xmlns="" xmlns:a14="http://schemas.microsoft.com/office/drawing/2010/main" w="9525">
+              <a14:hiddenLine xmlns:a14="http://schemas.microsoft.com/office/drawing/2010/main" xmlns="" w="9525">
                 <a:solidFill>
                   <a:srgbClr val="000000"/>
                 </a:solidFill>
@@ -1700,14 +1803,14 @@
           </a:ln>
           <a:extLst>
             <a:ext uri="{909E8E84-426E-40dd-AFC4-6F175D3DCCD1}">
-              <a14:hiddenFill xmlns="" xmlns:a14="http://schemas.microsoft.com/office/drawing/2010/main">
+              <a14:hiddenFill xmlns:a14="http://schemas.microsoft.com/office/drawing/2010/main" xmlns="">
                 <a:solidFill>
                   <a:srgbClr val="FFFFFF"/>
                 </a:solidFill>
               </a14:hiddenFill>
             </a:ext>
             <a:ext uri="{91240B29-F687-4f45-9708-019B960494DF}">
-              <a14:hiddenLine xmlns="" xmlns:a14="http://schemas.microsoft.com/office/drawing/2010/main" w="9525">
+              <a14:hiddenLine xmlns:a14="http://schemas.microsoft.com/office/drawing/2010/main" xmlns="" w="9525">
                 <a:solidFill>
                   <a:srgbClr val="000000"/>
                 </a:solidFill>
@@ -4696,6 +4799,1925 @@
       </p:grpSpPr>
       <p:sp>
         <p:nvSpPr>
+          <p:cNvPr id="5" name="正方形/長方形 4">
+            <a:extLst>
+              <a:ext uri="{FF2B5EF4-FFF2-40B4-BE49-F238E27FC236}">
+                <a16:creationId xmlns:a16="http://schemas.microsoft.com/office/drawing/2014/main" id="{70638279-3763-294F-92BF-038EECF1FC61}"/>
+              </a:ext>
+            </a:extLst>
+          </p:cNvPr>
+          <p:cNvSpPr/>
+          <p:nvPr/>
+        </p:nvSpPr>
+        <p:spPr bwMode="auto">
+          <a:xfrm>
+            <a:off x="2252700" y="1124744"/>
+            <a:ext cx="2412268" cy="432051"/>
+          </a:xfrm>
+          <a:prstGeom prst="rect">
+            <a:avLst/>
+          </a:prstGeom>
+          <a:solidFill>
+            <a:schemeClr val="bg1"/>
+          </a:solidFill>
+          <a:ln w="9525" cap="flat" cmpd="sng" algn="ctr">
+            <a:solidFill>
+              <a:schemeClr val="tx1"/>
+            </a:solidFill>
+            <a:prstDash val="solid"/>
+            <a:round/>
+            <a:headEnd type="none" w="med" len="med"/>
+            <a:tailEnd type="none" w="med" len="med"/>
+          </a:ln>
+          <a:effectLst/>
+        </p:spPr>
+        <p:txBody>
+          <a:bodyPr vert="horz" wrap="square" lIns="36000" tIns="36000" rIns="36000" bIns="36000" numCol="1" rtlCol="0" anchor="ctr" anchorCtr="0" compatLnSpc="1">
+            <a:prstTxWarp prst="textNoShape">
+              <a:avLst/>
+            </a:prstTxWarp>
+          </a:bodyPr>
+          <a:lstStyle/>
+          <a:p>
+            <a:pPr marL="0" marR="0" indent="0" algn="ctr" defTabSz="914400" rtl="0" eaLnBrk="1" fontAlgn="base" latinLnBrk="0" hangingPunct="1">
+              <a:lnSpc>
+                <a:spcPct val="100000"/>
+              </a:lnSpc>
+              <a:spcBef>
+                <a:spcPct val="0"/>
+              </a:spcBef>
+              <a:spcAft>
+                <a:spcPct val="0"/>
+              </a:spcAft>
+              <a:buClrTx/>
+              <a:buSzTx/>
+              <a:buFontTx/>
+              <a:buNone/>
+              <a:tabLst/>
+            </a:pPr>
+            <a:r>
+              <a:rPr kumimoji="1" lang="en-US" altLang="ja-JP" b="0" dirty="0">
+                <a:latin typeface="メイリオ"/>
+                <a:ea typeface="メイリオ"/>
+                <a:cs typeface="メイリオ"/>
+              </a:rPr>
+              <a:t>PROJECT</a:t>
+            </a:r>
+            <a:endParaRPr kumimoji="1" lang="ja-JP" altLang="en-US" b="0" dirty="0">
+              <a:latin typeface="メイリオ"/>
+              <a:ea typeface="メイリオ"/>
+              <a:cs typeface="メイリオ"/>
+            </a:endParaRPr>
+          </a:p>
+        </p:txBody>
+      </p:sp>
+      <p:sp>
+        <p:nvSpPr>
+          <p:cNvPr id="6" name="正方形/長方形 5">
+            <a:extLst>
+              <a:ext uri="{FF2B5EF4-FFF2-40B4-BE49-F238E27FC236}">
+                <a16:creationId xmlns:a16="http://schemas.microsoft.com/office/drawing/2014/main" id="{FE60D186-ACE7-6041-99DA-E1DB9DC41B40}"/>
+              </a:ext>
+            </a:extLst>
+          </p:cNvPr>
+          <p:cNvSpPr/>
+          <p:nvPr/>
+        </p:nvSpPr>
+        <p:spPr bwMode="auto">
+          <a:xfrm>
+            <a:off x="2252700" y="1556796"/>
+            <a:ext cx="2412268" cy="5184572"/>
+          </a:xfrm>
+          <a:prstGeom prst="rect">
+            <a:avLst/>
+          </a:prstGeom>
+          <a:solidFill>
+            <a:schemeClr val="bg1"/>
+          </a:solidFill>
+          <a:ln w="9525" cap="flat" cmpd="sng" algn="ctr">
+            <a:solidFill>
+              <a:schemeClr val="tx1"/>
+            </a:solidFill>
+            <a:prstDash val="solid"/>
+            <a:round/>
+            <a:headEnd type="none" w="med" len="med"/>
+            <a:tailEnd type="none" w="med" len="med"/>
+          </a:ln>
+          <a:effectLst/>
+        </p:spPr>
+        <p:txBody>
+          <a:bodyPr vert="horz" wrap="square" lIns="36000" tIns="36000" rIns="36000" bIns="36000" numCol="1" rtlCol="0" anchor="ctr" anchorCtr="0" compatLnSpc="1">
+            <a:prstTxWarp prst="textNoShape">
+              <a:avLst/>
+            </a:prstTxWarp>
+          </a:bodyPr>
+          <a:lstStyle/>
+          <a:p>
+            <a:r>
+              <a:rPr kumimoji="1" lang="en-US" altLang="ja-JP" sz="1000" b="0" dirty="0">
+                <a:latin typeface="メイリオ"/>
+                <a:ea typeface="メイリオ"/>
+                <a:cs typeface="メイリオ"/>
+              </a:rPr>
+              <a:t>ID: “xxx”,</a:t>
+            </a:r>
+          </a:p>
+          <a:p>
+            <a:r>
+              <a:rPr kumimoji="1" lang="en-US" altLang="ja-JP" sz="1000" b="0" dirty="0">
+                <a:latin typeface="メイリオ"/>
+                <a:ea typeface="メイリオ"/>
+                <a:cs typeface="メイリオ"/>
+              </a:rPr>
+              <a:t>NAME: …, </a:t>
+            </a:r>
+          </a:p>
+          <a:p>
+            <a:r>
+              <a:rPr kumimoji="1" lang="en-US" altLang="ja-JP" sz="1000" b="0" dirty="0">
+                <a:latin typeface="メイリオ"/>
+                <a:ea typeface="メイリオ"/>
+                <a:cs typeface="メイリオ"/>
+              </a:rPr>
+              <a:t>DESCRIBE: … , </a:t>
+            </a:r>
+          </a:p>
+          <a:p>
+            <a:r>
+              <a:rPr kumimoji="1" lang="en-US" altLang="ja-JP" sz="1000" b="0" dirty="0">
+                <a:latin typeface="メイリオ"/>
+                <a:ea typeface="メイリオ"/>
+                <a:cs typeface="メイリオ"/>
+              </a:rPr>
+              <a:t>REQUEST: [</a:t>
+            </a:r>
+          </a:p>
+          <a:p>
+            <a:pPr marL="0" marR="0" indent="0" defTabSz="914400" rtl="0" eaLnBrk="1" fontAlgn="base" latinLnBrk="0" hangingPunct="1">
+              <a:lnSpc>
+                <a:spcPct val="100000"/>
+              </a:lnSpc>
+              <a:spcBef>
+                <a:spcPct val="0"/>
+              </a:spcBef>
+              <a:spcAft>
+                <a:spcPct val="0"/>
+              </a:spcAft>
+              <a:buClrTx/>
+              <a:buSzTx/>
+              <a:buFontTx/>
+              <a:buNone/>
+              <a:tabLst/>
+            </a:pPr>
+            <a:r>
+              <a:rPr kumimoji="1" lang="ja-JP" altLang="en-US" sz="1000" b="0">
+                <a:solidFill>
+                  <a:schemeClr val="accent4"/>
+                </a:solidFill>
+                <a:latin typeface="メイリオ"/>
+                <a:ea typeface="メイリオ"/>
+                <a:cs typeface="メイリオ"/>
+              </a:rPr>
+              <a:t>　</a:t>
+            </a:r>
+            <a:r>
+              <a:rPr kumimoji="1" lang="en-US" altLang="ja-JP" sz="1000" b="0" dirty="0">
+                <a:solidFill>
+                  <a:schemeClr val="accent4"/>
+                </a:solidFill>
+                <a:latin typeface="メイリオ"/>
+                <a:ea typeface="メイリオ"/>
+                <a:cs typeface="メイリオ"/>
+              </a:rPr>
+              <a:t>{</a:t>
+            </a:r>
+          </a:p>
+          <a:p>
+            <a:pPr marL="0" marR="0" indent="0" defTabSz="914400" rtl="0" eaLnBrk="1" fontAlgn="base" latinLnBrk="0" hangingPunct="1">
+              <a:lnSpc>
+                <a:spcPct val="100000"/>
+              </a:lnSpc>
+              <a:spcBef>
+                <a:spcPct val="0"/>
+              </a:spcBef>
+              <a:spcAft>
+                <a:spcPct val="0"/>
+              </a:spcAft>
+              <a:buClrTx/>
+              <a:buSzTx/>
+              <a:buFontTx/>
+              <a:buNone/>
+              <a:tabLst/>
+            </a:pPr>
+            <a:r>
+              <a:rPr kumimoji="1" lang="en-US" altLang="ja-JP" sz="1000" b="0" dirty="0">
+                <a:solidFill>
+                  <a:schemeClr val="accent4"/>
+                </a:solidFill>
+                <a:latin typeface="メイリオ"/>
+                <a:ea typeface="メイリオ"/>
+                <a:cs typeface="メイリオ"/>
+              </a:rPr>
+              <a:t>      ID: 0,</a:t>
+            </a:r>
+          </a:p>
+          <a:p>
+            <a:r>
+              <a:rPr kumimoji="1" lang="ja-JP" altLang="en-US" sz="1000" b="0">
+                <a:solidFill>
+                  <a:schemeClr val="accent4"/>
+                </a:solidFill>
+                <a:latin typeface="メイリオ"/>
+                <a:ea typeface="メイリオ"/>
+                <a:cs typeface="メイリオ"/>
+              </a:rPr>
+              <a:t>　　単価</a:t>
+            </a:r>
+            <a:r>
+              <a:rPr kumimoji="1" lang="en-US" altLang="ja-JP" sz="1000" b="0" dirty="0">
+                <a:solidFill>
+                  <a:schemeClr val="accent4"/>
+                </a:solidFill>
+                <a:latin typeface="メイリオ"/>
+                <a:ea typeface="メイリオ"/>
+                <a:cs typeface="メイリオ"/>
+              </a:rPr>
+              <a:t>: … ,</a:t>
+            </a:r>
+          </a:p>
+          <a:p>
+            <a:r>
+              <a:rPr kumimoji="1" lang="ja-JP" altLang="en-US" sz="1000" b="0">
+                <a:solidFill>
+                  <a:schemeClr val="accent4"/>
+                </a:solidFill>
+                <a:latin typeface="メイリオ"/>
+                <a:ea typeface="メイリオ"/>
+                <a:cs typeface="メイリオ"/>
+              </a:rPr>
+              <a:t>　　人数</a:t>
+            </a:r>
+            <a:r>
+              <a:rPr kumimoji="1" lang="en-US" altLang="ja-JP" sz="1000" b="0" dirty="0">
+                <a:solidFill>
+                  <a:schemeClr val="accent4"/>
+                </a:solidFill>
+                <a:latin typeface="メイリオ"/>
+                <a:ea typeface="メイリオ"/>
+                <a:cs typeface="メイリオ"/>
+              </a:rPr>
+              <a:t>: … ,</a:t>
+            </a:r>
+          </a:p>
+          <a:p>
+            <a:r>
+              <a:rPr kumimoji="1" lang="en-US" altLang="ja-JP" sz="1000" b="0" dirty="0">
+                <a:solidFill>
+                  <a:schemeClr val="accent4"/>
+                </a:solidFill>
+                <a:latin typeface="メイリオ"/>
+                <a:ea typeface="メイリオ"/>
+                <a:cs typeface="メイリオ"/>
+              </a:rPr>
+              <a:t>      </a:t>
+            </a:r>
+            <a:r>
+              <a:rPr kumimoji="1" lang="ja-JP" altLang="en-US" sz="1000" b="0">
+                <a:solidFill>
+                  <a:schemeClr val="accent4"/>
+                </a:solidFill>
+                <a:latin typeface="メイリオ"/>
+                <a:ea typeface="メイリオ"/>
+                <a:cs typeface="メイリオ"/>
+              </a:rPr>
+              <a:t>希望開始日</a:t>
+            </a:r>
+            <a:r>
+              <a:rPr kumimoji="1" lang="en-US" altLang="ja-JP" sz="1000" b="0" dirty="0">
+                <a:solidFill>
+                  <a:schemeClr val="accent4"/>
+                </a:solidFill>
+                <a:latin typeface="メイリオ"/>
+                <a:ea typeface="メイリオ"/>
+                <a:cs typeface="メイリオ"/>
+              </a:rPr>
+              <a:t>: 2020/09/01,</a:t>
+            </a:r>
+          </a:p>
+          <a:p>
+            <a:r>
+              <a:rPr kumimoji="1" lang="ja-JP" altLang="en-US" sz="1000" b="0">
+                <a:solidFill>
+                  <a:schemeClr val="accent4"/>
+                </a:solidFill>
+                <a:latin typeface="メイリオ"/>
+                <a:ea typeface="メイリオ"/>
+                <a:cs typeface="メイリオ"/>
+              </a:rPr>
+              <a:t>　　希望スキル</a:t>
+            </a:r>
+            <a:r>
+              <a:rPr kumimoji="1" lang="en-US" altLang="ja-JP" sz="1000" b="0" dirty="0">
+                <a:solidFill>
+                  <a:schemeClr val="accent4"/>
+                </a:solidFill>
+                <a:latin typeface="メイリオ"/>
+                <a:ea typeface="メイリオ"/>
+                <a:cs typeface="メイリオ"/>
+              </a:rPr>
+              <a:t>: [</a:t>
+            </a:r>
+          </a:p>
+          <a:p>
+            <a:r>
+              <a:rPr kumimoji="1" lang="ja-JP" altLang="en-US" sz="1000" b="0">
+                <a:solidFill>
+                  <a:schemeClr val="accent4"/>
+                </a:solidFill>
+                <a:latin typeface="メイリオ"/>
+                <a:ea typeface="メイリオ"/>
+                <a:cs typeface="メイリオ"/>
+              </a:rPr>
+              <a:t>　　　</a:t>
+            </a:r>
+            <a:r>
+              <a:rPr kumimoji="1" lang="en-US" altLang="ja-JP" sz="1000" b="0" dirty="0">
+                <a:solidFill>
+                  <a:schemeClr val="accent4"/>
+                </a:solidFill>
+                <a:latin typeface="メイリオ"/>
+                <a:ea typeface="メイリオ"/>
+                <a:cs typeface="メイリオ"/>
+              </a:rPr>
+              <a:t>“Java”,</a:t>
+            </a:r>
+          </a:p>
+          <a:p>
+            <a:r>
+              <a:rPr kumimoji="1" lang="ja-JP" altLang="en-US" sz="1000" b="0">
+                <a:solidFill>
+                  <a:schemeClr val="accent4"/>
+                </a:solidFill>
+                <a:latin typeface="メイリオ"/>
+                <a:ea typeface="メイリオ"/>
+                <a:cs typeface="メイリオ"/>
+              </a:rPr>
+              <a:t>　　　</a:t>
+            </a:r>
+            <a:r>
+              <a:rPr kumimoji="1" lang="en-US" altLang="ja-JP" sz="1000" b="0" dirty="0">
+                <a:solidFill>
+                  <a:schemeClr val="accent4"/>
+                </a:solidFill>
+                <a:latin typeface="メイリオ"/>
+                <a:ea typeface="メイリオ"/>
+                <a:cs typeface="メイリオ"/>
+              </a:rPr>
+              <a:t>“C</a:t>
+            </a:r>
+            <a:r>
+              <a:rPr kumimoji="1" lang="ja-JP" altLang="en-US" sz="1000" b="0">
+                <a:solidFill>
+                  <a:schemeClr val="accent4"/>
+                </a:solidFill>
+                <a:latin typeface="メイリオ"/>
+                <a:ea typeface="メイリオ"/>
+                <a:cs typeface="メイリオ"/>
+              </a:rPr>
+              <a:t>言語</a:t>
+            </a:r>
+            <a:r>
+              <a:rPr kumimoji="1" lang="en-US" altLang="ja-JP" sz="1000" b="0" dirty="0">
+                <a:solidFill>
+                  <a:schemeClr val="accent4"/>
+                </a:solidFill>
+                <a:latin typeface="メイリオ"/>
+                <a:ea typeface="メイリオ"/>
+                <a:cs typeface="メイリオ"/>
+              </a:rPr>
+              <a:t>” </a:t>
+            </a:r>
+          </a:p>
+          <a:p>
+            <a:r>
+              <a:rPr kumimoji="1" lang="ja-JP" altLang="en-US" sz="1000" b="0">
+                <a:solidFill>
+                  <a:schemeClr val="accent4"/>
+                </a:solidFill>
+                <a:latin typeface="メイリオ"/>
+                <a:ea typeface="メイリオ"/>
+                <a:cs typeface="メイリオ"/>
+              </a:rPr>
+              <a:t>　　</a:t>
+            </a:r>
+            <a:r>
+              <a:rPr kumimoji="1" lang="en-US" altLang="ja-JP" sz="1000" b="0" dirty="0">
+                <a:solidFill>
+                  <a:schemeClr val="accent4"/>
+                </a:solidFill>
+                <a:latin typeface="メイリオ"/>
+                <a:ea typeface="メイリオ"/>
+                <a:cs typeface="メイリオ"/>
+              </a:rPr>
+              <a:t>],</a:t>
+            </a:r>
+          </a:p>
+          <a:p>
+            <a:r>
+              <a:rPr kumimoji="1" lang="ja-JP" altLang="en-US" sz="1000" b="0">
+                <a:solidFill>
+                  <a:schemeClr val="accent4"/>
+                </a:solidFill>
+                <a:latin typeface="メイリオ"/>
+                <a:ea typeface="メイリオ"/>
+                <a:cs typeface="メイリオ"/>
+              </a:rPr>
+              <a:t>　</a:t>
+            </a:r>
+            <a:r>
+              <a:rPr kumimoji="1" lang="en-US" altLang="ja-JP" sz="1000" b="0" dirty="0">
+                <a:solidFill>
+                  <a:schemeClr val="accent4"/>
+                </a:solidFill>
+                <a:latin typeface="メイリオ"/>
+                <a:ea typeface="メイリオ"/>
+                <a:cs typeface="メイリオ"/>
+              </a:rPr>
+              <a:t>},</a:t>
+            </a:r>
+            <a:r>
+              <a:rPr kumimoji="1" lang="ja-JP" altLang="en-US" sz="1000" b="0">
+                <a:solidFill>
+                  <a:schemeClr val="accent4"/>
+                </a:solidFill>
+                <a:latin typeface="メイリオ"/>
+                <a:ea typeface="メイリオ"/>
+                <a:cs typeface="メイリオ"/>
+              </a:rPr>
+              <a:t> 　</a:t>
+            </a:r>
+            <a:r>
+              <a:rPr kumimoji="1" lang="en-US" altLang="ja-JP" sz="1000" b="0" dirty="0">
+                <a:solidFill>
+                  <a:schemeClr val="accent4"/>
+                </a:solidFill>
+                <a:latin typeface="メイリオ"/>
+                <a:ea typeface="メイリオ"/>
+                <a:cs typeface="メイリオ"/>
+              </a:rPr>
+              <a:t>{</a:t>
+            </a:r>
+          </a:p>
+          <a:p>
+            <a:r>
+              <a:rPr kumimoji="1" lang="en-US" altLang="ja-JP" sz="1000" b="0" dirty="0">
+                <a:solidFill>
+                  <a:schemeClr val="accent4"/>
+                </a:solidFill>
+                <a:latin typeface="メイリオ"/>
+                <a:ea typeface="メイリオ"/>
+                <a:cs typeface="メイリオ"/>
+              </a:rPr>
+              <a:t>      ID: 1,</a:t>
+            </a:r>
+          </a:p>
+          <a:p>
+            <a:r>
+              <a:rPr kumimoji="1" lang="ja-JP" altLang="en-US" sz="1000" b="0">
+                <a:solidFill>
+                  <a:schemeClr val="accent4"/>
+                </a:solidFill>
+                <a:latin typeface="メイリオ"/>
+                <a:ea typeface="メイリオ"/>
+                <a:cs typeface="メイリオ"/>
+              </a:rPr>
+              <a:t>　　単価</a:t>
+            </a:r>
+            <a:r>
+              <a:rPr kumimoji="1" lang="en-US" altLang="ja-JP" sz="1000" b="0" dirty="0">
+                <a:solidFill>
+                  <a:schemeClr val="accent4"/>
+                </a:solidFill>
+                <a:latin typeface="メイリオ"/>
+                <a:ea typeface="メイリオ"/>
+                <a:cs typeface="メイリオ"/>
+              </a:rPr>
+              <a:t>: … ,</a:t>
+            </a:r>
+          </a:p>
+          <a:p>
+            <a:r>
+              <a:rPr kumimoji="1" lang="ja-JP" altLang="en-US" sz="1000" b="0">
+                <a:solidFill>
+                  <a:schemeClr val="accent4"/>
+                </a:solidFill>
+                <a:latin typeface="メイリオ"/>
+                <a:ea typeface="メイリオ"/>
+                <a:cs typeface="メイリオ"/>
+              </a:rPr>
+              <a:t>　　人数</a:t>
+            </a:r>
+            <a:r>
+              <a:rPr kumimoji="1" lang="en-US" altLang="ja-JP" sz="1000" b="0" dirty="0">
+                <a:solidFill>
+                  <a:schemeClr val="accent4"/>
+                </a:solidFill>
+                <a:latin typeface="メイリオ"/>
+                <a:ea typeface="メイリオ"/>
+                <a:cs typeface="メイリオ"/>
+              </a:rPr>
+              <a:t>: … ,</a:t>
+            </a:r>
+          </a:p>
+          <a:p>
+            <a:r>
+              <a:rPr kumimoji="1" lang="en-US" altLang="ja-JP" sz="1000" b="0" dirty="0">
+                <a:solidFill>
+                  <a:schemeClr val="accent4"/>
+                </a:solidFill>
+                <a:latin typeface="メイリオ"/>
+                <a:ea typeface="メイリオ"/>
+                <a:cs typeface="メイリオ"/>
+              </a:rPr>
+              <a:t>      </a:t>
+            </a:r>
+            <a:r>
+              <a:rPr kumimoji="1" lang="ja-JP" altLang="en-US" sz="1000" b="0">
+                <a:solidFill>
+                  <a:schemeClr val="accent4"/>
+                </a:solidFill>
+                <a:latin typeface="メイリオ"/>
+                <a:ea typeface="メイリオ"/>
+                <a:cs typeface="メイリオ"/>
+              </a:rPr>
+              <a:t>希望開始日</a:t>
+            </a:r>
+            <a:r>
+              <a:rPr kumimoji="1" lang="en-US" altLang="ja-JP" sz="1000" b="0" dirty="0">
+                <a:solidFill>
+                  <a:schemeClr val="accent4"/>
+                </a:solidFill>
+                <a:latin typeface="メイリオ"/>
+                <a:ea typeface="メイリオ"/>
+                <a:cs typeface="メイリオ"/>
+              </a:rPr>
+              <a:t>: 2020/08/01,</a:t>
+            </a:r>
+          </a:p>
+          <a:p>
+            <a:r>
+              <a:rPr kumimoji="1" lang="ja-JP" altLang="en-US" sz="1000" b="0">
+                <a:solidFill>
+                  <a:schemeClr val="accent4"/>
+                </a:solidFill>
+                <a:latin typeface="メイリオ"/>
+                <a:ea typeface="メイリオ"/>
+                <a:cs typeface="メイリオ"/>
+              </a:rPr>
+              <a:t>　　希望スキル</a:t>
+            </a:r>
+            <a:r>
+              <a:rPr kumimoji="1" lang="en-US" altLang="ja-JP" sz="1000" b="0" dirty="0">
+                <a:solidFill>
+                  <a:schemeClr val="accent4"/>
+                </a:solidFill>
+                <a:latin typeface="メイリオ"/>
+                <a:ea typeface="メイリオ"/>
+                <a:cs typeface="メイリオ"/>
+              </a:rPr>
+              <a:t>: [</a:t>
+            </a:r>
+          </a:p>
+          <a:p>
+            <a:r>
+              <a:rPr kumimoji="1" lang="ja-JP" altLang="en-US" sz="1000" b="0">
+                <a:solidFill>
+                  <a:schemeClr val="accent4"/>
+                </a:solidFill>
+                <a:latin typeface="メイリオ"/>
+                <a:ea typeface="メイリオ"/>
+                <a:cs typeface="メイリオ"/>
+              </a:rPr>
+              <a:t>　　　</a:t>
+            </a:r>
+            <a:r>
+              <a:rPr kumimoji="1" lang="en-US" altLang="ja-JP" sz="1000" b="0" dirty="0">
+                <a:solidFill>
+                  <a:schemeClr val="accent4"/>
+                </a:solidFill>
+                <a:latin typeface="メイリオ"/>
+                <a:ea typeface="メイリオ"/>
+                <a:cs typeface="メイリオ"/>
+              </a:rPr>
+              <a:t>“Linux” </a:t>
+            </a:r>
+          </a:p>
+          <a:p>
+            <a:r>
+              <a:rPr kumimoji="1" lang="ja-JP" altLang="en-US" sz="1000" b="0">
+                <a:solidFill>
+                  <a:schemeClr val="accent4"/>
+                </a:solidFill>
+                <a:latin typeface="メイリオ"/>
+                <a:ea typeface="メイリオ"/>
+                <a:cs typeface="メイリオ"/>
+              </a:rPr>
+              <a:t>　　</a:t>
+            </a:r>
+            <a:r>
+              <a:rPr kumimoji="1" lang="en-US" altLang="ja-JP" sz="1000" b="0" dirty="0">
+                <a:solidFill>
+                  <a:schemeClr val="accent4"/>
+                </a:solidFill>
+                <a:latin typeface="メイリオ"/>
+                <a:ea typeface="メイリオ"/>
+                <a:cs typeface="メイリオ"/>
+              </a:rPr>
+              <a:t>],</a:t>
+            </a:r>
+          </a:p>
+          <a:p>
+            <a:r>
+              <a:rPr kumimoji="1" lang="ja-JP" altLang="en-US" sz="1000" b="0">
+                <a:solidFill>
+                  <a:schemeClr val="accent4"/>
+                </a:solidFill>
+                <a:latin typeface="メイリオ"/>
+                <a:ea typeface="メイリオ"/>
+                <a:cs typeface="メイリオ"/>
+              </a:rPr>
+              <a:t>　</a:t>
+            </a:r>
+            <a:r>
+              <a:rPr kumimoji="1" lang="en-US" altLang="ja-JP" sz="1000" b="0" dirty="0">
+                <a:solidFill>
+                  <a:schemeClr val="accent4"/>
+                </a:solidFill>
+                <a:latin typeface="メイリオ"/>
+                <a:ea typeface="メイリオ"/>
+                <a:cs typeface="メイリオ"/>
+              </a:rPr>
+              <a:t>},{</a:t>
+            </a:r>
+          </a:p>
+          <a:p>
+            <a:r>
+              <a:rPr kumimoji="1" lang="ja-JP" altLang="en-US" sz="1000" b="0">
+                <a:solidFill>
+                  <a:schemeClr val="accent4"/>
+                </a:solidFill>
+                <a:latin typeface="メイリオ"/>
+                <a:ea typeface="メイリオ"/>
+                <a:cs typeface="メイリオ"/>
+              </a:rPr>
+              <a:t>　</a:t>
+            </a:r>
+            <a:r>
+              <a:rPr kumimoji="1" lang="en-US" altLang="ja-JP" sz="1000" b="0" dirty="0">
+                <a:solidFill>
+                  <a:schemeClr val="accent4"/>
+                </a:solidFill>
+                <a:latin typeface="メイリオ"/>
+                <a:ea typeface="メイリオ"/>
+                <a:cs typeface="メイリオ"/>
+              </a:rPr>
+              <a:t>{</a:t>
+            </a:r>
+          </a:p>
+          <a:p>
+            <a:r>
+              <a:rPr kumimoji="1" lang="en-US" altLang="ja-JP" sz="1000" b="0" dirty="0">
+                <a:solidFill>
+                  <a:schemeClr val="accent4"/>
+                </a:solidFill>
+                <a:latin typeface="メイリオ"/>
+                <a:ea typeface="メイリオ"/>
+                <a:cs typeface="メイリオ"/>
+              </a:rPr>
+              <a:t>      ID: 2,</a:t>
+            </a:r>
+          </a:p>
+          <a:p>
+            <a:r>
+              <a:rPr kumimoji="1" lang="ja-JP" altLang="en-US" sz="1000" b="0">
+                <a:solidFill>
+                  <a:schemeClr val="accent4"/>
+                </a:solidFill>
+                <a:latin typeface="メイリオ"/>
+                <a:ea typeface="メイリオ"/>
+                <a:cs typeface="メイリオ"/>
+              </a:rPr>
+              <a:t>　　単価</a:t>
+            </a:r>
+            <a:r>
+              <a:rPr kumimoji="1" lang="en-US" altLang="ja-JP" sz="1000" b="0" dirty="0">
+                <a:solidFill>
+                  <a:schemeClr val="accent4"/>
+                </a:solidFill>
+                <a:latin typeface="メイリオ"/>
+                <a:ea typeface="メイリオ"/>
+                <a:cs typeface="メイリオ"/>
+              </a:rPr>
+              <a:t>: … ,</a:t>
+            </a:r>
+          </a:p>
+          <a:p>
+            <a:r>
+              <a:rPr kumimoji="1" lang="ja-JP" altLang="en-US" sz="1000" b="0">
+                <a:solidFill>
+                  <a:schemeClr val="accent4"/>
+                </a:solidFill>
+                <a:latin typeface="メイリオ"/>
+                <a:ea typeface="メイリオ"/>
+                <a:cs typeface="メイリオ"/>
+              </a:rPr>
+              <a:t>　　人数</a:t>
+            </a:r>
+            <a:r>
+              <a:rPr kumimoji="1" lang="en-US" altLang="ja-JP" sz="1000" b="0" dirty="0">
+                <a:solidFill>
+                  <a:schemeClr val="accent4"/>
+                </a:solidFill>
+                <a:latin typeface="メイリオ"/>
+                <a:ea typeface="メイリオ"/>
+                <a:cs typeface="メイリオ"/>
+              </a:rPr>
+              <a:t>: … ,</a:t>
+            </a:r>
+          </a:p>
+          <a:p>
+            <a:r>
+              <a:rPr kumimoji="1" lang="en-US" altLang="ja-JP" sz="1000" b="0" dirty="0">
+                <a:solidFill>
+                  <a:schemeClr val="accent4"/>
+                </a:solidFill>
+                <a:latin typeface="メイリオ"/>
+                <a:ea typeface="メイリオ"/>
+                <a:cs typeface="メイリオ"/>
+              </a:rPr>
+              <a:t>      </a:t>
+            </a:r>
+            <a:r>
+              <a:rPr kumimoji="1" lang="ja-JP" altLang="en-US" sz="1000" b="0">
+                <a:solidFill>
+                  <a:schemeClr val="accent4"/>
+                </a:solidFill>
+                <a:latin typeface="メイリオ"/>
+                <a:ea typeface="メイリオ"/>
+                <a:cs typeface="メイリオ"/>
+              </a:rPr>
+              <a:t>希望開始日</a:t>
+            </a:r>
+            <a:r>
+              <a:rPr kumimoji="1" lang="en-US" altLang="ja-JP" sz="1000" b="0" dirty="0">
+                <a:solidFill>
+                  <a:schemeClr val="accent4"/>
+                </a:solidFill>
+                <a:latin typeface="メイリオ"/>
+                <a:ea typeface="メイリオ"/>
+                <a:cs typeface="メイリオ"/>
+              </a:rPr>
+              <a:t>: 2020/09/01,</a:t>
+            </a:r>
+          </a:p>
+          <a:p>
+            <a:r>
+              <a:rPr kumimoji="1" lang="ja-JP" altLang="en-US" sz="1000" b="0">
+                <a:solidFill>
+                  <a:schemeClr val="accent4"/>
+                </a:solidFill>
+                <a:latin typeface="メイリオ"/>
+                <a:ea typeface="メイリオ"/>
+                <a:cs typeface="メイリオ"/>
+              </a:rPr>
+              <a:t>　　希望スキル</a:t>
+            </a:r>
+            <a:r>
+              <a:rPr kumimoji="1" lang="en-US" altLang="ja-JP" sz="1000" b="0" dirty="0">
+                <a:solidFill>
+                  <a:schemeClr val="accent4"/>
+                </a:solidFill>
+                <a:latin typeface="メイリオ"/>
+                <a:ea typeface="メイリオ"/>
+                <a:cs typeface="メイリオ"/>
+              </a:rPr>
+              <a:t>: [</a:t>
+            </a:r>
+          </a:p>
+          <a:p>
+            <a:r>
+              <a:rPr kumimoji="1" lang="ja-JP" altLang="en-US" sz="1000" b="0">
+                <a:solidFill>
+                  <a:schemeClr val="accent4"/>
+                </a:solidFill>
+                <a:latin typeface="メイリオ"/>
+                <a:ea typeface="メイリオ"/>
+                <a:cs typeface="メイリオ"/>
+              </a:rPr>
+              <a:t>　　　</a:t>
+            </a:r>
+            <a:r>
+              <a:rPr kumimoji="1" lang="en-US" altLang="ja-JP" sz="1000" b="0" dirty="0">
+                <a:solidFill>
+                  <a:schemeClr val="accent4"/>
+                </a:solidFill>
+                <a:latin typeface="メイリオ"/>
+                <a:ea typeface="メイリオ"/>
+                <a:cs typeface="メイリオ"/>
+              </a:rPr>
+              <a:t>“Python”,</a:t>
+            </a:r>
+          </a:p>
+          <a:p>
+            <a:r>
+              <a:rPr kumimoji="1" lang="ja-JP" altLang="en-US" sz="1000" b="0">
+                <a:solidFill>
+                  <a:schemeClr val="accent4"/>
+                </a:solidFill>
+                <a:latin typeface="メイリオ"/>
+                <a:ea typeface="メイリオ"/>
+                <a:cs typeface="メイリオ"/>
+              </a:rPr>
+              <a:t>　　　</a:t>
+            </a:r>
+            <a:r>
+              <a:rPr kumimoji="1" lang="en-US" altLang="ja-JP" sz="1000" b="0" dirty="0">
+                <a:solidFill>
+                  <a:schemeClr val="accent4"/>
+                </a:solidFill>
+                <a:latin typeface="メイリオ"/>
+                <a:ea typeface="メイリオ"/>
+                <a:cs typeface="メイリオ"/>
+              </a:rPr>
+              <a:t>“</a:t>
+            </a:r>
+            <a:r>
+              <a:rPr kumimoji="1" lang="ja-JP" altLang="en-US" sz="1000" b="0">
+                <a:solidFill>
+                  <a:schemeClr val="accent4"/>
+                </a:solidFill>
+                <a:latin typeface="メイリオ"/>
+                <a:ea typeface="メイリオ"/>
+                <a:cs typeface="メイリオ"/>
+              </a:rPr>
+              <a:t>機械学習</a:t>
+            </a:r>
+            <a:r>
+              <a:rPr kumimoji="1" lang="en-US" altLang="ja-JP" sz="1000" b="0" dirty="0">
+                <a:solidFill>
+                  <a:schemeClr val="accent4"/>
+                </a:solidFill>
+                <a:latin typeface="メイリオ"/>
+                <a:ea typeface="メイリオ"/>
+                <a:cs typeface="メイリオ"/>
+              </a:rPr>
+              <a:t>” </a:t>
+            </a:r>
+          </a:p>
+          <a:p>
+            <a:r>
+              <a:rPr kumimoji="1" lang="ja-JP" altLang="en-US" sz="1000" b="0">
+                <a:solidFill>
+                  <a:schemeClr val="accent4"/>
+                </a:solidFill>
+                <a:latin typeface="メイリオ"/>
+                <a:ea typeface="メイリオ"/>
+                <a:cs typeface="メイリオ"/>
+              </a:rPr>
+              <a:t>　　</a:t>
+            </a:r>
+            <a:r>
+              <a:rPr kumimoji="1" lang="en-US" altLang="ja-JP" sz="1000" b="0" dirty="0">
+                <a:solidFill>
+                  <a:schemeClr val="accent4"/>
+                </a:solidFill>
+                <a:latin typeface="メイリオ"/>
+                <a:ea typeface="メイリオ"/>
+                <a:cs typeface="メイリオ"/>
+              </a:rPr>
+              <a:t>],</a:t>
+            </a:r>
+          </a:p>
+          <a:p>
+            <a:r>
+              <a:rPr kumimoji="1" lang="ja-JP" altLang="en-US" sz="1000" b="0">
+                <a:solidFill>
+                  <a:schemeClr val="accent4"/>
+                </a:solidFill>
+                <a:latin typeface="メイリオ"/>
+                <a:ea typeface="メイリオ"/>
+                <a:cs typeface="メイリオ"/>
+              </a:rPr>
+              <a:t>　</a:t>
+            </a:r>
+            <a:r>
+              <a:rPr kumimoji="1" lang="en-US" altLang="ja-JP" sz="1000" b="0" dirty="0">
+                <a:solidFill>
+                  <a:schemeClr val="accent4"/>
+                </a:solidFill>
+                <a:latin typeface="メイリオ"/>
+                <a:ea typeface="メイリオ"/>
+                <a:cs typeface="メイリオ"/>
+              </a:rPr>
+              <a:t>}</a:t>
+            </a:r>
+          </a:p>
+          <a:p>
+            <a:r>
+              <a:rPr kumimoji="1" lang="en-US" altLang="ja-JP" sz="1000" b="0" dirty="0">
+                <a:latin typeface="メイリオ"/>
+                <a:ea typeface="メイリオ"/>
+                <a:cs typeface="メイリオ"/>
+              </a:rPr>
+              <a:t>],</a:t>
+            </a:r>
+          </a:p>
+        </p:txBody>
+      </p:sp>
+      <p:sp>
+        <p:nvSpPr>
+          <p:cNvPr id="9" name="テキスト ボックス 8">
+            <a:extLst>
+              <a:ext uri="{FF2B5EF4-FFF2-40B4-BE49-F238E27FC236}">
+                <a16:creationId xmlns:a16="http://schemas.microsoft.com/office/drawing/2014/main" id="{DED96F5B-1D56-0D41-ABC9-459C67FC5598}"/>
+              </a:ext>
+            </a:extLst>
+          </p:cNvPr>
+          <p:cNvSpPr txBox="1"/>
+          <p:nvPr/>
+        </p:nvSpPr>
+        <p:spPr>
+          <a:xfrm>
+            <a:off x="128464" y="25460"/>
+            <a:ext cx="9541060" cy="523220"/>
+          </a:xfrm>
+          <a:prstGeom prst="rect">
+            <a:avLst/>
+          </a:prstGeom>
+          <a:noFill/>
+        </p:spPr>
+        <p:txBody>
+          <a:bodyPr wrap="square" rtlCol="0">
+            <a:spAutoFit/>
+          </a:bodyPr>
+          <a:lstStyle/>
+          <a:p>
+            <a:r>
+              <a:rPr kumimoji="1" lang="ja-JP" altLang="en-US" sz="2800"/>
+              <a:t>マッチングを実現する</a:t>
+            </a:r>
+            <a:r>
+              <a:rPr kumimoji="1" lang="en-US" altLang="ja-JP" sz="2800" dirty="0"/>
+              <a:t>NoSQL</a:t>
+            </a:r>
+            <a:r>
+              <a:rPr kumimoji="1" lang="ja-JP" altLang="en-US" sz="2800"/>
+              <a:t>でのデータモデル</a:t>
+            </a:r>
+          </a:p>
+        </p:txBody>
+      </p:sp>
+      <p:sp>
+        <p:nvSpPr>
+          <p:cNvPr id="11" name="正方形/長方形 10">
+            <a:extLst>
+              <a:ext uri="{FF2B5EF4-FFF2-40B4-BE49-F238E27FC236}">
+                <a16:creationId xmlns:a16="http://schemas.microsoft.com/office/drawing/2014/main" id="{70EAEFB5-A245-884B-9654-65DA4B83F390}"/>
+              </a:ext>
+            </a:extLst>
+          </p:cNvPr>
+          <p:cNvSpPr/>
+          <p:nvPr/>
+        </p:nvSpPr>
+        <p:spPr bwMode="auto">
+          <a:xfrm>
+            <a:off x="5709084" y="1124744"/>
+            <a:ext cx="2412268" cy="432051"/>
+          </a:xfrm>
+          <a:prstGeom prst="rect">
+            <a:avLst/>
+          </a:prstGeom>
+          <a:solidFill>
+            <a:schemeClr val="bg1"/>
+          </a:solidFill>
+          <a:ln w="9525" cap="flat" cmpd="sng" algn="ctr">
+            <a:solidFill>
+              <a:schemeClr val="tx1"/>
+            </a:solidFill>
+            <a:prstDash val="solid"/>
+            <a:round/>
+            <a:headEnd type="none" w="med" len="med"/>
+            <a:tailEnd type="none" w="med" len="med"/>
+          </a:ln>
+          <a:effectLst/>
+        </p:spPr>
+        <p:txBody>
+          <a:bodyPr vert="horz" wrap="square" lIns="36000" tIns="36000" rIns="36000" bIns="36000" numCol="1" rtlCol="0" anchor="ctr" anchorCtr="0" compatLnSpc="1">
+            <a:prstTxWarp prst="textNoShape">
+              <a:avLst/>
+            </a:prstTxWarp>
+          </a:bodyPr>
+          <a:lstStyle/>
+          <a:p>
+            <a:pPr algn="ctr"/>
+            <a:r>
+              <a:rPr kumimoji="1" lang="en-US" altLang="ja-JP" b="0" dirty="0">
+                <a:latin typeface="メイリオ"/>
+                <a:ea typeface="メイリオ"/>
+                <a:cs typeface="メイリオ"/>
+              </a:rPr>
+              <a:t>ENGINEER</a:t>
+            </a:r>
+            <a:endParaRPr kumimoji="1" lang="ja-JP" altLang="en-US" b="0" dirty="0">
+              <a:latin typeface="メイリオ"/>
+              <a:ea typeface="メイリオ"/>
+              <a:cs typeface="メイリオ"/>
+            </a:endParaRPr>
+          </a:p>
+        </p:txBody>
+      </p:sp>
+      <p:sp>
+        <p:nvSpPr>
+          <p:cNvPr id="12" name="正方形/長方形 11">
+            <a:extLst>
+              <a:ext uri="{FF2B5EF4-FFF2-40B4-BE49-F238E27FC236}">
+                <a16:creationId xmlns:a16="http://schemas.microsoft.com/office/drawing/2014/main" id="{914B3E78-3F27-7F4B-BD4E-825B84ABE9BC}"/>
+              </a:ext>
+            </a:extLst>
+          </p:cNvPr>
+          <p:cNvSpPr/>
+          <p:nvPr/>
+        </p:nvSpPr>
+        <p:spPr bwMode="auto">
+          <a:xfrm>
+            <a:off x="5709084" y="1556794"/>
+            <a:ext cx="2412268" cy="5184572"/>
+          </a:xfrm>
+          <a:prstGeom prst="rect">
+            <a:avLst/>
+          </a:prstGeom>
+          <a:solidFill>
+            <a:schemeClr val="bg1"/>
+          </a:solidFill>
+          <a:ln w="9525" cap="flat" cmpd="sng" algn="ctr">
+            <a:solidFill>
+              <a:schemeClr val="tx1"/>
+            </a:solidFill>
+            <a:prstDash val="solid"/>
+            <a:round/>
+            <a:headEnd type="none" w="med" len="med"/>
+            <a:tailEnd type="none" w="med" len="med"/>
+          </a:ln>
+          <a:effectLst/>
+        </p:spPr>
+        <p:txBody>
+          <a:bodyPr vert="horz" wrap="square" lIns="36000" tIns="36000" rIns="36000" bIns="36000" numCol="1" rtlCol="0" anchor="ctr" anchorCtr="0" compatLnSpc="1">
+            <a:prstTxWarp prst="textNoShape">
+              <a:avLst/>
+            </a:prstTxWarp>
+          </a:bodyPr>
+          <a:lstStyle/>
+          <a:p>
+            <a:r>
+              <a:rPr kumimoji="1" lang="ja-JP" altLang="en-US" sz="1050" b="0">
+                <a:latin typeface="メイリオ"/>
+                <a:ea typeface="メイリオ"/>
+                <a:cs typeface="メイリオ"/>
+              </a:rPr>
+              <a:t>氏名</a:t>
+            </a:r>
+            <a:r>
+              <a:rPr kumimoji="1" lang="en-US" altLang="ja-JP" sz="1050" b="0" dirty="0">
+                <a:latin typeface="メイリオ"/>
+                <a:ea typeface="メイリオ"/>
+                <a:cs typeface="メイリオ"/>
+              </a:rPr>
+              <a:t>: …,</a:t>
+            </a:r>
+          </a:p>
+          <a:p>
+            <a:r>
+              <a:rPr kumimoji="1" lang="ja-JP" altLang="en-US" sz="1050" b="0">
+                <a:latin typeface="メイリオ"/>
+                <a:ea typeface="メイリオ"/>
+                <a:cs typeface="メイリオ"/>
+              </a:rPr>
+              <a:t>ユーザ</a:t>
+            </a:r>
+            <a:r>
+              <a:rPr kumimoji="1" lang="en-US" altLang="ja-JP" sz="1050" b="0" dirty="0">
+                <a:latin typeface="メイリオ"/>
+                <a:ea typeface="メイリオ"/>
+                <a:cs typeface="メイリオ"/>
+              </a:rPr>
+              <a:t>ID (</a:t>
+            </a:r>
+            <a:r>
+              <a:rPr kumimoji="1" lang="ja-JP" altLang="en-US" sz="1050" b="0">
+                <a:latin typeface="メイリオ"/>
+                <a:ea typeface="メイリオ"/>
+                <a:cs typeface="メイリオ"/>
+              </a:rPr>
+              <a:t>管理者</a:t>
+            </a:r>
+            <a:r>
+              <a:rPr kumimoji="1" lang="en-US" altLang="ja-JP" sz="1050" b="0" dirty="0">
+                <a:latin typeface="メイリオ"/>
+                <a:ea typeface="メイリオ"/>
+                <a:cs typeface="メイリオ"/>
+              </a:rPr>
+              <a:t>): …,</a:t>
+            </a:r>
+          </a:p>
+          <a:p>
+            <a:r>
+              <a:rPr kumimoji="1" lang="ja-JP" altLang="en-US" sz="1050" b="0">
+                <a:latin typeface="メイリオ"/>
+                <a:ea typeface="メイリオ"/>
+                <a:cs typeface="メイリオ"/>
+              </a:rPr>
+              <a:t>年齢</a:t>
+            </a:r>
+            <a:r>
+              <a:rPr kumimoji="1" lang="en-US" altLang="ja-JP" sz="1050" b="0" dirty="0">
+                <a:latin typeface="メイリオ"/>
+                <a:ea typeface="メイリオ"/>
+                <a:cs typeface="メイリオ"/>
+              </a:rPr>
+              <a:t>: …,</a:t>
+            </a:r>
+          </a:p>
+          <a:p>
+            <a:r>
+              <a:rPr kumimoji="1" lang="ja-JP" altLang="en-US" sz="1050" b="0">
+                <a:latin typeface="メイリオ"/>
+                <a:ea typeface="メイリオ"/>
+                <a:cs typeface="メイリオ"/>
+              </a:rPr>
+              <a:t>性別</a:t>
+            </a:r>
+            <a:r>
+              <a:rPr kumimoji="1" lang="en-US" altLang="ja-JP" sz="1050" b="0" dirty="0">
+                <a:latin typeface="メイリオ"/>
+                <a:ea typeface="メイリオ"/>
+                <a:cs typeface="メイリオ"/>
+              </a:rPr>
+              <a:t>: …,</a:t>
+            </a:r>
+          </a:p>
+          <a:p>
+            <a:r>
+              <a:rPr kumimoji="1" lang="ja-JP" altLang="en-US" sz="1050" b="0">
+                <a:latin typeface="メイリオ"/>
+                <a:ea typeface="メイリオ"/>
+                <a:cs typeface="メイリオ"/>
+              </a:rPr>
+              <a:t>住所</a:t>
+            </a:r>
+            <a:r>
+              <a:rPr kumimoji="1" lang="en-US" altLang="ja-JP" sz="1050" b="0" dirty="0">
+                <a:latin typeface="メイリオ"/>
+                <a:ea typeface="メイリオ"/>
+                <a:cs typeface="メイリオ"/>
+              </a:rPr>
+              <a:t>: …,</a:t>
+            </a:r>
+          </a:p>
+          <a:p>
+            <a:r>
+              <a:rPr kumimoji="1" lang="ja-JP" altLang="en-US" sz="1050" b="0">
+                <a:latin typeface="メイリオ"/>
+                <a:ea typeface="メイリオ"/>
+                <a:cs typeface="メイリオ"/>
+              </a:rPr>
+              <a:t>履歴書</a:t>
+            </a:r>
+            <a:r>
+              <a:rPr kumimoji="1" lang="en-US" altLang="ja-JP" sz="1050" b="0" dirty="0">
+                <a:latin typeface="メイリオ"/>
+                <a:ea typeface="メイリオ"/>
+                <a:cs typeface="メイリオ"/>
+              </a:rPr>
+              <a:t>: …,</a:t>
+            </a:r>
+          </a:p>
+          <a:p>
+            <a:r>
+              <a:rPr kumimoji="1" lang="ja-JP" altLang="en-US" sz="1050" b="0">
+                <a:latin typeface="メイリオ"/>
+                <a:ea typeface="メイリオ"/>
+                <a:cs typeface="メイリオ"/>
+              </a:rPr>
+              <a:t>開始可能日</a:t>
+            </a:r>
+            <a:r>
+              <a:rPr kumimoji="1" lang="en-US" altLang="ja-JP" sz="1050" b="0" dirty="0">
+                <a:latin typeface="メイリオ"/>
+                <a:ea typeface="メイリオ"/>
+                <a:cs typeface="メイリオ"/>
+              </a:rPr>
+              <a:t>: 2020/09/1</a:t>
+            </a:r>
+          </a:p>
+          <a:p>
+            <a:r>
+              <a:rPr kumimoji="1" lang="ja-JP" altLang="en-US" sz="1050" b="0">
+                <a:latin typeface="メイリオ"/>
+                <a:ea typeface="メイリオ"/>
+                <a:cs typeface="メイリオ"/>
+              </a:rPr>
+              <a:t>スキル</a:t>
+            </a:r>
+            <a:r>
+              <a:rPr kumimoji="1" lang="en-US" altLang="ja-JP" sz="1050" b="0" dirty="0">
+                <a:latin typeface="メイリオ"/>
+                <a:ea typeface="メイリオ"/>
+                <a:cs typeface="メイリオ"/>
+              </a:rPr>
+              <a:t>: [</a:t>
+            </a:r>
+          </a:p>
+          <a:p>
+            <a:r>
+              <a:rPr kumimoji="1" lang="en-US" altLang="ja-JP" sz="1050" b="0" dirty="0">
+                <a:latin typeface="メイリオ"/>
+                <a:ea typeface="メイリオ"/>
+                <a:cs typeface="メイリオ"/>
+              </a:rPr>
+              <a:t>  “Java”,</a:t>
+            </a:r>
+          </a:p>
+          <a:p>
+            <a:r>
+              <a:rPr kumimoji="1" lang="en-US" altLang="ja-JP" sz="1050" b="0" dirty="0">
+                <a:latin typeface="メイリオ"/>
+                <a:ea typeface="メイリオ"/>
+                <a:cs typeface="メイリオ"/>
+              </a:rPr>
+              <a:t>  “C</a:t>
+            </a:r>
+            <a:r>
+              <a:rPr kumimoji="1" lang="ja-JP" altLang="en-US" sz="1050" b="0">
+                <a:latin typeface="メイリオ"/>
+                <a:ea typeface="メイリオ"/>
+                <a:cs typeface="メイリオ"/>
+              </a:rPr>
+              <a:t>言語</a:t>
+            </a:r>
+            <a:r>
+              <a:rPr kumimoji="1" lang="en-US" altLang="ja-JP" sz="1050" b="0" dirty="0">
+                <a:latin typeface="メイリオ"/>
+                <a:ea typeface="メイリオ"/>
+                <a:cs typeface="メイリオ"/>
+              </a:rPr>
+              <a:t>”,</a:t>
+            </a:r>
+          </a:p>
+          <a:p>
+            <a:r>
+              <a:rPr kumimoji="1" lang="en-US" altLang="ja-JP" sz="1050" b="0" dirty="0">
+                <a:latin typeface="メイリオ"/>
+                <a:ea typeface="メイリオ"/>
+                <a:cs typeface="メイリオ"/>
+              </a:rPr>
+              <a:t>],</a:t>
+            </a:r>
+          </a:p>
+          <a:p>
+            <a:r>
+              <a:rPr kumimoji="1" lang="ja-JP" altLang="en-US" sz="1050" b="0">
+                <a:latin typeface="メイリオ"/>
+                <a:ea typeface="メイリオ"/>
+                <a:cs typeface="メイリオ"/>
+              </a:rPr>
+              <a:t>相性</a:t>
+            </a:r>
+            <a:r>
+              <a:rPr kumimoji="1" lang="en-US" altLang="ja-JP" sz="1050" b="0" dirty="0">
+                <a:latin typeface="メイリオ"/>
+                <a:ea typeface="メイリオ"/>
+                <a:cs typeface="メイリオ"/>
+              </a:rPr>
+              <a:t>: [</a:t>
+            </a:r>
+          </a:p>
+          <a:p>
+            <a:r>
+              <a:rPr kumimoji="1" lang="en-US" altLang="ja-JP" sz="1050" b="0" dirty="0">
+                <a:solidFill>
+                  <a:schemeClr val="accent4"/>
+                </a:solidFill>
+                <a:latin typeface="メイリオ"/>
+                <a:ea typeface="メイリオ"/>
+                <a:cs typeface="メイリオ"/>
+              </a:rPr>
+              <a:t>  {</a:t>
+            </a:r>
+          </a:p>
+          <a:p>
+            <a:r>
+              <a:rPr kumimoji="1" lang="en-US" altLang="ja-JP" sz="1050" b="0" dirty="0">
+                <a:solidFill>
+                  <a:schemeClr val="accent4"/>
+                </a:solidFill>
+                <a:latin typeface="メイリオ"/>
+                <a:ea typeface="メイリオ"/>
+                <a:cs typeface="メイリオ"/>
+              </a:rPr>
+              <a:t>    PROJECT_ID: “xxx”,</a:t>
+            </a:r>
+          </a:p>
+          <a:p>
+            <a:r>
+              <a:rPr kumimoji="1" lang="en-US" altLang="ja-JP" sz="1050" b="0" dirty="0">
+                <a:solidFill>
+                  <a:schemeClr val="accent4"/>
+                </a:solidFill>
+                <a:latin typeface="メイリオ"/>
+                <a:ea typeface="メイリオ"/>
+                <a:cs typeface="メイリオ"/>
+              </a:rPr>
+              <a:t>    REQUEST_ID: 0,</a:t>
+            </a:r>
+          </a:p>
+          <a:p>
+            <a:r>
+              <a:rPr kumimoji="1" lang="en-US" altLang="ja-JP" sz="1050" b="0" dirty="0">
+                <a:solidFill>
+                  <a:schemeClr val="accent4"/>
+                </a:solidFill>
+                <a:latin typeface="メイリオ"/>
+                <a:ea typeface="メイリオ"/>
+                <a:cs typeface="メイリオ"/>
+              </a:rPr>
+              <a:t>    CONPAT: 0.8</a:t>
+            </a:r>
+          </a:p>
+          <a:p>
+            <a:r>
+              <a:rPr kumimoji="1" lang="en-US" altLang="ja-JP" sz="1050" b="0" dirty="0">
+                <a:solidFill>
+                  <a:schemeClr val="accent4"/>
+                </a:solidFill>
+                <a:latin typeface="メイリオ"/>
+                <a:ea typeface="メイリオ"/>
+                <a:cs typeface="メイリオ"/>
+              </a:rPr>
+              <a:t>  },</a:t>
+            </a:r>
+          </a:p>
+          <a:p>
+            <a:r>
+              <a:rPr kumimoji="1" lang="en-US" altLang="ja-JP" sz="1050" b="0" dirty="0">
+                <a:solidFill>
+                  <a:schemeClr val="accent4"/>
+                </a:solidFill>
+                <a:latin typeface="メイリオ"/>
+                <a:ea typeface="メイリオ"/>
+                <a:cs typeface="メイリオ"/>
+              </a:rPr>
+              <a:t>  {</a:t>
+            </a:r>
+          </a:p>
+          <a:p>
+            <a:r>
+              <a:rPr kumimoji="1" lang="en-US" altLang="ja-JP" sz="1050" b="0" dirty="0">
+                <a:solidFill>
+                  <a:schemeClr val="accent4"/>
+                </a:solidFill>
+                <a:latin typeface="メイリオ"/>
+                <a:ea typeface="メイリオ"/>
+                <a:cs typeface="メイリオ"/>
+              </a:rPr>
+              <a:t>    PROJECT_ID: “xxx”,</a:t>
+            </a:r>
+          </a:p>
+          <a:p>
+            <a:r>
+              <a:rPr kumimoji="1" lang="en-US" altLang="ja-JP" sz="1050" b="0" dirty="0">
+                <a:solidFill>
+                  <a:schemeClr val="accent4"/>
+                </a:solidFill>
+                <a:latin typeface="メイリオ"/>
+                <a:ea typeface="メイリオ"/>
+                <a:cs typeface="メイリオ"/>
+              </a:rPr>
+              <a:t>    REQUEST_ID: 0,</a:t>
+            </a:r>
+          </a:p>
+          <a:p>
+            <a:r>
+              <a:rPr kumimoji="1" lang="en-US" altLang="ja-JP" sz="1050" b="0" dirty="0">
+                <a:solidFill>
+                  <a:schemeClr val="accent4"/>
+                </a:solidFill>
+                <a:latin typeface="メイリオ"/>
+                <a:ea typeface="メイリオ"/>
+                <a:cs typeface="メイリオ"/>
+              </a:rPr>
+              <a:t>    CONPAT: 0.1</a:t>
+            </a:r>
+          </a:p>
+          <a:p>
+            <a:r>
+              <a:rPr kumimoji="1" lang="en-US" altLang="ja-JP" sz="1050" b="0" dirty="0">
+                <a:solidFill>
+                  <a:schemeClr val="accent4"/>
+                </a:solidFill>
+                <a:latin typeface="メイリオ"/>
+                <a:ea typeface="メイリオ"/>
+                <a:cs typeface="メイリオ"/>
+              </a:rPr>
+              <a:t>  },</a:t>
+            </a:r>
+          </a:p>
+          <a:p>
+            <a:r>
+              <a:rPr kumimoji="1" lang="en-US" altLang="ja-JP" sz="1050" b="0" dirty="0">
+                <a:solidFill>
+                  <a:schemeClr val="accent4"/>
+                </a:solidFill>
+                <a:latin typeface="メイリオ"/>
+                <a:ea typeface="メイリオ"/>
+                <a:cs typeface="メイリオ"/>
+              </a:rPr>
+              <a:t>  {</a:t>
+            </a:r>
+          </a:p>
+          <a:p>
+            <a:r>
+              <a:rPr kumimoji="1" lang="en-US" altLang="ja-JP" sz="1050" b="0" dirty="0">
+                <a:solidFill>
+                  <a:schemeClr val="accent4"/>
+                </a:solidFill>
+                <a:latin typeface="メイリオ"/>
+                <a:ea typeface="メイリオ"/>
+                <a:cs typeface="メイリオ"/>
+              </a:rPr>
+              <a:t>    PROJECT_ID: “xxx”,</a:t>
+            </a:r>
+          </a:p>
+          <a:p>
+            <a:r>
+              <a:rPr kumimoji="1" lang="en-US" altLang="ja-JP" sz="1050" b="0" dirty="0">
+                <a:solidFill>
+                  <a:schemeClr val="accent4"/>
+                </a:solidFill>
+                <a:latin typeface="メイリオ"/>
+                <a:ea typeface="メイリオ"/>
+                <a:cs typeface="メイリオ"/>
+              </a:rPr>
+              <a:t>    REQUEST_ID: 0,</a:t>
+            </a:r>
+          </a:p>
+          <a:p>
+            <a:r>
+              <a:rPr kumimoji="1" lang="en-US" altLang="ja-JP" sz="1050" b="0" dirty="0">
+                <a:solidFill>
+                  <a:schemeClr val="accent4"/>
+                </a:solidFill>
+                <a:latin typeface="メイリオ"/>
+                <a:ea typeface="メイリオ"/>
+                <a:cs typeface="メイリオ"/>
+              </a:rPr>
+              <a:t>    CONPAT: 0.5</a:t>
+            </a:r>
+          </a:p>
+          <a:p>
+            <a:r>
+              <a:rPr kumimoji="1" lang="en-US" altLang="ja-JP" sz="1050" b="0" dirty="0">
+                <a:solidFill>
+                  <a:schemeClr val="accent4"/>
+                </a:solidFill>
+                <a:latin typeface="メイリオ"/>
+                <a:ea typeface="メイリオ"/>
+                <a:cs typeface="メイリオ"/>
+              </a:rPr>
+              <a:t>  },</a:t>
+            </a:r>
+          </a:p>
+          <a:p>
+            <a:r>
+              <a:rPr kumimoji="1" lang="en-US" altLang="ja-JP" sz="1050" b="0" dirty="0">
+                <a:solidFill>
+                  <a:schemeClr val="accent4"/>
+                </a:solidFill>
+                <a:latin typeface="メイリオ"/>
+                <a:ea typeface="メイリオ"/>
+                <a:cs typeface="メイリオ"/>
+              </a:rPr>
+              <a:t>  …</a:t>
+            </a:r>
+          </a:p>
+          <a:p>
+            <a:r>
+              <a:rPr kumimoji="1" lang="en-US" altLang="ja-JP" sz="1050" b="0" dirty="0">
+                <a:latin typeface="メイリオ"/>
+                <a:ea typeface="メイリオ"/>
+                <a:cs typeface="メイリオ"/>
+              </a:rPr>
+              <a:t>]</a:t>
+            </a:r>
+          </a:p>
+        </p:txBody>
+      </p:sp>
+      <p:cxnSp>
+        <p:nvCxnSpPr>
+          <p:cNvPr id="13" name="カギ線コネクタ 12">
+            <a:extLst>
+              <a:ext uri="{FF2B5EF4-FFF2-40B4-BE49-F238E27FC236}">
+                <a16:creationId xmlns:a16="http://schemas.microsoft.com/office/drawing/2014/main" id="{03D77A68-28E9-C044-B8D2-F6F6F490D3C3}"/>
+              </a:ext>
+            </a:extLst>
+          </p:cNvPr>
+          <p:cNvCxnSpPr>
+            <a:cxnSpLocks/>
+            <a:stCxn id="6" idx="3"/>
+            <a:endCxn id="12" idx="1"/>
+          </p:cNvCxnSpPr>
+          <p:nvPr/>
+        </p:nvCxnSpPr>
+        <p:spPr bwMode="auto">
+          <a:xfrm flipV="1">
+            <a:off x="4664968" y="4149080"/>
+            <a:ext cx="1044116" cy="2"/>
+          </a:xfrm>
+          <a:prstGeom prst="bentConnector3">
+            <a:avLst/>
+          </a:prstGeom>
+          <a:solidFill>
+            <a:schemeClr val="accent1"/>
+          </a:solidFill>
+          <a:ln w="9525" cap="flat" cmpd="sng" algn="ctr">
+            <a:solidFill>
+              <a:schemeClr val="tx1"/>
+            </a:solidFill>
+            <a:prstDash val="solid"/>
+            <a:round/>
+            <a:headEnd type="none" w="med" len="med"/>
+            <a:tailEnd type="none" w="lg" len="lg"/>
+          </a:ln>
+          <a:effectLst/>
+        </p:spPr>
+      </p:cxnSp>
+      <p:sp>
+        <p:nvSpPr>
+          <p:cNvPr id="7" name="左中かっこ 6">
+            <a:extLst>
+              <a:ext uri="{FF2B5EF4-FFF2-40B4-BE49-F238E27FC236}">
+                <a16:creationId xmlns:a16="http://schemas.microsoft.com/office/drawing/2014/main" id="{1841A432-C60F-334A-9E2C-FD00E0CBB553}"/>
+              </a:ext>
+            </a:extLst>
+          </p:cNvPr>
+          <p:cNvSpPr/>
+          <p:nvPr/>
+        </p:nvSpPr>
+        <p:spPr bwMode="auto">
+          <a:xfrm flipH="1">
+            <a:off x="7185248" y="3753036"/>
+            <a:ext cx="396044" cy="2556279"/>
+          </a:xfrm>
+          <a:prstGeom prst="leftBrace">
+            <a:avLst>
+              <a:gd name="adj1" fmla="val 60807"/>
+              <a:gd name="adj2" fmla="val 50000"/>
+            </a:avLst>
+          </a:prstGeom>
+          <a:solidFill>
+            <a:schemeClr val="accent1"/>
+          </a:solidFill>
+          <a:ln w="9525" cap="flat" cmpd="sng" algn="ctr">
+            <a:solidFill>
+              <a:schemeClr val="tx1"/>
+            </a:solidFill>
+            <a:prstDash val="solid"/>
+            <a:round/>
+            <a:headEnd type="none" w="med" len="med"/>
+            <a:tailEnd type="none" w="med" len="med"/>
+          </a:ln>
+          <a:effectLst/>
+        </p:spPr>
+        <p:txBody>
+          <a:bodyPr vert="horz" wrap="none" lIns="0" tIns="0" rIns="0" bIns="0" numCol="1" rtlCol="0" anchor="ctr" anchorCtr="0" compatLnSpc="1">
+            <a:prstTxWarp prst="textNoShape">
+              <a:avLst/>
+            </a:prstTxWarp>
+          </a:bodyPr>
+          <a:lstStyle/>
+          <a:p>
+            <a:pPr marL="0" marR="0" indent="0" algn="l" defTabSz="914400" rtl="0" eaLnBrk="1" fontAlgn="base" latinLnBrk="0" hangingPunct="1">
+              <a:lnSpc>
+                <a:spcPct val="100000"/>
+              </a:lnSpc>
+              <a:spcBef>
+                <a:spcPct val="0"/>
+              </a:spcBef>
+              <a:spcAft>
+                <a:spcPct val="0"/>
+              </a:spcAft>
+              <a:buClrTx/>
+              <a:buSzTx/>
+              <a:buFontTx/>
+              <a:buNone/>
+              <a:tabLst/>
+            </a:pPr>
+            <a:endParaRPr kumimoji="0" lang="ja-JP" altLang="en-US" sz="1400" b="1" i="0" u="none" strike="noStrike" cap="none" normalizeH="0" baseline="0">
+              <a:ln>
+                <a:noFill/>
+              </a:ln>
+              <a:solidFill>
+                <a:schemeClr val="tx1"/>
+              </a:solidFill>
+              <a:effectLst/>
+              <a:latin typeface="Arial" charset="0"/>
+              <a:ea typeface="ＭＳ Ｐゴシック" pitchFamily="50" charset="-128"/>
+            </a:endParaRPr>
+          </a:p>
+        </p:txBody>
+      </p:sp>
+      <p:sp>
+        <p:nvSpPr>
+          <p:cNvPr id="8" name="テキスト ボックス 7">
+            <a:extLst>
+              <a:ext uri="{FF2B5EF4-FFF2-40B4-BE49-F238E27FC236}">
+                <a16:creationId xmlns:a16="http://schemas.microsoft.com/office/drawing/2014/main" id="{440B83FD-AB91-234C-845E-9B692FE73697}"/>
+              </a:ext>
+            </a:extLst>
+          </p:cNvPr>
+          <p:cNvSpPr txBox="1"/>
+          <p:nvPr/>
+        </p:nvSpPr>
+        <p:spPr>
+          <a:xfrm>
+            <a:off x="7442368" y="5207722"/>
+            <a:ext cx="2335168" cy="738664"/>
+          </a:xfrm>
+          <a:prstGeom prst="rect">
+            <a:avLst/>
+          </a:prstGeom>
+          <a:solidFill>
+            <a:schemeClr val="bg1"/>
+          </a:solidFill>
+        </p:spPr>
+        <p:txBody>
+          <a:bodyPr wrap="square" rtlCol="0">
+            <a:spAutoFit/>
+          </a:bodyPr>
+          <a:lstStyle/>
+          <a:p>
+            <a:r>
+              <a:rPr kumimoji="1" lang="ja-JP" altLang="en-US" b="0"/>
+              <a:t>プロジェクトの要員希望分の相性値をフィールドとして</a:t>
+            </a:r>
+            <a:br>
+              <a:rPr kumimoji="1" lang="en-US" altLang="ja-JP" b="0" dirty="0"/>
+            </a:br>
+            <a:r>
+              <a:rPr kumimoji="1" lang="ja-JP" altLang="en-US" b="0"/>
+              <a:t>追加します。</a:t>
+            </a:r>
+          </a:p>
+        </p:txBody>
+      </p:sp>
+      <p:sp>
+        <p:nvSpPr>
+          <p:cNvPr id="15" name="左中かっこ 14">
+            <a:extLst>
+              <a:ext uri="{FF2B5EF4-FFF2-40B4-BE49-F238E27FC236}">
+                <a16:creationId xmlns:a16="http://schemas.microsoft.com/office/drawing/2014/main" id="{CEC75DC0-AE44-5449-997F-22C26754B2CC}"/>
+              </a:ext>
+            </a:extLst>
+          </p:cNvPr>
+          <p:cNvSpPr/>
+          <p:nvPr/>
+        </p:nvSpPr>
+        <p:spPr bwMode="auto">
+          <a:xfrm>
+            <a:off x="1774032" y="2312877"/>
+            <a:ext cx="396044" cy="4150326"/>
+          </a:xfrm>
+          <a:prstGeom prst="leftBrace">
+            <a:avLst>
+              <a:gd name="adj1" fmla="val 60807"/>
+              <a:gd name="adj2" fmla="val 50000"/>
+            </a:avLst>
+          </a:prstGeom>
+          <a:solidFill>
+            <a:schemeClr val="accent1"/>
+          </a:solidFill>
+          <a:ln w="9525" cap="flat" cmpd="sng" algn="ctr">
+            <a:solidFill>
+              <a:schemeClr val="tx1"/>
+            </a:solidFill>
+            <a:prstDash val="solid"/>
+            <a:round/>
+            <a:headEnd type="none" w="med" len="med"/>
+            <a:tailEnd type="none" w="med" len="med"/>
+          </a:ln>
+          <a:effectLst/>
+        </p:spPr>
+        <p:txBody>
+          <a:bodyPr vert="horz" wrap="none" lIns="0" tIns="0" rIns="0" bIns="0" numCol="1" rtlCol="0" anchor="ctr" anchorCtr="0" compatLnSpc="1">
+            <a:prstTxWarp prst="textNoShape">
+              <a:avLst/>
+            </a:prstTxWarp>
+          </a:bodyPr>
+          <a:lstStyle/>
+          <a:p>
+            <a:pPr marL="0" marR="0" indent="0" algn="l" defTabSz="914400" rtl="0" eaLnBrk="1" fontAlgn="base" latinLnBrk="0" hangingPunct="1">
+              <a:lnSpc>
+                <a:spcPct val="100000"/>
+              </a:lnSpc>
+              <a:spcBef>
+                <a:spcPct val="0"/>
+              </a:spcBef>
+              <a:spcAft>
+                <a:spcPct val="0"/>
+              </a:spcAft>
+              <a:buClrTx/>
+              <a:buSzTx/>
+              <a:buFontTx/>
+              <a:buNone/>
+              <a:tabLst/>
+            </a:pPr>
+            <a:endParaRPr kumimoji="0" lang="ja-JP" altLang="en-US" sz="1400" b="1" i="0" u="none" strike="noStrike" cap="none" normalizeH="0" baseline="0">
+              <a:ln>
+                <a:noFill/>
+              </a:ln>
+              <a:solidFill>
+                <a:schemeClr val="tx1"/>
+              </a:solidFill>
+              <a:effectLst/>
+              <a:latin typeface="Arial" charset="0"/>
+              <a:ea typeface="ＭＳ Ｐゴシック" pitchFamily="50" charset="-128"/>
+            </a:endParaRPr>
+          </a:p>
+        </p:txBody>
+      </p:sp>
+      <p:sp>
+        <p:nvSpPr>
+          <p:cNvPr id="16" name="テキスト ボックス 15">
+            <a:extLst>
+              <a:ext uri="{FF2B5EF4-FFF2-40B4-BE49-F238E27FC236}">
+                <a16:creationId xmlns:a16="http://schemas.microsoft.com/office/drawing/2014/main" id="{6AF41339-D77E-EA47-9E51-517AC7DEC9B9}"/>
+              </a:ext>
+            </a:extLst>
+          </p:cNvPr>
+          <p:cNvSpPr txBox="1"/>
+          <p:nvPr/>
+        </p:nvSpPr>
+        <p:spPr>
+          <a:xfrm>
+            <a:off x="320620" y="3662444"/>
+            <a:ext cx="1824068" cy="738664"/>
+          </a:xfrm>
+          <a:prstGeom prst="rect">
+            <a:avLst/>
+          </a:prstGeom>
+          <a:noFill/>
+        </p:spPr>
+        <p:txBody>
+          <a:bodyPr wrap="square" rtlCol="0">
+            <a:spAutoFit/>
+          </a:bodyPr>
+          <a:lstStyle/>
+          <a:p>
+            <a:r>
+              <a:rPr kumimoji="1" lang="ja-JP" altLang="en-US" b="0"/>
+              <a:t>このプロジェクトでは</a:t>
+            </a:r>
+            <a:endParaRPr kumimoji="1" lang="en-US" altLang="ja-JP" b="0" dirty="0"/>
+          </a:p>
+          <a:p>
+            <a:r>
+              <a:rPr kumimoji="1" lang="en-US" altLang="ja-JP" b="0" dirty="0"/>
+              <a:t>3</a:t>
+            </a:r>
+            <a:r>
+              <a:rPr kumimoji="1" lang="ja-JP" altLang="en-US" b="0"/>
+              <a:t>つの要員希望が</a:t>
+            </a:r>
+            <a:endParaRPr kumimoji="1" lang="en-US" altLang="ja-JP" b="0" dirty="0"/>
+          </a:p>
+          <a:p>
+            <a:r>
+              <a:rPr kumimoji="1" lang="ja-JP" altLang="en-US" b="0"/>
+              <a:t>登録されています</a:t>
+            </a:r>
+          </a:p>
+        </p:txBody>
+      </p:sp>
+      <p:sp>
+        <p:nvSpPr>
+          <p:cNvPr id="17" name="テキスト ボックス 16">
+            <a:extLst>
+              <a:ext uri="{FF2B5EF4-FFF2-40B4-BE49-F238E27FC236}">
+                <a16:creationId xmlns:a16="http://schemas.microsoft.com/office/drawing/2014/main" id="{56625FD3-57C7-9047-AF70-AABE165B4EDE}"/>
+              </a:ext>
+            </a:extLst>
+          </p:cNvPr>
+          <p:cNvSpPr txBox="1"/>
+          <p:nvPr/>
+        </p:nvSpPr>
+        <p:spPr>
+          <a:xfrm>
+            <a:off x="128464" y="512676"/>
+            <a:ext cx="9668932" cy="523220"/>
+          </a:xfrm>
+          <a:prstGeom prst="rect">
+            <a:avLst/>
+          </a:prstGeom>
+          <a:noFill/>
+        </p:spPr>
+        <p:txBody>
+          <a:bodyPr wrap="square" rtlCol="0">
+            <a:spAutoFit/>
+          </a:bodyPr>
+          <a:lstStyle/>
+          <a:p>
+            <a:r>
+              <a:rPr kumimoji="1" lang="en-US" altLang="ja-JP" b="0" dirty="0"/>
+              <a:t>NoSQL</a:t>
+            </a:r>
+            <a:r>
+              <a:rPr kumimoji="1" lang="ja-JP" altLang="en-US" b="0"/>
+              <a:t>でマッチングを実現するには案件（</a:t>
+            </a:r>
+            <a:r>
+              <a:rPr kumimoji="1" lang="en-US" altLang="ja-JP" b="0" dirty="0"/>
+              <a:t>PROJECT</a:t>
+            </a:r>
+            <a:r>
+              <a:rPr kumimoji="1" lang="ja-JP" altLang="en-US" b="0"/>
+              <a:t>）と要員（</a:t>
+            </a:r>
+            <a:r>
+              <a:rPr kumimoji="1" lang="en-US" altLang="ja-JP" b="0" dirty="0"/>
+              <a:t>ENGINEER</a:t>
+            </a:r>
+            <a:r>
+              <a:rPr kumimoji="1" lang="ja-JP" altLang="en-US" b="0"/>
+              <a:t>）に対応する数の相性値をフィールドとしてセット</a:t>
+            </a:r>
+            <a:br>
+              <a:rPr kumimoji="1" lang="en-US" altLang="ja-JP" b="0" dirty="0"/>
+            </a:br>
+            <a:r>
+              <a:rPr kumimoji="1" lang="ja-JP" altLang="en-US" b="0"/>
+              <a:t>する必要があります。しかし要員数は多い（例えば</a:t>
+            </a:r>
+            <a:r>
+              <a:rPr kumimoji="1" lang="en-US" altLang="ja-JP" b="0" dirty="0"/>
+              <a:t>100</a:t>
+            </a:r>
+            <a:r>
+              <a:rPr kumimoji="1" lang="ja-JP" altLang="en-US" b="0"/>
+              <a:t>名）ので要員希望すべてに</a:t>
+            </a:r>
+            <a:r>
+              <a:rPr kumimoji="1" lang="en-US" altLang="ja-JP" b="0" dirty="0"/>
+              <a:t>100</a:t>
+            </a:r>
+            <a:r>
+              <a:rPr kumimoji="1" lang="ja-JP" altLang="en-US" b="0"/>
+              <a:t>名分の相性値をセットするのは困難。</a:t>
+            </a:r>
+          </a:p>
+        </p:txBody>
+      </p:sp>
+    </p:spTree>
+    <p:extLst>
+      <p:ext uri="{BB962C8B-B14F-4D97-AF65-F5344CB8AC3E}">
+        <p14:creationId xmlns:p14="http://schemas.microsoft.com/office/powerpoint/2010/main" val="2712928538"/>
+      </p:ext>
+    </p:extLst>
+  </p:cSld>
+  <p:clrMapOvr>
+    <a:masterClrMapping/>
+  </p:clrMapOvr>
+  <p:transition/>
+</p:sld>
+</file>
+
+<file path=ppt/slides/slide11.xml><?xml version="1.0" encoding="utf-8"?>
+<p:sld xmlns:a="http://schemas.openxmlformats.org/drawingml/2006/main" xmlns:r="http://schemas.openxmlformats.org/officeDocument/2006/relationships" xmlns:p="http://schemas.openxmlformats.org/presentationml/2006/main">
+  <p:cSld>
+    <p:spTree>
+      <p:nvGrpSpPr>
+        <p:cNvPr id="1" name=""/>
+        <p:cNvGrpSpPr/>
+        <p:nvPr/>
+      </p:nvGrpSpPr>
+      <p:grpSpPr>
+        <a:xfrm>
+          <a:off x="0" y="0"/>
+          <a:ext cx="0" cy="0"/>
+          <a:chOff x="0" y="0"/>
+          <a:chExt cx="0" cy="0"/>
+        </a:xfrm>
+      </p:grpSpPr>
+      <p:sp>
+        <p:nvSpPr>
           <p:cNvPr id="9" name="テキスト ボックス 8">
             <a:extLst>
               <a:ext uri="{FF2B5EF4-FFF2-40B4-BE49-F238E27FC236}">
@@ -10327,7 +12349,7 @@
                 <a:ea typeface="メイリオ"/>
                 <a:cs typeface="メイリオ"/>
               </a:rPr>
-              <a:t>ユーザ</a:t>
+              <a:t>要員管理者</a:t>
             </a:r>
             <a:r>
               <a:rPr kumimoji="1" lang="en-US" altLang="ja-JP" sz="1000" b="0" dirty="0">
@@ -10335,15 +12357,17 @@
                 <a:ea typeface="メイリオ"/>
                 <a:cs typeface="メイリオ"/>
               </a:rPr>
-              <a:t>ID (</a:t>
-            </a:r>
+              <a:t>ID: …,</a:t>
+            </a:r>
+          </a:p>
+          <a:p>
             <a:r>
               <a:rPr kumimoji="1" lang="ja-JP" altLang="en-US" sz="1000" b="0">
                 <a:latin typeface="メイリオ"/>
                 <a:ea typeface="メイリオ"/>
                 <a:cs typeface="メイリオ"/>
               </a:rPr>
-              <a:t>管理者</a:t>
+              <a:t>年齢</a:t>
             </a:r>
             <a:r>
               <a:rPr kumimoji="1" lang="en-US" altLang="ja-JP" sz="1000" b="0" dirty="0">
@@ -10351,7 +12375,7 @@
                 <a:ea typeface="メイリオ"/>
                 <a:cs typeface="メイリオ"/>
               </a:rPr>
-              <a:t>): …,</a:t>
+              <a:t>: …,</a:t>
             </a:r>
           </a:p>
           <a:p>
@@ -10361,7 +12385,7 @@
                 <a:ea typeface="メイリオ"/>
                 <a:cs typeface="メイリオ"/>
               </a:rPr>
-              <a:t>年齢</a:t>
+              <a:t>性別</a:t>
             </a:r>
             <a:r>
               <a:rPr kumimoji="1" lang="en-US" altLang="ja-JP" sz="1000" b="0" dirty="0">
@@ -10379,7 +12403,7 @@
                 <a:ea typeface="メイリオ"/>
                 <a:cs typeface="メイリオ"/>
               </a:rPr>
-              <a:t>性別</a:t>
+              <a:t>住所</a:t>
             </a:r>
             <a:r>
               <a:rPr kumimoji="1" lang="en-US" altLang="ja-JP" sz="1000" b="0" dirty="0">
@@ -10387,65 +12411,18 @@
                 <a:ea typeface="メイリオ"/>
                 <a:cs typeface="メイリオ"/>
               </a:rPr>
-              <a:t>: …,</a:t>
-            </a:r>
-          </a:p>
-          <a:p>
-            <a:r>
-              <a:rPr kumimoji="1" lang="ja-JP" altLang="en-US" sz="1000" b="0">
-                <a:latin typeface="メイリオ"/>
-                <a:ea typeface="メイリオ"/>
-                <a:cs typeface="メイリオ"/>
-              </a:rPr>
-              <a:t>住所</a:t>
-            </a:r>
+              <a:t>: …, </a:t>
+            </a:r>
+          </a:p>
+          <a:p>
             <a:r>
               <a:rPr kumimoji="1" lang="en-US" altLang="ja-JP" sz="1000" b="0" dirty="0">
                 <a:latin typeface="メイリオ"/>
                 <a:ea typeface="メイリオ"/>
                 <a:cs typeface="メイリオ"/>
               </a:rPr>
-              <a:t>: …, </a:t>
-            </a:r>
-          </a:p>
-          <a:p>
-            <a:r>
-              <a:rPr kumimoji="1" lang="en-US" altLang="ja-JP" sz="1000" b="0" dirty="0">
-                <a:latin typeface="メイリオ"/>
-                <a:ea typeface="メイリオ"/>
-                <a:cs typeface="メイリオ"/>
-              </a:rPr>
               <a:t>STARTABLE: 2020/09/1</a:t>
             </a:r>
-          </a:p>
-          <a:p>
-            <a:r>
-              <a:rPr kumimoji="1" lang="en-US" altLang="ja-JP" sz="1000" b="0" dirty="0">
-                <a:latin typeface="メイリオ"/>
-                <a:ea typeface="メイリオ"/>
-                <a:cs typeface="メイリオ"/>
-              </a:rPr>
-              <a:t>SKILL_ID: </a:t>
-            </a:r>
-            <a:r>
-              <a:rPr kumimoji="1" lang="en-US" altLang="ja-JP" sz="1600" dirty="0">
-                <a:solidFill>
-                  <a:srgbClr val="FFC000"/>
-                </a:solidFill>
-                <a:latin typeface="メイリオ"/>
-                <a:ea typeface="メイリオ"/>
-                <a:cs typeface="メイリオ"/>
-              </a:rPr>
-              <a:t>1</a:t>
-            </a:r>
-            <a:endParaRPr kumimoji="1" lang="en-US" altLang="ja-JP" sz="1000" dirty="0">
-              <a:solidFill>
-                <a:srgbClr val="FFC000"/>
-              </a:solidFill>
-              <a:latin typeface="メイリオ"/>
-              <a:ea typeface="メイリオ"/>
-              <a:cs typeface="メイリオ"/>
-            </a:endParaRPr>
           </a:p>
         </p:txBody>
       </p:sp>
@@ -12053,8 +14030,8 @@
         </p:nvSpPr>
         <p:spPr>
           <a:xfrm>
-            <a:off x="128464" y="646819"/>
-            <a:ext cx="9668932" cy="3046988"/>
+            <a:off x="0" y="646819"/>
+            <a:ext cx="9797396" cy="5447645"/>
           </a:xfrm>
           <a:prstGeom prst="rect">
             <a:avLst/>
@@ -12074,7 +14051,9 @@
             <a:endParaRPr kumimoji="1" lang="en-US" altLang="ja-JP" sz="1800" b="0" dirty="0"/>
           </a:p>
           <a:p>
-            <a:pPr lvl="1"/>
+            <a:endParaRPr kumimoji="1" lang="en-US" altLang="ja-JP" sz="1800" b="0" dirty="0"/>
+          </a:p>
+          <a:p>
             <a:r>
               <a:rPr kumimoji="1" lang="en-US" altLang="ja-JP" sz="1200" b="0" dirty="0"/>
               <a:t>// </a:t>
@@ -12094,32 +14073,32 @@
             <a:endParaRPr kumimoji="1" lang="en-US" altLang="ja-JP" sz="1200" b="0" dirty="0"/>
           </a:p>
           <a:p>
-            <a:pPr lvl="1"/>
             <a:r>
               <a:rPr kumimoji="1" lang="en-US" altLang="ja-JP" sz="1200" b="0" dirty="0"/>
               <a:t>CREATE DATABASE MATCHING; USE MATCHING;</a:t>
             </a:r>
           </a:p>
           <a:p>
-            <a:pPr lvl="1"/>
+            <a:endParaRPr kumimoji="1" lang="en-US" altLang="ja-JP" sz="1200" b="0" dirty="0"/>
+          </a:p>
+          <a:p>
             <a:r>
               <a:rPr kumimoji="1" lang="en-US" altLang="ja-JP" sz="1200" b="0" dirty="0"/>
               <a:t>// </a:t>
             </a:r>
             <a:r>
               <a:rPr kumimoji="1" lang="ja-JP" altLang="en-US" sz="1200" b="0"/>
-              <a:t>案件テーブル。</a:t>
+              <a:t>案件テーブル</a:t>
             </a:r>
             <a:endParaRPr kumimoji="1" lang="en-US" altLang="ja-JP" sz="1200" b="0" dirty="0"/>
           </a:p>
           <a:p>
-            <a:pPr lvl="1"/>
             <a:r>
               <a:rPr kumimoji="1" lang="en-US" altLang="ja-JP" sz="1200" b="0" dirty="0"/>
               <a:t>CREATE TABLE </a:t>
             </a:r>
             <a:r>
-              <a:rPr kumimoji="1" lang="en-US" altLang="ja-JP" sz="1200" b="0" dirty="0">
+              <a:rPr kumimoji="1" lang="en-US" altLang="ja-JP" sz="1200" dirty="0">
                 <a:solidFill>
                   <a:srgbClr val="3333CC"/>
                 </a:solidFill>
@@ -12136,25 +14115,26 @@
             </a:r>
           </a:p>
           <a:p>
-            <a:pPr lvl="1"/>
+            <a:endParaRPr kumimoji="1" lang="en" altLang="ja-JP" sz="1200" b="0" dirty="0"/>
+          </a:p>
+          <a:p>
             <a:r>
               <a:rPr kumimoji="1" lang="en" altLang="ja-JP" sz="1200" b="0" dirty="0"/>
               <a:t>// </a:t>
             </a:r>
             <a:r>
               <a:rPr kumimoji="1" lang="ja-JP" altLang="en-US" sz="1200" b="0"/>
-              <a:t>要員希望テーブル。要員希望の参照先であるプロジェクトを削除する場合エラーになる。</a:t>
+              <a:t>要員希望テーブル（要員希望の参照先であるプロジェクトを削除する場合エラー）</a:t>
             </a:r>
             <a:endParaRPr kumimoji="1" lang="en-US" altLang="ja-JP" sz="1200" b="0" dirty="0"/>
           </a:p>
           <a:p>
-            <a:pPr lvl="1"/>
             <a:r>
               <a:rPr kumimoji="1" lang="en-US" altLang="ja-JP" sz="1200" b="0" dirty="0"/>
               <a:t>CREATE TABLE </a:t>
             </a:r>
             <a:r>
-              <a:rPr kumimoji="1" lang="en-US" altLang="ja-JP" sz="1200" b="0" dirty="0">
+              <a:rPr kumimoji="1" lang="en-US" altLang="ja-JP" sz="1200" dirty="0">
                 <a:solidFill>
                   <a:schemeClr val="accent4"/>
                 </a:solidFill>
@@ -12163,66 +14143,144 @@
             </a:r>
             <a:r>
               <a:rPr kumimoji="1" lang="en-US" altLang="ja-JP" sz="1200" b="0" dirty="0"/>
-              <a:t> (ID INT NOT NULL PRIMARY KEY, NUM INT UNIT_COST INT, START DATE, PROJECT_ID INT,</a:t>
-            </a:r>
-          </a:p>
-          <a:p>
-            <a:pPr lvl="1"/>
-            <a:r>
-              <a:rPr kumimoji="1" lang="en-US" altLang="ja-JP" sz="1200" b="0" dirty="0"/>
-              <a:t>	CONSTRAINT FK_PROJECT_ID</a:t>
-            </a:r>
-          </a:p>
-          <a:p>
-            <a:pPr lvl="1"/>
-            <a:r>
-              <a:rPr kumimoji="1" lang="en-US" altLang="ja-JP" sz="1200" b="0" dirty="0"/>
-              <a:t>	FOREIGN KEY (PROJCT_ID)</a:t>
-            </a:r>
-          </a:p>
-          <a:p>
-            <a:pPr lvl="1"/>
-            <a:r>
-              <a:rPr kumimoji="1" lang="en-US" altLang="ja-JP" sz="1200" b="0" dirty="0"/>
-              <a:t>	REFERENCES PROJECT (ID)</a:t>
-            </a:r>
-          </a:p>
-          <a:p>
-            <a:pPr lvl="1"/>
-            <a:r>
-              <a:rPr kumimoji="1" lang="en-US" altLang="ja-JP" sz="1200" b="0" dirty="0"/>
-              <a:t>	ON DELETE RESTRICT</a:t>
-            </a:r>
-          </a:p>
-          <a:p>
-            <a:pPr lvl="1"/>
+              <a:t> (ID INT NOT NULL PRIMARY KEY, NUM INT, UNIT_COST INT, START DATE, PROJECT_ID INT, CONSTRAINT FK_PROJECT_ID FOREIGN KEY (PROJECT_ID) REFERENCES PROJECT (ID) ON DELETE RESTRICT</a:t>
+            </a:r>
             <a:r>
               <a:rPr lang="en" altLang="ja-JP" sz="1200" b="0" dirty="0"/>
               <a:t>);</a:t>
             </a:r>
           </a:p>
           <a:p>
-            <a:pPr lvl="1"/>
             <a:endParaRPr lang="en" altLang="ja-JP" sz="1200" b="0" dirty="0"/>
           </a:p>
           <a:p>
-            <a:pPr lvl="1"/>
-            <a:r>
-              <a:rPr lang="en" altLang="ja-JP" sz="1800" b="0" dirty="0">
+            <a:r>
+              <a:rPr lang="en" altLang="ja-JP" sz="1200" b="0" dirty="0"/>
+              <a:t>// </a:t>
+            </a:r>
+            <a:r>
+              <a:rPr lang="ja-JP" altLang="en-US" sz="1200" b="0"/>
+              <a:t>スキルテーブル</a:t>
+            </a:r>
+            <a:endParaRPr lang="en-US" altLang="ja-JP" sz="1200" b="0" dirty="0"/>
+          </a:p>
+          <a:p>
+            <a:r>
+              <a:rPr lang="en-US" altLang="ja-JP" sz="1200" b="0" dirty="0"/>
+              <a:t>CREATE TABLE </a:t>
+            </a:r>
+            <a:r>
+              <a:rPr lang="en-US" altLang="ja-JP" sz="1200" dirty="0">
                 <a:solidFill>
-                  <a:schemeClr val="accent4"/>
+                  <a:srgbClr val="117B53"/>
                 </a:solidFill>
               </a:rPr>
-              <a:t>TODO</a:t>
-            </a:r>
-            <a:endParaRPr lang="en" altLang="ja-JP" sz="1200" b="0" dirty="0">
-              <a:solidFill>
-                <a:schemeClr val="accent4"/>
-              </a:solidFill>
-            </a:endParaRPr>
-          </a:p>
-          <a:p>
-            <a:pPr lvl="1"/>
+              <a:t>SKILL</a:t>
+            </a:r>
+            <a:r>
+              <a:rPr lang="en-US" altLang="ja-JP" sz="1200" b="0" dirty="0"/>
+              <a:t> (ID INT NOT NULL PRIMARY KEY, NAME VARCHAR(10));</a:t>
+            </a:r>
+          </a:p>
+          <a:p>
+            <a:endParaRPr lang="en-US" altLang="ja-JP" sz="1200" b="0" dirty="0"/>
+          </a:p>
+          <a:p>
+            <a:r>
+              <a:rPr lang="en" altLang="ja-JP" sz="1200" b="0" dirty="0"/>
+              <a:t>// </a:t>
+            </a:r>
+            <a:r>
+              <a:rPr lang="ja-JP" altLang="en-US" sz="1200" b="0"/>
+              <a:t>要員希望スキルテーブル</a:t>
+            </a:r>
+            <a:endParaRPr lang="en-US" altLang="ja-JP" sz="1200" b="0" dirty="0"/>
+          </a:p>
+          <a:p>
+            <a:r>
+              <a:rPr lang="en-US" altLang="ja-JP" sz="1200" b="0" dirty="0"/>
+              <a:t>CREATE TABLE </a:t>
+            </a:r>
+            <a:r>
+              <a:rPr lang="en-US" altLang="ja-JP" sz="1200" dirty="0"/>
+              <a:t>REQUEST_SKILL</a:t>
+            </a:r>
+            <a:r>
+              <a:rPr lang="en-US" altLang="ja-JP" sz="1200" b="0" dirty="0"/>
+              <a:t> (ID INT NOT NULL PRIMARY KEY, REQUEST_ID INT, SKILL_ID INT, CONSTRAINT FK_REQUEST_ID FOREIGN KEY (REQUEST_ID) REFERENCES REQUEST (ID) ON DELETE RESTRICT, CONSTRAINT FK_REQUEST_SKILL_ID FOREIGN KEY (SKILL_ID) REFERENCES SKILL (ID) ON DELETE RESTRICT);</a:t>
+            </a:r>
+          </a:p>
+          <a:p>
+            <a:endParaRPr lang="en-US" altLang="ja-JP" sz="1200" b="0" dirty="0"/>
+          </a:p>
+          <a:p>
+            <a:r>
+              <a:rPr lang="en" altLang="ja-JP" sz="1200" b="0" dirty="0"/>
+              <a:t>// </a:t>
+            </a:r>
+            <a:r>
+              <a:rPr lang="ja-JP" altLang="en-US" sz="1200" b="0"/>
+              <a:t>要員テーブル</a:t>
+            </a:r>
+            <a:endParaRPr lang="en-US" altLang="ja-JP" sz="1200" b="0" dirty="0"/>
+          </a:p>
+          <a:p>
+            <a:r>
+              <a:rPr lang="en-US" altLang="ja-JP" sz="1200" b="0" dirty="0"/>
+              <a:t>CREATE TABLE </a:t>
+            </a:r>
+            <a:r>
+              <a:rPr lang="en-US" altLang="ja-JP" sz="1200" dirty="0">
+                <a:solidFill>
+                  <a:srgbClr val="7030A0"/>
+                </a:solidFill>
+              </a:rPr>
+              <a:t>ENGINEER</a:t>
+            </a:r>
+            <a:r>
+              <a:rPr lang="en-US" altLang="ja-JP" sz="1200" b="0" dirty="0"/>
+              <a:t> (ID INT NOT NULL PRIMARY KEY</a:t>
+            </a:r>
+            <a:r>
+              <a:rPr kumimoji="1" lang="en-US" altLang="ja-JP" sz="1200" b="0" dirty="0"/>
+              <a:t>, NAME VARCHAR(20)</a:t>
+            </a:r>
+            <a:r>
+              <a:rPr lang="en-US" altLang="ja-JP" sz="1200" b="0" dirty="0"/>
+              <a:t>, ADMIN_ID INT, AGE INT, GENDER CHAR(1), ADDRESS VARCHAR(200), STARTABLE DATE, SKILL_ID INT);</a:t>
+            </a:r>
+          </a:p>
+          <a:p>
+            <a:endParaRPr lang="en-US" altLang="ja-JP" sz="1200" b="0" dirty="0"/>
+          </a:p>
+          <a:p>
+            <a:r>
+              <a:rPr lang="en-US" altLang="ja-JP" sz="1200" b="0" dirty="0"/>
+              <a:t>// </a:t>
+            </a:r>
+            <a:r>
+              <a:rPr lang="ja-JP" altLang="en-US" sz="1200" b="0"/>
+              <a:t>要員スキルテーブル</a:t>
+            </a:r>
+            <a:endParaRPr lang="en-US" altLang="ja-JP" sz="1200" b="0" dirty="0"/>
+          </a:p>
+          <a:p>
+            <a:r>
+              <a:rPr lang="en-US" altLang="ja-JP" sz="1200" b="0" dirty="0"/>
+              <a:t>CREATE TABLE </a:t>
+            </a:r>
+            <a:r>
+              <a:rPr lang="en-US" altLang="ja-JP" sz="1200" dirty="0">
+                <a:solidFill>
+                  <a:srgbClr val="FFC000"/>
+                </a:solidFill>
+              </a:rPr>
+              <a:t>ENGINEER_SKILL</a:t>
+            </a:r>
+            <a:r>
+              <a:rPr lang="en-US" altLang="ja-JP" sz="1200" b="0" dirty="0"/>
+              <a:t> (ID INT NOT NULL PRIMARY KEY, ENGINEER_ID INT, SKILL_ID INT, CONSTRAINT FK_ENGINEER_ID FOREIGN KEY (ENGINEER_ID) REFERENCES ENGINEER (ID) ON DELETE RESTRICT, CONSTRAINT FK_ENGINEER_SKILL_ID FOREIGN KEY (SKILL_ID) REFERENCES SKILL (ID) ON DELETE RESTRICT);</a:t>
+            </a:r>
             <a:endParaRPr lang="en" altLang="ja-JP" sz="1200" b="0" dirty="0"/>
           </a:p>
         </p:txBody>
@@ -12288,6 +14346,138 @@
           <a:p>
             <a:r>
               <a:rPr kumimoji="1" lang="ja-JP" altLang="en-US" sz="2800"/>
+              <a:t>マッチング</a:t>
+            </a:r>
+            <a:r>
+              <a:rPr kumimoji="1" lang="en-US" altLang="ja-JP" sz="2800" dirty="0"/>
+              <a:t>DB</a:t>
+            </a:r>
+            <a:r>
+              <a:rPr kumimoji="1" lang="ja-JP" altLang="en-US" sz="2800"/>
+              <a:t>の作成とデータ登録</a:t>
+            </a:r>
+            <a:r>
+              <a:rPr kumimoji="1" lang="ja-JP" altLang="en-US" sz="2000" b="0"/>
+              <a:t>　</a:t>
+            </a:r>
+            <a:r>
+              <a:rPr kumimoji="1" lang="en-US" altLang="ja-JP" sz="2000" b="0" dirty="0"/>
+              <a:t>※ MySQL</a:t>
+            </a:r>
+            <a:r>
+              <a:rPr kumimoji="1" lang="ja-JP" altLang="en-US" sz="2000" b="0"/>
+              <a:t>での例文</a:t>
+            </a:r>
+            <a:endParaRPr kumimoji="1" lang="en-US" altLang="ja-JP" sz="2000" b="0" dirty="0"/>
+          </a:p>
+        </p:txBody>
+      </p:sp>
+      <p:sp>
+        <p:nvSpPr>
+          <p:cNvPr id="2" name="テキスト ボックス 1">
+            <a:extLst>
+              <a:ext uri="{FF2B5EF4-FFF2-40B4-BE49-F238E27FC236}">
+                <a16:creationId xmlns:a16="http://schemas.microsoft.com/office/drawing/2014/main" id="{D1CB1058-C54D-874C-85D5-B9DC17CC87EA}"/>
+              </a:ext>
+            </a:extLst>
+          </p:cNvPr>
+          <p:cNvSpPr txBox="1"/>
+          <p:nvPr/>
+        </p:nvSpPr>
+        <p:spPr>
+          <a:xfrm>
+            <a:off x="0" y="646819"/>
+            <a:ext cx="9797396" cy="923330"/>
+          </a:xfrm>
+          <a:prstGeom prst="rect">
+            <a:avLst/>
+          </a:prstGeom>
+          <a:noFill/>
+        </p:spPr>
+        <p:txBody>
+          <a:bodyPr wrap="square" rtlCol="0">
+            <a:spAutoFit/>
+          </a:bodyPr>
+          <a:lstStyle/>
+          <a:p>
+            <a:r>
+              <a:rPr kumimoji="1" lang="ja-JP" altLang="en-US" sz="2000" b="0"/>
+              <a:t>サンプルデータの登録</a:t>
+            </a:r>
+            <a:endParaRPr kumimoji="1" lang="en-US" altLang="ja-JP" sz="2000" b="0" dirty="0"/>
+          </a:p>
+          <a:p>
+            <a:endParaRPr kumimoji="1" lang="en-US" altLang="ja-JP" b="0" dirty="0"/>
+          </a:p>
+          <a:p>
+            <a:r>
+              <a:rPr kumimoji="1" lang="en-US" altLang="ja-JP" sz="2000" b="0" dirty="0"/>
+              <a:t>TODO</a:t>
+            </a:r>
+          </a:p>
+        </p:txBody>
+      </p:sp>
+    </p:spTree>
+    <p:extLst>
+      <p:ext uri="{BB962C8B-B14F-4D97-AF65-F5344CB8AC3E}">
+        <p14:creationId xmlns:p14="http://schemas.microsoft.com/office/powerpoint/2010/main" val="2161169936"/>
+      </p:ext>
+    </p:extLst>
+  </p:cSld>
+  <p:clrMapOvr>
+    <a:masterClrMapping/>
+  </p:clrMapOvr>
+  <p:transition/>
+</p:sld>
+</file>
+
+<file path=ppt/slides/slide8.xml><?xml version="1.0" encoding="utf-8"?>
+<p:sld xmlns:a="http://schemas.openxmlformats.org/drawingml/2006/main" xmlns:r="http://schemas.openxmlformats.org/officeDocument/2006/relationships" xmlns:p="http://schemas.openxmlformats.org/presentationml/2006/main">
+  <p:cSld>
+    <p:spTree>
+      <p:nvGrpSpPr>
+        <p:cNvPr id="1" name=""/>
+        <p:cNvGrpSpPr/>
+        <p:nvPr/>
+      </p:nvGrpSpPr>
+      <p:grpSpPr>
+        <a:xfrm>
+          <a:off x="0" y="0"/>
+          <a:ext cx="0" cy="0"/>
+          <a:chOff x="0" y="0"/>
+          <a:chExt cx="0" cy="0"/>
+        </a:xfrm>
+      </p:grpSpPr>
+      <p:sp>
+        <p:nvSpPr>
+          <p:cNvPr id="9" name="テキスト ボックス 8">
+            <a:extLst>
+              <a:ext uri="{FF2B5EF4-FFF2-40B4-BE49-F238E27FC236}">
+                <a16:creationId xmlns:a16="http://schemas.microsoft.com/office/drawing/2014/main" id="{DED96F5B-1D56-0D41-ABC9-459C67FC5598}"/>
+              </a:ext>
+            </a:extLst>
+          </p:cNvPr>
+          <p:cNvSpPr txBox="1"/>
+          <p:nvPr/>
+        </p:nvSpPr>
+        <p:spPr>
+          <a:xfrm>
+            <a:off x="128464" y="25460"/>
+            <a:ext cx="8100900" cy="523220"/>
+          </a:xfrm>
+          <a:prstGeom prst="rect">
+            <a:avLst/>
+          </a:prstGeom>
+          <a:noFill/>
+        </p:spPr>
+        <p:txBody>
+          <a:bodyPr wrap="square" rtlCol="0">
+            <a:spAutoFit/>
+          </a:bodyPr>
+          <a:lstStyle/>
+          <a:p>
+            <a:r>
+              <a:rPr kumimoji="1" lang="ja-JP" altLang="en-US" sz="2800"/>
               <a:t>マッチングを実現する</a:t>
             </a:r>
             <a:r>
@@ -12329,7 +14519,7 @@
         <p:spPr>
           <a:xfrm>
             <a:off x="128464" y="646819"/>
-            <a:ext cx="9668932" cy="5170646"/>
+            <a:ext cx="9668932" cy="4616648"/>
           </a:xfrm>
           <a:prstGeom prst="rect">
             <a:avLst/>
@@ -12353,11 +14543,9 @@
             <a:endParaRPr kumimoji="1" lang="en-US" altLang="ja-JP" sz="1800" b="0" dirty="0"/>
           </a:p>
           <a:p>
-            <a:pPr lvl="1"/>
             <a:endParaRPr kumimoji="1" lang="en-US" altLang="ja-JP" sz="1800" b="0" dirty="0"/>
           </a:p>
           <a:p>
-            <a:pPr lvl="1"/>
             <a:r>
               <a:rPr kumimoji="1" lang="ja-JP" altLang="en-US" sz="1800" b="0"/>
               <a:t>相性値を計算するために必要な「要員希望」のスキル名を検索します。</a:t>
@@ -12365,44 +14553,30 @@
             <a:endParaRPr kumimoji="1" lang="en-US" altLang="ja-JP" sz="1800" b="0" dirty="0"/>
           </a:p>
           <a:p>
-            <a:pPr lvl="1"/>
             <a:endParaRPr kumimoji="1" lang="en-US" altLang="ja-JP" sz="1600" b="0" dirty="0"/>
           </a:p>
           <a:p>
-            <a:pPr lvl="1"/>
-            <a:r>
-              <a:rPr kumimoji="1" lang="en-US" altLang="ja-JP" sz="1600" b="0" dirty="0"/>
-              <a:t>SELECT SKILL.NAME from REQUEST_SKILL WHERE REQUEST_ID=(</a:t>
-            </a:r>
-            <a:r>
-              <a:rPr kumimoji="1" lang="ja-JP" altLang="en-US" sz="1600" b="0"/>
-              <a:t>要員希望の</a:t>
-            </a:r>
-            <a:r>
-              <a:rPr kumimoji="1" lang="en-US" altLang="ja-JP" sz="1600" b="0" dirty="0"/>
-              <a:t>ID)</a:t>
-            </a:r>
-          </a:p>
-          <a:p>
-            <a:pPr lvl="1"/>
-            <a:r>
-              <a:rPr kumimoji="1" lang="en-US" altLang="ja-JP" sz="1600" b="0" dirty="0"/>
-              <a:t>	LEFT JOIN SKILL </a:t>
-            </a:r>
-          </a:p>
-          <a:p>
-            <a:pPr lvl="1"/>
-            <a:r>
-              <a:rPr kumimoji="1" lang="en-US" altLang="ja-JP" sz="1600" b="0" dirty="0"/>
-              <a:t>	ON REQUEST_SKILL.SKILL_ID = SKILL.ID;</a:t>
-            </a:r>
-          </a:p>
-          <a:p>
-            <a:pPr lvl="1"/>
-            <a:endParaRPr kumimoji="1" lang="en-US" altLang="ja-JP" sz="1600" b="0" dirty="0"/>
-          </a:p>
-          <a:p>
-            <a:pPr lvl="1"/>
+            <a:r>
+              <a:rPr lang="en" altLang="ja-JP" b="0" dirty="0"/>
+              <a:t>SELECT SKILL.NAME from REQUEST_SKILL INNER JOIN SKILL ON (REQUEST_SKILL.ID=(</a:t>
+            </a:r>
+            <a:r>
+              <a:rPr lang="ja-JP" altLang="en-US" b="0"/>
+              <a:t>要員希望スキル</a:t>
+            </a:r>
+            <a:r>
+              <a:rPr lang="en-US" altLang="ja-JP" b="0" dirty="0"/>
+              <a:t>ID</a:t>
+            </a:r>
+            <a:r>
+              <a:rPr lang="en" altLang="ja-JP" b="0" dirty="0"/>
+              <a:t>) AND REQUEST_SKILL.SKILL_ID=SKILL.ID);</a:t>
+            </a:r>
+          </a:p>
+          <a:p>
+            <a:endParaRPr kumimoji="1" lang="en" altLang="ja-JP" sz="1800" b="0" dirty="0"/>
+          </a:p>
+          <a:p>
             <a:r>
               <a:rPr kumimoji="1" lang="ja-JP" altLang="en-US" sz="1800" b="0"/>
               <a:t>同じく、相性値を計算するために必要な「要員」のスキル名を検索します。</a:t>
@@ -12410,52 +14584,21 @@
             <a:endParaRPr kumimoji="1" lang="en-US" altLang="ja-JP" sz="1800" b="0" dirty="0"/>
           </a:p>
           <a:p>
-            <a:pPr lvl="1"/>
+            <a:endParaRPr kumimoji="1" lang="en-US" altLang="ja-JP" sz="1800" b="0" dirty="0"/>
+          </a:p>
+          <a:p>
+            <a:r>
+              <a:rPr lang="en" altLang="ja-JP" b="0" dirty="0"/>
+              <a:t>SELECT SKILL.NAME from ENGINEER_SKILL INNER JOIN SKILL ON (ENGINEER_SKILL.ID=0 AND ENGINEER_SKILL.SKILL_ID = SKILL.ID);</a:t>
+            </a:r>
+          </a:p>
+          <a:p>
             <a:endParaRPr kumimoji="1" lang="en-US" altLang="ja-JP" sz="1600" b="0" dirty="0"/>
           </a:p>
           <a:p>
-            <a:pPr lvl="1"/>
-            <a:r>
-              <a:rPr kumimoji="1" lang="en-US" altLang="ja-JP" sz="1600" b="0" dirty="0"/>
-              <a:t>SELECT SKILL.NAME from ENGINEER_SKILL WHERE ENGINEER_ID=</a:t>
-            </a:r>
-            <a:r>
-              <a:rPr kumimoji="1" lang="ja-JP" altLang="en-US" sz="1600" b="0"/>
-              <a:t>（要員の</a:t>
-            </a:r>
-            <a:r>
-              <a:rPr kumimoji="1" lang="en-US" altLang="ja-JP" sz="1600" b="0" dirty="0"/>
-              <a:t>ID</a:t>
-            </a:r>
-            <a:r>
-              <a:rPr kumimoji="1" lang="ja-JP" altLang="en-US" sz="1600" b="0"/>
-              <a:t>）</a:t>
-            </a:r>
-            <a:endParaRPr kumimoji="1" lang="en-US" altLang="ja-JP" sz="1600" b="0" dirty="0"/>
-          </a:p>
-          <a:p>
-            <a:pPr lvl="1"/>
-            <a:r>
-              <a:rPr kumimoji="1" lang="en-US" altLang="ja-JP" sz="1600" b="0" dirty="0"/>
-              <a:t>	LEFT JOIN SKILL</a:t>
-            </a:r>
-          </a:p>
-          <a:p>
-            <a:pPr lvl="1"/>
-            <a:r>
-              <a:rPr kumimoji="1" lang="en-US" altLang="ja-JP" sz="1600" b="0" dirty="0"/>
-              <a:t>	ON ENGINEER_SKILL.SKILL_ID = SKILL.ID;</a:t>
-            </a:r>
-          </a:p>
-          <a:p>
-            <a:pPr lvl="1"/>
-            <a:endParaRPr kumimoji="1" lang="en-US" altLang="ja-JP" sz="1600" b="0" dirty="0"/>
-          </a:p>
-          <a:p>
-            <a:pPr lvl="1"/>
             <a:r>
               <a:rPr kumimoji="1" lang="ja-JP" altLang="en-US" sz="1800" b="0"/>
-              <a:t>あとはいくつ名前一致するかなどから相性値を計算して</a:t>
+              <a:t>あとはいくつ名前一致するかなどの情報から相性値を計算して</a:t>
             </a:r>
             <a:r>
               <a:rPr kumimoji="1" lang="en-US" altLang="ja-JP" sz="1800" b="0" dirty="0"/>
@@ -12553,7 +14696,7 @@
 </p:sld>
 </file>
 
-<file path=ppt/slides/slide8.xml><?xml version="1.0" encoding="utf-8"?>
+<file path=ppt/slides/slide9.xml><?xml version="1.0" encoding="utf-8"?>
 <p:sld xmlns:a="http://schemas.openxmlformats.org/drawingml/2006/main" xmlns:r="http://schemas.openxmlformats.org/officeDocument/2006/relationships" xmlns:p="http://schemas.openxmlformats.org/presentationml/2006/main">
   <p:cSld>
     <p:spTree>
@@ -12641,7 +14784,7 @@
         <p:spPr>
           <a:xfrm>
             <a:off x="128464" y="646819"/>
-            <a:ext cx="9668932" cy="4893647"/>
+            <a:ext cx="9668932" cy="2677656"/>
           </a:xfrm>
           <a:prstGeom prst="rect">
             <a:avLst/>
@@ -12680,35 +14823,7 @@
             <a:pPr lvl="1"/>
             <a:r>
               <a:rPr kumimoji="1" lang="en-US" altLang="ja-JP" sz="1600" b="0" dirty="0"/>
-              <a:t>SELECT ENGINEER.NAME FROM ENGINEER, REQUEST</a:t>
-            </a:r>
-          </a:p>
-          <a:p>
-            <a:pPr lvl="1"/>
-            <a:r>
-              <a:rPr kumimoji="1" lang="en-US" altLang="ja-JP" sz="1600" b="0" dirty="0"/>
-              <a:t>	WHERE REQUEST.START &lt;= ENGINEER.STARTABLE</a:t>
-            </a:r>
-          </a:p>
-          <a:p>
-            <a:pPr lvl="1"/>
-            <a:r>
-              <a:rPr kumimoji="1" lang="en-US" altLang="ja-JP" sz="1600" b="0" dirty="0"/>
-              <a:t>	ORDER BY MATCH.COMPAT DESC</a:t>
-            </a:r>
-          </a:p>
-          <a:p>
-            <a:pPr lvl="1"/>
-            <a:r>
-              <a:rPr kumimoji="1" lang="en-US" altLang="ja-JP" sz="1600" b="0" dirty="0"/>
-              <a:t>	LEFT JOIN MATCH ON ENGINEER.ID = MATCH.ENGINEER_ID</a:t>
-            </a:r>
-          </a:p>
-          <a:p>
-            <a:pPr lvl="1"/>
-            <a:r>
-              <a:rPr kumimoji="1" lang="en-US" altLang="ja-JP" sz="1600" b="0" dirty="0"/>
-              <a:t>	LEFT JOIN REQUEST ON REQUEST.ID = MATCH.REQUEST_ID;</a:t>
+              <a:t>TODO</a:t>
             </a:r>
           </a:p>
           <a:p>
@@ -12750,42 +14865,7 @@
             <a:pPr lvl="1"/>
             <a:r>
               <a:rPr kumimoji="1" lang="en-US" altLang="ja-JP" sz="1600" b="0" dirty="0"/>
-              <a:t>SELECT PROJECT.NAME, REQUEST.ID FROM PROJECT, REQUEST, ENGINEER</a:t>
-            </a:r>
-          </a:p>
-          <a:p>
-            <a:pPr lvl="1"/>
-            <a:r>
-              <a:rPr kumimoji="1" lang="en-US" altLang="ja-JP" sz="1600" b="0" dirty="0"/>
-              <a:t>	WHERE PROJECT.ID = REQUEST.PROJECT_ID</a:t>
-            </a:r>
-          </a:p>
-          <a:p>
-            <a:pPr lvl="1"/>
-            <a:r>
-              <a:rPr kumimoji="1" lang="en-US" altLang="ja-JP" sz="1600" b="0" dirty="0"/>
-              <a:t>	AND REQUEST.START &lt;= ENGINEER.STARTABLE</a:t>
-            </a:r>
-          </a:p>
-          <a:p>
-            <a:pPr lvl="1"/>
-            <a:r>
-              <a:rPr kumimoji="1" lang="en-US" altLang="ja-JP" sz="1600" b="0" dirty="0"/>
-              <a:t>	ORDER BY MATCH.COMPAT DESC</a:t>
-            </a:r>
-          </a:p>
-          <a:p>
-            <a:pPr lvl="1"/>
-            <a:r>
-              <a:rPr kumimoji="1" lang="en-US" altLang="ja-JP" sz="1600" b="0" dirty="0"/>
-              <a:t>	LEFT JOIN MATCH ON ENGINEER.ID = MATCH.ENGINEER_ID</a:t>
-            </a:r>
-          </a:p>
-          <a:p>
-            <a:pPr lvl="1"/>
-            <a:r>
-              <a:rPr kumimoji="1" lang="en-US" altLang="ja-JP" sz="1600" b="0" dirty="0"/>
-              <a:t>	LEFT JOIN REQUEST ON REQUEST.ID = MATCH.REQUEST_ID</a:t>
+              <a:t>TODO</a:t>
             </a:r>
           </a:p>
           <a:p>
@@ -12838,7 +14918,7 @@
             <a:pPr marL="269875"/>
             <a:r>
               <a:rPr kumimoji="1" lang="ja-JP" altLang="en-US" sz="1600" b="0"/>
-              <a:t>速い場合のみ要員はその案件の候補となりうるので、その旨検索条件に入れてあります。</a:t>
+              <a:t>速い場合のみ要員はその案件の候補となりうるので、その旨検索条件に入れる必要があります。</a:t>
             </a:r>
             <a:endParaRPr kumimoji="1" lang="en-US" altLang="ja-JP" sz="1600" b="0" dirty="0"/>
           </a:p>
@@ -12848,1925 +14928,6 @@
     <p:extLst>
       <p:ext uri="{BB962C8B-B14F-4D97-AF65-F5344CB8AC3E}">
         <p14:creationId xmlns:p14="http://schemas.microsoft.com/office/powerpoint/2010/main" val="3699330301"/>
-      </p:ext>
-    </p:extLst>
-  </p:cSld>
-  <p:clrMapOvr>
-    <a:masterClrMapping/>
-  </p:clrMapOvr>
-  <p:transition/>
-</p:sld>
-</file>
-
-<file path=ppt/slides/slide9.xml><?xml version="1.0" encoding="utf-8"?>
-<p:sld xmlns:a="http://schemas.openxmlformats.org/drawingml/2006/main" xmlns:r="http://schemas.openxmlformats.org/officeDocument/2006/relationships" xmlns:p="http://schemas.openxmlformats.org/presentationml/2006/main">
-  <p:cSld>
-    <p:spTree>
-      <p:nvGrpSpPr>
-        <p:cNvPr id="1" name=""/>
-        <p:cNvGrpSpPr/>
-        <p:nvPr/>
-      </p:nvGrpSpPr>
-      <p:grpSpPr>
-        <a:xfrm>
-          <a:off x="0" y="0"/>
-          <a:ext cx="0" cy="0"/>
-          <a:chOff x="0" y="0"/>
-          <a:chExt cx="0" cy="0"/>
-        </a:xfrm>
-      </p:grpSpPr>
-      <p:sp>
-        <p:nvSpPr>
-          <p:cNvPr id="5" name="正方形/長方形 4">
-            <a:extLst>
-              <a:ext uri="{FF2B5EF4-FFF2-40B4-BE49-F238E27FC236}">
-                <a16:creationId xmlns:a16="http://schemas.microsoft.com/office/drawing/2014/main" id="{70638279-3763-294F-92BF-038EECF1FC61}"/>
-              </a:ext>
-            </a:extLst>
-          </p:cNvPr>
-          <p:cNvSpPr/>
-          <p:nvPr/>
-        </p:nvSpPr>
-        <p:spPr bwMode="auto">
-          <a:xfrm>
-            <a:off x="2252700" y="1124744"/>
-            <a:ext cx="2412268" cy="432051"/>
-          </a:xfrm>
-          <a:prstGeom prst="rect">
-            <a:avLst/>
-          </a:prstGeom>
-          <a:solidFill>
-            <a:schemeClr val="bg1"/>
-          </a:solidFill>
-          <a:ln w="9525" cap="flat" cmpd="sng" algn="ctr">
-            <a:solidFill>
-              <a:schemeClr val="tx1"/>
-            </a:solidFill>
-            <a:prstDash val="solid"/>
-            <a:round/>
-            <a:headEnd type="none" w="med" len="med"/>
-            <a:tailEnd type="none" w="med" len="med"/>
-          </a:ln>
-          <a:effectLst/>
-        </p:spPr>
-        <p:txBody>
-          <a:bodyPr vert="horz" wrap="square" lIns="36000" tIns="36000" rIns="36000" bIns="36000" numCol="1" rtlCol="0" anchor="ctr" anchorCtr="0" compatLnSpc="1">
-            <a:prstTxWarp prst="textNoShape">
-              <a:avLst/>
-            </a:prstTxWarp>
-          </a:bodyPr>
-          <a:lstStyle/>
-          <a:p>
-            <a:pPr marL="0" marR="0" indent="0" algn="ctr" defTabSz="914400" rtl="0" eaLnBrk="1" fontAlgn="base" latinLnBrk="0" hangingPunct="1">
-              <a:lnSpc>
-                <a:spcPct val="100000"/>
-              </a:lnSpc>
-              <a:spcBef>
-                <a:spcPct val="0"/>
-              </a:spcBef>
-              <a:spcAft>
-                <a:spcPct val="0"/>
-              </a:spcAft>
-              <a:buClrTx/>
-              <a:buSzTx/>
-              <a:buFontTx/>
-              <a:buNone/>
-              <a:tabLst/>
-            </a:pPr>
-            <a:r>
-              <a:rPr kumimoji="1" lang="en-US" altLang="ja-JP" b="0" dirty="0">
-                <a:latin typeface="メイリオ"/>
-                <a:ea typeface="メイリオ"/>
-                <a:cs typeface="メイリオ"/>
-              </a:rPr>
-              <a:t>PROJECT</a:t>
-            </a:r>
-            <a:endParaRPr kumimoji="1" lang="ja-JP" altLang="en-US" b="0" dirty="0">
-              <a:latin typeface="メイリオ"/>
-              <a:ea typeface="メイリオ"/>
-              <a:cs typeface="メイリオ"/>
-            </a:endParaRPr>
-          </a:p>
-        </p:txBody>
-      </p:sp>
-      <p:sp>
-        <p:nvSpPr>
-          <p:cNvPr id="6" name="正方形/長方形 5">
-            <a:extLst>
-              <a:ext uri="{FF2B5EF4-FFF2-40B4-BE49-F238E27FC236}">
-                <a16:creationId xmlns:a16="http://schemas.microsoft.com/office/drawing/2014/main" id="{FE60D186-ACE7-6041-99DA-E1DB9DC41B40}"/>
-              </a:ext>
-            </a:extLst>
-          </p:cNvPr>
-          <p:cNvSpPr/>
-          <p:nvPr/>
-        </p:nvSpPr>
-        <p:spPr bwMode="auto">
-          <a:xfrm>
-            <a:off x="2252700" y="1556796"/>
-            <a:ext cx="2412268" cy="5184572"/>
-          </a:xfrm>
-          <a:prstGeom prst="rect">
-            <a:avLst/>
-          </a:prstGeom>
-          <a:solidFill>
-            <a:schemeClr val="bg1"/>
-          </a:solidFill>
-          <a:ln w="9525" cap="flat" cmpd="sng" algn="ctr">
-            <a:solidFill>
-              <a:schemeClr val="tx1"/>
-            </a:solidFill>
-            <a:prstDash val="solid"/>
-            <a:round/>
-            <a:headEnd type="none" w="med" len="med"/>
-            <a:tailEnd type="none" w="med" len="med"/>
-          </a:ln>
-          <a:effectLst/>
-        </p:spPr>
-        <p:txBody>
-          <a:bodyPr vert="horz" wrap="square" lIns="36000" tIns="36000" rIns="36000" bIns="36000" numCol="1" rtlCol="0" anchor="ctr" anchorCtr="0" compatLnSpc="1">
-            <a:prstTxWarp prst="textNoShape">
-              <a:avLst/>
-            </a:prstTxWarp>
-          </a:bodyPr>
-          <a:lstStyle/>
-          <a:p>
-            <a:r>
-              <a:rPr kumimoji="1" lang="en-US" altLang="ja-JP" sz="1000" b="0" dirty="0">
-                <a:latin typeface="メイリオ"/>
-                <a:ea typeface="メイリオ"/>
-                <a:cs typeface="メイリオ"/>
-              </a:rPr>
-              <a:t>ID: “xxx”,</a:t>
-            </a:r>
-          </a:p>
-          <a:p>
-            <a:r>
-              <a:rPr kumimoji="1" lang="en-US" altLang="ja-JP" sz="1000" b="0" dirty="0">
-                <a:latin typeface="メイリオ"/>
-                <a:ea typeface="メイリオ"/>
-                <a:cs typeface="メイリオ"/>
-              </a:rPr>
-              <a:t>NAME: …, </a:t>
-            </a:r>
-          </a:p>
-          <a:p>
-            <a:r>
-              <a:rPr kumimoji="1" lang="en-US" altLang="ja-JP" sz="1000" b="0" dirty="0">
-                <a:latin typeface="メイリオ"/>
-                <a:ea typeface="メイリオ"/>
-                <a:cs typeface="メイリオ"/>
-              </a:rPr>
-              <a:t>DESCRIBE: … , </a:t>
-            </a:r>
-          </a:p>
-          <a:p>
-            <a:r>
-              <a:rPr kumimoji="1" lang="en-US" altLang="ja-JP" sz="1000" b="0" dirty="0">
-                <a:latin typeface="メイリオ"/>
-                <a:ea typeface="メイリオ"/>
-                <a:cs typeface="メイリオ"/>
-              </a:rPr>
-              <a:t>REQUEST: [</a:t>
-            </a:r>
-          </a:p>
-          <a:p>
-            <a:pPr marL="0" marR="0" indent="0" defTabSz="914400" rtl="0" eaLnBrk="1" fontAlgn="base" latinLnBrk="0" hangingPunct="1">
-              <a:lnSpc>
-                <a:spcPct val="100000"/>
-              </a:lnSpc>
-              <a:spcBef>
-                <a:spcPct val="0"/>
-              </a:spcBef>
-              <a:spcAft>
-                <a:spcPct val="0"/>
-              </a:spcAft>
-              <a:buClrTx/>
-              <a:buSzTx/>
-              <a:buFontTx/>
-              <a:buNone/>
-              <a:tabLst/>
-            </a:pPr>
-            <a:r>
-              <a:rPr kumimoji="1" lang="ja-JP" altLang="en-US" sz="1000" b="0">
-                <a:solidFill>
-                  <a:schemeClr val="accent4"/>
-                </a:solidFill>
-                <a:latin typeface="メイリオ"/>
-                <a:ea typeface="メイリオ"/>
-                <a:cs typeface="メイリオ"/>
-              </a:rPr>
-              <a:t>　</a:t>
-            </a:r>
-            <a:r>
-              <a:rPr kumimoji="1" lang="en-US" altLang="ja-JP" sz="1000" b="0" dirty="0">
-                <a:solidFill>
-                  <a:schemeClr val="accent4"/>
-                </a:solidFill>
-                <a:latin typeface="メイリオ"/>
-                <a:ea typeface="メイリオ"/>
-                <a:cs typeface="メイリオ"/>
-              </a:rPr>
-              <a:t>{</a:t>
-            </a:r>
-          </a:p>
-          <a:p>
-            <a:pPr marL="0" marR="0" indent="0" defTabSz="914400" rtl="0" eaLnBrk="1" fontAlgn="base" latinLnBrk="0" hangingPunct="1">
-              <a:lnSpc>
-                <a:spcPct val="100000"/>
-              </a:lnSpc>
-              <a:spcBef>
-                <a:spcPct val="0"/>
-              </a:spcBef>
-              <a:spcAft>
-                <a:spcPct val="0"/>
-              </a:spcAft>
-              <a:buClrTx/>
-              <a:buSzTx/>
-              <a:buFontTx/>
-              <a:buNone/>
-              <a:tabLst/>
-            </a:pPr>
-            <a:r>
-              <a:rPr kumimoji="1" lang="en-US" altLang="ja-JP" sz="1000" b="0" dirty="0">
-                <a:solidFill>
-                  <a:schemeClr val="accent4"/>
-                </a:solidFill>
-                <a:latin typeface="メイリオ"/>
-                <a:ea typeface="メイリオ"/>
-                <a:cs typeface="メイリオ"/>
-              </a:rPr>
-              <a:t>      ID: 0,</a:t>
-            </a:r>
-          </a:p>
-          <a:p>
-            <a:r>
-              <a:rPr kumimoji="1" lang="ja-JP" altLang="en-US" sz="1000" b="0">
-                <a:solidFill>
-                  <a:schemeClr val="accent4"/>
-                </a:solidFill>
-                <a:latin typeface="メイリオ"/>
-                <a:ea typeface="メイリオ"/>
-                <a:cs typeface="メイリオ"/>
-              </a:rPr>
-              <a:t>　　単価</a:t>
-            </a:r>
-            <a:r>
-              <a:rPr kumimoji="1" lang="en-US" altLang="ja-JP" sz="1000" b="0" dirty="0">
-                <a:solidFill>
-                  <a:schemeClr val="accent4"/>
-                </a:solidFill>
-                <a:latin typeface="メイリオ"/>
-                <a:ea typeface="メイリオ"/>
-                <a:cs typeface="メイリオ"/>
-              </a:rPr>
-              <a:t>: … ,</a:t>
-            </a:r>
-          </a:p>
-          <a:p>
-            <a:r>
-              <a:rPr kumimoji="1" lang="ja-JP" altLang="en-US" sz="1000" b="0">
-                <a:solidFill>
-                  <a:schemeClr val="accent4"/>
-                </a:solidFill>
-                <a:latin typeface="メイリオ"/>
-                <a:ea typeface="メイリオ"/>
-                <a:cs typeface="メイリオ"/>
-              </a:rPr>
-              <a:t>　　人数</a:t>
-            </a:r>
-            <a:r>
-              <a:rPr kumimoji="1" lang="en-US" altLang="ja-JP" sz="1000" b="0" dirty="0">
-                <a:solidFill>
-                  <a:schemeClr val="accent4"/>
-                </a:solidFill>
-                <a:latin typeface="メイリオ"/>
-                <a:ea typeface="メイリオ"/>
-                <a:cs typeface="メイリオ"/>
-              </a:rPr>
-              <a:t>: … ,</a:t>
-            </a:r>
-          </a:p>
-          <a:p>
-            <a:r>
-              <a:rPr kumimoji="1" lang="en-US" altLang="ja-JP" sz="1000" b="0" dirty="0">
-                <a:solidFill>
-                  <a:schemeClr val="accent4"/>
-                </a:solidFill>
-                <a:latin typeface="メイリオ"/>
-                <a:ea typeface="メイリオ"/>
-                <a:cs typeface="メイリオ"/>
-              </a:rPr>
-              <a:t>      </a:t>
-            </a:r>
-            <a:r>
-              <a:rPr kumimoji="1" lang="ja-JP" altLang="en-US" sz="1000" b="0">
-                <a:solidFill>
-                  <a:schemeClr val="accent4"/>
-                </a:solidFill>
-                <a:latin typeface="メイリオ"/>
-                <a:ea typeface="メイリオ"/>
-                <a:cs typeface="メイリオ"/>
-              </a:rPr>
-              <a:t>希望開始日</a:t>
-            </a:r>
-            <a:r>
-              <a:rPr kumimoji="1" lang="en-US" altLang="ja-JP" sz="1000" b="0" dirty="0">
-                <a:solidFill>
-                  <a:schemeClr val="accent4"/>
-                </a:solidFill>
-                <a:latin typeface="メイリオ"/>
-                <a:ea typeface="メイリオ"/>
-                <a:cs typeface="メイリオ"/>
-              </a:rPr>
-              <a:t>: 2020/09/01,</a:t>
-            </a:r>
-          </a:p>
-          <a:p>
-            <a:r>
-              <a:rPr kumimoji="1" lang="ja-JP" altLang="en-US" sz="1000" b="0">
-                <a:solidFill>
-                  <a:schemeClr val="accent4"/>
-                </a:solidFill>
-                <a:latin typeface="メイリオ"/>
-                <a:ea typeface="メイリオ"/>
-                <a:cs typeface="メイリオ"/>
-              </a:rPr>
-              <a:t>　　希望スキル</a:t>
-            </a:r>
-            <a:r>
-              <a:rPr kumimoji="1" lang="en-US" altLang="ja-JP" sz="1000" b="0" dirty="0">
-                <a:solidFill>
-                  <a:schemeClr val="accent4"/>
-                </a:solidFill>
-                <a:latin typeface="メイリオ"/>
-                <a:ea typeface="メイリオ"/>
-                <a:cs typeface="メイリオ"/>
-              </a:rPr>
-              <a:t>: [</a:t>
-            </a:r>
-          </a:p>
-          <a:p>
-            <a:r>
-              <a:rPr kumimoji="1" lang="ja-JP" altLang="en-US" sz="1000" b="0">
-                <a:solidFill>
-                  <a:schemeClr val="accent4"/>
-                </a:solidFill>
-                <a:latin typeface="メイリオ"/>
-                <a:ea typeface="メイリオ"/>
-                <a:cs typeface="メイリオ"/>
-              </a:rPr>
-              <a:t>　　　</a:t>
-            </a:r>
-            <a:r>
-              <a:rPr kumimoji="1" lang="en-US" altLang="ja-JP" sz="1000" b="0" dirty="0">
-                <a:solidFill>
-                  <a:schemeClr val="accent4"/>
-                </a:solidFill>
-                <a:latin typeface="メイリオ"/>
-                <a:ea typeface="メイリオ"/>
-                <a:cs typeface="メイリオ"/>
-              </a:rPr>
-              <a:t>“Java”,</a:t>
-            </a:r>
-          </a:p>
-          <a:p>
-            <a:r>
-              <a:rPr kumimoji="1" lang="ja-JP" altLang="en-US" sz="1000" b="0">
-                <a:solidFill>
-                  <a:schemeClr val="accent4"/>
-                </a:solidFill>
-                <a:latin typeface="メイリオ"/>
-                <a:ea typeface="メイリオ"/>
-                <a:cs typeface="メイリオ"/>
-              </a:rPr>
-              <a:t>　　　</a:t>
-            </a:r>
-            <a:r>
-              <a:rPr kumimoji="1" lang="en-US" altLang="ja-JP" sz="1000" b="0" dirty="0">
-                <a:solidFill>
-                  <a:schemeClr val="accent4"/>
-                </a:solidFill>
-                <a:latin typeface="メイリオ"/>
-                <a:ea typeface="メイリオ"/>
-                <a:cs typeface="メイリオ"/>
-              </a:rPr>
-              <a:t>“C</a:t>
-            </a:r>
-            <a:r>
-              <a:rPr kumimoji="1" lang="ja-JP" altLang="en-US" sz="1000" b="0">
-                <a:solidFill>
-                  <a:schemeClr val="accent4"/>
-                </a:solidFill>
-                <a:latin typeface="メイリオ"/>
-                <a:ea typeface="メイリオ"/>
-                <a:cs typeface="メイリオ"/>
-              </a:rPr>
-              <a:t>言語</a:t>
-            </a:r>
-            <a:r>
-              <a:rPr kumimoji="1" lang="en-US" altLang="ja-JP" sz="1000" b="0" dirty="0">
-                <a:solidFill>
-                  <a:schemeClr val="accent4"/>
-                </a:solidFill>
-                <a:latin typeface="メイリオ"/>
-                <a:ea typeface="メイリオ"/>
-                <a:cs typeface="メイリオ"/>
-              </a:rPr>
-              <a:t>” </a:t>
-            </a:r>
-          </a:p>
-          <a:p>
-            <a:r>
-              <a:rPr kumimoji="1" lang="ja-JP" altLang="en-US" sz="1000" b="0">
-                <a:solidFill>
-                  <a:schemeClr val="accent4"/>
-                </a:solidFill>
-                <a:latin typeface="メイリオ"/>
-                <a:ea typeface="メイリオ"/>
-                <a:cs typeface="メイリオ"/>
-              </a:rPr>
-              <a:t>　　</a:t>
-            </a:r>
-            <a:r>
-              <a:rPr kumimoji="1" lang="en-US" altLang="ja-JP" sz="1000" b="0" dirty="0">
-                <a:solidFill>
-                  <a:schemeClr val="accent4"/>
-                </a:solidFill>
-                <a:latin typeface="メイリオ"/>
-                <a:ea typeface="メイリオ"/>
-                <a:cs typeface="メイリオ"/>
-              </a:rPr>
-              <a:t>],</a:t>
-            </a:r>
-          </a:p>
-          <a:p>
-            <a:r>
-              <a:rPr kumimoji="1" lang="ja-JP" altLang="en-US" sz="1000" b="0">
-                <a:solidFill>
-                  <a:schemeClr val="accent4"/>
-                </a:solidFill>
-                <a:latin typeface="メイリオ"/>
-                <a:ea typeface="メイリオ"/>
-                <a:cs typeface="メイリオ"/>
-              </a:rPr>
-              <a:t>　</a:t>
-            </a:r>
-            <a:r>
-              <a:rPr kumimoji="1" lang="en-US" altLang="ja-JP" sz="1000" b="0" dirty="0">
-                <a:solidFill>
-                  <a:schemeClr val="accent4"/>
-                </a:solidFill>
-                <a:latin typeface="メイリオ"/>
-                <a:ea typeface="メイリオ"/>
-                <a:cs typeface="メイリオ"/>
-              </a:rPr>
-              <a:t>},</a:t>
-            </a:r>
-            <a:r>
-              <a:rPr kumimoji="1" lang="ja-JP" altLang="en-US" sz="1000" b="0">
-                <a:solidFill>
-                  <a:schemeClr val="accent4"/>
-                </a:solidFill>
-                <a:latin typeface="メイリオ"/>
-                <a:ea typeface="メイリオ"/>
-                <a:cs typeface="メイリオ"/>
-              </a:rPr>
-              <a:t> 　</a:t>
-            </a:r>
-            <a:r>
-              <a:rPr kumimoji="1" lang="en-US" altLang="ja-JP" sz="1000" b="0" dirty="0">
-                <a:solidFill>
-                  <a:schemeClr val="accent4"/>
-                </a:solidFill>
-                <a:latin typeface="メイリオ"/>
-                <a:ea typeface="メイリオ"/>
-                <a:cs typeface="メイリオ"/>
-              </a:rPr>
-              <a:t>{</a:t>
-            </a:r>
-          </a:p>
-          <a:p>
-            <a:r>
-              <a:rPr kumimoji="1" lang="en-US" altLang="ja-JP" sz="1000" b="0" dirty="0">
-                <a:solidFill>
-                  <a:schemeClr val="accent4"/>
-                </a:solidFill>
-                <a:latin typeface="メイリオ"/>
-                <a:ea typeface="メイリオ"/>
-                <a:cs typeface="メイリオ"/>
-              </a:rPr>
-              <a:t>      ID: 1,</a:t>
-            </a:r>
-          </a:p>
-          <a:p>
-            <a:r>
-              <a:rPr kumimoji="1" lang="ja-JP" altLang="en-US" sz="1000" b="0">
-                <a:solidFill>
-                  <a:schemeClr val="accent4"/>
-                </a:solidFill>
-                <a:latin typeface="メイリオ"/>
-                <a:ea typeface="メイリオ"/>
-                <a:cs typeface="メイリオ"/>
-              </a:rPr>
-              <a:t>　　単価</a:t>
-            </a:r>
-            <a:r>
-              <a:rPr kumimoji="1" lang="en-US" altLang="ja-JP" sz="1000" b="0" dirty="0">
-                <a:solidFill>
-                  <a:schemeClr val="accent4"/>
-                </a:solidFill>
-                <a:latin typeface="メイリオ"/>
-                <a:ea typeface="メイリオ"/>
-                <a:cs typeface="メイリオ"/>
-              </a:rPr>
-              <a:t>: … ,</a:t>
-            </a:r>
-          </a:p>
-          <a:p>
-            <a:r>
-              <a:rPr kumimoji="1" lang="ja-JP" altLang="en-US" sz="1000" b="0">
-                <a:solidFill>
-                  <a:schemeClr val="accent4"/>
-                </a:solidFill>
-                <a:latin typeface="メイリオ"/>
-                <a:ea typeface="メイリオ"/>
-                <a:cs typeface="メイリオ"/>
-              </a:rPr>
-              <a:t>　　人数</a:t>
-            </a:r>
-            <a:r>
-              <a:rPr kumimoji="1" lang="en-US" altLang="ja-JP" sz="1000" b="0" dirty="0">
-                <a:solidFill>
-                  <a:schemeClr val="accent4"/>
-                </a:solidFill>
-                <a:latin typeface="メイリオ"/>
-                <a:ea typeface="メイリオ"/>
-                <a:cs typeface="メイリオ"/>
-              </a:rPr>
-              <a:t>: … ,</a:t>
-            </a:r>
-          </a:p>
-          <a:p>
-            <a:r>
-              <a:rPr kumimoji="1" lang="en-US" altLang="ja-JP" sz="1000" b="0" dirty="0">
-                <a:solidFill>
-                  <a:schemeClr val="accent4"/>
-                </a:solidFill>
-                <a:latin typeface="メイリオ"/>
-                <a:ea typeface="メイリオ"/>
-                <a:cs typeface="メイリオ"/>
-              </a:rPr>
-              <a:t>      </a:t>
-            </a:r>
-            <a:r>
-              <a:rPr kumimoji="1" lang="ja-JP" altLang="en-US" sz="1000" b="0">
-                <a:solidFill>
-                  <a:schemeClr val="accent4"/>
-                </a:solidFill>
-                <a:latin typeface="メイリオ"/>
-                <a:ea typeface="メイリオ"/>
-                <a:cs typeface="メイリオ"/>
-              </a:rPr>
-              <a:t>希望開始日</a:t>
-            </a:r>
-            <a:r>
-              <a:rPr kumimoji="1" lang="en-US" altLang="ja-JP" sz="1000" b="0" dirty="0">
-                <a:solidFill>
-                  <a:schemeClr val="accent4"/>
-                </a:solidFill>
-                <a:latin typeface="メイリオ"/>
-                <a:ea typeface="メイリオ"/>
-                <a:cs typeface="メイリオ"/>
-              </a:rPr>
-              <a:t>: 2020/08/01,</a:t>
-            </a:r>
-          </a:p>
-          <a:p>
-            <a:r>
-              <a:rPr kumimoji="1" lang="ja-JP" altLang="en-US" sz="1000" b="0">
-                <a:solidFill>
-                  <a:schemeClr val="accent4"/>
-                </a:solidFill>
-                <a:latin typeface="メイリオ"/>
-                <a:ea typeface="メイリオ"/>
-                <a:cs typeface="メイリオ"/>
-              </a:rPr>
-              <a:t>　　希望スキル</a:t>
-            </a:r>
-            <a:r>
-              <a:rPr kumimoji="1" lang="en-US" altLang="ja-JP" sz="1000" b="0" dirty="0">
-                <a:solidFill>
-                  <a:schemeClr val="accent4"/>
-                </a:solidFill>
-                <a:latin typeface="メイリオ"/>
-                <a:ea typeface="メイリオ"/>
-                <a:cs typeface="メイリオ"/>
-              </a:rPr>
-              <a:t>: [</a:t>
-            </a:r>
-          </a:p>
-          <a:p>
-            <a:r>
-              <a:rPr kumimoji="1" lang="ja-JP" altLang="en-US" sz="1000" b="0">
-                <a:solidFill>
-                  <a:schemeClr val="accent4"/>
-                </a:solidFill>
-                <a:latin typeface="メイリオ"/>
-                <a:ea typeface="メイリオ"/>
-                <a:cs typeface="メイリオ"/>
-              </a:rPr>
-              <a:t>　　　</a:t>
-            </a:r>
-            <a:r>
-              <a:rPr kumimoji="1" lang="en-US" altLang="ja-JP" sz="1000" b="0" dirty="0">
-                <a:solidFill>
-                  <a:schemeClr val="accent4"/>
-                </a:solidFill>
-                <a:latin typeface="メイリオ"/>
-                <a:ea typeface="メイリオ"/>
-                <a:cs typeface="メイリオ"/>
-              </a:rPr>
-              <a:t>“Linux” </a:t>
-            </a:r>
-          </a:p>
-          <a:p>
-            <a:r>
-              <a:rPr kumimoji="1" lang="ja-JP" altLang="en-US" sz="1000" b="0">
-                <a:solidFill>
-                  <a:schemeClr val="accent4"/>
-                </a:solidFill>
-                <a:latin typeface="メイリオ"/>
-                <a:ea typeface="メイリオ"/>
-                <a:cs typeface="メイリオ"/>
-              </a:rPr>
-              <a:t>　　</a:t>
-            </a:r>
-            <a:r>
-              <a:rPr kumimoji="1" lang="en-US" altLang="ja-JP" sz="1000" b="0" dirty="0">
-                <a:solidFill>
-                  <a:schemeClr val="accent4"/>
-                </a:solidFill>
-                <a:latin typeface="メイリオ"/>
-                <a:ea typeface="メイリオ"/>
-                <a:cs typeface="メイリオ"/>
-              </a:rPr>
-              <a:t>],</a:t>
-            </a:r>
-          </a:p>
-          <a:p>
-            <a:r>
-              <a:rPr kumimoji="1" lang="ja-JP" altLang="en-US" sz="1000" b="0">
-                <a:solidFill>
-                  <a:schemeClr val="accent4"/>
-                </a:solidFill>
-                <a:latin typeface="メイリオ"/>
-                <a:ea typeface="メイリオ"/>
-                <a:cs typeface="メイリオ"/>
-              </a:rPr>
-              <a:t>　</a:t>
-            </a:r>
-            <a:r>
-              <a:rPr kumimoji="1" lang="en-US" altLang="ja-JP" sz="1000" b="0" dirty="0">
-                <a:solidFill>
-                  <a:schemeClr val="accent4"/>
-                </a:solidFill>
-                <a:latin typeface="メイリオ"/>
-                <a:ea typeface="メイリオ"/>
-                <a:cs typeface="メイリオ"/>
-              </a:rPr>
-              <a:t>},{</a:t>
-            </a:r>
-          </a:p>
-          <a:p>
-            <a:r>
-              <a:rPr kumimoji="1" lang="ja-JP" altLang="en-US" sz="1000" b="0">
-                <a:solidFill>
-                  <a:schemeClr val="accent4"/>
-                </a:solidFill>
-                <a:latin typeface="メイリオ"/>
-                <a:ea typeface="メイリオ"/>
-                <a:cs typeface="メイリオ"/>
-              </a:rPr>
-              <a:t>　</a:t>
-            </a:r>
-            <a:r>
-              <a:rPr kumimoji="1" lang="en-US" altLang="ja-JP" sz="1000" b="0" dirty="0">
-                <a:solidFill>
-                  <a:schemeClr val="accent4"/>
-                </a:solidFill>
-                <a:latin typeface="メイリオ"/>
-                <a:ea typeface="メイリオ"/>
-                <a:cs typeface="メイリオ"/>
-              </a:rPr>
-              <a:t>{</a:t>
-            </a:r>
-          </a:p>
-          <a:p>
-            <a:r>
-              <a:rPr kumimoji="1" lang="en-US" altLang="ja-JP" sz="1000" b="0" dirty="0">
-                <a:solidFill>
-                  <a:schemeClr val="accent4"/>
-                </a:solidFill>
-                <a:latin typeface="メイリオ"/>
-                <a:ea typeface="メイリオ"/>
-                <a:cs typeface="メイリオ"/>
-              </a:rPr>
-              <a:t>      ID: 2,</a:t>
-            </a:r>
-          </a:p>
-          <a:p>
-            <a:r>
-              <a:rPr kumimoji="1" lang="ja-JP" altLang="en-US" sz="1000" b="0">
-                <a:solidFill>
-                  <a:schemeClr val="accent4"/>
-                </a:solidFill>
-                <a:latin typeface="メイリオ"/>
-                <a:ea typeface="メイリオ"/>
-                <a:cs typeface="メイリオ"/>
-              </a:rPr>
-              <a:t>　　単価</a:t>
-            </a:r>
-            <a:r>
-              <a:rPr kumimoji="1" lang="en-US" altLang="ja-JP" sz="1000" b="0" dirty="0">
-                <a:solidFill>
-                  <a:schemeClr val="accent4"/>
-                </a:solidFill>
-                <a:latin typeface="メイリオ"/>
-                <a:ea typeface="メイリオ"/>
-                <a:cs typeface="メイリオ"/>
-              </a:rPr>
-              <a:t>: … ,</a:t>
-            </a:r>
-          </a:p>
-          <a:p>
-            <a:r>
-              <a:rPr kumimoji="1" lang="ja-JP" altLang="en-US" sz="1000" b="0">
-                <a:solidFill>
-                  <a:schemeClr val="accent4"/>
-                </a:solidFill>
-                <a:latin typeface="メイリオ"/>
-                <a:ea typeface="メイリオ"/>
-                <a:cs typeface="メイリオ"/>
-              </a:rPr>
-              <a:t>　　人数</a:t>
-            </a:r>
-            <a:r>
-              <a:rPr kumimoji="1" lang="en-US" altLang="ja-JP" sz="1000" b="0" dirty="0">
-                <a:solidFill>
-                  <a:schemeClr val="accent4"/>
-                </a:solidFill>
-                <a:latin typeface="メイリオ"/>
-                <a:ea typeface="メイリオ"/>
-                <a:cs typeface="メイリオ"/>
-              </a:rPr>
-              <a:t>: … ,</a:t>
-            </a:r>
-          </a:p>
-          <a:p>
-            <a:r>
-              <a:rPr kumimoji="1" lang="en-US" altLang="ja-JP" sz="1000" b="0" dirty="0">
-                <a:solidFill>
-                  <a:schemeClr val="accent4"/>
-                </a:solidFill>
-                <a:latin typeface="メイリオ"/>
-                <a:ea typeface="メイリオ"/>
-                <a:cs typeface="メイリオ"/>
-              </a:rPr>
-              <a:t>      </a:t>
-            </a:r>
-            <a:r>
-              <a:rPr kumimoji="1" lang="ja-JP" altLang="en-US" sz="1000" b="0">
-                <a:solidFill>
-                  <a:schemeClr val="accent4"/>
-                </a:solidFill>
-                <a:latin typeface="メイリオ"/>
-                <a:ea typeface="メイリオ"/>
-                <a:cs typeface="メイリオ"/>
-              </a:rPr>
-              <a:t>希望開始日</a:t>
-            </a:r>
-            <a:r>
-              <a:rPr kumimoji="1" lang="en-US" altLang="ja-JP" sz="1000" b="0" dirty="0">
-                <a:solidFill>
-                  <a:schemeClr val="accent4"/>
-                </a:solidFill>
-                <a:latin typeface="メイリオ"/>
-                <a:ea typeface="メイリオ"/>
-                <a:cs typeface="メイリオ"/>
-              </a:rPr>
-              <a:t>: 2020/09/01,</a:t>
-            </a:r>
-          </a:p>
-          <a:p>
-            <a:r>
-              <a:rPr kumimoji="1" lang="ja-JP" altLang="en-US" sz="1000" b="0">
-                <a:solidFill>
-                  <a:schemeClr val="accent4"/>
-                </a:solidFill>
-                <a:latin typeface="メイリオ"/>
-                <a:ea typeface="メイリオ"/>
-                <a:cs typeface="メイリオ"/>
-              </a:rPr>
-              <a:t>　　希望スキル</a:t>
-            </a:r>
-            <a:r>
-              <a:rPr kumimoji="1" lang="en-US" altLang="ja-JP" sz="1000" b="0" dirty="0">
-                <a:solidFill>
-                  <a:schemeClr val="accent4"/>
-                </a:solidFill>
-                <a:latin typeface="メイリオ"/>
-                <a:ea typeface="メイリオ"/>
-                <a:cs typeface="メイリオ"/>
-              </a:rPr>
-              <a:t>: [</a:t>
-            </a:r>
-          </a:p>
-          <a:p>
-            <a:r>
-              <a:rPr kumimoji="1" lang="ja-JP" altLang="en-US" sz="1000" b="0">
-                <a:solidFill>
-                  <a:schemeClr val="accent4"/>
-                </a:solidFill>
-                <a:latin typeface="メイリオ"/>
-                <a:ea typeface="メイリオ"/>
-                <a:cs typeface="メイリオ"/>
-              </a:rPr>
-              <a:t>　　　</a:t>
-            </a:r>
-            <a:r>
-              <a:rPr kumimoji="1" lang="en-US" altLang="ja-JP" sz="1000" b="0" dirty="0">
-                <a:solidFill>
-                  <a:schemeClr val="accent4"/>
-                </a:solidFill>
-                <a:latin typeface="メイリオ"/>
-                <a:ea typeface="メイリオ"/>
-                <a:cs typeface="メイリオ"/>
-              </a:rPr>
-              <a:t>“Python”,</a:t>
-            </a:r>
-          </a:p>
-          <a:p>
-            <a:r>
-              <a:rPr kumimoji="1" lang="ja-JP" altLang="en-US" sz="1000" b="0">
-                <a:solidFill>
-                  <a:schemeClr val="accent4"/>
-                </a:solidFill>
-                <a:latin typeface="メイリオ"/>
-                <a:ea typeface="メイリオ"/>
-                <a:cs typeface="メイリオ"/>
-              </a:rPr>
-              <a:t>　　　</a:t>
-            </a:r>
-            <a:r>
-              <a:rPr kumimoji="1" lang="en-US" altLang="ja-JP" sz="1000" b="0" dirty="0">
-                <a:solidFill>
-                  <a:schemeClr val="accent4"/>
-                </a:solidFill>
-                <a:latin typeface="メイリオ"/>
-                <a:ea typeface="メイリオ"/>
-                <a:cs typeface="メイリオ"/>
-              </a:rPr>
-              <a:t>“</a:t>
-            </a:r>
-            <a:r>
-              <a:rPr kumimoji="1" lang="ja-JP" altLang="en-US" sz="1000" b="0">
-                <a:solidFill>
-                  <a:schemeClr val="accent4"/>
-                </a:solidFill>
-                <a:latin typeface="メイリオ"/>
-                <a:ea typeface="メイリオ"/>
-                <a:cs typeface="メイリオ"/>
-              </a:rPr>
-              <a:t>機械学習</a:t>
-            </a:r>
-            <a:r>
-              <a:rPr kumimoji="1" lang="en-US" altLang="ja-JP" sz="1000" b="0" dirty="0">
-                <a:solidFill>
-                  <a:schemeClr val="accent4"/>
-                </a:solidFill>
-                <a:latin typeface="メイリオ"/>
-                <a:ea typeface="メイリオ"/>
-                <a:cs typeface="メイリオ"/>
-              </a:rPr>
-              <a:t>” </a:t>
-            </a:r>
-          </a:p>
-          <a:p>
-            <a:r>
-              <a:rPr kumimoji="1" lang="ja-JP" altLang="en-US" sz="1000" b="0">
-                <a:solidFill>
-                  <a:schemeClr val="accent4"/>
-                </a:solidFill>
-                <a:latin typeface="メイリオ"/>
-                <a:ea typeface="メイリオ"/>
-                <a:cs typeface="メイリオ"/>
-              </a:rPr>
-              <a:t>　　</a:t>
-            </a:r>
-            <a:r>
-              <a:rPr kumimoji="1" lang="en-US" altLang="ja-JP" sz="1000" b="0" dirty="0">
-                <a:solidFill>
-                  <a:schemeClr val="accent4"/>
-                </a:solidFill>
-                <a:latin typeface="メイリオ"/>
-                <a:ea typeface="メイリオ"/>
-                <a:cs typeface="メイリオ"/>
-              </a:rPr>
-              <a:t>],</a:t>
-            </a:r>
-          </a:p>
-          <a:p>
-            <a:r>
-              <a:rPr kumimoji="1" lang="ja-JP" altLang="en-US" sz="1000" b="0">
-                <a:solidFill>
-                  <a:schemeClr val="accent4"/>
-                </a:solidFill>
-                <a:latin typeface="メイリオ"/>
-                <a:ea typeface="メイリオ"/>
-                <a:cs typeface="メイリオ"/>
-              </a:rPr>
-              <a:t>　</a:t>
-            </a:r>
-            <a:r>
-              <a:rPr kumimoji="1" lang="en-US" altLang="ja-JP" sz="1000" b="0" dirty="0">
-                <a:solidFill>
-                  <a:schemeClr val="accent4"/>
-                </a:solidFill>
-                <a:latin typeface="メイリオ"/>
-                <a:ea typeface="メイリオ"/>
-                <a:cs typeface="メイリオ"/>
-              </a:rPr>
-              <a:t>}</a:t>
-            </a:r>
-          </a:p>
-          <a:p>
-            <a:r>
-              <a:rPr kumimoji="1" lang="en-US" altLang="ja-JP" sz="1000" b="0" dirty="0">
-                <a:latin typeface="メイリオ"/>
-                <a:ea typeface="メイリオ"/>
-                <a:cs typeface="メイリオ"/>
-              </a:rPr>
-              <a:t>],</a:t>
-            </a:r>
-          </a:p>
-        </p:txBody>
-      </p:sp>
-      <p:sp>
-        <p:nvSpPr>
-          <p:cNvPr id="9" name="テキスト ボックス 8">
-            <a:extLst>
-              <a:ext uri="{FF2B5EF4-FFF2-40B4-BE49-F238E27FC236}">
-                <a16:creationId xmlns:a16="http://schemas.microsoft.com/office/drawing/2014/main" id="{DED96F5B-1D56-0D41-ABC9-459C67FC5598}"/>
-              </a:ext>
-            </a:extLst>
-          </p:cNvPr>
-          <p:cNvSpPr txBox="1"/>
-          <p:nvPr/>
-        </p:nvSpPr>
-        <p:spPr>
-          <a:xfrm>
-            <a:off x="128464" y="25460"/>
-            <a:ext cx="9541060" cy="523220"/>
-          </a:xfrm>
-          <a:prstGeom prst="rect">
-            <a:avLst/>
-          </a:prstGeom>
-          <a:noFill/>
-        </p:spPr>
-        <p:txBody>
-          <a:bodyPr wrap="square" rtlCol="0">
-            <a:spAutoFit/>
-          </a:bodyPr>
-          <a:lstStyle/>
-          <a:p>
-            <a:r>
-              <a:rPr kumimoji="1" lang="ja-JP" altLang="en-US" sz="2800"/>
-              <a:t>マッチングを実現する</a:t>
-            </a:r>
-            <a:r>
-              <a:rPr kumimoji="1" lang="en-US" altLang="ja-JP" sz="2800" dirty="0"/>
-              <a:t>NoSQL</a:t>
-            </a:r>
-            <a:r>
-              <a:rPr kumimoji="1" lang="ja-JP" altLang="en-US" sz="2800"/>
-              <a:t>でのデータモデル</a:t>
-            </a:r>
-          </a:p>
-        </p:txBody>
-      </p:sp>
-      <p:sp>
-        <p:nvSpPr>
-          <p:cNvPr id="11" name="正方形/長方形 10">
-            <a:extLst>
-              <a:ext uri="{FF2B5EF4-FFF2-40B4-BE49-F238E27FC236}">
-                <a16:creationId xmlns:a16="http://schemas.microsoft.com/office/drawing/2014/main" id="{70EAEFB5-A245-884B-9654-65DA4B83F390}"/>
-              </a:ext>
-            </a:extLst>
-          </p:cNvPr>
-          <p:cNvSpPr/>
-          <p:nvPr/>
-        </p:nvSpPr>
-        <p:spPr bwMode="auto">
-          <a:xfrm>
-            <a:off x="5709084" y="1124744"/>
-            <a:ext cx="2412268" cy="432051"/>
-          </a:xfrm>
-          <a:prstGeom prst="rect">
-            <a:avLst/>
-          </a:prstGeom>
-          <a:solidFill>
-            <a:schemeClr val="bg1"/>
-          </a:solidFill>
-          <a:ln w="9525" cap="flat" cmpd="sng" algn="ctr">
-            <a:solidFill>
-              <a:schemeClr val="tx1"/>
-            </a:solidFill>
-            <a:prstDash val="solid"/>
-            <a:round/>
-            <a:headEnd type="none" w="med" len="med"/>
-            <a:tailEnd type="none" w="med" len="med"/>
-          </a:ln>
-          <a:effectLst/>
-        </p:spPr>
-        <p:txBody>
-          <a:bodyPr vert="horz" wrap="square" lIns="36000" tIns="36000" rIns="36000" bIns="36000" numCol="1" rtlCol="0" anchor="ctr" anchorCtr="0" compatLnSpc="1">
-            <a:prstTxWarp prst="textNoShape">
-              <a:avLst/>
-            </a:prstTxWarp>
-          </a:bodyPr>
-          <a:lstStyle/>
-          <a:p>
-            <a:pPr algn="ctr"/>
-            <a:r>
-              <a:rPr kumimoji="1" lang="en-US" altLang="ja-JP" b="0" dirty="0">
-                <a:latin typeface="メイリオ"/>
-                <a:ea typeface="メイリオ"/>
-                <a:cs typeface="メイリオ"/>
-              </a:rPr>
-              <a:t>ENGINEER</a:t>
-            </a:r>
-            <a:endParaRPr kumimoji="1" lang="ja-JP" altLang="en-US" b="0" dirty="0">
-              <a:latin typeface="メイリオ"/>
-              <a:ea typeface="メイリオ"/>
-              <a:cs typeface="メイリオ"/>
-            </a:endParaRPr>
-          </a:p>
-        </p:txBody>
-      </p:sp>
-      <p:sp>
-        <p:nvSpPr>
-          <p:cNvPr id="12" name="正方形/長方形 11">
-            <a:extLst>
-              <a:ext uri="{FF2B5EF4-FFF2-40B4-BE49-F238E27FC236}">
-                <a16:creationId xmlns:a16="http://schemas.microsoft.com/office/drawing/2014/main" id="{914B3E78-3F27-7F4B-BD4E-825B84ABE9BC}"/>
-              </a:ext>
-            </a:extLst>
-          </p:cNvPr>
-          <p:cNvSpPr/>
-          <p:nvPr/>
-        </p:nvSpPr>
-        <p:spPr bwMode="auto">
-          <a:xfrm>
-            <a:off x="5709084" y="1556794"/>
-            <a:ext cx="2412268" cy="5184572"/>
-          </a:xfrm>
-          <a:prstGeom prst="rect">
-            <a:avLst/>
-          </a:prstGeom>
-          <a:solidFill>
-            <a:schemeClr val="bg1"/>
-          </a:solidFill>
-          <a:ln w="9525" cap="flat" cmpd="sng" algn="ctr">
-            <a:solidFill>
-              <a:schemeClr val="tx1"/>
-            </a:solidFill>
-            <a:prstDash val="solid"/>
-            <a:round/>
-            <a:headEnd type="none" w="med" len="med"/>
-            <a:tailEnd type="none" w="med" len="med"/>
-          </a:ln>
-          <a:effectLst/>
-        </p:spPr>
-        <p:txBody>
-          <a:bodyPr vert="horz" wrap="square" lIns="36000" tIns="36000" rIns="36000" bIns="36000" numCol="1" rtlCol="0" anchor="ctr" anchorCtr="0" compatLnSpc="1">
-            <a:prstTxWarp prst="textNoShape">
-              <a:avLst/>
-            </a:prstTxWarp>
-          </a:bodyPr>
-          <a:lstStyle/>
-          <a:p>
-            <a:r>
-              <a:rPr kumimoji="1" lang="ja-JP" altLang="en-US" sz="1050" b="0">
-                <a:latin typeface="メイリオ"/>
-                <a:ea typeface="メイリオ"/>
-                <a:cs typeface="メイリオ"/>
-              </a:rPr>
-              <a:t>氏名</a:t>
-            </a:r>
-            <a:r>
-              <a:rPr kumimoji="1" lang="en-US" altLang="ja-JP" sz="1050" b="0" dirty="0">
-                <a:latin typeface="メイリオ"/>
-                <a:ea typeface="メイリオ"/>
-                <a:cs typeface="メイリオ"/>
-              </a:rPr>
-              <a:t>: …,</a:t>
-            </a:r>
-          </a:p>
-          <a:p>
-            <a:r>
-              <a:rPr kumimoji="1" lang="ja-JP" altLang="en-US" sz="1050" b="0">
-                <a:latin typeface="メイリオ"/>
-                <a:ea typeface="メイリオ"/>
-                <a:cs typeface="メイリオ"/>
-              </a:rPr>
-              <a:t>ユーザ</a:t>
-            </a:r>
-            <a:r>
-              <a:rPr kumimoji="1" lang="en-US" altLang="ja-JP" sz="1050" b="0" dirty="0">
-                <a:latin typeface="メイリオ"/>
-                <a:ea typeface="メイリオ"/>
-                <a:cs typeface="メイリオ"/>
-              </a:rPr>
-              <a:t>ID (</a:t>
-            </a:r>
-            <a:r>
-              <a:rPr kumimoji="1" lang="ja-JP" altLang="en-US" sz="1050" b="0">
-                <a:latin typeface="メイリオ"/>
-                <a:ea typeface="メイリオ"/>
-                <a:cs typeface="メイリオ"/>
-              </a:rPr>
-              <a:t>管理者</a:t>
-            </a:r>
-            <a:r>
-              <a:rPr kumimoji="1" lang="en-US" altLang="ja-JP" sz="1050" b="0" dirty="0">
-                <a:latin typeface="メイリオ"/>
-                <a:ea typeface="メイリオ"/>
-                <a:cs typeface="メイリオ"/>
-              </a:rPr>
-              <a:t>): …,</a:t>
-            </a:r>
-          </a:p>
-          <a:p>
-            <a:r>
-              <a:rPr kumimoji="1" lang="ja-JP" altLang="en-US" sz="1050" b="0">
-                <a:latin typeface="メイリオ"/>
-                <a:ea typeface="メイリオ"/>
-                <a:cs typeface="メイリオ"/>
-              </a:rPr>
-              <a:t>年齢</a:t>
-            </a:r>
-            <a:r>
-              <a:rPr kumimoji="1" lang="en-US" altLang="ja-JP" sz="1050" b="0" dirty="0">
-                <a:latin typeface="メイリオ"/>
-                <a:ea typeface="メイリオ"/>
-                <a:cs typeface="メイリオ"/>
-              </a:rPr>
-              <a:t>: …,</a:t>
-            </a:r>
-          </a:p>
-          <a:p>
-            <a:r>
-              <a:rPr kumimoji="1" lang="ja-JP" altLang="en-US" sz="1050" b="0">
-                <a:latin typeface="メイリオ"/>
-                <a:ea typeface="メイリオ"/>
-                <a:cs typeface="メイリオ"/>
-              </a:rPr>
-              <a:t>性別</a:t>
-            </a:r>
-            <a:r>
-              <a:rPr kumimoji="1" lang="en-US" altLang="ja-JP" sz="1050" b="0" dirty="0">
-                <a:latin typeface="メイリオ"/>
-                <a:ea typeface="メイリオ"/>
-                <a:cs typeface="メイリオ"/>
-              </a:rPr>
-              <a:t>: …,</a:t>
-            </a:r>
-          </a:p>
-          <a:p>
-            <a:r>
-              <a:rPr kumimoji="1" lang="ja-JP" altLang="en-US" sz="1050" b="0">
-                <a:latin typeface="メイリオ"/>
-                <a:ea typeface="メイリオ"/>
-                <a:cs typeface="メイリオ"/>
-              </a:rPr>
-              <a:t>住所</a:t>
-            </a:r>
-            <a:r>
-              <a:rPr kumimoji="1" lang="en-US" altLang="ja-JP" sz="1050" b="0" dirty="0">
-                <a:latin typeface="メイリオ"/>
-                <a:ea typeface="メイリオ"/>
-                <a:cs typeface="メイリオ"/>
-              </a:rPr>
-              <a:t>: …,</a:t>
-            </a:r>
-          </a:p>
-          <a:p>
-            <a:r>
-              <a:rPr kumimoji="1" lang="ja-JP" altLang="en-US" sz="1050" b="0">
-                <a:latin typeface="メイリオ"/>
-                <a:ea typeface="メイリオ"/>
-                <a:cs typeface="メイリオ"/>
-              </a:rPr>
-              <a:t>履歴書</a:t>
-            </a:r>
-            <a:r>
-              <a:rPr kumimoji="1" lang="en-US" altLang="ja-JP" sz="1050" b="0" dirty="0">
-                <a:latin typeface="メイリオ"/>
-                <a:ea typeface="メイリオ"/>
-                <a:cs typeface="メイリオ"/>
-              </a:rPr>
-              <a:t>: …,</a:t>
-            </a:r>
-          </a:p>
-          <a:p>
-            <a:r>
-              <a:rPr kumimoji="1" lang="ja-JP" altLang="en-US" sz="1050" b="0">
-                <a:latin typeface="メイリオ"/>
-                <a:ea typeface="メイリオ"/>
-                <a:cs typeface="メイリオ"/>
-              </a:rPr>
-              <a:t>開始可能日</a:t>
-            </a:r>
-            <a:r>
-              <a:rPr kumimoji="1" lang="en-US" altLang="ja-JP" sz="1050" b="0" dirty="0">
-                <a:latin typeface="メイリオ"/>
-                <a:ea typeface="メイリオ"/>
-                <a:cs typeface="メイリオ"/>
-              </a:rPr>
-              <a:t>: 2020/09/1</a:t>
-            </a:r>
-          </a:p>
-          <a:p>
-            <a:r>
-              <a:rPr kumimoji="1" lang="ja-JP" altLang="en-US" sz="1050" b="0">
-                <a:latin typeface="メイリオ"/>
-                <a:ea typeface="メイリオ"/>
-                <a:cs typeface="メイリオ"/>
-              </a:rPr>
-              <a:t>スキル</a:t>
-            </a:r>
-            <a:r>
-              <a:rPr kumimoji="1" lang="en-US" altLang="ja-JP" sz="1050" b="0" dirty="0">
-                <a:latin typeface="メイリオ"/>
-                <a:ea typeface="メイリオ"/>
-                <a:cs typeface="メイリオ"/>
-              </a:rPr>
-              <a:t>: [</a:t>
-            </a:r>
-          </a:p>
-          <a:p>
-            <a:r>
-              <a:rPr kumimoji="1" lang="en-US" altLang="ja-JP" sz="1050" b="0" dirty="0">
-                <a:latin typeface="メイリオ"/>
-                <a:ea typeface="メイリオ"/>
-                <a:cs typeface="メイリオ"/>
-              </a:rPr>
-              <a:t>  “Java”,</a:t>
-            </a:r>
-          </a:p>
-          <a:p>
-            <a:r>
-              <a:rPr kumimoji="1" lang="en-US" altLang="ja-JP" sz="1050" b="0" dirty="0">
-                <a:latin typeface="メイリオ"/>
-                <a:ea typeface="メイリオ"/>
-                <a:cs typeface="メイリオ"/>
-              </a:rPr>
-              <a:t>  “C</a:t>
-            </a:r>
-            <a:r>
-              <a:rPr kumimoji="1" lang="ja-JP" altLang="en-US" sz="1050" b="0">
-                <a:latin typeface="メイリオ"/>
-                <a:ea typeface="メイリオ"/>
-                <a:cs typeface="メイリオ"/>
-              </a:rPr>
-              <a:t>言語</a:t>
-            </a:r>
-            <a:r>
-              <a:rPr kumimoji="1" lang="en-US" altLang="ja-JP" sz="1050" b="0" dirty="0">
-                <a:latin typeface="メイリオ"/>
-                <a:ea typeface="メイリオ"/>
-                <a:cs typeface="メイリオ"/>
-              </a:rPr>
-              <a:t>”,</a:t>
-            </a:r>
-          </a:p>
-          <a:p>
-            <a:r>
-              <a:rPr kumimoji="1" lang="en-US" altLang="ja-JP" sz="1050" b="0" dirty="0">
-                <a:latin typeface="メイリオ"/>
-                <a:ea typeface="メイリオ"/>
-                <a:cs typeface="メイリオ"/>
-              </a:rPr>
-              <a:t>],</a:t>
-            </a:r>
-          </a:p>
-          <a:p>
-            <a:r>
-              <a:rPr kumimoji="1" lang="ja-JP" altLang="en-US" sz="1050" b="0">
-                <a:latin typeface="メイリオ"/>
-                <a:ea typeface="メイリオ"/>
-                <a:cs typeface="メイリオ"/>
-              </a:rPr>
-              <a:t>相性</a:t>
-            </a:r>
-            <a:r>
-              <a:rPr kumimoji="1" lang="en-US" altLang="ja-JP" sz="1050" b="0" dirty="0">
-                <a:latin typeface="メイリオ"/>
-                <a:ea typeface="メイリオ"/>
-                <a:cs typeface="メイリオ"/>
-              </a:rPr>
-              <a:t>: [</a:t>
-            </a:r>
-          </a:p>
-          <a:p>
-            <a:r>
-              <a:rPr kumimoji="1" lang="en-US" altLang="ja-JP" sz="1050" b="0" dirty="0">
-                <a:solidFill>
-                  <a:schemeClr val="accent4"/>
-                </a:solidFill>
-                <a:latin typeface="メイリオ"/>
-                <a:ea typeface="メイリオ"/>
-                <a:cs typeface="メイリオ"/>
-              </a:rPr>
-              <a:t>  {</a:t>
-            </a:r>
-          </a:p>
-          <a:p>
-            <a:r>
-              <a:rPr kumimoji="1" lang="en-US" altLang="ja-JP" sz="1050" b="0" dirty="0">
-                <a:solidFill>
-                  <a:schemeClr val="accent4"/>
-                </a:solidFill>
-                <a:latin typeface="メイリオ"/>
-                <a:ea typeface="メイリオ"/>
-                <a:cs typeface="メイリオ"/>
-              </a:rPr>
-              <a:t>    PROJECT_ID: “xxx”,</a:t>
-            </a:r>
-          </a:p>
-          <a:p>
-            <a:r>
-              <a:rPr kumimoji="1" lang="en-US" altLang="ja-JP" sz="1050" b="0" dirty="0">
-                <a:solidFill>
-                  <a:schemeClr val="accent4"/>
-                </a:solidFill>
-                <a:latin typeface="メイリオ"/>
-                <a:ea typeface="メイリオ"/>
-                <a:cs typeface="メイリオ"/>
-              </a:rPr>
-              <a:t>    REQUEST_ID: 0,</a:t>
-            </a:r>
-          </a:p>
-          <a:p>
-            <a:r>
-              <a:rPr kumimoji="1" lang="en-US" altLang="ja-JP" sz="1050" b="0" dirty="0">
-                <a:solidFill>
-                  <a:schemeClr val="accent4"/>
-                </a:solidFill>
-                <a:latin typeface="メイリオ"/>
-                <a:ea typeface="メイリオ"/>
-                <a:cs typeface="メイリオ"/>
-              </a:rPr>
-              <a:t>    CONPAT: 0.8</a:t>
-            </a:r>
-          </a:p>
-          <a:p>
-            <a:r>
-              <a:rPr kumimoji="1" lang="en-US" altLang="ja-JP" sz="1050" b="0" dirty="0">
-                <a:solidFill>
-                  <a:schemeClr val="accent4"/>
-                </a:solidFill>
-                <a:latin typeface="メイリオ"/>
-                <a:ea typeface="メイリオ"/>
-                <a:cs typeface="メイリオ"/>
-              </a:rPr>
-              <a:t>  },</a:t>
-            </a:r>
-          </a:p>
-          <a:p>
-            <a:r>
-              <a:rPr kumimoji="1" lang="en-US" altLang="ja-JP" sz="1050" b="0" dirty="0">
-                <a:solidFill>
-                  <a:schemeClr val="accent4"/>
-                </a:solidFill>
-                <a:latin typeface="メイリオ"/>
-                <a:ea typeface="メイリオ"/>
-                <a:cs typeface="メイリオ"/>
-              </a:rPr>
-              <a:t>  {</a:t>
-            </a:r>
-          </a:p>
-          <a:p>
-            <a:r>
-              <a:rPr kumimoji="1" lang="en-US" altLang="ja-JP" sz="1050" b="0" dirty="0">
-                <a:solidFill>
-                  <a:schemeClr val="accent4"/>
-                </a:solidFill>
-                <a:latin typeface="メイリオ"/>
-                <a:ea typeface="メイリオ"/>
-                <a:cs typeface="メイリオ"/>
-              </a:rPr>
-              <a:t>    PROJECT_ID: “xxx”,</a:t>
-            </a:r>
-          </a:p>
-          <a:p>
-            <a:r>
-              <a:rPr kumimoji="1" lang="en-US" altLang="ja-JP" sz="1050" b="0" dirty="0">
-                <a:solidFill>
-                  <a:schemeClr val="accent4"/>
-                </a:solidFill>
-                <a:latin typeface="メイリオ"/>
-                <a:ea typeface="メイリオ"/>
-                <a:cs typeface="メイリオ"/>
-              </a:rPr>
-              <a:t>    REQUEST_ID: 0,</a:t>
-            </a:r>
-          </a:p>
-          <a:p>
-            <a:r>
-              <a:rPr kumimoji="1" lang="en-US" altLang="ja-JP" sz="1050" b="0" dirty="0">
-                <a:solidFill>
-                  <a:schemeClr val="accent4"/>
-                </a:solidFill>
-                <a:latin typeface="メイリオ"/>
-                <a:ea typeface="メイリオ"/>
-                <a:cs typeface="メイリオ"/>
-              </a:rPr>
-              <a:t>    CONPAT: 0.1</a:t>
-            </a:r>
-          </a:p>
-          <a:p>
-            <a:r>
-              <a:rPr kumimoji="1" lang="en-US" altLang="ja-JP" sz="1050" b="0" dirty="0">
-                <a:solidFill>
-                  <a:schemeClr val="accent4"/>
-                </a:solidFill>
-                <a:latin typeface="メイリオ"/>
-                <a:ea typeface="メイリオ"/>
-                <a:cs typeface="メイリオ"/>
-              </a:rPr>
-              <a:t>  },</a:t>
-            </a:r>
-          </a:p>
-          <a:p>
-            <a:r>
-              <a:rPr kumimoji="1" lang="en-US" altLang="ja-JP" sz="1050" b="0" dirty="0">
-                <a:solidFill>
-                  <a:schemeClr val="accent4"/>
-                </a:solidFill>
-                <a:latin typeface="メイリオ"/>
-                <a:ea typeface="メイリオ"/>
-                <a:cs typeface="メイリオ"/>
-              </a:rPr>
-              <a:t>  {</a:t>
-            </a:r>
-          </a:p>
-          <a:p>
-            <a:r>
-              <a:rPr kumimoji="1" lang="en-US" altLang="ja-JP" sz="1050" b="0" dirty="0">
-                <a:solidFill>
-                  <a:schemeClr val="accent4"/>
-                </a:solidFill>
-                <a:latin typeface="メイリオ"/>
-                <a:ea typeface="メイリオ"/>
-                <a:cs typeface="メイリオ"/>
-              </a:rPr>
-              <a:t>    PROJECT_ID: “xxx”,</a:t>
-            </a:r>
-          </a:p>
-          <a:p>
-            <a:r>
-              <a:rPr kumimoji="1" lang="en-US" altLang="ja-JP" sz="1050" b="0" dirty="0">
-                <a:solidFill>
-                  <a:schemeClr val="accent4"/>
-                </a:solidFill>
-                <a:latin typeface="メイリオ"/>
-                <a:ea typeface="メイリオ"/>
-                <a:cs typeface="メイリオ"/>
-              </a:rPr>
-              <a:t>    REQUEST_ID: 0,</a:t>
-            </a:r>
-          </a:p>
-          <a:p>
-            <a:r>
-              <a:rPr kumimoji="1" lang="en-US" altLang="ja-JP" sz="1050" b="0" dirty="0">
-                <a:solidFill>
-                  <a:schemeClr val="accent4"/>
-                </a:solidFill>
-                <a:latin typeface="メイリオ"/>
-                <a:ea typeface="メイリオ"/>
-                <a:cs typeface="メイリオ"/>
-              </a:rPr>
-              <a:t>    CONPAT: 0.5</a:t>
-            </a:r>
-          </a:p>
-          <a:p>
-            <a:r>
-              <a:rPr kumimoji="1" lang="en-US" altLang="ja-JP" sz="1050" b="0" dirty="0">
-                <a:solidFill>
-                  <a:schemeClr val="accent4"/>
-                </a:solidFill>
-                <a:latin typeface="メイリオ"/>
-                <a:ea typeface="メイリオ"/>
-                <a:cs typeface="メイリオ"/>
-              </a:rPr>
-              <a:t>  },</a:t>
-            </a:r>
-          </a:p>
-          <a:p>
-            <a:r>
-              <a:rPr kumimoji="1" lang="en-US" altLang="ja-JP" sz="1050" b="0" dirty="0">
-                <a:solidFill>
-                  <a:schemeClr val="accent4"/>
-                </a:solidFill>
-                <a:latin typeface="メイリオ"/>
-                <a:ea typeface="メイリオ"/>
-                <a:cs typeface="メイリオ"/>
-              </a:rPr>
-              <a:t>  …</a:t>
-            </a:r>
-          </a:p>
-          <a:p>
-            <a:r>
-              <a:rPr kumimoji="1" lang="en-US" altLang="ja-JP" sz="1050" b="0" dirty="0">
-                <a:latin typeface="メイリオ"/>
-                <a:ea typeface="メイリオ"/>
-                <a:cs typeface="メイリオ"/>
-              </a:rPr>
-              <a:t>]</a:t>
-            </a:r>
-          </a:p>
-        </p:txBody>
-      </p:sp>
-      <p:cxnSp>
-        <p:nvCxnSpPr>
-          <p:cNvPr id="13" name="カギ線コネクタ 12">
-            <a:extLst>
-              <a:ext uri="{FF2B5EF4-FFF2-40B4-BE49-F238E27FC236}">
-                <a16:creationId xmlns:a16="http://schemas.microsoft.com/office/drawing/2014/main" id="{03D77A68-28E9-C044-B8D2-F6F6F490D3C3}"/>
-              </a:ext>
-            </a:extLst>
-          </p:cNvPr>
-          <p:cNvCxnSpPr>
-            <a:cxnSpLocks/>
-            <a:stCxn id="6" idx="3"/>
-            <a:endCxn id="12" idx="1"/>
-          </p:cNvCxnSpPr>
-          <p:nvPr/>
-        </p:nvCxnSpPr>
-        <p:spPr bwMode="auto">
-          <a:xfrm flipV="1">
-            <a:off x="4664968" y="4149080"/>
-            <a:ext cx="1044116" cy="2"/>
-          </a:xfrm>
-          <a:prstGeom prst="bentConnector3">
-            <a:avLst/>
-          </a:prstGeom>
-          <a:solidFill>
-            <a:schemeClr val="accent1"/>
-          </a:solidFill>
-          <a:ln w="9525" cap="flat" cmpd="sng" algn="ctr">
-            <a:solidFill>
-              <a:schemeClr val="tx1"/>
-            </a:solidFill>
-            <a:prstDash val="solid"/>
-            <a:round/>
-            <a:headEnd type="none" w="med" len="med"/>
-            <a:tailEnd type="none" w="lg" len="lg"/>
-          </a:ln>
-          <a:effectLst/>
-        </p:spPr>
-      </p:cxnSp>
-      <p:sp>
-        <p:nvSpPr>
-          <p:cNvPr id="7" name="左中かっこ 6">
-            <a:extLst>
-              <a:ext uri="{FF2B5EF4-FFF2-40B4-BE49-F238E27FC236}">
-                <a16:creationId xmlns:a16="http://schemas.microsoft.com/office/drawing/2014/main" id="{1841A432-C60F-334A-9E2C-FD00E0CBB553}"/>
-              </a:ext>
-            </a:extLst>
-          </p:cNvPr>
-          <p:cNvSpPr/>
-          <p:nvPr/>
-        </p:nvSpPr>
-        <p:spPr bwMode="auto">
-          <a:xfrm flipH="1">
-            <a:off x="7185248" y="3753036"/>
-            <a:ext cx="396044" cy="2556279"/>
-          </a:xfrm>
-          <a:prstGeom prst="leftBrace">
-            <a:avLst>
-              <a:gd name="adj1" fmla="val 60807"/>
-              <a:gd name="adj2" fmla="val 50000"/>
-            </a:avLst>
-          </a:prstGeom>
-          <a:solidFill>
-            <a:schemeClr val="accent1"/>
-          </a:solidFill>
-          <a:ln w="9525" cap="flat" cmpd="sng" algn="ctr">
-            <a:solidFill>
-              <a:schemeClr val="tx1"/>
-            </a:solidFill>
-            <a:prstDash val="solid"/>
-            <a:round/>
-            <a:headEnd type="none" w="med" len="med"/>
-            <a:tailEnd type="none" w="med" len="med"/>
-          </a:ln>
-          <a:effectLst/>
-        </p:spPr>
-        <p:txBody>
-          <a:bodyPr vert="horz" wrap="none" lIns="0" tIns="0" rIns="0" bIns="0" numCol="1" rtlCol="0" anchor="ctr" anchorCtr="0" compatLnSpc="1">
-            <a:prstTxWarp prst="textNoShape">
-              <a:avLst/>
-            </a:prstTxWarp>
-          </a:bodyPr>
-          <a:lstStyle/>
-          <a:p>
-            <a:pPr marL="0" marR="0" indent="0" algn="l" defTabSz="914400" rtl="0" eaLnBrk="1" fontAlgn="base" latinLnBrk="0" hangingPunct="1">
-              <a:lnSpc>
-                <a:spcPct val="100000"/>
-              </a:lnSpc>
-              <a:spcBef>
-                <a:spcPct val="0"/>
-              </a:spcBef>
-              <a:spcAft>
-                <a:spcPct val="0"/>
-              </a:spcAft>
-              <a:buClrTx/>
-              <a:buSzTx/>
-              <a:buFontTx/>
-              <a:buNone/>
-              <a:tabLst/>
-            </a:pPr>
-            <a:endParaRPr kumimoji="0" lang="ja-JP" altLang="en-US" sz="1400" b="1" i="0" u="none" strike="noStrike" cap="none" normalizeH="0" baseline="0">
-              <a:ln>
-                <a:noFill/>
-              </a:ln>
-              <a:solidFill>
-                <a:schemeClr val="tx1"/>
-              </a:solidFill>
-              <a:effectLst/>
-              <a:latin typeface="Arial" charset="0"/>
-              <a:ea typeface="ＭＳ Ｐゴシック" pitchFamily="50" charset="-128"/>
-            </a:endParaRPr>
-          </a:p>
-        </p:txBody>
-      </p:sp>
-      <p:sp>
-        <p:nvSpPr>
-          <p:cNvPr id="8" name="テキスト ボックス 7">
-            <a:extLst>
-              <a:ext uri="{FF2B5EF4-FFF2-40B4-BE49-F238E27FC236}">
-                <a16:creationId xmlns:a16="http://schemas.microsoft.com/office/drawing/2014/main" id="{440B83FD-AB91-234C-845E-9B692FE73697}"/>
-              </a:ext>
-            </a:extLst>
-          </p:cNvPr>
-          <p:cNvSpPr txBox="1"/>
-          <p:nvPr/>
-        </p:nvSpPr>
-        <p:spPr>
-          <a:xfrm>
-            <a:off x="7442368" y="5207722"/>
-            <a:ext cx="2335168" cy="738664"/>
-          </a:xfrm>
-          <a:prstGeom prst="rect">
-            <a:avLst/>
-          </a:prstGeom>
-          <a:solidFill>
-            <a:schemeClr val="bg1"/>
-          </a:solidFill>
-        </p:spPr>
-        <p:txBody>
-          <a:bodyPr wrap="square" rtlCol="0">
-            <a:spAutoFit/>
-          </a:bodyPr>
-          <a:lstStyle/>
-          <a:p>
-            <a:r>
-              <a:rPr kumimoji="1" lang="ja-JP" altLang="en-US" b="0"/>
-              <a:t>プロジェクトの要員希望分の相性値をフィールドとして</a:t>
-            </a:r>
-            <a:br>
-              <a:rPr kumimoji="1" lang="en-US" altLang="ja-JP" b="0" dirty="0"/>
-            </a:br>
-            <a:r>
-              <a:rPr kumimoji="1" lang="ja-JP" altLang="en-US" b="0"/>
-              <a:t>追加します。</a:t>
-            </a:r>
-          </a:p>
-        </p:txBody>
-      </p:sp>
-      <p:sp>
-        <p:nvSpPr>
-          <p:cNvPr id="15" name="左中かっこ 14">
-            <a:extLst>
-              <a:ext uri="{FF2B5EF4-FFF2-40B4-BE49-F238E27FC236}">
-                <a16:creationId xmlns:a16="http://schemas.microsoft.com/office/drawing/2014/main" id="{CEC75DC0-AE44-5449-997F-22C26754B2CC}"/>
-              </a:ext>
-            </a:extLst>
-          </p:cNvPr>
-          <p:cNvSpPr/>
-          <p:nvPr/>
-        </p:nvSpPr>
-        <p:spPr bwMode="auto">
-          <a:xfrm>
-            <a:off x="1774032" y="2312877"/>
-            <a:ext cx="396044" cy="4150326"/>
-          </a:xfrm>
-          <a:prstGeom prst="leftBrace">
-            <a:avLst>
-              <a:gd name="adj1" fmla="val 60807"/>
-              <a:gd name="adj2" fmla="val 50000"/>
-            </a:avLst>
-          </a:prstGeom>
-          <a:solidFill>
-            <a:schemeClr val="accent1"/>
-          </a:solidFill>
-          <a:ln w="9525" cap="flat" cmpd="sng" algn="ctr">
-            <a:solidFill>
-              <a:schemeClr val="tx1"/>
-            </a:solidFill>
-            <a:prstDash val="solid"/>
-            <a:round/>
-            <a:headEnd type="none" w="med" len="med"/>
-            <a:tailEnd type="none" w="med" len="med"/>
-          </a:ln>
-          <a:effectLst/>
-        </p:spPr>
-        <p:txBody>
-          <a:bodyPr vert="horz" wrap="none" lIns="0" tIns="0" rIns="0" bIns="0" numCol="1" rtlCol="0" anchor="ctr" anchorCtr="0" compatLnSpc="1">
-            <a:prstTxWarp prst="textNoShape">
-              <a:avLst/>
-            </a:prstTxWarp>
-          </a:bodyPr>
-          <a:lstStyle/>
-          <a:p>
-            <a:pPr marL="0" marR="0" indent="0" algn="l" defTabSz="914400" rtl="0" eaLnBrk="1" fontAlgn="base" latinLnBrk="0" hangingPunct="1">
-              <a:lnSpc>
-                <a:spcPct val="100000"/>
-              </a:lnSpc>
-              <a:spcBef>
-                <a:spcPct val="0"/>
-              </a:spcBef>
-              <a:spcAft>
-                <a:spcPct val="0"/>
-              </a:spcAft>
-              <a:buClrTx/>
-              <a:buSzTx/>
-              <a:buFontTx/>
-              <a:buNone/>
-              <a:tabLst/>
-            </a:pPr>
-            <a:endParaRPr kumimoji="0" lang="ja-JP" altLang="en-US" sz="1400" b="1" i="0" u="none" strike="noStrike" cap="none" normalizeH="0" baseline="0">
-              <a:ln>
-                <a:noFill/>
-              </a:ln>
-              <a:solidFill>
-                <a:schemeClr val="tx1"/>
-              </a:solidFill>
-              <a:effectLst/>
-              <a:latin typeface="Arial" charset="0"/>
-              <a:ea typeface="ＭＳ Ｐゴシック" pitchFamily="50" charset="-128"/>
-            </a:endParaRPr>
-          </a:p>
-        </p:txBody>
-      </p:sp>
-      <p:sp>
-        <p:nvSpPr>
-          <p:cNvPr id="16" name="テキスト ボックス 15">
-            <a:extLst>
-              <a:ext uri="{FF2B5EF4-FFF2-40B4-BE49-F238E27FC236}">
-                <a16:creationId xmlns:a16="http://schemas.microsoft.com/office/drawing/2014/main" id="{6AF41339-D77E-EA47-9E51-517AC7DEC9B9}"/>
-              </a:ext>
-            </a:extLst>
-          </p:cNvPr>
-          <p:cNvSpPr txBox="1"/>
-          <p:nvPr/>
-        </p:nvSpPr>
-        <p:spPr>
-          <a:xfrm>
-            <a:off x="320620" y="3662444"/>
-            <a:ext cx="1824068" cy="738664"/>
-          </a:xfrm>
-          <a:prstGeom prst="rect">
-            <a:avLst/>
-          </a:prstGeom>
-          <a:noFill/>
-        </p:spPr>
-        <p:txBody>
-          <a:bodyPr wrap="square" rtlCol="0">
-            <a:spAutoFit/>
-          </a:bodyPr>
-          <a:lstStyle/>
-          <a:p>
-            <a:r>
-              <a:rPr kumimoji="1" lang="ja-JP" altLang="en-US" b="0"/>
-              <a:t>このプロジェクトでは</a:t>
-            </a:r>
-            <a:endParaRPr kumimoji="1" lang="en-US" altLang="ja-JP" b="0" dirty="0"/>
-          </a:p>
-          <a:p>
-            <a:r>
-              <a:rPr kumimoji="1" lang="en-US" altLang="ja-JP" b="0" dirty="0"/>
-              <a:t>3</a:t>
-            </a:r>
-            <a:r>
-              <a:rPr kumimoji="1" lang="ja-JP" altLang="en-US" b="0"/>
-              <a:t>つの要員希望が</a:t>
-            </a:r>
-            <a:endParaRPr kumimoji="1" lang="en-US" altLang="ja-JP" b="0" dirty="0"/>
-          </a:p>
-          <a:p>
-            <a:r>
-              <a:rPr kumimoji="1" lang="ja-JP" altLang="en-US" b="0"/>
-              <a:t>登録されています</a:t>
-            </a:r>
-          </a:p>
-        </p:txBody>
-      </p:sp>
-      <p:sp>
-        <p:nvSpPr>
-          <p:cNvPr id="17" name="テキスト ボックス 16">
-            <a:extLst>
-              <a:ext uri="{FF2B5EF4-FFF2-40B4-BE49-F238E27FC236}">
-                <a16:creationId xmlns:a16="http://schemas.microsoft.com/office/drawing/2014/main" id="{56625FD3-57C7-9047-AF70-AABE165B4EDE}"/>
-              </a:ext>
-            </a:extLst>
-          </p:cNvPr>
-          <p:cNvSpPr txBox="1"/>
-          <p:nvPr/>
-        </p:nvSpPr>
-        <p:spPr>
-          <a:xfrm>
-            <a:off x="128464" y="512676"/>
-            <a:ext cx="9668932" cy="523220"/>
-          </a:xfrm>
-          <a:prstGeom prst="rect">
-            <a:avLst/>
-          </a:prstGeom>
-          <a:noFill/>
-        </p:spPr>
-        <p:txBody>
-          <a:bodyPr wrap="square" rtlCol="0">
-            <a:spAutoFit/>
-          </a:bodyPr>
-          <a:lstStyle/>
-          <a:p>
-            <a:r>
-              <a:rPr kumimoji="1" lang="en-US" altLang="ja-JP" b="0" dirty="0"/>
-              <a:t>NoSQL</a:t>
-            </a:r>
-            <a:r>
-              <a:rPr kumimoji="1" lang="ja-JP" altLang="en-US" b="0"/>
-              <a:t>でマッチングを実現するには案件（</a:t>
-            </a:r>
-            <a:r>
-              <a:rPr kumimoji="1" lang="en-US" altLang="ja-JP" b="0" dirty="0"/>
-              <a:t>PROJECT</a:t>
-            </a:r>
-            <a:r>
-              <a:rPr kumimoji="1" lang="ja-JP" altLang="en-US" b="0"/>
-              <a:t>）と要員（</a:t>
-            </a:r>
-            <a:r>
-              <a:rPr kumimoji="1" lang="en-US" altLang="ja-JP" b="0" dirty="0"/>
-              <a:t>ENGINEER</a:t>
-            </a:r>
-            <a:r>
-              <a:rPr kumimoji="1" lang="ja-JP" altLang="en-US" b="0"/>
-              <a:t>）に対応する数の相性値をフィールドとしてセット</a:t>
-            </a:r>
-            <a:br>
-              <a:rPr kumimoji="1" lang="en-US" altLang="ja-JP" b="0" dirty="0"/>
-            </a:br>
-            <a:r>
-              <a:rPr kumimoji="1" lang="ja-JP" altLang="en-US" b="0"/>
-              <a:t>する必要があります。しかし要員数は多い（例えば</a:t>
-            </a:r>
-            <a:r>
-              <a:rPr kumimoji="1" lang="en-US" altLang="ja-JP" b="0" dirty="0"/>
-              <a:t>100</a:t>
-            </a:r>
-            <a:r>
-              <a:rPr kumimoji="1" lang="ja-JP" altLang="en-US" b="0"/>
-              <a:t>名）ので要員希望すべてに</a:t>
-            </a:r>
-            <a:r>
-              <a:rPr kumimoji="1" lang="en-US" altLang="ja-JP" b="0" dirty="0"/>
-              <a:t>100</a:t>
-            </a:r>
-            <a:r>
-              <a:rPr kumimoji="1" lang="ja-JP" altLang="en-US" b="0"/>
-              <a:t>名分の相性値をセットするのは困難。</a:t>
-            </a:r>
-          </a:p>
-        </p:txBody>
-      </p:sp>
-    </p:spTree>
-    <p:extLst>
-      <p:ext uri="{BB962C8B-B14F-4D97-AF65-F5344CB8AC3E}">
-        <p14:creationId xmlns:p14="http://schemas.microsoft.com/office/powerpoint/2010/main" val="2712928538"/>
       </p:ext>
     </p:extLst>
   </p:cSld>
